--- a/Learning-Defensive-programming/Learning-Defensive-programming.pptx
+++ b/Learning-Defensive-programming/Learning-Defensive-programming.pptx
@@ -9461,30 +9461,30 @@
     </dgm:pt>
   </dgm:ptLst>
   <dgm:cxnLst>
+    <dgm:cxn modelId="{84E4EB6E-384E-4CDA-A6F5-AD1699F79A86}" type="presOf" srcId="{1B829A66-2578-430A-9BA5-8474DE99A2D4}" destId="{6D1264EF-B2A6-41DB-8D0F-1F9DE43068E7}" srcOrd="0" destOrd="0" presId="urn:microsoft.com/office/officeart/2005/8/layout/vList2"/>
     <dgm:cxn modelId="{92F2F569-2467-40A9-B6A8-CB06B85661CF}" srcId="{0E146B81-4288-43BE-B510-954567A6F283}" destId="{A64B9E20-30F0-4FBF-9EFF-1F3230FE4305}" srcOrd="0" destOrd="0" parTransId="{7D6EC0B2-2F45-4FD8-8F03-F92583C107D7}" sibTransId="{C2C5CD53-D281-4BA4-9966-13D79AE8DD51}"/>
+    <dgm:cxn modelId="{37D80122-5141-4F8E-94B3-84A2E7B421C8}" srcId="{B9A9F9E1-2E2B-4439-83F3-1AB9501C2DF1}" destId="{81B4B438-01F7-40E2-9D98-E99B3BC2BC06}" srcOrd="0" destOrd="0" parTransId="{B2EE07D0-6BD8-4AA4-A1E7-8A145DEFCAF9}" sibTransId="{F191C67A-AD4B-4FED-8686-3B8AC063C90A}"/>
+    <dgm:cxn modelId="{E57F2A01-C140-4478-B6C5-67DCF8333632}" type="presOf" srcId="{107CB80F-803A-44D4-81F2-323AE0242253}" destId="{5D062E3F-1CDB-4BB5-8AE4-B420A0E5EDC8}" srcOrd="0" destOrd="0" presId="urn:microsoft.com/office/officeart/2005/8/layout/vList2"/>
+    <dgm:cxn modelId="{3768AA1F-0F2F-4E5E-9B5B-C72BE4877062}" type="presOf" srcId="{BA891C2F-21D5-4DA3-90EE-5F6CEC61A524}" destId="{1A98411F-BB4A-4FE7-BF2F-526C103E9669}" srcOrd="0" destOrd="0" presId="urn:microsoft.com/office/officeart/2005/8/layout/vList2"/>
+    <dgm:cxn modelId="{9C0C5EBD-FBE5-413B-BFA7-753953B6DB59}" type="presOf" srcId="{A64B9E20-30F0-4FBF-9EFF-1F3230FE4305}" destId="{CCE9917A-38AE-4D39-86E4-CA05261F6BDB}" srcOrd="0" destOrd="0" presId="urn:microsoft.com/office/officeart/2005/8/layout/vList2"/>
+    <dgm:cxn modelId="{3154A109-5A7D-4DBC-8606-E44B7D2B7D4D}" type="presOf" srcId="{56A415F5-B9AF-4026-9D88-552983AD2CEC}" destId="{B2C06370-F656-43DF-88EA-F115B969F5C6}" srcOrd="0" destOrd="0" presId="urn:microsoft.com/office/officeart/2005/8/layout/vList2"/>
+    <dgm:cxn modelId="{0121DA55-7BDC-44F9-B1D8-E937A8C84EAC}" srcId="{56A415F5-B9AF-4026-9D88-552983AD2CEC}" destId="{107CB80F-803A-44D4-81F2-323AE0242253}" srcOrd="3" destOrd="0" parTransId="{B1D06BE3-D188-4A06-84B6-09CE4214FD4B}" sibTransId="{A5369CD7-DB22-4FE8-BF1B-A88EAFEDD3AB}"/>
+    <dgm:cxn modelId="{944CC3D2-7162-4C2D-B413-EFF6BC9A8AD5}" type="presOf" srcId="{5296E1D1-5873-4904-B202-5BAABD1CBA6C}" destId="{5C328887-E348-4682-B966-131F1137C794}" srcOrd="0" destOrd="0" presId="urn:microsoft.com/office/officeart/2005/8/layout/vList2"/>
+    <dgm:cxn modelId="{A262797D-49E3-4A13-B928-B242330BD053}" srcId="{56A415F5-B9AF-4026-9D88-552983AD2CEC}" destId="{C46D4D05-CD5F-4545-8DDC-DDDBF7404420}" srcOrd="0" destOrd="0" parTransId="{6D13D329-0873-40C5-A90D-761178D0DCD5}" sibTransId="{00A1C80E-03EE-409E-9F29-F0B8D433D268}"/>
+    <dgm:cxn modelId="{17E9CD17-63B6-41FB-AE49-5A803525C02F}" type="presOf" srcId="{81B4B438-01F7-40E2-9D98-E99B3BC2BC06}" destId="{65FA0EAB-4AEE-4A92-AC82-59CE948C0152}" srcOrd="0" destOrd="0" presId="urn:microsoft.com/office/officeart/2005/8/layout/vList2"/>
     <dgm:cxn modelId="{C41C20D0-1D84-47D4-801E-702CFD9C74A1}" srcId="{56A415F5-B9AF-4026-9D88-552983AD2CEC}" destId="{0E146B81-4288-43BE-B510-954567A6F283}" srcOrd="4" destOrd="0" parTransId="{BF253323-D6E7-438B-A5A7-D98F45E7FFAB}" sibTransId="{AC9A62D1-260D-41D0-A42A-27F6C4E65BC3}"/>
-    <dgm:cxn modelId="{9C0C5EBD-FBE5-413B-BFA7-753953B6DB59}" type="presOf" srcId="{A64B9E20-30F0-4FBF-9EFF-1F3230FE4305}" destId="{CCE9917A-38AE-4D39-86E4-CA05261F6BDB}" srcOrd="0" destOrd="0" presId="urn:microsoft.com/office/officeart/2005/8/layout/vList2"/>
-    <dgm:cxn modelId="{AEBB2830-03E3-46E6-ABB7-910B25183281}" type="presOf" srcId="{C46D4D05-CD5F-4545-8DDC-DDDBF7404420}" destId="{E4D53833-29AE-4B0B-9AA4-E60C3CB433B2}" srcOrd="0" destOrd="0" presId="urn:microsoft.com/office/officeart/2005/8/layout/vList2"/>
-    <dgm:cxn modelId="{E57F2A01-C140-4478-B6C5-67DCF8333632}" type="presOf" srcId="{107CB80F-803A-44D4-81F2-323AE0242253}" destId="{5D062E3F-1CDB-4BB5-8AE4-B420A0E5EDC8}" srcOrd="0" destOrd="0" presId="urn:microsoft.com/office/officeart/2005/8/layout/vList2"/>
-    <dgm:cxn modelId="{3BE2DA58-3C42-4E5E-8358-278E60683C03}" srcId="{C46D4D05-CD5F-4545-8DDC-DDDBF7404420}" destId="{4A0CCAF8-409C-4FA0-B87F-E1A531750C1D}" srcOrd="0" destOrd="0" parTransId="{4F946E3B-2655-4483-9FF9-46E147C8C964}" sibTransId="{665B2625-61E7-41A6-AAD1-E4460C9A8D5C}"/>
-    <dgm:cxn modelId="{3154A109-5A7D-4DBC-8606-E44B7D2B7D4D}" type="presOf" srcId="{56A415F5-B9AF-4026-9D88-552983AD2CEC}" destId="{B2C06370-F656-43DF-88EA-F115B969F5C6}" srcOrd="0" destOrd="0" presId="urn:microsoft.com/office/officeart/2005/8/layout/vList2"/>
-    <dgm:cxn modelId="{17E9CD17-63B6-41FB-AE49-5A803525C02F}" type="presOf" srcId="{81B4B438-01F7-40E2-9D98-E99B3BC2BC06}" destId="{65FA0EAB-4AEE-4A92-AC82-59CE948C0152}" srcOrd="0" destOrd="0" presId="urn:microsoft.com/office/officeart/2005/8/layout/vList2"/>
-    <dgm:cxn modelId="{A262797D-49E3-4A13-B928-B242330BD053}" srcId="{56A415F5-B9AF-4026-9D88-552983AD2CEC}" destId="{C46D4D05-CD5F-4545-8DDC-DDDBF7404420}" srcOrd="0" destOrd="0" parTransId="{6D13D329-0873-40C5-A90D-761178D0DCD5}" sibTransId="{00A1C80E-03EE-409E-9F29-F0B8D433D268}"/>
-    <dgm:cxn modelId="{6C714191-75C4-4A5E-81A3-9F85930DDCB5}" type="presOf" srcId="{5A75CF1E-E7D0-4CD1-81C7-CF9222BFA9D5}" destId="{975B7BD7-BA18-45C0-8B90-64841DF69D3D}" srcOrd="0" destOrd="0" presId="urn:microsoft.com/office/officeart/2005/8/layout/vList2"/>
-    <dgm:cxn modelId="{D67B78C5-F0A8-4A34-8CAA-5A8D2F3C3CC7}" srcId="{5296E1D1-5873-4904-B202-5BAABD1CBA6C}" destId="{1B829A66-2578-430A-9BA5-8474DE99A2D4}" srcOrd="0" destOrd="0" parTransId="{93BB50AD-BAA2-4E79-A601-737522005D67}" sibTransId="{D340CB47-1168-401E-84D8-D4659844456A}"/>
-    <dgm:cxn modelId="{A1A9D8FE-8D9F-4073-B77A-35D993E7D563}" srcId="{95900C4F-7221-49C2-B504-88E4A3ED27C9}" destId="{5A75CF1E-E7D0-4CD1-81C7-CF9222BFA9D5}" srcOrd="0" destOrd="0" parTransId="{ECFF943E-9531-4701-8471-9E0844F1AD4E}" sibTransId="{01D9F667-E2BE-42F2-8786-5CC2157AFF8F}"/>
-    <dgm:cxn modelId="{1A9EF4EF-7A5D-4486-AEEC-819EE51FE33F}" srcId="{56A415F5-B9AF-4026-9D88-552983AD2CEC}" destId="{B9A9F9E1-2E2B-4439-83F3-1AB9501C2DF1}" srcOrd="2" destOrd="0" parTransId="{1B3E79F3-A5E5-4E5D-93E3-5C19828904AB}" sibTransId="{4D098100-CB67-4FD7-BC52-C8F3D4675060}"/>
-    <dgm:cxn modelId="{ACE1F2CB-2D84-4A6B-A7D6-7B7A0EAADFED}" type="presOf" srcId="{4A0CCAF8-409C-4FA0-B87F-E1A531750C1D}" destId="{42972249-60EC-4131-888B-636170E6F665}" srcOrd="0" destOrd="0" presId="urn:microsoft.com/office/officeart/2005/8/layout/vList2"/>
-    <dgm:cxn modelId="{3768AA1F-0F2F-4E5E-9B5B-C72BE4877062}" type="presOf" srcId="{BA891C2F-21D5-4DA3-90EE-5F6CEC61A524}" destId="{1A98411F-BB4A-4FE7-BF2F-526C103E9669}" srcOrd="0" destOrd="0" presId="urn:microsoft.com/office/officeart/2005/8/layout/vList2"/>
-    <dgm:cxn modelId="{55F06B01-4EA4-4194-AC69-86163D2A1BF5}" type="presOf" srcId="{95900C4F-7221-49C2-B504-88E4A3ED27C9}" destId="{8F1C25C7-51F6-48F8-B4B0-AEEE915F7AC5}" srcOrd="0" destOrd="0" presId="urn:microsoft.com/office/officeart/2005/8/layout/vList2"/>
-    <dgm:cxn modelId="{CD9B456E-7FA1-44D4-8B5D-A2424BB4D4D3}" type="presOf" srcId="{B9A9F9E1-2E2B-4439-83F3-1AB9501C2DF1}" destId="{C7DFDAAC-9B53-43A9-BA50-C080D1DABFAD}" srcOrd="0" destOrd="0" presId="urn:microsoft.com/office/officeart/2005/8/layout/vList2"/>
-    <dgm:cxn modelId="{0121DA55-7BDC-44F9-B1D8-E937A8C84EAC}" srcId="{56A415F5-B9AF-4026-9D88-552983AD2CEC}" destId="{107CB80F-803A-44D4-81F2-323AE0242253}" srcOrd="3" destOrd="0" parTransId="{B1D06BE3-D188-4A06-84B6-09CE4214FD4B}" sibTransId="{A5369CD7-DB22-4FE8-BF1B-A88EAFEDD3AB}"/>
-    <dgm:cxn modelId="{84E4EB6E-384E-4CDA-A6F5-AD1699F79A86}" type="presOf" srcId="{1B829A66-2578-430A-9BA5-8474DE99A2D4}" destId="{6D1264EF-B2A6-41DB-8D0F-1F9DE43068E7}" srcOrd="0" destOrd="0" presId="urn:microsoft.com/office/officeart/2005/8/layout/vList2"/>
-    <dgm:cxn modelId="{37D80122-5141-4F8E-94B3-84A2E7B421C8}" srcId="{B9A9F9E1-2E2B-4439-83F3-1AB9501C2DF1}" destId="{81B4B438-01F7-40E2-9D98-E99B3BC2BC06}" srcOrd="0" destOrd="0" parTransId="{B2EE07D0-6BD8-4AA4-A1E7-8A145DEFCAF9}" sibTransId="{F191C67A-AD4B-4FED-8686-3B8AC063C90A}"/>
-    <dgm:cxn modelId="{944CC3D2-7162-4C2D-B413-EFF6BC9A8AD5}" type="presOf" srcId="{5296E1D1-5873-4904-B202-5BAABD1CBA6C}" destId="{5C328887-E348-4682-B966-131F1137C794}" srcOrd="0" destOrd="0" presId="urn:microsoft.com/office/officeart/2005/8/layout/vList2"/>
     <dgm:cxn modelId="{1D101053-89EF-4098-922E-C8A2084862A5}" type="presOf" srcId="{0E146B81-4288-43BE-B510-954567A6F283}" destId="{A53D2157-4E4D-4092-B069-43EFCEA34D39}" srcOrd="0" destOrd="0" presId="urn:microsoft.com/office/officeart/2005/8/layout/vList2"/>
     <dgm:cxn modelId="{21FF0410-7705-4147-AC4E-D06C1B5DA30B}" srcId="{56A415F5-B9AF-4026-9D88-552983AD2CEC}" destId="{5296E1D1-5873-4904-B202-5BAABD1CBA6C}" srcOrd="5" destOrd="0" parTransId="{E7FCB7C1-105E-4BF9-B52F-E1BB01AA6E51}" sibTransId="{B2E58D3A-A4FD-44DB-8BC8-9911313149B9}"/>
+    <dgm:cxn modelId="{55F06B01-4EA4-4194-AC69-86163D2A1BF5}" type="presOf" srcId="{95900C4F-7221-49C2-B504-88E4A3ED27C9}" destId="{8F1C25C7-51F6-48F8-B4B0-AEEE915F7AC5}" srcOrd="0" destOrd="0" presId="urn:microsoft.com/office/officeart/2005/8/layout/vList2"/>
+    <dgm:cxn modelId="{3BE2DA58-3C42-4E5E-8358-278E60683C03}" srcId="{C46D4D05-CD5F-4545-8DDC-DDDBF7404420}" destId="{4A0CCAF8-409C-4FA0-B87F-E1A531750C1D}" srcOrd="0" destOrd="0" parTransId="{4F946E3B-2655-4483-9FF9-46E147C8C964}" sibTransId="{665B2625-61E7-41A6-AAD1-E4460C9A8D5C}"/>
+    <dgm:cxn modelId="{CD9B456E-7FA1-44D4-8B5D-A2424BB4D4D3}" type="presOf" srcId="{B9A9F9E1-2E2B-4439-83F3-1AB9501C2DF1}" destId="{C7DFDAAC-9B53-43A9-BA50-C080D1DABFAD}" srcOrd="0" destOrd="0" presId="urn:microsoft.com/office/officeart/2005/8/layout/vList2"/>
+    <dgm:cxn modelId="{AEBB2830-03E3-46E6-ABB7-910B25183281}" type="presOf" srcId="{C46D4D05-CD5F-4545-8DDC-DDDBF7404420}" destId="{E4D53833-29AE-4B0B-9AA4-E60C3CB433B2}" srcOrd="0" destOrd="0" presId="urn:microsoft.com/office/officeart/2005/8/layout/vList2"/>
+    <dgm:cxn modelId="{ACE1F2CB-2D84-4A6B-A7D6-7B7A0EAADFED}" type="presOf" srcId="{4A0CCAF8-409C-4FA0-B87F-E1A531750C1D}" destId="{42972249-60EC-4131-888B-636170E6F665}" srcOrd="0" destOrd="0" presId="urn:microsoft.com/office/officeart/2005/8/layout/vList2"/>
+    <dgm:cxn modelId="{D67B78C5-F0A8-4A34-8CAA-5A8D2F3C3CC7}" srcId="{5296E1D1-5873-4904-B202-5BAABD1CBA6C}" destId="{1B829A66-2578-430A-9BA5-8474DE99A2D4}" srcOrd="0" destOrd="0" parTransId="{93BB50AD-BAA2-4E79-A601-737522005D67}" sibTransId="{D340CB47-1168-401E-84D8-D4659844456A}"/>
     <dgm:cxn modelId="{61DCA458-E733-4F91-92CD-3CCF14A26D02}" srcId="{56A415F5-B9AF-4026-9D88-552983AD2CEC}" destId="{95900C4F-7221-49C2-B504-88E4A3ED27C9}" srcOrd="1" destOrd="0" parTransId="{8CA5052C-39FA-4284-8A61-1FA709F2C2F1}" sibTransId="{39F08740-CC76-4135-8A16-D4C87743EE63}"/>
+    <dgm:cxn modelId="{A1A9D8FE-8D9F-4073-B77A-35D993E7D563}" srcId="{95900C4F-7221-49C2-B504-88E4A3ED27C9}" destId="{5A75CF1E-E7D0-4CD1-81C7-CF9222BFA9D5}" srcOrd="0" destOrd="0" parTransId="{ECFF943E-9531-4701-8471-9E0844F1AD4E}" sibTransId="{01D9F667-E2BE-42F2-8786-5CC2157AFF8F}"/>
+    <dgm:cxn modelId="{6C714191-75C4-4A5E-81A3-9F85930DDCB5}" type="presOf" srcId="{5A75CF1E-E7D0-4CD1-81C7-CF9222BFA9D5}" destId="{975B7BD7-BA18-45C0-8B90-64841DF69D3D}" srcOrd="0" destOrd="0" presId="urn:microsoft.com/office/officeart/2005/8/layout/vList2"/>
+    <dgm:cxn modelId="{1A9EF4EF-7A5D-4486-AEEC-819EE51FE33F}" srcId="{56A415F5-B9AF-4026-9D88-552983AD2CEC}" destId="{B9A9F9E1-2E2B-4439-83F3-1AB9501C2DF1}" srcOrd="2" destOrd="0" parTransId="{1B3E79F3-A5E5-4E5D-93E3-5C19828904AB}" sibTransId="{4D098100-CB67-4FD7-BC52-C8F3D4675060}"/>
     <dgm:cxn modelId="{4B884AE3-8B12-4CFC-AFD0-BF762F3DD632}" srcId="{107CB80F-803A-44D4-81F2-323AE0242253}" destId="{BA891C2F-21D5-4DA3-90EE-5F6CEC61A524}" srcOrd="0" destOrd="0" parTransId="{155FBFA0-EDD3-4D43-9222-BF5F46286C2A}" sibTransId="{F719D906-87D3-4F87-A5A5-6F7FEC4E2AB3}"/>
     <dgm:cxn modelId="{4C805E80-0ADC-446D-81BE-073F2599BE29}" type="presParOf" srcId="{B2C06370-F656-43DF-88EA-F115B969F5C6}" destId="{E4D53833-29AE-4B0B-9AA4-E60C3CB433B2}" srcOrd="0" destOrd="0" presId="urn:microsoft.com/office/officeart/2005/8/layout/vList2"/>
     <dgm:cxn modelId="{914C430C-8CE0-41A1-981B-3DB5D15D3612}" type="presParOf" srcId="{B2C06370-F656-43DF-88EA-F115B969F5C6}" destId="{42972249-60EC-4131-888B-636170E6F665}" srcOrd="1" destOrd="0" presId="urn:microsoft.com/office/officeart/2005/8/layout/vList2"/>
@@ -9593,14 +9593,7 @@
               <a:latin typeface="微軟正黑體" pitchFamily="34" charset="-120"/>
               <a:ea typeface="微軟正黑體" pitchFamily="34" charset="-120"/>
             </a:rPr>
-            <a:t>的參數前</a:t>
-          </a:r>
-          <a:r>
-            <a:rPr lang="zh-TW" dirty="0" smtClean="0">
-              <a:latin typeface="微軟正黑體" pitchFamily="34" charset="-120"/>
-              <a:ea typeface="微軟正黑體" pitchFamily="34" charset="-120"/>
-            </a:rPr>
-            <a:t>宣告</a:t>
+            <a:t>的參數前宣告</a:t>
           </a:r>
           <a:endParaRPr lang="zh-TW" dirty="0">
             <a:latin typeface="微軟正黑體" pitchFamily="34" charset="-120"/>
@@ -9906,14 +9899,7 @@
               <a:latin typeface="微軟正黑體" pitchFamily="34" charset="-120"/>
               <a:ea typeface="微軟正黑體" pitchFamily="34" charset="-120"/>
             </a:rPr>
-            <a:t>可以</a:t>
-          </a:r>
-          <a:r>
-            <a:rPr lang="zh-TW" dirty="0" smtClean="0">
-              <a:latin typeface="微軟正黑體" pitchFamily="34" charset="-120"/>
-              <a:ea typeface="微軟正黑體" pitchFamily="34" charset="-120"/>
-            </a:rPr>
-            <a:t>搭配</a:t>
+            <a:t>可以搭配</a:t>
           </a:r>
           <a:r>
             <a:rPr lang="zh-TW" b="1" dirty="0" smtClean="0">
@@ -14414,8 +14400,8 @@
       </dsp:nvSpPr>
       <dsp:spPr>
         <a:xfrm>
-          <a:off x="0" y="2100"/>
-          <a:ext cx="8208912" cy="447376"/>
+          <a:off x="0" y="790"/>
+          <a:ext cx="8208912" cy="451089"/>
         </a:xfrm>
         <a:prstGeom prst="roundRect">
           <a:avLst/>
@@ -14514,8 +14500,8 @@
         </a:p>
       </dsp:txBody>
       <dsp:txXfrm>
-        <a:off x="21839" y="23939"/>
-        <a:ext cx="8165234" cy="403698"/>
+        <a:off x="22020" y="22810"/>
+        <a:ext cx="8164872" cy="407049"/>
       </dsp:txXfrm>
     </dsp:sp>
     <dsp:sp modelId="{42972249-60EC-4131-888B-636170E6F665}">
@@ -14525,8 +14511,8 @@
       </dsp:nvSpPr>
       <dsp:spPr>
         <a:xfrm>
-          <a:off x="0" y="449477"/>
-          <a:ext cx="8208912" cy="255793"/>
+          <a:off x="0" y="451879"/>
+          <a:ext cx="8208912" cy="258952"/>
         </a:xfrm>
         <a:prstGeom prst="rect">
           <a:avLst/>
@@ -14582,8 +14568,8 @@
         </a:p>
       </dsp:txBody>
       <dsp:txXfrm>
-        <a:off x="0" y="449477"/>
-        <a:ext cx="8208912" cy="255793"/>
+        <a:off x="0" y="451879"/>
+        <a:ext cx="8208912" cy="258952"/>
       </dsp:txXfrm>
     </dsp:sp>
     <dsp:sp modelId="{8F1C25C7-51F6-48F8-B4B0-AEEE915F7AC5}">
@@ -14593,8 +14579,8 @@
       </dsp:nvSpPr>
       <dsp:spPr>
         <a:xfrm>
-          <a:off x="0" y="705270"/>
-          <a:ext cx="8208912" cy="447376"/>
+          <a:off x="0" y="710832"/>
+          <a:ext cx="8208912" cy="451089"/>
         </a:xfrm>
         <a:prstGeom prst="roundRect">
           <a:avLst/>
@@ -14665,8 +14651,8 @@
         </a:p>
       </dsp:txBody>
       <dsp:txXfrm>
-        <a:off x="21839" y="727109"/>
-        <a:ext cx="8165234" cy="403698"/>
+        <a:off x="22020" y="732852"/>
+        <a:ext cx="8164872" cy="407049"/>
       </dsp:txXfrm>
     </dsp:sp>
     <dsp:sp modelId="{975B7BD7-BA18-45C0-8B90-64841DF69D3D}">
@@ -14676,8 +14662,8 @@
       </dsp:nvSpPr>
       <dsp:spPr>
         <a:xfrm>
-          <a:off x="0" y="1152647"/>
-          <a:ext cx="8208912" cy="255793"/>
+          <a:off x="0" y="1161921"/>
+          <a:ext cx="8208912" cy="258952"/>
         </a:xfrm>
         <a:prstGeom prst="rect">
           <a:avLst/>
@@ -14733,8 +14719,8 @@
         </a:p>
       </dsp:txBody>
       <dsp:txXfrm>
-        <a:off x="0" y="1152647"/>
-        <a:ext cx="8208912" cy="255793"/>
+        <a:off x="0" y="1161921"/>
+        <a:ext cx="8208912" cy="258952"/>
       </dsp:txXfrm>
     </dsp:sp>
     <dsp:sp modelId="{C7DFDAAC-9B53-43A9-BA50-C080D1DABFAD}">
@@ -14744,8 +14730,8 @@
       </dsp:nvSpPr>
       <dsp:spPr>
         <a:xfrm>
-          <a:off x="0" y="1408440"/>
-          <a:ext cx="8208912" cy="447376"/>
+          <a:off x="0" y="1420874"/>
+          <a:ext cx="8208912" cy="451089"/>
         </a:xfrm>
         <a:prstGeom prst="roundRect">
           <a:avLst/>
@@ -14816,8 +14802,8 @@
         </a:p>
       </dsp:txBody>
       <dsp:txXfrm>
-        <a:off x="21839" y="1430279"/>
-        <a:ext cx="8165234" cy="403698"/>
+        <a:off x="22020" y="1442894"/>
+        <a:ext cx="8164872" cy="407049"/>
       </dsp:txXfrm>
     </dsp:sp>
     <dsp:sp modelId="{65FA0EAB-4AEE-4A92-AC82-59CE948C0152}">
@@ -14827,8 +14813,8 @@
       </dsp:nvSpPr>
       <dsp:spPr>
         <a:xfrm>
-          <a:off x="0" y="1855817"/>
-          <a:ext cx="8208912" cy="255793"/>
+          <a:off x="0" y="1871963"/>
+          <a:ext cx="8208912" cy="258952"/>
         </a:xfrm>
         <a:prstGeom prst="rect">
           <a:avLst/>
@@ -14884,8 +14870,8 @@
         </a:p>
       </dsp:txBody>
       <dsp:txXfrm>
-        <a:off x="0" y="1855817"/>
-        <a:ext cx="8208912" cy="255793"/>
+        <a:off x="0" y="1871963"/>
+        <a:ext cx="8208912" cy="258952"/>
       </dsp:txXfrm>
     </dsp:sp>
     <dsp:sp modelId="{5D062E3F-1CDB-4BB5-8AE4-B420A0E5EDC8}">
@@ -14895,8 +14881,8 @@
       </dsp:nvSpPr>
       <dsp:spPr>
         <a:xfrm>
-          <a:off x="0" y="2111610"/>
-          <a:ext cx="8208912" cy="447376"/>
+          <a:off x="0" y="2130916"/>
+          <a:ext cx="8208912" cy="451089"/>
         </a:xfrm>
         <a:prstGeom prst="roundRect">
           <a:avLst/>
@@ -14967,8 +14953,8 @@
         </a:p>
       </dsp:txBody>
       <dsp:txXfrm>
-        <a:off x="21839" y="2133449"/>
-        <a:ext cx="8165234" cy="403698"/>
+        <a:off x="22020" y="2152936"/>
+        <a:ext cx="8164872" cy="407049"/>
       </dsp:txXfrm>
     </dsp:sp>
     <dsp:sp modelId="{1A98411F-BB4A-4FE7-BF2F-526C103E9669}">
@@ -14978,8 +14964,8 @@
       </dsp:nvSpPr>
       <dsp:spPr>
         <a:xfrm>
-          <a:off x="0" y="2558987"/>
-          <a:ext cx="8208912" cy="255793"/>
+          <a:off x="0" y="2582005"/>
+          <a:ext cx="8208912" cy="258952"/>
         </a:xfrm>
         <a:prstGeom prst="rect">
           <a:avLst/>
@@ -15035,8 +15021,8 @@
         </a:p>
       </dsp:txBody>
       <dsp:txXfrm>
-        <a:off x="0" y="2558987"/>
-        <a:ext cx="8208912" cy="255793"/>
+        <a:off x="0" y="2582005"/>
+        <a:ext cx="8208912" cy="258952"/>
       </dsp:txXfrm>
     </dsp:sp>
     <dsp:sp modelId="{A53D2157-4E4D-4092-B069-43EFCEA34D39}">
@@ -15046,8 +15032,8 @@
       </dsp:nvSpPr>
       <dsp:spPr>
         <a:xfrm>
-          <a:off x="0" y="2814780"/>
-          <a:ext cx="8208912" cy="447376"/>
+          <a:off x="0" y="2840957"/>
+          <a:ext cx="8208912" cy="451089"/>
         </a:xfrm>
         <a:prstGeom prst="roundRect">
           <a:avLst/>
@@ -15118,8 +15104,8 @@
         </a:p>
       </dsp:txBody>
       <dsp:txXfrm>
-        <a:off x="21839" y="2836619"/>
-        <a:ext cx="8165234" cy="403698"/>
+        <a:off x="22020" y="2862977"/>
+        <a:ext cx="8164872" cy="407049"/>
       </dsp:txXfrm>
     </dsp:sp>
     <dsp:sp modelId="{CCE9917A-38AE-4D39-86E4-CA05261F6BDB}">
@@ -15129,8 +15115,8 @@
       </dsp:nvSpPr>
       <dsp:spPr>
         <a:xfrm>
-          <a:off x="0" y="3262157"/>
-          <a:ext cx="8208912" cy="255793"/>
+          <a:off x="0" y="3292047"/>
+          <a:ext cx="8208912" cy="258952"/>
         </a:xfrm>
         <a:prstGeom prst="rect">
           <a:avLst/>
@@ -15186,8 +15172,8 @@
         </a:p>
       </dsp:txBody>
       <dsp:txXfrm>
-        <a:off x="0" y="3262157"/>
-        <a:ext cx="8208912" cy="255793"/>
+        <a:off x="0" y="3292047"/>
+        <a:ext cx="8208912" cy="258952"/>
       </dsp:txXfrm>
     </dsp:sp>
     <dsp:sp modelId="{5C328887-E348-4682-B966-131F1137C794}">
@@ -15197,8 +15183,8 @@
       </dsp:nvSpPr>
       <dsp:spPr>
         <a:xfrm>
-          <a:off x="0" y="3517950"/>
-          <a:ext cx="8208912" cy="447376"/>
+          <a:off x="0" y="3550999"/>
+          <a:ext cx="8208912" cy="451089"/>
         </a:xfrm>
         <a:prstGeom prst="roundRect">
           <a:avLst/>
@@ -15270,8 +15256,8 @@
         </a:p>
       </dsp:txBody>
       <dsp:txXfrm>
-        <a:off x="21839" y="3539789"/>
-        <a:ext cx="8165234" cy="403698"/>
+        <a:off x="22020" y="3573019"/>
+        <a:ext cx="8164872" cy="407049"/>
       </dsp:txXfrm>
     </dsp:sp>
     <dsp:sp modelId="{6D1264EF-B2A6-41DB-8D0F-1F9DE43068E7}">
@@ -15281,8 +15267,8 @@
       </dsp:nvSpPr>
       <dsp:spPr>
         <a:xfrm>
-          <a:off x="0" y="3965327"/>
-          <a:ext cx="8208912" cy="294403"/>
+          <a:off x="0" y="4002089"/>
+          <a:ext cx="8208912" cy="258952"/>
         </a:xfrm>
         <a:prstGeom prst="rect">
           <a:avLst/>
@@ -15338,8 +15324,8 @@
         </a:p>
       </dsp:txBody>
       <dsp:txXfrm>
-        <a:off x="0" y="3965327"/>
-        <a:ext cx="8208912" cy="294403"/>
+        <a:off x="0" y="4002089"/>
+        <a:ext cx="8208912" cy="258952"/>
       </dsp:txXfrm>
     </dsp:sp>
   </dsp:spTree>
@@ -15432,14 +15418,7 @@
               <a:latin typeface="微軟正黑體" pitchFamily="34" charset="-120"/>
               <a:ea typeface="微軟正黑體" pitchFamily="34" charset="-120"/>
             </a:rPr>
-            <a:t>的參數前</a:t>
-          </a:r>
-          <a:r>
-            <a:rPr lang="zh-TW" sz="1800" kern="1200" dirty="0" smtClean="0">
-              <a:latin typeface="微軟正黑體" pitchFamily="34" charset="-120"/>
-              <a:ea typeface="微軟正黑體" pitchFamily="34" charset="-120"/>
-            </a:rPr>
-            <a:t>宣告</a:t>
+            <a:t>的參數前宣告</a:t>
           </a:r>
           <a:endParaRPr lang="zh-TW" sz="1800" kern="1200" dirty="0">
             <a:latin typeface="微軟正黑體" pitchFamily="34" charset="-120"/>
@@ -15464,14 +15443,7 @@
               <a:latin typeface="微軟正黑體" pitchFamily="34" charset="-120"/>
               <a:ea typeface="微軟正黑體" pitchFamily="34" charset="-120"/>
             </a:rPr>
-            <a:t>可以</a:t>
-          </a:r>
-          <a:r>
-            <a:rPr lang="zh-TW" sz="1800" kern="1200" dirty="0" smtClean="0">
-              <a:latin typeface="微軟正黑體" pitchFamily="34" charset="-120"/>
-              <a:ea typeface="微軟正黑體" pitchFamily="34" charset="-120"/>
-            </a:rPr>
-            <a:t>搭配</a:t>
+            <a:t>可以搭配</a:t>
           </a:r>
           <a:r>
             <a:rPr lang="zh-TW" sz="1800" b="1" kern="1200" dirty="0" smtClean="0">
@@ -36077,7 +36049,7 @@
           <a:lstStyle/>
           <a:p>
             <a:r>
-              <a:rPr lang="zh-TW" altLang="en-US" dirty="0">
+              <a:rPr lang="en-US" altLang="zh-TW" dirty="0" smtClean="0">
                 <a:effectLst>
                   <a:outerShdw blurRad="50800" dist="38100" dir="2700000" algn="tl" rotWithShape="0">
                     <a:prstClr val="black">
@@ -36088,8 +36060,73 @@
                 <a:latin typeface="微軟正黑體" pitchFamily="34" charset="-120"/>
                 <a:ea typeface="微軟正黑體" pitchFamily="34" charset="-120"/>
               </a:rPr>
-              <a:t>防禦性程式</a:t>
+              <a:t>Learning</a:t>
             </a:r>
+            <a:br>
+              <a:rPr lang="en-US" altLang="zh-TW" dirty="0" smtClean="0">
+                <a:effectLst>
+                  <a:outerShdw blurRad="50800" dist="38100" dir="2700000" algn="tl" rotWithShape="0">
+                    <a:prstClr val="black">
+                      <a:alpha val="40000"/>
+                    </a:prstClr>
+                  </a:outerShdw>
+                </a:effectLst>
+                <a:latin typeface="微軟正黑體" pitchFamily="34" charset="-120"/>
+                <a:ea typeface="微軟正黑體" pitchFamily="34" charset="-120"/>
+              </a:rPr>
+            </a:br>
+            <a:r>
+              <a:rPr lang="en-US" altLang="zh-TW" dirty="0" smtClean="0">
+                <a:effectLst>
+                  <a:outerShdw blurRad="50800" dist="38100" dir="2700000" algn="tl" rotWithShape="0">
+                    <a:prstClr val="black">
+                      <a:alpha val="40000"/>
+                    </a:prstClr>
+                  </a:outerShdw>
+                </a:effectLst>
+                <a:latin typeface="微軟正黑體" pitchFamily="34" charset="-120"/>
+                <a:ea typeface="微軟正黑體" pitchFamily="34" charset="-120"/>
+              </a:rPr>
+              <a:t>Defensive</a:t>
+            </a:r>
+            <a:br>
+              <a:rPr lang="en-US" altLang="zh-TW" dirty="0" smtClean="0">
+                <a:effectLst>
+                  <a:outerShdw blurRad="50800" dist="38100" dir="2700000" algn="tl" rotWithShape="0">
+                    <a:prstClr val="black">
+                      <a:alpha val="40000"/>
+                    </a:prstClr>
+                  </a:outerShdw>
+                </a:effectLst>
+                <a:latin typeface="微軟正黑體" pitchFamily="34" charset="-120"/>
+                <a:ea typeface="微軟正黑體" pitchFamily="34" charset="-120"/>
+              </a:rPr>
+            </a:br>
+            <a:r>
+              <a:rPr lang="en-US" altLang="zh-TW" dirty="0" smtClean="0">
+                <a:effectLst>
+                  <a:outerShdw blurRad="50800" dist="38100" dir="2700000" algn="tl" rotWithShape="0">
+                    <a:prstClr val="black">
+                      <a:alpha val="40000"/>
+                    </a:prstClr>
+                  </a:outerShdw>
+                </a:effectLst>
+                <a:latin typeface="微軟正黑體" pitchFamily="34" charset="-120"/>
+                <a:ea typeface="微軟正黑體" pitchFamily="34" charset="-120"/>
+              </a:rPr>
+              <a:t>programming</a:t>
+            </a:r>
+            <a:endParaRPr lang="zh-TW" altLang="en-US" dirty="0">
+              <a:effectLst>
+                <a:outerShdw blurRad="50800" dist="38100" dir="2700000" algn="tl" rotWithShape="0">
+                  <a:prstClr val="black">
+                    <a:alpha val="40000"/>
+                  </a:prstClr>
+                </a:outerShdw>
+              </a:effectLst>
+              <a:latin typeface="微軟正黑體" pitchFamily="34" charset="-120"/>
+              <a:ea typeface="微軟正黑體" pitchFamily="34" charset="-120"/>
+            </a:endParaRPr>
           </a:p>
         </p:txBody>
       </p:sp>
@@ -36105,7 +36142,7 @@
         </p:nvSpPr>
         <p:spPr>
           <a:xfrm>
-            <a:off x="685800" y="4572000"/>
+            <a:off x="683568" y="4725144"/>
             <a:ext cx="6694512" cy="1305272"/>
           </a:xfrm>
         </p:spPr>
@@ -39658,22 +39695,6 @@
                 </a:rPr>
                 <a:t>資料來源</a:t>
               </a:r>
-              <a:endParaRPr lang="zh-TW" altLang="en-US" sz="2800" b="1" dirty="0">
-                <a:solidFill>
-                  <a:schemeClr val="tx2">
-                    <a:lumMod val="75000"/>
-                  </a:schemeClr>
-                </a:solidFill>
-                <a:effectLst>
-                  <a:outerShdw blurRad="50800" dist="38100" dir="2700000" algn="tl" rotWithShape="0">
-                    <a:prstClr val="black">
-                      <a:alpha val="40000"/>
-                    </a:prstClr>
-                  </a:outerShdw>
-                </a:effectLst>
-                <a:latin typeface="微軟正黑體" pitchFamily="34" charset="-120"/>
-                <a:ea typeface="微軟正黑體" pitchFamily="34" charset="-120"/>
-              </a:endParaRPr>
             </a:p>
           </p:txBody>
         </p:sp>

--- a/Learning-Defensive-programming/Learning-Defensive-programming.pptx
+++ b/Learning-Defensive-programming/Learning-Defensive-programming.pptx
@@ -9461,31 +9461,31 @@
     </dgm:pt>
   </dgm:ptLst>
   <dgm:cxnLst>
+    <dgm:cxn modelId="{1A9EF4EF-7A5D-4486-AEEC-819EE51FE33F}" srcId="{56A415F5-B9AF-4026-9D88-552983AD2CEC}" destId="{B9A9F9E1-2E2B-4439-83F3-1AB9501C2DF1}" srcOrd="2" destOrd="0" parTransId="{1B3E79F3-A5E5-4E5D-93E3-5C19828904AB}" sibTransId="{4D098100-CB67-4FD7-BC52-C8F3D4675060}"/>
+    <dgm:cxn modelId="{9C0C5EBD-FBE5-413B-BFA7-753953B6DB59}" type="presOf" srcId="{A64B9E20-30F0-4FBF-9EFF-1F3230FE4305}" destId="{CCE9917A-38AE-4D39-86E4-CA05261F6BDB}" srcOrd="0" destOrd="0" presId="urn:microsoft.com/office/officeart/2005/8/layout/vList2"/>
+    <dgm:cxn modelId="{3768AA1F-0F2F-4E5E-9B5B-C72BE4877062}" type="presOf" srcId="{BA891C2F-21D5-4DA3-90EE-5F6CEC61A524}" destId="{1A98411F-BB4A-4FE7-BF2F-526C103E9669}" srcOrd="0" destOrd="0" presId="urn:microsoft.com/office/officeart/2005/8/layout/vList2"/>
+    <dgm:cxn modelId="{A262797D-49E3-4A13-B928-B242330BD053}" srcId="{56A415F5-B9AF-4026-9D88-552983AD2CEC}" destId="{C46D4D05-CD5F-4545-8DDC-DDDBF7404420}" srcOrd="0" destOrd="0" parTransId="{6D13D329-0873-40C5-A90D-761178D0DCD5}" sibTransId="{00A1C80E-03EE-409E-9F29-F0B8D433D268}"/>
+    <dgm:cxn modelId="{E57F2A01-C140-4478-B6C5-67DCF8333632}" type="presOf" srcId="{107CB80F-803A-44D4-81F2-323AE0242253}" destId="{5D062E3F-1CDB-4BB5-8AE4-B420A0E5EDC8}" srcOrd="0" destOrd="0" presId="urn:microsoft.com/office/officeart/2005/8/layout/vList2"/>
+    <dgm:cxn modelId="{AEBB2830-03E3-46E6-ABB7-910B25183281}" type="presOf" srcId="{C46D4D05-CD5F-4545-8DDC-DDDBF7404420}" destId="{E4D53833-29AE-4B0B-9AA4-E60C3CB433B2}" srcOrd="0" destOrd="0" presId="urn:microsoft.com/office/officeart/2005/8/layout/vList2"/>
+    <dgm:cxn modelId="{1D101053-89EF-4098-922E-C8A2084862A5}" type="presOf" srcId="{0E146B81-4288-43BE-B510-954567A6F283}" destId="{A53D2157-4E4D-4092-B069-43EFCEA34D39}" srcOrd="0" destOrd="0" presId="urn:microsoft.com/office/officeart/2005/8/layout/vList2"/>
     <dgm:cxn modelId="{84E4EB6E-384E-4CDA-A6F5-AD1699F79A86}" type="presOf" srcId="{1B829A66-2578-430A-9BA5-8474DE99A2D4}" destId="{6D1264EF-B2A6-41DB-8D0F-1F9DE43068E7}" srcOrd="0" destOrd="0" presId="urn:microsoft.com/office/officeart/2005/8/layout/vList2"/>
+    <dgm:cxn modelId="{944CC3D2-7162-4C2D-B413-EFF6BC9A8AD5}" type="presOf" srcId="{5296E1D1-5873-4904-B202-5BAABD1CBA6C}" destId="{5C328887-E348-4682-B966-131F1137C794}" srcOrd="0" destOrd="0" presId="urn:microsoft.com/office/officeart/2005/8/layout/vList2"/>
+    <dgm:cxn modelId="{17E9CD17-63B6-41FB-AE49-5A803525C02F}" type="presOf" srcId="{81B4B438-01F7-40E2-9D98-E99B3BC2BC06}" destId="{65FA0EAB-4AEE-4A92-AC82-59CE948C0152}" srcOrd="0" destOrd="0" presId="urn:microsoft.com/office/officeart/2005/8/layout/vList2"/>
+    <dgm:cxn modelId="{ACE1F2CB-2D84-4A6B-A7D6-7B7A0EAADFED}" type="presOf" srcId="{4A0CCAF8-409C-4FA0-B87F-E1A531750C1D}" destId="{42972249-60EC-4131-888B-636170E6F665}" srcOrd="0" destOrd="0" presId="urn:microsoft.com/office/officeart/2005/8/layout/vList2"/>
     <dgm:cxn modelId="{92F2F569-2467-40A9-B6A8-CB06B85661CF}" srcId="{0E146B81-4288-43BE-B510-954567A6F283}" destId="{A64B9E20-30F0-4FBF-9EFF-1F3230FE4305}" srcOrd="0" destOrd="0" parTransId="{7D6EC0B2-2F45-4FD8-8F03-F92583C107D7}" sibTransId="{C2C5CD53-D281-4BA4-9966-13D79AE8DD51}"/>
+    <dgm:cxn modelId="{3154A109-5A7D-4DBC-8606-E44B7D2B7D4D}" type="presOf" srcId="{56A415F5-B9AF-4026-9D88-552983AD2CEC}" destId="{B2C06370-F656-43DF-88EA-F115B969F5C6}" srcOrd="0" destOrd="0" presId="urn:microsoft.com/office/officeart/2005/8/layout/vList2"/>
+    <dgm:cxn modelId="{C41C20D0-1D84-47D4-801E-702CFD9C74A1}" srcId="{56A415F5-B9AF-4026-9D88-552983AD2CEC}" destId="{0E146B81-4288-43BE-B510-954567A6F283}" srcOrd="4" destOrd="0" parTransId="{BF253323-D6E7-438B-A5A7-D98F45E7FFAB}" sibTransId="{AC9A62D1-260D-41D0-A42A-27F6C4E65BC3}"/>
+    <dgm:cxn modelId="{4B884AE3-8B12-4CFC-AFD0-BF762F3DD632}" srcId="{107CB80F-803A-44D4-81F2-323AE0242253}" destId="{BA891C2F-21D5-4DA3-90EE-5F6CEC61A524}" srcOrd="0" destOrd="0" parTransId="{155FBFA0-EDD3-4D43-9222-BF5F46286C2A}" sibTransId="{F719D906-87D3-4F87-A5A5-6F7FEC4E2AB3}"/>
+    <dgm:cxn modelId="{55F06B01-4EA4-4194-AC69-86163D2A1BF5}" type="presOf" srcId="{95900C4F-7221-49C2-B504-88E4A3ED27C9}" destId="{8F1C25C7-51F6-48F8-B4B0-AEEE915F7AC5}" srcOrd="0" destOrd="0" presId="urn:microsoft.com/office/officeart/2005/8/layout/vList2"/>
     <dgm:cxn modelId="{37D80122-5141-4F8E-94B3-84A2E7B421C8}" srcId="{B9A9F9E1-2E2B-4439-83F3-1AB9501C2DF1}" destId="{81B4B438-01F7-40E2-9D98-E99B3BC2BC06}" srcOrd="0" destOrd="0" parTransId="{B2EE07D0-6BD8-4AA4-A1E7-8A145DEFCAF9}" sibTransId="{F191C67A-AD4B-4FED-8686-3B8AC063C90A}"/>
-    <dgm:cxn modelId="{E57F2A01-C140-4478-B6C5-67DCF8333632}" type="presOf" srcId="{107CB80F-803A-44D4-81F2-323AE0242253}" destId="{5D062E3F-1CDB-4BB5-8AE4-B420A0E5EDC8}" srcOrd="0" destOrd="0" presId="urn:microsoft.com/office/officeart/2005/8/layout/vList2"/>
-    <dgm:cxn modelId="{3768AA1F-0F2F-4E5E-9B5B-C72BE4877062}" type="presOf" srcId="{BA891C2F-21D5-4DA3-90EE-5F6CEC61A524}" destId="{1A98411F-BB4A-4FE7-BF2F-526C103E9669}" srcOrd="0" destOrd="0" presId="urn:microsoft.com/office/officeart/2005/8/layout/vList2"/>
-    <dgm:cxn modelId="{9C0C5EBD-FBE5-413B-BFA7-753953B6DB59}" type="presOf" srcId="{A64B9E20-30F0-4FBF-9EFF-1F3230FE4305}" destId="{CCE9917A-38AE-4D39-86E4-CA05261F6BDB}" srcOrd="0" destOrd="0" presId="urn:microsoft.com/office/officeart/2005/8/layout/vList2"/>
-    <dgm:cxn modelId="{3154A109-5A7D-4DBC-8606-E44B7D2B7D4D}" type="presOf" srcId="{56A415F5-B9AF-4026-9D88-552983AD2CEC}" destId="{B2C06370-F656-43DF-88EA-F115B969F5C6}" srcOrd="0" destOrd="0" presId="urn:microsoft.com/office/officeart/2005/8/layout/vList2"/>
+    <dgm:cxn modelId="{CD9B456E-7FA1-44D4-8B5D-A2424BB4D4D3}" type="presOf" srcId="{B9A9F9E1-2E2B-4439-83F3-1AB9501C2DF1}" destId="{C7DFDAAC-9B53-43A9-BA50-C080D1DABFAD}" srcOrd="0" destOrd="0" presId="urn:microsoft.com/office/officeart/2005/8/layout/vList2"/>
+    <dgm:cxn modelId="{A1A9D8FE-8D9F-4073-B77A-35D993E7D563}" srcId="{95900C4F-7221-49C2-B504-88E4A3ED27C9}" destId="{5A75CF1E-E7D0-4CD1-81C7-CF9222BFA9D5}" srcOrd="0" destOrd="0" parTransId="{ECFF943E-9531-4701-8471-9E0844F1AD4E}" sibTransId="{01D9F667-E2BE-42F2-8786-5CC2157AFF8F}"/>
+    <dgm:cxn modelId="{D67B78C5-F0A8-4A34-8CAA-5A8D2F3C3CC7}" srcId="{5296E1D1-5873-4904-B202-5BAABD1CBA6C}" destId="{1B829A66-2578-430A-9BA5-8474DE99A2D4}" srcOrd="0" destOrd="0" parTransId="{93BB50AD-BAA2-4E79-A601-737522005D67}" sibTransId="{D340CB47-1168-401E-84D8-D4659844456A}"/>
     <dgm:cxn modelId="{0121DA55-7BDC-44F9-B1D8-E937A8C84EAC}" srcId="{56A415F5-B9AF-4026-9D88-552983AD2CEC}" destId="{107CB80F-803A-44D4-81F2-323AE0242253}" srcOrd="3" destOrd="0" parTransId="{B1D06BE3-D188-4A06-84B6-09CE4214FD4B}" sibTransId="{A5369CD7-DB22-4FE8-BF1B-A88EAFEDD3AB}"/>
-    <dgm:cxn modelId="{944CC3D2-7162-4C2D-B413-EFF6BC9A8AD5}" type="presOf" srcId="{5296E1D1-5873-4904-B202-5BAABD1CBA6C}" destId="{5C328887-E348-4682-B966-131F1137C794}" srcOrd="0" destOrd="0" presId="urn:microsoft.com/office/officeart/2005/8/layout/vList2"/>
-    <dgm:cxn modelId="{A262797D-49E3-4A13-B928-B242330BD053}" srcId="{56A415F5-B9AF-4026-9D88-552983AD2CEC}" destId="{C46D4D05-CD5F-4545-8DDC-DDDBF7404420}" srcOrd="0" destOrd="0" parTransId="{6D13D329-0873-40C5-A90D-761178D0DCD5}" sibTransId="{00A1C80E-03EE-409E-9F29-F0B8D433D268}"/>
-    <dgm:cxn modelId="{17E9CD17-63B6-41FB-AE49-5A803525C02F}" type="presOf" srcId="{81B4B438-01F7-40E2-9D98-E99B3BC2BC06}" destId="{65FA0EAB-4AEE-4A92-AC82-59CE948C0152}" srcOrd="0" destOrd="0" presId="urn:microsoft.com/office/officeart/2005/8/layout/vList2"/>
-    <dgm:cxn modelId="{C41C20D0-1D84-47D4-801E-702CFD9C74A1}" srcId="{56A415F5-B9AF-4026-9D88-552983AD2CEC}" destId="{0E146B81-4288-43BE-B510-954567A6F283}" srcOrd="4" destOrd="0" parTransId="{BF253323-D6E7-438B-A5A7-D98F45E7FFAB}" sibTransId="{AC9A62D1-260D-41D0-A42A-27F6C4E65BC3}"/>
-    <dgm:cxn modelId="{1D101053-89EF-4098-922E-C8A2084862A5}" type="presOf" srcId="{0E146B81-4288-43BE-B510-954567A6F283}" destId="{A53D2157-4E4D-4092-B069-43EFCEA34D39}" srcOrd="0" destOrd="0" presId="urn:microsoft.com/office/officeart/2005/8/layout/vList2"/>
     <dgm:cxn modelId="{21FF0410-7705-4147-AC4E-D06C1B5DA30B}" srcId="{56A415F5-B9AF-4026-9D88-552983AD2CEC}" destId="{5296E1D1-5873-4904-B202-5BAABD1CBA6C}" srcOrd="5" destOrd="0" parTransId="{E7FCB7C1-105E-4BF9-B52F-E1BB01AA6E51}" sibTransId="{B2E58D3A-A4FD-44DB-8BC8-9911313149B9}"/>
-    <dgm:cxn modelId="{55F06B01-4EA4-4194-AC69-86163D2A1BF5}" type="presOf" srcId="{95900C4F-7221-49C2-B504-88E4A3ED27C9}" destId="{8F1C25C7-51F6-48F8-B4B0-AEEE915F7AC5}" srcOrd="0" destOrd="0" presId="urn:microsoft.com/office/officeart/2005/8/layout/vList2"/>
+    <dgm:cxn modelId="{6C714191-75C4-4A5E-81A3-9F85930DDCB5}" type="presOf" srcId="{5A75CF1E-E7D0-4CD1-81C7-CF9222BFA9D5}" destId="{975B7BD7-BA18-45C0-8B90-64841DF69D3D}" srcOrd="0" destOrd="0" presId="urn:microsoft.com/office/officeart/2005/8/layout/vList2"/>
+    <dgm:cxn modelId="{61DCA458-E733-4F91-92CD-3CCF14A26D02}" srcId="{56A415F5-B9AF-4026-9D88-552983AD2CEC}" destId="{95900C4F-7221-49C2-B504-88E4A3ED27C9}" srcOrd="1" destOrd="0" parTransId="{8CA5052C-39FA-4284-8A61-1FA709F2C2F1}" sibTransId="{39F08740-CC76-4135-8A16-D4C87743EE63}"/>
     <dgm:cxn modelId="{3BE2DA58-3C42-4E5E-8358-278E60683C03}" srcId="{C46D4D05-CD5F-4545-8DDC-DDDBF7404420}" destId="{4A0CCAF8-409C-4FA0-B87F-E1A531750C1D}" srcOrd="0" destOrd="0" parTransId="{4F946E3B-2655-4483-9FF9-46E147C8C964}" sibTransId="{665B2625-61E7-41A6-AAD1-E4460C9A8D5C}"/>
-    <dgm:cxn modelId="{CD9B456E-7FA1-44D4-8B5D-A2424BB4D4D3}" type="presOf" srcId="{B9A9F9E1-2E2B-4439-83F3-1AB9501C2DF1}" destId="{C7DFDAAC-9B53-43A9-BA50-C080D1DABFAD}" srcOrd="0" destOrd="0" presId="urn:microsoft.com/office/officeart/2005/8/layout/vList2"/>
-    <dgm:cxn modelId="{AEBB2830-03E3-46E6-ABB7-910B25183281}" type="presOf" srcId="{C46D4D05-CD5F-4545-8DDC-DDDBF7404420}" destId="{E4D53833-29AE-4B0B-9AA4-E60C3CB433B2}" srcOrd="0" destOrd="0" presId="urn:microsoft.com/office/officeart/2005/8/layout/vList2"/>
-    <dgm:cxn modelId="{ACE1F2CB-2D84-4A6B-A7D6-7B7A0EAADFED}" type="presOf" srcId="{4A0CCAF8-409C-4FA0-B87F-E1A531750C1D}" destId="{42972249-60EC-4131-888B-636170E6F665}" srcOrd="0" destOrd="0" presId="urn:microsoft.com/office/officeart/2005/8/layout/vList2"/>
-    <dgm:cxn modelId="{D67B78C5-F0A8-4A34-8CAA-5A8D2F3C3CC7}" srcId="{5296E1D1-5873-4904-B202-5BAABD1CBA6C}" destId="{1B829A66-2578-430A-9BA5-8474DE99A2D4}" srcOrd="0" destOrd="0" parTransId="{93BB50AD-BAA2-4E79-A601-737522005D67}" sibTransId="{D340CB47-1168-401E-84D8-D4659844456A}"/>
-    <dgm:cxn modelId="{61DCA458-E733-4F91-92CD-3CCF14A26D02}" srcId="{56A415F5-B9AF-4026-9D88-552983AD2CEC}" destId="{95900C4F-7221-49C2-B504-88E4A3ED27C9}" srcOrd="1" destOrd="0" parTransId="{8CA5052C-39FA-4284-8A61-1FA709F2C2F1}" sibTransId="{39F08740-CC76-4135-8A16-D4C87743EE63}"/>
-    <dgm:cxn modelId="{A1A9D8FE-8D9F-4073-B77A-35D993E7D563}" srcId="{95900C4F-7221-49C2-B504-88E4A3ED27C9}" destId="{5A75CF1E-E7D0-4CD1-81C7-CF9222BFA9D5}" srcOrd="0" destOrd="0" parTransId="{ECFF943E-9531-4701-8471-9E0844F1AD4E}" sibTransId="{01D9F667-E2BE-42F2-8786-5CC2157AFF8F}"/>
-    <dgm:cxn modelId="{6C714191-75C4-4A5E-81A3-9F85930DDCB5}" type="presOf" srcId="{5A75CF1E-E7D0-4CD1-81C7-CF9222BFA9D5}" destId="{975B7BD7-BA18-45C0-8B90-64841DF69D3D}" srcOrd="0" destOrd="0" presId="urn:microsoft.com/office/officeart/2005/8/layout/vList2"/>
-    <dgm:cxn modelId="{1A9EF4EF-7A5D-4486-AEEC-819EE51FE33F}" srcId="{56A415F5-B9AF-4026-9D88-552983AD2CEC}" destId="{B9A9F9E1-2E2B-4439-83F3-1AB9501C2DF1}" srcOrd="2" destOrd="0" parTransId="{1B3E79F3-A5E5-4E5D-93E3-5C19828904AB}" sibTransId="{4D098100-CB67-4FD7-BC52-C8F3D4675060}"/>
-    <dgm:cxn modelId="{4B884AE3-8B12-4CFC-AFD0-BF762F3DD632}" srcId="{107CB80F-803A-44D4-81F2-323AE0242253}" destId="{BA891C2F-21D5-4DA3-90EE-5F6CEC61A524}" srcOrd="0" destOrd="0" parTransId="{155FBFA0-EDD3-4D43-9222-BF5F46286C2A}" sibTransId="{F719D906-87D3-4F87-A5A5-6F7FEC4E2AB3}"/>
     <dgm:cxn modelId="{4C805E80-0ADC-446D-81BE-073F2599BE29}" type="presParOf" srcId="{B2C06370-F656-43DF-88EA-F115B969F5C6}" destId="{E4D53833-29AE-4B0B-9AA4-E60C3CB433B2}" srcOrd="0" destOrd="0" presId="urn:microsoft.com/office/officeart/2005/8/layout/vList2"/>
     <dgm:cxn modelId="{914C430C-8CE0-41A1-981B-3DB5D15D3612}" type="presParOf" srcId="{B2C06370-F656-43DF-88EA-F115B969F5C6}" destId="{42972249-60EC-4131-888B-636170E6F665}" srcOrd="1" destOrd="0" presId="urn:microsoft.com/office/officeart/2005/8/layout/vList2"/>
     <dgm:cxn modelId="{D9146471-D9A1-4E83-B1D0-38C921FDDFDD}" type="presParOf" srcId="{B2C06370-F656-43DF-88EA-F115B969F5C6}" destId="{8F1C25C7-51F6-48F8-B4B0-AEEE915F7AC5}" srcOrd="2" destOrd="0" presId="urn:microsoft.com/office/officeart/2005/8/layout/vList2"/>
@@ -12699,28 +12699,6 @@
         </a:p>
       </dgm:t>
     </dgm:pt>
-    <dgm:pt modelId="{528BBCC6-B72A-4E16-ABB0-6AEC74DF7FF3}">
-      <dgm:prSet/>
-      <dgm:spPr/>
-      <dgm:t>
-        <a:bodyPr/>
-        <a:lstStyle/>
-        <a:p>
-          <a:pPr rtl="0"/>
-          <a:r>
-            <a:rPr lang="zh-TW" altLang="en-US" b="0" i="0" dirty="0" smtClean="0">
-              <a:latin typeface="微軟正黑體" pitchFamily="34" charset="-120"/>
-              <a:ea typeface="微軟正黑體" pitchFamily="34" charset="-120"/>
-            </a:rPr>
-            <a:t>例如：框架或函式庫</a:t>
-          </a:r>
-          <a:endParaRPr lang="zh-TW" b="1" dirty="0">
-            <a:latin typeface="微軟正黑體" pitchFamily="34" charset="-120"/>
-            <a:ea typeface="微軟正黑體" pitchFamily="34" charset="-120"/>
-          </a:endParaRPr>
-        </a:p>
-      </dgm:t>
-    </dgm:pt>
     <dgm:pt modelId="{66E20EE5-AB0F-4BF5-9F2C-2E6D316E025D}">
       <dgm:prSet/>
       <dgm:spPr/>
@@ -12790,28 +12768,6 @@
             <a:latin typeface="微軟正黑體" pitchFamily="34" charset="-120"/>
             <a:ea typeface="微軟正黑體" pitchFamily="34" charset="-120"/>
           </a:endParaRPr>
-        </a:p>
-      </dgm:t>
-    </dgm:pt>
-    <dgm:pt modelId="{E966D9F2-F021-4255-A7D2-21CC3606F43C}" type="sibTrans" cxnId="{04E8F716-625B-4F17-96A3-0892D1D2FBFF}">
-      <dgm:prSet/>
-      <dgm:spPr/>
-      <dgm:t>
-        <a:bodyPr/>
-        <a:lstStyle/>
-        <a:p>
-          <a:endParaRPr lang="zh-TW" altLang="en-US"/>
-        </a:p>
-      </dgm:t>
-    </dgm:pt>
-    <dgm:pt modelId="{11230F14-CA30-455C-96A1-D41E2059E9BB}" type="parTrans" cxnId="{04E8F716-625B-4F17-96A3-0892D1D2FBFF}">
-      <dgm:prSet/>
-      <dgm:spPr/>
-      <dgm:t>
-        <a:bodyPr/>
-        <a:lstStyle/>
-        <a:p>
-          <a:endParaRPr lang="zh-TW" altLang="en-US"/>
         </a:p>
       </dgm:t>
     </dgm:pt>
@@ -13054,11 +13010,9 @@
     <dgm:cxn modelId="{8661C492-17C9-428B-8821-BC4320111696}" type="presOf" srcId="{8666D98D-6CD0-4082-A74E-BD5C032DED01}" destId="{C19F3680-D56C-412E-85DF-579987FDDF1E}" srcOrd="1" destOrd="0" presId="urn:microsoft.com/office/officeart/2005/8/layout/list1"/>
     <dgm:cxn modelId="{ACEAC450-55C2-4E39-B553-73346EF3A1D8}" srcId="{8666D98D-6CD0-4082-A74E-BD5C032DED01}" destId="{66E20EE5-AB0F-4BF5-9F2C-2E6D316E025D}" srcOrd="0" destOrd="0" parTransId="{16DD3827-9541-42E8-BB37-02B441978234}" sibTransId="{6A99BF53-8F6F-4BB1-98DA-8C620F8EC7B3}"/>
     <dgm:cxn modelId="{E8A0D723-CB2A-40EF-A9E4-E03182980918}" srcId="{C212340B-F7B9-4607-A308-7CC6282A9230}" destId="{CCF9A8D0-3807-4F2E-AD41-8D2CAD2B23C9}" srcOrd="0" destOrd="0" parTransId="{78142D2F-DD7C-4DEF-8157-8F0EBA654473}" sibTransId="{D4E865AB-DC6E-477D-9323-428850D93B82}"/>
-    <dgm:cxn modelId="{AAA3D5AE-A585-4069-8110-5980C207AEC1}" type="presOf" srcId="{528BBCC6-B72A-4E16-ABB0-6AEC74DF7FF3}" destId="{27346654-1D57-48A1-86E6-3AF0BA6A8FE9}" srcOrd="0" destOrd="1" presId="urn:microsoft.com/office/officeart/2005/8/layout/list1"/>
     <dgm:cxn modelId="{73ECF369-DFC3-419B-8958-38B742077BF2}" type="presOf" srcId="{8666D98D-6CD0-4082-A74E-BD5C032DED01}" destId="{E6D6CD7E-DDAB-4A85-93B4-140CF586C93C}" srcOrd="0" destOrd="0" presId="urn:microsoft.com/office/officeart/2005/8/layout/list1"/>
     <dgm:cxn modelId="{42DB50BD-0612-4D12-A6DB-97F105FD4432}" type="presOf" srcId="{984A07DB-10D8-4465-8E81-B4F0DD8BD545}" destId="{B6A17A4A-CEF7-489C-BB5A-BD3F4EC42171}" srcOrd="0" destOrd="0" presId="urn:microsoft.com/office/officeart/2005/8/layout/list1"/>
     <dgm:cxn modelId="{AB2BBFC1-A312-4B13-9F98-FD79821C8CD7}" type="presOf" srcId="{CCF9A8D0-3807-4F2E-AD41-8D2CAD2B23C9}" destId="{48D2E058-7F04-471B-ACC8-C57B9E71DB2C}" srcOrd="0" destOrd="0" presId="urn:microsoft.com/office/officeart/2005/8/layout/list1"/>
-    <dgm:cxn modelId="{04E8F716-625B-4F17-96A3-0892D1D2FBFF}" srcId="{8666D98D-6CD0-4082-A74E-BD5C032DED01}" destId="{528BBCC6-B72A-4E16-ABB0-6AEC74DF7FF3}" srcOrd="1" destOrd="0" parTransId="{11230F14-CA30-455C-96A1-D41E2059E9BB}" sibTransId="{E966D9F2-F021-4255-A7D2-21CC3606F43C}"/>
     <dgm:cxn modelId="{72019ADF-464D-4255-A594-F2942440C4CE}" type="presOf" srcId="{C212340B-F7B9-4607-A308-7CC6282A9230}" destId="{121053D0-15CB-4CF7-B28B-C5B3417D9F5C}" srcOrd="1" destOrd="0" presId="urn:microsoft.com/office/officeart/2005/8/layout/list1"/>
     <dgm:cxn modelId="{07727A90-7640-436B-A784-D29E4CD11678}" srcId="{984A07DB-10D8-4465-8E81-B4F0DD8BD545}" destId="{C212340B-F7B9-4607-A308-7CC6282A9230}" srcOrd="1" destOrd="0" parTransId="{59FBE622-F362-4501-8A49-784C768EC872}" sibTransId="{56BB6E7F-CD33-460C-B329-D9B17B04B19C}"/>
     <dgm:cxn modelId="{ECF2EBAF-E2DA-4EBC-8294-9278ABFB6441}" type="presParOf" srcId="{B6A17A4A-CEF7-489C-BB5A-BD3F4EC42171}" destId="{3CF37016-86AF-4B60-9EB1-03FBB8834566}" srcOrd="0" destOrd="0" presId="urn:microsoft.com/office/officeart/2005/8/layout/list1"/>
@@ -18219,8 +18173,8 @@
       </dsp:nvSpPr>
       <dsp:spPr>
         <a:xfrm>
-          <a:off x="0" y="324750"/>
-          <a:ext cx="5904656" cy="1559250"/>
+          <a:off x="0" y="423750"/>
+          <a:ext cx="5904656" cy="1200937"/>
         </a:xfrm>
         <a:prstGeom prst="rect">
           <a:avLst/>
@@ -18261,12 +18215,12 @@
         <a:fontRef idx="minor"/>
       </dsp:style>
       <dsp:txBody>
-        <a:bodyPr spcFirstLastPara="0" vert="horz" wrap="square" lIns="458267" tIns="458216" rIns="458267" bIns="156464" numCol="1" spcCol="1270" anchor="t" anchorCtr="0">
+        <a:bodyPr spcFirstLastPara="0" vert="horz" wrap="square" lIns="458267" tIns="520700" rIns="458267" bIns="177800" numCol="1" spcCol="1270" anchor="t" anchorCtr="0">
           <a:noAutofit/>
         </a:bodyPr>
         <a:lstStyle/>
         <a:p>
-          <a:pPr marL="228600" lvl="1" indent="-228600" algn="l" defTabSz="977900" rtl="0">
+          <a:pPr marL="228600" lvl="1" indent="-228600" algn="l" defTabSz="1111250" rtl="0">
             <a:lnSpc>
               <a:spcPct val="90000"/>
             </a:lnSpc>
@@ -18279,46 +18233,21 @@
             <a:buChar char="••"/>
           </a:pPr>
           <a:r>
-            <a:rPr lang="zh-TW" altLang="en-US" sz="2200" b="0" i="0" kern="1200" dirty="0" smtClean="0">
+            <a:rPr lang="zh-TW" altLang="en-US" sz="2500" b="0" i="0" kern="1200" dirty="0" smtClean="0">
               <a:latin typeface="微軟正黑體" pitchFamily="34" charset="-120"/>
               <a:ea typeface="微軟正黑體" pitchFamily="34" charset="-120"/>
             </a:rPr>
             <a:t>回傳值是空</a:t>
           </a:r>
-          <a:endParaRPr lang="zh-TW" sz="2200" b="1" kern="1200" dirty="0">
-            <a:latin typeface="微軟正黑體" pitchFamily="34" charset="-120"/>
-            <a:ea typeface="微軟正黑體" pitchFamily="34" charset="-120"/>
-          </a:endParaRPr>
-        </a:p>
-        <a:p>
-          <a:pPr marL="228600" lvl="1" indent="-228600" algn="l" defTabSz="977900" rtl="0">
-            <a:lnSpc>
-              <a:spcPct val="90000"/>
-            </a:lnSpc>
-            <a:spcBef>
-              <a:spcPct val="0"/>
-            </a:spcBef>
-            <a:spcAft>
-              <a:spcPct val="15000"/>
-            </a:spcAft>
-            <a:buChar char="••"/>
-          </a:pPr>
-          <a:r>
-            <a:rPr lang="zh-TW" altLang="en-US" sz="2200" b="0" i="0" kern="1200" dirty="0" smtClean="0">
-              <a:latin typeface="微軟正黑體" pitchFamily="34" charset="-120"/>
-              <a:ea typeface="微軟正黑體" pitchFamily="34" charset="-120"/>
-            </a:rPr>
-            <a:t>例如：框架或函式庫</a:t>
-          </a:r>
-          <a:endParaRPr lang="zh-TW" sz="2200" b="1" kern="1200" dirty="0">
+          <a:endParaRPr lang="zh-TW" sz="2500" b="1" kern="1200" dirty="0">
             <a:latin typeface="微軟正黑體" pitchFamily="34" charset="-120"/>
             <a:ea typeface="微軟正黑體" pitchFamily="34" charset="-120"/>
           </a:endParaRPr>
         </a:p>
       </dsp:txBody>
       <dsp:txXfrm>
-        <a:off x="0" y="324750"/>
-        <a:ext cx="5904656" cy="1559250"/>
+        <a:off x="0" y="423750"/>
+        <a:ext cx="5904656" cy="1200937"/>
       </dsp:txXfrm>
     </dsp:sp>
     <dsp:sp modelId="{C19F3680-D56C-412E-85DF-579987FDDF1E}">
@@ -18328,8 +18257,8 @@
       </dsp:nvSpPr>
       <dsp:spPr>
         <a:xfrm>
-          <a:off x="295232" y="30"/>
-          <a:ext cx="4133259" cy="649440"/>
+          <a:off x="295232" y="54750"/>
+          <a:ext cx="4133259" cy="738000"/>
         </a:xfrm>
         <a:prstGeom prst="roundRect">
           <a:avLst/>
@@ -18376,7 +18305,7 @@
         </a:bodyPr>
         <a:lstStyle/>
         <a:p>
-          <a:pPr lvl="0" algn="l" defTabSz="977900" rtl="0">
+          <a:pPr lvl="0" algn="l" defTabSz="1111250" rtl="0">
             <a:lnSpc>
               <a:spcPct val="90000"/>
             </a:lnSpc>
@@ -18388,21 +18317,21 @@
             </a:spcAft>
           </a:pPr>
           <a:r>
-            <a:rPr lang="zh-TW" altLang="en-US" sz="2200" b="1" kern="1200" dirty="0" smtClean="0">
+            <a:rPr lang="zh-TW" altLang="en-US" sz="2500" b="1" kern="1200" dirty="0" smtClean="0">
               <a:latin typeface="微軟正黑體" pitchFamily="34" charset="-120"/>
               <a:ea typeface="微軟正黑體" pitchFamily="34" charset="-120"/>
             </a:rPr>
             <a:t>適用情境</a:t>
           </a:r>
-          <a:endParaRPr lang="zh-TW" sz="2200" b="1" kern="1200" dirty="0">
+          <a:endParaRPr lang="zh-TW" sz="2500" b="1" kern="1200" dirty="0">
             <a:latin typeface="微軟正黑體" pitchFamily="34" charset="-120"/>
             <a:ea typeface="微軟正黑體" pitchFamily="34" charset="-120"/>
           </a:endParaRPr>
         </a:p>
       </dsp:txBody>
       <dsp:txXfrm>
-        <a:off x="326935" y="31733"/>
-        <a:ext cx="4069853" cy="586034"/>
+        <a:off x="331258" y="90776"/>
+        <a:ext cx="4061207" cy="665948"/>
       </dsp:txXfrm>
     </dsp:sp>
     <dsp:sp modelId="{48D2E058-7F04-471B-ACC8-C57B9E71DB2C}">
@@ -18412,8 +18341,8 @@
       </dsp:nvSpPr>
       <dsp:spPr>
         <a:xfrm>
-          <a:off x="0" y="2327520"/>
-          <a:ext cx="5904656" cy="1056825"/>
+          <a:off x="0" y="2128688"/>
+          <a:ext cx="5904656" cy="1200937"/>
         </a:xfrm>
         <a:prstGeom prst="rect">
           <a:avLst/>
@@ -18454,12 +18383,12 @@
         <a:fontRef idx="minor"/>
       </dsp:style>
       <dsp:txBody>
-        <a:bodyPr spcFirstLastPara="0" vert="horz" wrap="square" lIns="458267" tIns="458216" rIns="458267" bIns="156464" numCol="1" spcCol="1270" anchor="t" anchorCtr="0">
+        <a:bodyPr spcFirstLastPara="0" vert="horz" wrap="square" lIns="458267" tIns="520700" rIns="458267" bIns="177800" numCol="1" spcCol="1270" anchor="t" anchorCtr="0">
           <a:noAutofit/>
         </a:bodyPr>
         <a:lstStyle/>
         <a:p>
-          <a:pPr marL="228600" lvl="1" indent="-228600" algn="l" defTabSz="977900" rtl="0">
+          <a:pPr marL="228600" lvl="1" indent="-228600" algn="l" defTabSz="1111250" rtl="0">
             <a:lnSpc>
               <a:spcPct val="90000"/>
             </a:lnSpc>
@@ -18472,21 +18401,21 @@
             <a:buChar char="••"/>
           </a:pPr>
           <a:r>
-            <a:rPr lang="zh-TW" altLang="en-US" sz="2200" b="0" i="0" kern="1200" dirty="0" smtClean="0">
+            <a:rPr lang="zh-TW" altLang="en-US" sz="2500" b="0" i="0" kern="1200" dirty="0" smtClean="0">
               <a:latin typeface="微軟正黑體" pitchFamily="34" charset="-120"/>
               <a:ea typeface="微軟正黑體" pitchFamily="34" charset="-120"/>
             </a:rPr>
             <a:t>考慮該回傳什麼數值來給使用者</a:t>
           </a:r>
-          <a:endParaRPr lang="zh-TW" sz="2200" b="0" i="0" kern="1200" dirty="0">
+          <a:endParaRPr lang="zh-TW" sz="2500" b="0" i="0" kern="1200" dirty="0">
             <a:latin typeface="微軟正黑體" pitchFamily="34" charset="-120"/>
             <a:ea typeface="微軟正黑體" pitchFamily="34" charset="-120"/>
           </a:endParaRPr>
         </a:p>
       </dsp:txBody>
       <dsp:txXfrm>
-        <a:off x="0" y="2327520"/>
-        <a:ext cx="5904656" cy="1056825"/>
+        <a:off x="0" y="2128688"/>
+        <a:ext cx="5904656" cy="1200937"/>
       </dsp:txXfrm>
     </dsp:sp>
     <dsp:sp modelId="{121053D0-15CB-4CF7-B28B-C5B3417D9F5C}">
@@ -18496,8 +18425,8 @@
       </dsp:nvSpPr>
       <dsp:spPr>
         <a:xfrm>
-          <a:off x="295232" y="2002800"/>
-          <a:ext cx="4133259" cy="649440"/>
+          <a:off x="295232" y="1759688"/>
+          <a:ext cx="4133259" cy="738000"/>
         </a:xfrm>
         <a:prstGeom prst="roundRect">
           <a:avLst/>
@@ -18544,7 +18473,7 @@
         </a:bodyPr>
         <a:lstStyle/>
         <a:p>
-          <a:pPr lvl="0" algn="l" defTabSz="977900" rtl="0">
+          <a:pPr lvl="0" algn="l" defTabSz="1111250" rtl="0">
             <a:lnSpc>
               <a:spcPct val="90000"/>
             </a:lnSpc>
@@ -18556,21 +18485,21 @@
             </a:spcAft>
           </a:pPr>
           <a:r>
-            <a:rPr lang="zh-TW" altLang="en-US" sz="2200" b="1" kern="1200" dirty="0" smtClean="0">
+            <a:rPr lang="zh-TW" altLang="en-US" sz="2500" b="1" kern="1200" dirty="0" smtClean="0">
               <a:latin typeface="微軟正黑體" pitchFamily="34" charset="-120"/>
               <a:ea typeface="微軟正黑體" pitchFamily="34" charset="-120"/>
             </a:rPr>
             <a:t>應對措施</a:t>
           </a:r>
-          <a:endParaRPr lang="zh-TW" sz="2200" b="1" kern="1200" dirty="0">
+          <a:endParaRPr lang="zh-TW" sz="2500" b="1" kern="1200" dirty="0">
             <a:latin typeface="微軟正黑體" pitchFamily="34" charset="-120"/>
             <a:ea typeface="微軟正黑體" pitchFamily="34" charset="-120"/>
           </a:endParaRPr>
         </a:p>
       </dsp:txBody>
       <dsp:txXfrm>
-        <a:off x="326935" y="2034503"/>
-        <a:ext cx="4069853" cy="586034"/>
+        <a:off x="331258" y="1795714"/>
+        <a:ext cx="4061207" cy="665948"/>
       </dsp:txXfrm>
     </dsp:sp>
   </dsp:spTree>
@@ -37016,7 +36945,7 @@
           <p:nvPr>
             <p:extLst>
               <p:ext uri="{D42A27DB-BD31-4B8C-83A1-F6EECF244321}">
-                <p14:modId xmlns:p14="http://schemas.microsoft.com/office/powerpoint/2010/main" val="4076238896"/>
+                <p14:modId xmlns:p14="http://schemas.microsoft.com/office/powerpoint/2010/main" val="353267400"/>
               </p:ext>
             </p:extLst>
           </p:nvPr>

--- a/Learning-Defensive-programming/Learning-Defensive-programming.pptx
+++ b/Learning-Defensive-programming/Learning-Defensive-programming.pptx
@@ -9479,8 +9479,8 @@
     <dgm:cxn modelId="{55F06B01-4EA4-4194-AC69-86163D2A1BF5}" type="presOf" srcId="{95900C4F-7221-49C2-B504-88E4A3ED27C9}" destId="{8F1C25C7-51F6-48F8-B4B0-AEEE915F7AC5}" srcOrd="0" destOrd="0" presId="urn:microsoft.com/office/officeart/2005/8/layout/vList2"/>
     <dgm:cxn modelId="{37D80122-5141-4F8E-94B3-84A2E7B421C8}" srcId="{B9A9F9E1-2E2B-4439-83F3-1AB9501C2DF1}" destId="{81B4B438-01F7-40E2-9D98-E99B3BC2BC06}" srcOrd="0" destOrd="0" parTransId="{B2EE07D0-6BD8-4AA4-A1E7-8A145DEFCAF9}" sibTransId="{F191C67A-AD4B-4FED-8686-3B8AC063C90A}"/>
     <dgm:cxn modelId="{CD9B456E-7FA1-44D4-8B5D-A2424BB4D4D3}" type="presOf" srcId="{B9A9F9E1-2E2B-4439-83F3-1AB9501C2DF1}" destId="{C7DFDAAC-9B53-43A9-BA50-C080D1DABFAD}" srcOrd="0" destOrd="0" presId="urn:microsoft.com/office/officeart/2005/8/layout/vList2"/>
+    <dgm:cxn modelId="{D67B78C5-F0A8-4A34-8CAA-5A8D2F3C3CC7}" srcId="{5296E1D1-5873-4904-B202-5BAABD1CBA6C}" destId="{1B829A66-2578-430A-9BA5-8474DE99A2D4}" srcOrd="0" destOrd="0" parTransId="{93BB50AD-BAA2-4E79-A601-737522005D67}" sibTransId="{D340CB47-1168-401E-84D8-D4659844456A}"/>
     <dgm:cxn modelId="{A1A9D8FE-8D9F-4073-B77A-35D993E7D563}" srcId="{95900C4F-7221-49C2-B504-88E4A3ED27C9}" destId="{5A75CF1E-E7D0-4CD1-81C7-CF9222BFA9D5}" srcOrd="0" destOrd="0" parTransId="{ECFF943E-9531-4701-8471-9E0844F1AD4E}" sibTransId="{01D9F667-E2BE-42F2-8786-5CC2157AFF8F}"/>
-    <dgm:cxn modelId="{D67B78C5-F0A8-4A34-8CAA-5A8D2F3C3CC7}" srcId="{5296E1D1-5873-4904-B202-5BAABD1CBA6C}" destId="{1B829A66-2578-430A-9BA5-8474DE99A2D4}" srcOrd="0" destOrd="0" parTransId="{93BB50AD-BAA2-4E79-A601-737522005D67}" sibTransId="{D340CB47-1168-401E-84D8-D4659844456A}"/>
     <dgm:cxn modelId="{0121DA55-7BDC-44F9-B1D8-E937A8C84EAC}" srcId="{56A415F5-B9AF-4026-9D88-552983AD2CEC}" destId="{107CB80F-803A-44D4-81F2-323AE0242253}" srcOrd="3" destOrd="0" parTransId="{B1D06BE3-D188-4A06-84B6-09CE4214FD4B}" sibTransId="{A5369CD7-DB22-4FE8-BF1B-A88EAFEDD3AB}"/>
     <dgm:cxn modelId="{21FF0410-7705-4147-AC4E-D06C1B5DA30B}" srcId="{56A415F5-B9AF-4026-9D88-552983AD2CEC}" destId="{5296E1D1-5873-4904-B202-5BAABD1CBA6C}" srcOrd="5" destOrd="0" parTransId="{E7FCB7C1-105E-4BF9-B52F-E1BB01AA6E51}" sibTransId="{B2E58D3A-A4FD-44DB-8BC8-9911313149B9}"/>
     <dgm:cxn modelId="{6C714191-75C4-4A5E-81A3-9F85930DDCB5}" type="presOf" srcId="{5A75CF1E-E7D0-4CD1-81C7-CF9222BFA9D5}" destId="{975B7BD7-BA18-45C0-8B90-64841DF69D3D}" srcOrd="0" destOrd="0" presId="urn:microsoft.com/office/officeart/2005/8/layout/vList2"/>
@@ -32244,7 +32244,7 @@
           <a:p>
             <a:fld id="{CCE5D743-112C-42B7-AD39-434996E54227}" type="datetimeFigureOut">
               <a:rPr lang="zh-TW" altLang="en-US" smtClean="0"/>
-              <a:t>2016/8/18</a:t>
+              <a:t>2016/8/19</a:t>
             </a:fld>
             <a:endParaRPr lang="zh-TW" altLang="en-US"/>
           </a:p>
@@ -33092,7 +33092,7 @@
           <a:p>
             <a:fld id="{7723E275-255E-45F5-A2D5-27D9E84AD5E2}" type="datetimeFigureOut">
               <a:rPr lang="zh-TW" altLang="en-US" smtClean="0"/>
-              <a:t>2016/8/18</a:t>
+              <a:t>2016/8/19</a:t>
             </a:fld>
             <a:endParaRPr lang="zh-TW" altLang="en-US"/>
           </a:p>
@@ -33257,7 +33257,7 @@
           <a:p>
             <a:fld id="{7723E275-255E-45F5-A2D5-27D9E84AD5E2}" type="datetimeFigureOut">
               <a:rPr lang="zh-TW" altLang="en-US" smtClean="0"/>
-              <a:t>2016/8/18</a:t>
+              <a:t>2016/8/19</a:t>
             </a:fld>
             <a:endParaRPr lang="zh-TW" altLang="en-US"/>
           </a:p>
@@ -33432,7 +33432,7 @@
           <a:p>
             <a:fld id="{7723E275-255E-45F5-A2D5-27D9E84AD5E2}" type="datetimeFigureOut">
               <a:rPr lang="zh-TW" altLang="en-US" smtClean="0"/>
-              <a:t>2016/8/18</a:t>
+              <a:t>2016/8/19</a:t>
             </a:fld>
             <a:endParaRPr lang="zh-TW" altLang="en-US"/>
           </a:p>
@@ -33597,7 +33597,7 @@
           <a:p>
             <a:fld id="{7723E275-255E-45F5-A2D5-27D9E84AD5E2}" type="datetimeFigureOut">
               <a:rPr lang="zh-TW" altLang="en-US" smtClean="0"/>
-              <a:t>2016/8/18</a:t>
+              <a:t>2016/8/19</a:t>
             </a:fld>
             <a:endParaRPr lang="zh-TW" altLang="en-US"/>
           </a:p>
@@ -33838,7 +33838,7 @@
           <a:p>
             <a:fld id="{7723E275-255E-45F5-A2D5-27D9E84AD5E2}" type="datetimeFigureOut">
               <a:rPr lang="zh-TW" altLang="en-US" smtClean="0"/>
-              <a:t>2016/8/18</a:t>
+              <a:t>2016/8/19</a:t>
             </a:fld>
             <a:endParaRPr lang="zh-TW" altLang="en-US"/>
           </a:p>
@@ -34121,7 +34121,7 @@
           <a:p>
             <a:fld id="{7723E275-255E-45F5-A2D5-27D9E84AD5E2}" type="datetimeFigureOut">
               <a:rPr lang="zh-TW" altLang="en-US" smtClean="0"/>
-              <a:t>2016/8/18</a:t>
+              <a:t>2016/8/19</a:t>
             </a:fld>
             <a:endParaRPr lang="zh-TW" altLang="en-US"/>
           </a:p>
@@ -34550,7 +34550,7 @@
           <a:p>
             <a:fld id="{7723E275-255E-45F5-A2D5-27D9E84AD5E2}" type="datetimeFigureOut">
               <a:rPr lang="zh-TW" altLang="en-US" smtClean="0"/>
-              <a:t>2016/8/18</a:t>
+              <a:t>2016/8/19</a:t>
             </a:fld>
             <a:endParaRPr lang="zh-TW" altLang="en-US"/>
           </a:p>
@@ -34663,7 +34663,7 @@
           <a:p>
             <a:fld id="{7723E275-255E-45F5-A2D5-27D9E84AD5E2}" type="datetimeFigureOut">
               <a:rPr lang="zh-TW" altLang="en-US" smtClean="0"/>
-              <a:t>2016/8/18</a:t>
+              <a:t>2016/8/19</a:t>
             </a:fld>
             <a:endParaRPr lang="zh-TW" altLang="en-US"/>
           </a:p>
@@ -34753,7 +34753,7 @@
           <a:p>
             <a:fld id="{7723E275-255E-45F5-A2D5-27D9E84AD5E2}" type="datetimeFigureOut">
               <a:rPr lang="zh-TW" altLang="en-US" smtClean="0"/>
-              <a:t>2016/8/18</a:t>
+              <a:t>2016/8/19</a:t>
             </a:fld>
             <a:endParaRPr lang="zh-TW" altLang="en-US"/>
           </a:p>
@@ -34942,7 +34942,7 @@
           <a:p>
             <a:fld id="{7723E275-255E-45F5-A2D5-27D9E84AD5E2}" type="datetimeFigureOut">
               <a:rPr lang="zh-TW" altLang="en-US" smtClean="0"/>
-              <a:t>2016/8/18</a:t>
+              <a:t>2016/8/19</a:t>
             </a:fld>
             <a:endParaRPr lang="zh-TW" altLang="en-US"/>
           </a:p>
@@ -35260,7 +35260,7 @@
           <a:p>
             <a:fld id="{7723E275-255E-45F5-A2D5-27D9E84AD5E2}" type="datetimeFigureOut">
               <a:rPr lang="zh-TW" altLang="en-US" smtClean="0"/>
-              <a:t>2016/8/18</a:t>
+              <a:t>2016/8/19</a:t>
             </a:fld>
             <a:endParaRPr lang="zh-TW" altLang="en-US"/>
           </a:p>
@@ -35639,7 +35639,7 @@
           <a:p>
             <a:fld id="{7723E275-255E-45F5-A2D5-27D9E84AD5E2}" type="datetimeFigureOut">
               <a:rPr lang="zh-TW" altLang="en-US" smtClean="0"/>
-              <a:t>2016/8/18</a:t>
+              <a:t>2016/8/19</a:t>
             </a:fld>
             <a:endParaRPr lang="zh-TW" altLang="en-US"/>
           </a:p>
@@ -38226,7 +38226,7 @@
       </p:sp>
       <p:pic>
         <p:nvPicPr>
-          <p:cNvPr id="1027" name="Picture 3"/>
+          <p:cNvPr id="2" name="Picture 2"/>
           <p:cNvPicPr>
             <a:picLocks noChangeAspect="1" noChangeArrowheads="1"/>
           </p:cNvPicPr>
@@ -38247,8 +38247,8 @@
         </p:blipFill>
         <p:spPr bwMode="auto">
           <a:xfrm>
-            <a:off x="2885801" y="5216053"/>
-            <a:ext cx="2819400" cy="314325"/>
+            <a:off x="2904851" y="5244628"/>
+            <a:ext cx="2781300" cy="257175"/>
           </a:xfrm>
           <a:prstGeom prst="rect">
             <a:avLst/>

--- a/Learning-Defensive-programming/Learning-Defensive-programming.pptx
+++ b/Learning-Defensive-programming/Learning-Defensive-programming.pptx
@@ -32762,7 +32762,43 @@
                 <a:ea typeface="+mn-ea"/>
                 <a:cs typeface="+mn-cs"/>
               </a:rPr>
-              <a:t>他的缺點在於造成多餘的資源浪費，不但浪費效能，也增加程式碼維護的成本。但是我覺得為了以後可以減少除厝的時間還是要寫一下防禦程式。</a:t>
+              <a:t>他的缺點在於造成多餘的資源浪費，不但浪費效能，也增加程式碼維護的成本。但是我覺得為了以後可以</a:t>
+            </a:r>
+            <a:r>
+              <a:rPr lang="zh-TW" altLang="en-US" sz="1200" b="0" i="0" kern="1200" smtClean="0">
+                <a:solidFill>
+                  <a:schemeClr val="tx1"/>
+                </a:solidFill>
+                <a:effectLst/>
+                <a:latin typeface="+mn-lt"/>
+                <a:ea typeface="+mn-ea"/>
+                <a:cs typeface="+mn-cs"/>
+              </a:rPr>
+              <a:t>減少</a:t>
+            </a:r>
+            <a:r>
+              <a:rPr lang="zh-TW" altLang="en-US" sz="1200" b="0" i="0" kern="1200" smtClean="0">
+                <a:solidFill>
+                  <a:schemeClr val="tx1"/>
+                </a:solidFill>
+                <a:effectLst/>
+                <a:latin typeface="+mn-lt"/>
+                <a:ea typeface="+mn-ea"/>
+                <a:cs typeface="+mn-cs"/>
+              </a:rPr>
+              <a:t>除錯的</a:t>
+            </a:r>
+            <a:r>
+              <a:rPr lang="zh-TW" altLang="en-US" sz="1200" b="0" i="0" kern="1200" dirty="0" smtClean="0">
+                <a:solidFill>
+                  <a:schemeClr val="tx1"/>
+                </a:solidFill>
+                <a:effectLst/>
+                <a:latin typeface="+mn-lt"/>
+                <a:ea typeface="+mn-ea"/>
+                <a:cs typeface="+mn-cs"/>
+              </a:rPr>
+              <a:t>時間還是要寫一下防禦程式。</a:t>
             </a:r>
             <a:endParaRPr lang="en-US" altLang="zh-TW" baseline="0" dirty="0" smtClean="0"/>
           </a:p>

--- a/Learning-Defensive-programming/Learning-Defensive-programming.pptx
+++ b/Learning-Defensive-programming/Learning-Defensive-programming.pptx
@@ -5,7 +5,7 @@
     <p:sldMasterId id="2147483672" r:id="rId1"/>
   </p:sldMasterIdLst>
   <p:notesMasterIdLst>
-    <p:notesMasterId r:id="rId26"/>
+    <p:notesMasterId r:id="rId25"/>
   </p:notesMasterIdLst>
   <p:sldIdLst>
     <p:sldId id="256" r:id="rId2"/>
@@ -21,17 +21,16 @@
     <p:sldId id="262" r:id="rId12"/>
     <p:sldId id="267" r:id="rId13"/>
     <p:sldId id="263" r:id="rId14"/>
-    <p:sldId id="264" r:id="rId15"/>
-    <p:sldId id="270" r:id="rId16"/>
-    <p:sldId id="271" r:id="rId17"/>
-    <p:sldId id="275" r:id="rId18"/>
-    <p:sldId id="281" r:id="rId19"/>
-    <p:sldId id="276" r:id="rId20"/>
-    <p:sldId id="277" r:id="rId21"/>
-    <p:sldId id="273" r:id="rId22"/>
-    <p:sldId id="279" r:id="rId23"/>
-    <p:sldId id="278" r:id="rId24"/>
-    <p:sldId id="274" r:id="rId25"/>
+    <p:sldId id="270" r:id="rId15"/>
+    <p:sldId id="271" r:id="rId16"/>
+    <p:sldId id="275" r:id="rId17"/>
+    <p:sldId id="281" r:id="rId18"/>
+    <p:sldId id="276" r:id="rId19"/>
+    <p:sldId id="277" r:id="rId20"/>
+    <p:sldId id="273" r:id="rId21"/>
+    <p:sldId id="279" r:id="rId22"/>
+    <p:sldId id="278" r:id="rId23"/>
+    <p:sldId id="274" r:id="rId24"/>
   </p:sldIdLst>
   <p:sldSz cx="9144000" cy="6858000" type="screen4x3"/>
   <p:notesSz cx="6858000" cy="9144000"/>
@@ -940,753 +939,6 @@
 </dgm:colorsDef>
 </file>
 
-<file path=ppt/diagrams/colors10.xml><?xml version="1.0" encoding="utf-8"?>
-<dgm:colorsDef xmlns:dgm="http://schemas.openxmlformats.org/drawingml/2006/diagram" xmlns:a="http://schemas.openxmlformats.org/drawingml/2006/main" uniqueId="urn:microsoft.com/office/officeart/2005/8/colors/accent1_2">
-  <dgm:title val=""/>
-  <dgm:desc val=""/>
-  <dgm:catLst>
-    <dgm:cat type="accent1" pri="11200"/>
-  </dgm:catLst>
-  <dgm:styleLbl name="node0">
-    <dgm:fillClrLst meth="repeat">
-      <a:schemeClr val="accent1"/>
-    </dgm:fillClrLst>
-    <dgm:linClrLst meth="repeat">
-      <a:schemeClr val="lt1"/>
-    </dgm:linClrLst>
-    <dgm:effectClrLst/>
-    <dgm:txLinClrLst/>
-    <dgm:txFillClrLst/>
-    <dgm:txEffectClrLst/>
-  </dgm:styleLbl>
-  <dgm:styleLbl name="alignNode1">
-    <dgm:fillClrLst meth="repeat">
-      <a:schemeClr val="accent1"/>
-    </dgm:fillClrLst>
-    <dgm:linClrLst meth="repeat">
-      <a:schemeClr val="accent1"/>
-    </dgm:linClrLst>
-    <dgm:effectClrLst/>
-    <dgm:txLinClrLst/>
-    <dgm:txFillClrLst/>
-    <dgm:txEffectClrLst/>
-  </dgm:styleLbl>
-  <dgm:styleLbl name="node1">
-    <dgm:fillClrLst meth="repeat">
-      <a:schemeClr val="accent1"/>
-    </dgm:fillClrLst>
-    <dgm:linClrLst meth="repeat">
-      <a:schemeClr val="lt1"/>
-    </dgm:linClrLst>
-    <dgm:effectClrLst/>
-    <dgm:txLinClrLst/>
-    <dgm:txFillClrLst/>
-    <dgm:txEffectClrLst/>
-  </dgm:styleLbl>
-  <dgm:styleLbl name="lnNode1">
-    <dgm:fillClrLst meth="repeat">
-      <a:schemeClr val="accent1"/>
-    </dgm:fillClrLst>
-    <dgm:linClrLst meth="repeat">
-      <a:schemeClr val="lt1"/>
-    </dgm:linClrLst>
-    <dgm:effectClrLst/>
-    <dgm:txLinClrLst/>
-    <dgm:txFillClrLst/>
-    <dgm:txEffectClrLst/>
-  </dgm:styleLbl>
-  <dgm:styleLbl name="vennNode1">
-    <dgm:fillClrLst meth="repeat">
-      <a:schemeClr val="accent1">
-        <a:alpha val="50000"/>
-      </a:schemeClr>
-    </dgm:fillClrLst>
-    <dgm:linClrLst meth="repeat">
-      <a:schemeClr val="lt1"/>
-    </dgm:linClrLst>
-    <dgm:effectClrLst/>
-    <dgm:txLinClrLst/>
-    <dgm:txFillClrLst/>
-    <dgm:txEffectClrLst/>
-  </dgm:styleLbl>
-  <dgm:styleLbl name="node2">
-    <dgm:fillClrLst meth="repeat">
-      <a:schemeClr val="accent1"/>
-    </dgm:fillClrLst>
-    <dgm:linClrLst meth="repeat">
-      <a:schemeClr val="lt1"/>
-    </dgm:linClrLst>
-    <dgm:effectClrLst/>
-    <dgm:txLinClrLst/>
-    <dgm:txFillClrLst/>
-    <dgm:txEffectClrLst/>
-  </dgm:styleLbl>
-  <dgm:styleLbl name="node3">
-    <dgm:fillClrLst meth="repeat">
-      <a:schemeClr val="accent1"/>
-    </dgm:fillClrLst>
-    <dgm:linClrLst meth="repeat">
-      <a:schemeClr val="lt1"/>
-    </dgm:linClrLst>
-    <dgm:effectClrLst/>
-    <dgm:txLinClrLst/>
-    <dgm:txFillClrLst/>
-    <dgm:txEffectClrLst/>
-  </dgm:styleLbl>
-  <dgm:styleLbl name="node4">
-    <dgm:fillClrLst meth="repeat">
-      <a:schemeClr val="accent1"/>
-    </dgm:fillClrLst>
-    <dgm:linClrLst meth="repeat">
-      <a:schemeClr val="lt1"/>
-    </dgm:linClrLst>
-    <dgm:effectClrLst/>
-    <dgm:txLinClrLst/>
-    <dgm:txFillClrLst/>
-    <dgm:txEffectClrLst/>
-  </dgm:styleLbl>
-  <dgm:styleLbl name="fgImgPlace1">
-    <dgm:fillClrLst meth="repeat">
-      <a:schemeClr val="accent1">
-        <a:tint val="50000"/>
-      </a:schemeClr>
-    </dgm:fillClrLst>
-    <dgm:linClrLst meth="repeat">
-      <a:schemeClr val="lt1"/>
-    </dgm:linClrLst>
-    <dgm:effectClrLst/>
-    <dgm:txLinClrLst/>
-    <dgm:txFillClrLst meth="repeat">
-      <a:schemeClr val="lt1"/>
-    </dgm:txFillClrLst>
-    <dgm:txEffectClrLst/>
-  </dgm:styleLbl>
-  <dgm:styleLbl name="alignImgPlace1">
-    <dgm:fillClrLst meth="repeat">
-      <a:schemeClr val="accent1">
-        <a:tint val="50000"/>
-      </a:schemeClr>
-    </dgm:fillClrLst>
-    <dgm:linClrLst meth="repeat">
-      <a:schemeClr val="lt1"/>
-    </dgm:linClrLst>
-    <dgm:effectClrLst/>
-    <dgm:txLinClrLst/>
-    <dgm:txFillClrLst meth="repeat">
-      <a:schemeClr val="lt1"/>
-    </dgm:txFillClrLst>
-    <dgm:txEffectClrLst/>
-  </dgm:styleLbl>
-  <dgm:styleLbl name="bgImgPlace1">
-    <dgm:fillClrLst meth="repeat">
-      <a:schemeClr val="accent1">
-        <a:tint val="50000"/>
-      </a:schemeClr>
-    </dgm:fillClrLst>
-    <dgm:linClrLst meth="repeat">
-      <a:schemeClr val="lt1"/>
-    </dgm:linClrLst>
-    <dgm:effectClrLst/>
-    <dgm:txLinClrLst/>
-    <dgm:txFillClrLst meth="repeat">
-      <a:schemeClr val="lt1"/>
-    </dgm:txFillClrLst>
-    <dgm:txEffectClrLst/>
-  </dgm:styleLbl>
-  <dgm:styleLbl name="sibTrans2D1">
-    <dgm:fillClrLst meth="repeat">
-      <a:schemeClr val="accent1">
-        <a:tint val="60000"/>
-      </a:schemeClr>
-    </dgm:fillClrLst>
-    <dgm:linClrLst meth="repeat">
-      <a:schemeClr val="accent1">
-        <a:tint val="60000"/>
-      </a:schemeClr>
-    </dgm:linClrLst>
-    <dgm:effectClrLst/>
-    <dgm:txLinClrLst/>
-    <dgm:txFillClrLst/>
-    <dgm:txEffectClrLst/>
-  </dgm:styleLbl>
-  <dgm:styleLbl name="fgSibTrans2D1">
-    <dgm:fillClrLst meth="repeat">
-      <a:schemeClr val="accent1">
-        <a:tint val="60000"/>
-      </a:schemeClr>
-    </dgm:fillClrLst>
-    <dgm:linClrLst meth="repeat">
-      <a:schemeClr val="accent1">
-        <a:tint val="60000"/>
-      </a:schemeClr>
-    </dgm:linClrLst>
-    <dgm:effectClrLst/>
-    <dgm:txLinClrLst/>
-    <dgm:txFillClrLst/>
-    <dgm:txEffectClrLst/>
-  </dgm:styleLbl>
-  <dgm:styleLbl name="bgSibTrans2D1">
-    <dgm:fillClrLst meth="repeat">
-      <a:schemeClr val="accent1">
-        <a:tint val="60000"/>
-      </a:schemeClr>
-    </dgm:fillClrLst>
-    <dgm:linClrLst meth="repeat">
-      <a:schemeClr val="accent1">
-        <a:tint val="60000"/>
-      </a:schemeClr>
-    </dgm:linClrLst>
-    <dgm:effectClrLst/>
-    <dgm:txLinClrLst/>
-    <dgm:txFillClrLst/>
-    <dgm:txEffectClrLst/>
-  </dgm:styleLbl>
-  <dgm:styleLbl name="sibTrans1D1">
-    <dgm:fillClrLst meth="repeat">
-      <a:schemeClr val="accent1"/>
-    </dgm:fillClrLst>
-    <dgm:linClrLst meth="repeat">
-      <a:schemeClr val="accent1"/>
-    </dgm:linClrLst>
-    <dgm:effectClrLst/>
-    <dgm:txLinClrLst/>
-    <dgm:txFillClrLst meth="repeat">
-      <a:schemeClr val="tx1"/>
-    </dgm:txFillClrLst>
-    <dgm:txEffectClrLst/>
-  </dgm:styleLbl>
-  <dgm:styleLbl name="callout">
-    <dgm:fillClrLst meth="repeat">
-      <a:schemeClr val="accent1"/>
-    </dgm:fillClrLst>
-    <dgm:linClrLst meth="repeat">
-      <a:schemeClr val="accent1">
-        <a:tint val="50000"/>
-      </a:schemeClr>
-    </dgm:linClrLst>
-    <dgm:effectClrLst/>
-    <dgm:txLinClrLst/>
-    <dgm:txFillClrLst meth="repeat">
-      <a:schemeClr val="tx1"/>
-    </dgm:txFillClrLst>
-    <dgm:txEffectClrLst/>
-  </dgm:styleLbl>
-  <dgm:styleLbl name="asst0">
-    <dgm:fillClrLst meth="repeat">
-      <a:schemeClr val="accent1"/>
-    </dgm:fillClrLst>
-    <dgm:linClrLst meth="repeat">
-      <a:schemeClr val="lt1"/>
-    </dgm:linClrLst>
-    <dgm:effectClrLst/>
-    <dgm:txLinClrLst/>
-    <dgm:txFillClrLst/>
-    <dgm:txEffectClrLst/>
-  </dgm:styleLbl>
-  <dgm:styleLbl name="asst1">
-    <dgm:fillClrLst meth="repeat">
-      <a:schemeClr val="accent1"/>
-    </dgm:fillClrLst>
-    <dgm:linClrLst meth="repeat">
-      <a:schemeClr val="lt1"/>
-    </dgm:linClrLst>
-    <dgm:effectClrLst/>
-    <dgm:txLinClrLst/>
-    <dgm:txFillClrLst/>
-    <dgm:txEffectClrLst/>
-  </dgm:styleLbl>
-  <dgm:styleLbl name="asst2">
-    <dgm:fillClrLst meth="repeat">
-      <a:schemeClr val="accent1"/>
-    </dgm:fillClrLst>
-    <dgm:linClrLst meth="repeat">
-      <a:schemeClr val="lt1"/>
-    </dgm:linClrLst>
-    <dgm:effectClrLst/>
-    <dgm:txLinClrLst/>
-    <dgm:txFillClrLst/>
-    <dgm:txEffectClrLst/>
-  </dgm:styleLbl>
-  <dgm:styleLbl name="asst3">
-    <dgm:fillClrLst meth="repeat">
-      <a:schemeClr val="accent1"/>
-    </dgm:fillClrLst>
-    <dgm:linClrLst meth="repeat">
-      <a:schemeClr val="lt1"/>
-    </dgm:linClrLst>
-    <dgm:effectClrLst/>
-    <dgm:txLinClrLst/>
-    <dgm:txFillClrLst/>
-    <dgm:txEffectClrLst/>
-  </dgm:styleLbl>
-  <dgm:styleLbl name="asst4">
-    <dgm:fillClrLst meth="repeat">
-      <a:schemeClr val="accent1"/>
-    </dgm:fillClrLst>
-    <dgm:linClrLst meth="repeat">
-      <a:schemeClr val="lt1"/>
-    </dgm:linClrLst>
-    <dgm:effectClrLst/>
-    <dgm:txLinClrLst/>
-    <dgm:txFillClrLst/>
-    <dgm:txEffectClrLst/>
-  </dgm:styleLbl>
-  <dgm:styleLbl name="parChTrans2D1">
-    <dgm:fillClrLst meth="repeat">
-      <a:schemeClr val="accent1">
-        <a:tint val="60000"/>
-      </a:schemeClr>
-    </dgm:fillClrLst>
-    <dgm:linClrLst meth="repeat">
-      <a:schemeClr val="accent1">
-        <a:tint val="60000"/>
-      </a:schemeClr>
-    </dgm:linClrLst>
-    <dgm:effectClrLst/>
-    <dgm:txLinClrLst/>
-    <dgm:txFillClrLst meth="repeat">
-      <a:schemeClr val="lt1"/>
-    </dgm:txFillClrLst>
-    <dgm:txEffectClrLst/>
-  </dgm:styleLbl>
-  <dgm:styleLbl name="parChTrans2D2">
-    <dgm:fillClrLst meth="repeat">
-      <a:schemeClr val="accent1"/>
-    </dgm:fillClrLst>
-    <dgm:linClrLst meth="repeat">
-      <a:schemeClr val="accent1"/>
-    </dgm:linClrLst>
-    <dgm:effectClrLst/>
-    <dgm:txLinClrLst/>
-    <dgm:txFillClrLst meth="repeat">
-      <a:schemeClr val="lt1"/>
-    </dgm:txFillClrLst>
-    <dgm:txEffectClrLst/>
-  </dgm:styleLbl>
-  <dgm:styleLbl name="parChTrans2D3">
-    <dgm:fillClrLst meth="repeat">
-      <a:schemeClr val="accent1"/>
-    </dgm:fillClrLst>
-    <dgm:linClrLst meth="repeat">
-      <a:schemeClr val="accent1"/>
-    </dgm:linClrLst>
-    <dgm:effectClrLst/>
-    <dgm:txLinClrLst/>
-    <dgm:txFillClrLst meth="repeat">
-      <a:schemeClr val="lt1"/>
-    </dgm:txFillClrLst>
-    <dgm:txEffectClrLst/>
-  </dgm:styleLbl>
-  <dgm:styleLbl name="parChTrans2D4">
-    <dgm:fillClrLst meth="repeat">
-      <a:schemeClr val="accent1"/>
-    </dgm:fillClrLst>
-    <dgm:linClrLst meth="repeat">
-      <a:schemeClr val="accent1"/>
-    </dgm:linClrLst>
-    <dgm:effectClrLst/>
-    <dgm:txLinClrLst/>
-    <dgm:txFillClrLst meth="repeat">
-      <a:schemeClr val="lt1"/>
-    </dgm:txFillClrLst>
-    <dgm:txEffectClrLst/>
-  </dgm:styleLbl>
-  <dgm:styleLbl name="parChTrans1D1">
-    <dgm:fillClrLst meth="repeat">
-      <a:schemeClr val="accent1"/>
-    </dgm:fillClrLst>
-    <dgm:linClrLst meth="repeat">
-      <a:schemeClr val="accent1">
-        <a:shade val="60000"/>
-      </a:schemeClr>
-    </dgm:linClrLst>
-    <dgm:effectClrLst/>
-    <dgm:txLinClrLst/>
-    <dgm:txFillClrLst meth="repeat">
-      <a:schemeClr val="tx1"/>
-    </dgm:txFillClrLst>
-    <dgm:txEffectClrLst/>
-  </dgm:styleLbl>
-  <dgm:styleLbl name="parChTrans1D2">
-    <dgm:fillClrLst meth="repeat">
-      <a:schemeClr val="accent1"/>
-    </dgm:fillClrLst>
-    <dgm:linClrLst meth="repeat">
-      <a:schemeClr val="accent1">
-        <a:shade val="60000"/>
-      </a:schemeClr>
-    </dgm:linClrLst>
-    <dgm:effectClrLst/>
-    <dgm:txLinClrLst/>
-    <dgm:txFillClrLst meth="repeat">
-      <a:schemeClr val="tx1"/>
-    </dgm:txFillClrLst>
-    <dgm:txEffectClrLst/>
-  </dgm:styleLbl>
-  <dgm:styleLbl name="parChTrans1D3">
-    <dgm:fillClrLst meth="repeat">
-      <a:schemeClr val="accent1"/>
-    </dgm:fillClrLst>
-    <dgm:linClrLst meth="repeat">
-      <a:schemeClr val="accent1">
-        <a:shade val="80000"/>
-      </a:schemeClr>
-    </dgm:linClrLst>
-    <dgm:effectClrLst/>
-    <dgm:txLinClrLst/>
-    <dgm:txFillClrLst meth="repeat">
-      <a:schemeClr val="tx1"/>
-    </dgm:txFillClrLst>
-    <dgm:txEffectClrLst/>
-  </dgm:styleLbl>
-  <dgm:styleLbl name="parChTrans1D4">
-    <dgm:fillClrLst meth="repeat">
-      <a:schemeClr val="accent1"/>
-    </dgm:fillClrLst>
-    <dgm:linClrLst meth="repeat">
-      <a:schemeClr val="accent1">
-        <a:shade val="80000"/>
-      </a:schemeClr>
-    </dgm:linClrLst>
-    <dgm:effectClrLst/>
-    <dgm:txLinClrLst/>
-    <dgm:txFillClrLst meth="repeat">
-      <a:schemeClr val="tx1"/>
-    </dgm:txFillClrLst>
-    <dgm:txEffectClrLst/>
-  </dgm:styleLbl>
-  <dgm:styleLbl name="fgAcc1">
-    <dgm:fillClrLst meth="repeat">
-      <a:schemeClr val="lt1">
-        <a:alpha val="90000"/>
-      </a:schemeClr>
-    </dgm:fillClrLst>
-    <dgm:linClrLst meth="repeat">
-      <a:schemeClr val="accent1"/>
-    </dgm:linClrLst>
-    <dgm:effectClrLst/>
-    <dgm:txLinClrLst/>
-    <dgm:txFillClrLst meth="repeat">
-      <a:schemeClr val="dk1"/>
-    </dgm:txFillClrLst>
-    <dgm:txEffectClrLst/>
-  </dgm:styleLbl>
-  <dgm:styleLbl name="conFgAcc1">
-    <dgm:fillClrLst meth="repeat">
-      <a:schemeClr val="lt1">
-        <a:alpha val="90000"/>
-      </a:schemeClr>
-    </dgm:fillClrLst>
-    <dgm:linClrLst meth="repeat">
-      <a:schemeClr val="accent1"/>
-    </dgm:linClrLst>
-    <dgm:effectClrLst/>
-    <dgm:txLinClrLst/>
-    <dgm:txFillClrLst meth="repeat">
-      <a:schemeClr val="dk1"/>
-    </dgm:txFillClrLst>
-    <dgm:txEffectClrLst/>
-  </dgm:styleLbl>
-  <dgm:styleLbl name="alignAcc1">
-    <dgm:fillClrLst meth="repeat">
-      <a:schemeClr val="lt1">
-        <a:alpha val="90000"/>
-      </a:schemeClr>
-    </dgm:fillClrLst>
-    <dgm:linClrLst meth="repeat">
-      <a:schemeClr val="accent1"/>
-    </dgm:linClrLst>
-    <dgm:effectClrLst/>
-    <dgm:txLinClrLst/>
-    <dgm:txFillClrLst meth="repeat">
-      <a:schemeClr val="dk1"/>
-    </dgm:txFillClrLst>
-    <dgm:txEffectClrLst/>
-  </dgm:styleLbl>
-  <dgm:styleLbl name="trAlignAcc1">
-    <dgm:fillClrLst meth="repeat">
-      <a:schemeClr val="lt1">
-        <a:alpha val="40000"/>
-      </a:schemeClr>
-    </dgm:fillClrLst>
-    <dgm:linClrLst meth="repeat">
-      <a:schemeClr val="accent1"/>
-    </dgm:linClrLst>
-    <dgm:effectClrLst/>
-    <dgm:txLinClrLst/>
-    <dgm:txFillClrLst meth="repeat">
-      <a:schemeClr val="dk1"/>
-    </dgm:txFillClrLst>
-    <dgm:txEffectClrLst/>
-  </dgm:styleLbl>
-  <dgm:styleLbl name="bgAcc1">
-    <dgm:fillClrLst meth="repeat">
-      <a:schemeClr val="lt1">
-        <a:alpha val="90000"/>
-      </a:schemeClr>
-    </dgm:fillClrLst>
-    <dgm:linClrLst meth="repeat">
-      <a:schemeClr val="accent1"/>
-    </dgm:linClrLst>
-    <dgm:effectClrLst/>
-    <dgm:txLinClrLst/>
-    <dgm:txFillClrLst meth="repeat">
-      <a:schemeClr val="dk1"/>
-    </dgm:txFillClrLst>
-    <dgm:txEffectClrLst/>
-  </dgm:styleLbl>
-  <dgm:styleLbl name="solidFgAcc1">
-    <dgm:fillClrLst meth="repeat">
-      <a:schemeClr val="lt1"/>
-    </dgm:fillClrLst>
-    <dgm:linClrLst meth="repeat">
-      <a:schemeClr val="accent1"/>
-    </dgm:linClrLst>
-    <dgm:effectClrLst/>
-    <dgm:txLinClrLst/>
-    <dgm:txFillClrLst meth="repeat">
-      <a:schemeClr val="dk1"/>
-    </dgm:txFillClrLst>
-    <dgm:txEffectClrLst/>
-  </dgm:styleLbl>
-  <dgm:styleLbl name="solidAlignAcc1">
-    <dgm:fillClrLst meth="repeat">
-      <a:schemeClr val="lt1"/>
-    </dgm:fillClrLst>
-    <dgm:linClrLst meth="repeat">
-      <a:schemeClr val="accent1"/>
-    </dgm:linClrLst>
-    <dgm:effectClrLst/>
-    <dgm:txLinClrLst/>
-    <dgm:txFillClrLst meth="repeat">
-      <a:schemeClr val="dk1"/>
-    </dgm:txFillClrLst>
-    <dgm:txEffectClrLst/>
-  </dgm:styleLbl>
-  <dgm:styleLbl name="solidBgAcc1">
-    <dgm:fillClrLst meth="repeat">
-      <a:schemeClr val="lt1"/>
-    </dgm:fillClrLst>
-    <dgm:linClrLst meth="repeat">
-      <a:schemeClr val="accent1"/>
-    </dgm:linClrLst>
-    <dgm:effectClrLst/>
-    <dgm:txLinClrLst/>
-    <dgm:txFillClrLst meth="repeat">
-      <a:schemeClr val="dk1"/>
-    </dgm:txFillClrLst>
-    <dgm:txEffectClrLst/>
-  </dgm:styleLbl>
-  <dgm:styleLbl name="fgAccFollowNode1">
-    <dgm:fillClrLst meth="repeat">
-      <a:schemeClr val="accent1">
-        <a:alpha val="90000"/>
-        <a:tint val="40000"/>
-      </a:schemeClr>
-    </dgm:fillClrLst>
-    <dgm:linClrLst meth="repeat">
-      <a:schemeClr val="accent1">
-        <a:alpha val="90000"/>
-        <a:tint val="40000"/>
-      </a:schemeClr>
-    </dgm:linClrLst>
-    <dgm:effectClrLst/>
-    <dgm:txLinClrLst/>
-    <dgm:txFillClrLst meth="repeat">
-      <a:schemeClr val="dk1"/>
-    </dgm:txFillClrLst>
-    <dgm:txEffectClrLst/>
-  </dgm:styleLbl>
-  <dgm:styleLbl name="alignAccFollowNode1">
-    <dgm:fillClrLst meth="repeat">
-      <a:schemeClr val="accent1">
-        <a:alpha val="90000"/>
-        <a:tint val="40000"/>
-      </a:schemeClr>
-    </dgm:fillClrLst>
-    <dgm:linClrLst meth="repeat">
-      <a:schemeClr val="accent1">
-        <a:alpha val="90000"/>
-        <a:tint val="40000"/>
-      </a:schemeClr>
-    </dgm:linClrLst>
-    <dgm:effectClrLst/>
-    <dgm:txLinClrLst/>
-    <dgm:txFillClrLst meth="repeat">
-      <a:schemeClr val="dk1"/>
-    </dgm:txFillClrLst>
-    <dgm:txEffectClrLst/>
-  </dgm:styleLbl>
-  <dgm:styleLbl name="bgAccFollowNode1">
-    <dgm:fillClrLst meth="repeat">
-      <a:schemeClr val="accent1">
-        <a:alpha val="90000"/>
-        <a:tint val="40000"/>
-      </a:schemeClr>
-    </dgm:fillClrLst>
-    <dgm:linClrLst meth="repeat">
-      <a:schemeClr val="accent1">
-        <a:alpha val="90000"/>
-        <a:tint val="40000"/>
-      </a:schemeClr>
-    </dgm:linClrLst>
-    <dgm:effectClrLst/>
-    <dgm:txLinClrLst/>
-    <dgm:txFillClrLst meth="repeat">
-      <a:schemeClr val="dk1"/>
-    </dgm:txFillClrLst>
-    <dgm:txEffectClrLst/>
-  </dgm:styleLbl>
-  <dgm:styleLbl name="fgAcc0">
-    <dgm:fillClrLst meth="repeat">
-      <a:schemeClr val="lt1">
-        <a:alpha val="90000"/>
-      </a:schemeClr>
-    </dgm:fillClrLst>
-    <dgm:linClrLst meth="repeat">
-      <a:schemeClr val="accent1"/>
-    </dgm:linClrLst>
-    <dgm:effectClrLst/>
-    <dgm:txLinClrLst/>
-    <dgm:txFillClrLst meth="repeat">
-      <a:schemeClr val="dk1"/>
-    </dgm:txFillClrLst>
-    <dgm:txEffectClrLst/>
-  </dgm:styleLbl>
-  <dgm:styleLbl name="fgAcc2">
-    <dgm:fillClrLst meth="repeat">
-      <a:schemeClr val="lt1">
-        <a:alpha val="90000"/>
-      </a:schemeClr>
-    </dgm:fillClrLst>
-    <dgm:linClrLst meth="repeat">
-      <a:schemeClr val="accent1"/>
-    </dgm:linClrLst>
-    <dgm:effectClrLst/>
-    <dgm:txLinClrLst/>
-    <dgm:txFillClrLst meth="repeat">
-      <a:schemeClr val="dk1"/>
-    </dgm:txFillClrLst>
-    <dgm:txEffectClrLst/>
-  </dgm:styleLbl>
-  <dgm:styleLbl name="fgAcc3">
-    <dgm:fillClrLst meth="repeat">
-      <a:schemeClr val="lt1">
-        <a:alpha val="90000"/>
-      </a:schemeClr>
-    </dgm:fillClrLst>
-    <dgm:linClrLst meth="repeat">
-      <a:schemeClr val="accent1"/>
-    </dgm:linClrLst>
-    <dgm:effectClrLst/>
-    <dgm:txLinClrLst/>
-    <dgm:txFillClrLst meth="repeat">
-      <a:schemeClr val="dk1"/>
-    </dgm:txFillClrLst>
-    <dgm:txEffectClrLst/>
-  </dgm:styleLbl>
-  <dgm:styleLbl name="fgAcc4">
-    <dgm:fillClrLst meth="repeat">
-      <a:schemeClr val="lt1">
-        <a:alpha val="90000"/>
-      </a:schemeClr>
-    </dgm:fillClrLst>
-    <dgm:linClrLst meth="repeat">
-      <a:schemeClr val="accent1"/>
-    </dgm:linClrLst>
-    <dgm:effectClrLst/>
-    <dgm:txLinClrLst/>
-    <dgm:txFillClrLst meth="repeat">
-      <a:schemeClr val="dk1"/>
-    </dgm:txFillClrLst>
-    <dgm:txEffectClrLst/>
-  </dgm:styleLbl>
-  <dgm:styleLbl name="bgShp">
-    <dgm:fillClrLst meth="repeat">
-      <a:schemeClr val="accent1">
-        <a:tint val="40000"/>
-      </a:schemeClr>
-    </dgm:fillClrLst>
-    <dgm:linClrLst meth="repeat">
-      <a:schemeClr val="accent1"/>
-    </dgm:linClrLst>
-    <dgm:effectClrLst/>
-    <dgm:txLinClrLst/>
-    <dgm:txFillClrLst meth="repeat">
-      <a:schemeClr val="dk1"/>
-    </dgm:txFillClrLst>
-    <dgm:txEffectClrLst/>
-  </dgm:styleLbl>
-  <dgm:styleLbl name="dkBgShp">
-    <dgm:fillClrLst meth="repeat">
-      <a:schemeClr val="accent1">
-        <a:shade val="80000"/>
-      </a:schemeClr>
-    </dgm:fillClrLst>
-    <dgm:linClrLst meth="repeat">
-      <a:schemeClr val="accent1"/>
-    </dgm:linClrLst>
-    <dgm:effectClrLst/>
-    <dgm:txLinClrLst/>
-    <dgm:txFillClrLst meth="repeat">
-      <a:schemeClr val="lt1"/>
-    </dgm:txFillClrLst>
-    <dgm:txEffectClrLst/>
-  </dgm:styleLbl>
-  <dgm:styleLbl name="trBgShp">
-    <dgm:fillClrLst meth="repeat">
-      <a:schemeClr val="accent1">
-        <a:tint val="50000"/>
-        <a:alpha val="40000"/>
-      </a:schemeClr>
-    </dgm:fillClrLst>
-    <dgm:linClrLst meth="repeat">
-      <a:schemeClr val="accent1"/>
-    </dgm:linClrLst>
-    <dgm:effectClrLst/>
-    <dgm:txLinClrLst/>
-    <dgm:txFillClrLst meth="repeat">
-      <a:schemeClr val="lt1"/>
-    </dgm:txFillClrLst>
-    <dgm:txEffectClrLst/>
-  </dgm:styleLbl>
-  <dgm:styleLbl name="fgShp">
-    <dgm:fillClrLst meth="repeat">
-      <a:schemeClr val="accent1">
-        <a:tint val="60000"/>
-      </a:schemeClr>
-    </dgm:fillClrLst>
-    <dgm:linClrLst meth="repeat">
-      <a:schemeClr val="lt1"/>
-    </dgm:linClrLst>
-    <dgm:effectClrLst/>
-    <dgm:txLinClrLst/>
-    <dgm:txFillClrLst meth="repeat">
-      <a:schemeClr val="dk1"/>
-    </dgm:txFillClrLst>
-    <dgm:txEffectClrLst/>
-  </dgm:styleLbl>
-  <dgm:styleLbl name="revTx">
-    <dgm:fillClrLst meth="repeat">
-      <a:schemeClr val="lt1">
-        <a:alpha val="0"/>
-      </a:schemeClr>
-    </dgm:fillClrLst>
-    <dgm:linClrLst meth="repeat">
-      <a:schemeClr val="dk1">
-        <a:alpha val="0"/>
-      </a:schemeClr>
-    </dgm:linClrLst>
-    <dgm:effectClrLst/>
-    <dgm:txLinClrLst/>
-    <dgm:txFillClrLst meth="repeat">
-      <a:schemeClr val="tx1"/>
-    </dgm:txFillClrLst>
-    <dgm:txEffectClrLst/>
-  </dgm:styleLbl>
-</dgm:colorsDef>
-</file>
-
 <file path=ppt/diagrams/colors2.xml><?xml version="1.0" encoding="utf-8"?>
 <dgm:colorsDef xmlns:dgm="http://schemas.openxmlformats.org/drawingml/2006/diagram" xmlns:a="http://schemas.openxmlformats.org/drawingml/2006/main" uniqueId="urn:microsoft.com/office/officeart/2005/8/colors/accent1_1">
   <dgm:title val=""/>
@@ -7337,15 +6589,391 @@
 </file>
 
 <file path=ppt/diagrams/colors9.xml><?xml version="1.0" encoding="utf-8"?>
-<dgm:colorsDef xmlns:dgm="http://schemas.openxmlformats.org/drawingml/2006/diagram" xmlns:a="http://schemas.openxmlformats.org/drawingml/2006/main" uniqueId="urn:microsoft.com/office/officeart/2005/8/colors/accent1_1">
+<dgm:colorsDef xmlns:dgm="http://schemas.openxmlformats.org/drawingml/2006/diagram" xmlns:a="http://schemas.openxmlformats.org/drawingml/2006/main" uniqueId="urn:microsoft.com/office/officeart/2005/8/colors/accent1_2">
   <dgm:title val=""/>
   <dgm:desc val=""/>
   <dgm:catLst>
-    <dgm:cat type="accent1" pri="11100"/>
+    <dgm:cat type="accent1" pri="11200"/>
   </dgm:catLst>
   <dgm:styleLbl name="node0">
     <dgm:fillClrLst meth="repeat">
+      <a:schemeClr val="accent1"/>
+    </dgm:fillClrLst>
+    <dgm:linClrLst meth="repeat">
       <a:schemeClr val="lt1"/>
+    </dgm:linClrLst>
+    <dgm:effectClrLst/>
+    <dgm:txLinClrLst/>
+    <dgm:txFillClrLst/>
+    <dgm:txEffectClrLst/>
+  </dgm:styleLbl>
+  <dgm:styleLbl name="alignNode1">
+    <dgm:fillClrLst meth="repeat">
+      <a:schemeClr val="accent1"/>
+    </dgm:fillClrLst>
+    <dgm:linClrLst meth="repeat">
+      <a:schemeClr val="accent1"/>
+    </dgm:linClrLst>
+    <dgm:effectClrLst/>
+    <dgm:txLinClrLst/>
+    <dgm:txFillClrLst/>
+    <dgm:txEffectClrLst/>
+  </dgm:styleLbl>
+  <dgm:styleLbl name="node1">
+    <dgm:fillClrLst meth="repeat">
+      <a:schemeClr val="accent1"/>
+    </dgm:fillClrLst>
+    <dgm:linClrLst meth="repeat">
+      <a:schemeClr val="lt1"/>
+    </dgm:linClrLst>
+    <dgm:effectClrLst/>
+    <dgm:txLinClrLst/>
+    <dgm:txFillClrLst/>
+    <dgm:txEffectClrLst/>
+  </dgm:styleLbl>
+  <dgm:styleLbl name="lnNode1">
+    <dgm:fillClrLst meth="repeat">
+      <a:schemeClr val="accent1"/>
+    </dgm:fillClrLst>
+    <dgm:linClrLst meth="repeat">
+      <a:schemeClr val="lt1"/>
+    </dgm:linClrLst>
+    <dgm:effectClrLst/>
+    <dgm:txLinClrLst/>
+    <dgm:txFillClrLst/>
+    <dgm:txEffectClrLst/>
+  </dgm:styleLbl>
+  <dgm:styleLbl name="vennNode1">
+    <dgm:fillClrLst meth="repeat">
+      <a:schemeClr val="accent1">
+        <a:alpha val="50000"/>
+      </a:schemeClr>
+    </dgm:fillClrLst>
+    <dgm:linClrLst meth="repeat">
+      <a:schemeClr val="lt1"/>
+    </dgm:linClrLst>
+    <dgm:effectClrLst/>
+    <dgm:txLinClrLst/>
+    <dgm:txFillClrLst/>
+    <dgm:txEffectClrLst/>
+  </dgm:styleLbl>
+  <dgm:styleLbl name="node2">
+    <dgm:fillClrLst meth="repeat">
+      <a:schemeClr val="accent1"/>
+    </dgm:fillClrLst>
+    <dgm:linClrLst meth="repeat">
+      <a:schemeClr val="lt1"/>
+    </dgm:linClrLst>
+    <dgm:effectClrLst/>
+    <dgm:txLinClrLst/>
+    <dgm:txFillClrLst/>
+    <dgm:txEffectClrLst/>
+  </dgm:styleLbl>
+  <dgm:styleLbl name="node3">
+    <dgm:fillClrLst meth="repeat">
+      <a:schemeClr val="accent1"/>
+    </dgm:fillClrLst>
+    <dgm:linClrLst meth="repeat">
+      <a:schemeClr val="lt1"/>
+    </dgm:linClrLst>
+    <dgm:effectClrLst/>
+    <dgm:txLinClrLst/>
+    <dgm:txFillClrLst/>
+    <dgm:txEffectClrLst/>
+  </dgm:styleLbl>
+  <dgm:styleLbl name="node4">
+    <dgm:fillClrLst meth="repeat">
+      <a:schemeClr val="accent1"/>
+    </dgm:fillClrLst>
+    <dgm:linClrLst meth="repeat">
+      <a:schemeClr val="lt1"/>
+    </dgm:linClrLst>
+    <dgm:effectClrLst/>
+    <dgm:txLinClrLst/>
+    <dgm:txFillClrLst/>
+    <dgm:txEffectClrLst/>
+  </dgm:styleLbl>
+  <dgm:styleLbl name="fgImgPlace1">
+    <dgm:fillClrLst meth="repeat">
+      <a:schemeClr val="accent1">
+        <a:tint val="50000"/>
+      </a:schemeClr>
+    </dgm:fillClrLst>
+    <dgm:linClrLst meth="repeat">
+      <a:schemeClr val="lt1"/>
+    </dgm:linClrLst>
+    <dgm:effectClrLst/>
+    <dgm:txLinClrLst/>
+    <dgm:txFillClrLst meth="repeat">
+      <a:schemeClr val="lt1"/>
+    </dgm:txFillClrLst>
+    <dgm:txEffectClrLst/>
+  </dgm:styleLbl>
+  <dgm:styleLbl name="alignImgPlace1">
+    <dgm:fillClrLst meth="repeat">
+      <a:schemeClr val="accent1">
+        <a:tint val="50000"/>
+      </a:schemeClr>
+    </dgm:fillClrLst>
+    <dgm:linClrLst meth="repeat">
+      <a:schemeClr val="lt1"/>
+    </dgm:linClrLst>
+    <dgm:effectClrLst/>
+    <dgm:txLinClrLst/>
+    <dgm:txFillClrLst meth="repeat">
+      <a:schemeClr val="lt1"/>
+    </dgm:txFillClrLst>
+    <dgm:txEffectClrLst/>
+  </dgm:styleLbl>
+  <dgm:styleLbl name="bgImgPlace1">
+    <dgm:fillClrLst meth="repeat">
+      <a:schemeClr val="accent1">
+        <a:tint val="50000"/>
+      </a:schemeClr>
+    </dgm:fillClrLst>
+    <dgm:linClrLst meth="repeat">
+      <a:schemeClr val="lt1"/>
+    </dgm:linClrLst>
+    <dgm:effectClrLst/>
+    <dgm:txLinClrLst/>
+    <dgm:txFillClrLst meth="repeat">
+      <a:schemeClr val="lt1"/>
+    </dgm:txFillClrLst>
+    <dgm:txEffectClrLst/>
+  </dgm:styleLbl>
+  <dgm:styleLbl name="sibTrans2D1">
+    <dgm:fillClrLst meth="repeat">
+      <a:schemeClr val="accent1">
+        <a:tint val="60000"/>
+      </a:schemeClr>
+    </dgm:fillClrLst>
+    <dgm:linClrLst meth="repeat">
+      <a:schemeClr val="accent1">
+        <a:tint val="60000"/>
+      </a:schemeClr>
+    </dgm:linClrLst>
+    <dgm:effectClrLst/>
+    <dgm:txLinClrLst/>
+    <dgm:txFillClrLst/>
+    <dgm:txEffectClrLst/>
+  </dgm:styleLbl>
+  <dgm:styleLbl name="fgSibTrans2D1">
+    <dgm:fillClrLst meth="repeat">
+      <a:schemeClr val="accent1">
+        <a:tint val="60000"/>
+      </a:schemeClr>
+    </dgm:fillClrLst>
+    <dgm:linClrLst meth="repeat">
+      <a:schemeClr val="accent1">
+        <a:tint val="60000"/>
+      </a:schemeClr>
+    </dgm:linClrLst>
+    <dgm:effectClrLst/>
+    <dgm:txLinClrLst/>
+    <dgm:txFillClrLst/>
+    <dgm:txEffectClrLst/>
+  </dgm:styleLbl>
+  <dgm:styleLbl name="bgSibTrans2D1">
+    <dgm:fillClrLst meth="repeat">
+      <a:schemeClr val="accent1">
+        <a:tint val="60000"/>
+      </a:schemeClr>
+    </dgm:fillClrLst>
+    <dgm:linClrLst meth="repeat">
+      <a:schemeClr val="accent1">
+        <a:tint val="60000"/>
+      </a:schemeClr>
+    </dgm:linClrLst>
+    <dgm:effectClrLst/>
+    <dgm:txLinClrLst/>
+    <dgm:txFillClrLst/>
+    <dgm:txEffectClrLst/>
+  </dgm:styleLbl>
+  <dgm:styleLbl name="sibTrans1D1">
+    <dgm:fillClrLst meth="repeat">
+      <a:schemeClr val="accent1"/>
+    </dgm:fillClrLst>
+    <dgm:linClrLst meth="repeat">
+      <a:schemeClr val="accent1"/>
+    </dgm:linClrLst>
+    <dgm:effectClrLst/>
+    <dgm:txLinClrLst/>
+    <dgm:txFillClrLst meth="repeat">
+      <a:schemeClr val="tx1"/>
+    </dgm:txFillClrLst>
+    <dgm:txEffectClrLst/>
+  </dgm:styleLbl>
+  <dgm:styleLbl name="callout">
+    <dgm:fillClrLst meth="repeat">
+      <a:schemeClr val="accent1"/>
+    </dgm:fillClrLst>
+    <dgm:linClrLst meth="repeat">
+      <a:schemeClr val="accent1">
+        <a:tint val="50000"/>
+      </a:schemeClr>
+    </dgm:linClrLst>
+    <dgm:effectClrLst/>
+    <dgm:txLinClrLst/>
+    <dgm:txFillClrLst meth="repeat">
+      <a:schemeClr val="tx1"/>
+    </dgm:txFillClrLst>
+    <dgm:txEffectClrLst/>
+  </dgm:styleLbl>
+  <dgm:styleLbl name="asst0">
+    <dgm:fillClrLst meth="repeat">
+      <a:schemeClr val="accent1"/>
+    </dgm:fillClrLst>
+    <dgm:linClrLst meth="repeat">
+      <a:schemeClr val="lt1"/>
+    </dgm:linClrLst>
+    <dgm:effectClrLst/>
+    <dgm:txLinClrLst/>
+    <dgm:txFillClrLst/>
+    <dgm:txEffectClrLst/>
+  </dgm:styleLbl>
+  <dgm:styleLbl name="asst1">
+    <dgm:fillClrLst meth="repeat">
+      <a:schemeClr val="accent1"/>
+    </dgm:fillClrLst>
+    <dgm:linClrLst meth="repeat">
+      <a:schemeClr val="lt1"/>
+    </dgm:linClrLst>
+    <dgm:effectClrLst/>
+    <dgm:txLinClrLst/>
+    <dgm:txFillClrLst/>
+    <dgm:txEffectClrLst/>
+  </dgm:styleLbl>
+  <dgm:styleLbl name="asst2">
+    <dgm:fillClrLst meth="repeat">
+      <a:schemeClr val="accent1"/>
+    </dgm:fillClrLst>
+    <dgm:linClrLst meth="repeat">
+      <a:schemeClr val="lt1"/>
+    </dgm:linClrLst>
+    <dgm:effectClrLst/>
+    <dgm:txLinClrLst/>
+    <dgm:txFillClrLst/>
+    <dgm:txEffectClrLst/>
+  </dgm:styleLbl>
+  <dgm:styleLbl name="asst3">
+    <dgm:fillClrLst meth="repeat">
+      <a:schemeClr val="accent1"/>
+    </dgm:fillClrLst>
+    <dgm:linClrLst meth="repeat">
+      <a:schemeClr val="lt1"/>
+    </dgm:linClrLst>
+    <dgm:effectClrLst/>
+    <dgm:txLinClrLst/>
+    <dgm:txFillClrLst/>
+    <dgm:txEffectClrLst/>
+  </dgm:styleLbl>
+  <dgm:styleLbl name="asst4">
+    <dgm:fillClrLst meth="repeat">
+      <a:schemeClr val="accent1"/>
+    </dgm:fillClrLst>
+    <dgm:linClrLst meth="repeat">
+      <a:schemeClr val="lt1"/>
+    </dgm:linClrLst>
+    <dgm:effectClrLst/>
+    <dgm:txLinClrLst/>
+    <dgm:txFillClrLst/>
+    <dgm:txEffectClrLst/>
+  </dgm:styleLbl>
+  <dgm:styleLbl name="parChTrans2D1">
+    <dgm:fillClrLst meth="repeat">
+      <a:schemeClr val="accent1">
+        <a:tint val="60000"/>
+      </a:schemeClr>
+    </dgm:fillClrLst>
+    <dgm:linClrLst meth="repeat">
+      <a:schemeClr val="accent1">
+        <a:tint val="60000"/>
+      </a:schemeClr>
+    </dgm:linClrLst>
+    <dgm:effectClrLst/>
+    <dgm:txLinClrLst/>
+    <dgm:txFillClrLst meth="repeat">
+      <a:schemeClr val="lt1"/>
+    </dgm:txFillClrLst>
+    <dgm:txEffectClrLst/>
+  </dgm:styleLbl>
+  <dgm:styleLbl name="parChTrans2D2">
+    <dgm:fillClrLst meth="repeat">
+      <a:schemeClr val="accent1"/>
+    </dgm:fillClrLst>
+    <dgm:linClrLst meth="repeat">
+      <a:schemeClr val="accent1"/>
+    </dgm:linClrLst>
+    <dgm:effectClrLst/>
+    <dgm:txLinClrLst/>
+    <dgm:txFillClrLst meth="repeat">
+      <a:schemeClr val="lt1"/>
+    </dgm:txFillClrLst>
+    <dgm:txEffectClrLst/>
+  </dgm:styleLbl>
+  <dgm:styleLbl name="parChTrans2D3">
+    <dgm:fillClrLst meth="repeat">
+      <a:schemeClr val="accent1"/>
+    </dgm:fillClrLst>
+    <dgm:linClrLst meth="repeat">
+      <a:schemeClr val="accent1"/>
+    </dgm:linClrLst>
+    <dgm:effectClrLst/>
+    <dgm:txLinClrLst/>
+    <dgm:txFillClrLst meth="repeat">
+      <a:schemeClr val="lt1"/>
+    </dgm:txFillClrLst>
+    <dgm:txEffectClrLst/>
+  </dgm:styleLbl>
+  <dgm:styleLbl name="parChTrans2D4">
+    <dgm:fillClrLst meth="repeat">
+      <a:schemeClr val="accent1"/>
+    </dgm:fillClrLst>
+    <dgm:linClrLst meth="repeat">
+      <a:schemeClr val="accent1"/>
+    </dgm:linClrLst>
+    <dgm:effectClrLst/>
+    <dgm:txLinClrLst/>
+    <dgm:txFillClrLst meth="repeat">
+      <a:schemeClr val="lt1"/>
+    </dgm:txFillClrLst>
+    <dgm:txEffectClrLst/>
+  </dgm:styleLbl>
+  <dgm:styleLbl name="parChTrans1D1">
+    <dgm:fillClrLst meth="repeat">
+      <a:schemeClr val="accent1"/>
+    </dgm:fillClrLst>
+    <dgm:linClrLst meth="repeat">
+      <a:schemeClr val="accent1">
+        <a:shade val="60000"/>
+      </a:schemeClr>
+    </dgm:linClrLst>
+    <dgm:effectClrLst/>
+    <dgm:txLinClrLst/>
+    <dgm:txFillClrLst meth="repeat">
+      <a:schemeClr val="tx1"/>
+    </dgm:txFillClrLst>
+    <dgm:txEffectClrLst/>
+  </dgm:styleLbl>
+  <dgm:styleLbl name="parChTrans1D2">
+    <dgm:fillClrLst meth="repeat">
+      <a:schemeClr val="accent1"/>
+    </dgm:fillClrLst>
+    <dgm:linClrLst meth="repeat">
+      <a:schemeClr val="accent1">
+        <a:shade val="60000"/>
+      </a:schemeClr>
+    </dgm:linClrLst>
+    <dgm:effectClrLst/>
+    <dgm:txLinClrLst/>
+    <dgm:txFillClrLst meth="repeat">
+      <a:schemeClr val="tx1"/>
+    </dgm:txFillClrLst>
+    <dgm:txEffectClrLst/>
+  </dgm:styleLbl>
+  <dgm:styleLbl name="parChTrans1D3">
+    <dgm:fillClrLst meth="repeat">
+      <a:schemeClr val="accent1"/>
     </dgm:fillClrLst>
     <dgm:linClrLst meth="repeat">
       <a:schemeClr val="accent1">
@@ -7355,18 +6983,112 @@
     <dgm:effectClrLst/>
     <dgm:txLinClrLst/>
     <dgm:txFillClrLst meth="repeat">
+      <a:schemeClr val="tx1"/>
+    </dgm:txFillClrLst>
+    <dgm:txEffectClrLst/>
+  </dgm:styleLbl>
+  <dgm:styleLbl name="parChTrans1D4">
+    <dgm:fillClrLst meth="repeat">
+      <a:schemeClr val="accent1"/>
+    </dgm:fillClrLst>
+    <dgm:linClrLst meth="repeat">
+      <a:schemeClr val="accent1">
+        <a:shade val="80000"/>
+      </a:schemeClr>
+    </dgm:linClrLst>
+    <dgm:effectClrLst/>
+    <dgm:txLinClrLst/>
+    <dgm:txFillClrLst meth="repeat">
+      <a:schemeClr val="tx1"/>
+    </dgm:txFillClrLst>
+    <dgm:txEffectClrLst/>
+  </dgm:styleLbl>
+  <dgm:styleLbl name="fgAcc1">
+    <dgm:fillClrLst meth="repeat">
+      <a:schemeClr val="lt1">
+        <a:alpha val="90000"/>
+      </a:schemeClr>
+    </dgm:fillClrLst>
+    <dgm:linClrLst meth="repeat">
+      <a:schemeClr val="accent1"/>
+    </dgm:linClrLst>
+    <dgm:effectClrLst/>
+    <dgm:txLinClrLst/>
+    <dgm:txFillClrLst meth="repeat">
       <a:schemeClr val="dk1"/>
     </dgm:txFillClrLst>
     <dgm:txEffectClrLst/>
   </dgm:styleLbl>
-  <dgm:styleLbl name="alignNode1">
+  <dgm:styleLbl name="conFgAcc1">
+    <dgm:fillClrLst meth="repeat">
+      <a:schemeClr val="lt1">
+        <a:alpha val="90000"/>
+      </a:schemeClr>
+    </dgm:fillClrLst>
+    <dgm:linClrLst meth="repeat">
+      <a:schemeClr val="accent1"/>
+    </dgm:linClrLst>
+    <dgm:effectClrLst/>
+    <dgm:txLinClrLst/>
+    <dgm:txFillClrLst meth="repeat">
+      <a:schemeClr val="dk1"/>
+    </dgm:txFillClrLst>
+    <dgm:txEffectClrLst/>
+  </dgm:styleLbl>
+  <dgm:styleLbl name="alignAcc1">
+    <dgm:fillClrLst meth="repeat">
+      <a:schemeClr val="lt1">
+        <a:alpha val="90000"/>
+      </a:schemeClr>
+    </dgm:fillClrLst>
+    <dgm:linClrLst meth="repeat">
+      <a:schemeClr val="accent1"/>
+    </dgm:linClrLst>
+    <dgm:effectClrLst/>
+    <dgm:txLinClrLst/>
+    <dgm:txFillClrLst meth="repeat">
+      <a:schemeClr val="dk1"/>
+    </dgm:txFillClrLst>
+    <dgm:txEffectClrLst/>
+  </dgm:styleLbl>
+  <dgm:styleLbl name="trAlignAcc1">
+    <dgm:fillClrLst meth="repeat">
+      <a:schemeClr val="lt1">
+        <a:alpha val="40000"/>
+      </a:schemeClr>
+    </dgm:fillClrLst>
+    <dgm:linClrLst meth="repeat">
+      <a:schemeClr val="accent1"/>
+    </dgm:linClrLst>
+    <dgm:effectClrLst/>
+    <dgm:txLinClrLst/>
+    <dgm:txFillClrLst meth="repeat">
+      <a:schemeClr val="dk1"/>
+    </dgm:txFillClrLst>
+    <dgm:txEffectClrLst/>
+  </dgm:styleLbl>
+  <dgm:styleLbl name="bgAcc1">
+    <dgm:fillClrLst meth="repeat">
+      <a:schemeClr val="lt1">
+        <a:alpha val="90000"/>
+      </a:schemeClr>
+    </dgm:fillClrLst>
+    <dgm:linClrLst meth="repeat">
+      <a:schemeClr val="accent1"/>
+    </dgm:linClrLst>
+    <dgm:effectClrLst/>
+    <dgm:txLinClrLst/>
+    <dgm:txFillClrLst meth="repeat">
+      <a:schemeClr val="dk1"/>
+    </dgm:txFillClrLst>
+    <dgm:txEffectClrLst/>
+  </dgm:styleLbl>
+  <dgm:styleLbl name="solidFgAcc1">
     <dgm:fillClrLst meth="repeat">
       <a:schemeClr val="lt1"/>
     </dgm:fillClrLst>
     <dgm:linClrLst meth="repeat">
-      <a:schemeClr val="accent1">
-        <a:shade val="80000"/>
-      </a:schemeClr>
+      <a:schemeClr val="accent1"/>
     </dgm:linClrLst>
     <dgm:effectClrLst/>
     <dgm:txLinClrLst/>
@@ -7375,14 +7097,12 @@
     </dgm:txFillClrLst>
     <dgm:txEffectClrLst/>
   </dgm:styleLbl>
-  <dgm:styleLbl name="node1">
+  <dgm:styleLbl name="solidAlignAcc1">
     <dgm:fillClrLst meth="repeat">
       <a:schemeClr val="lt1"/>
     </dgm:fillClrLst>
     <dgm:linClrLst meth="repeat">
-      <a:schemeClr val="accent1">
-        <a:shade val="80000"/>
-      </a:schemeClr>
+      <a:schemeClr val="accent1"/>
     </dgm:linClrLst>
     <dgm:effectClrLst/>
     <dgm:txLinClrLst/>
@@ -7391,14 +7111,12 @@
     </dgm:txFillClrLst>
     <dgm:txEffectClrLst/>
   </dgm:styleLbl>
-  <dgm:styleLbl name="lnNode1">
+  <dgm:styleLbl name="solidBgAcc1">
     <dgm:fillClrLst meth="repeat">
       <a:schemeClr val="lt1"/>
     </dgm:fillClrLst>
     <dgm:linClrLst meth="repeat">
-      <a:schemeClr val="accent1">
-        <a:shade val="80000"/>
-      </a:schemeClr>
+      <a:schemeClr val="accent1"/>
     </dgm:linClrLst>
     <dgm:effectClrLst/>
     <dgm:txLinClrLst/>
@@ -7407,405 +7125,7 @@
     </dgm:txFillClrLst>
     <dgm:txEffectClrLst/>
   </dgm:styleLbl>
-  <dgm:styleLbl name="vennNode1">
-    <dgm:fillClrLst meth="repeat">
-      <a:schemeClr val="lt1">
-        <a:alpha val="50000"/>
-      </a:schemeClr>
-    </dgm:fillClrLst>
-    <dgm:linClrLst meth="repeat">
-      <a:schemeClr val="accent1">
-        <a:shade val="80000"/>
-      </a:schemeClr>
-    </dgm:linClrLst>
-    <dgm:effectClrLst/>
-    <dgm:txLinClrLst/>
-    <dgm:txFillClrLst/>
-    <dgm:txEffectClrLst/>
-  </dgm:styleLbl>
-  <dgm:styleLbl name="node2">
-    <dgm:fillClrLst meth="repeat">
-      <a:schemeClr val="lt1"/>
-    </dgm:fillClrLst>
-    <dgm:linClrLst meth="repeat">
-      <a:schemeClr val="accent1">
-        <a:shade val="80000"/>
-      </a:schemeClr>
-    </dgm:linClrLst>
-    <dgm:effectClrLst/>
-    <dgm:txLinClrLst/>
-    <dgm:txFillClrLst meth="repeat">
-      <a:schemeClr val="dk1"/>
-    </dgm:txFillClrLst>
-    <dgm:txEffectClrLst/>
-  </dgm:styleLbl>
-  <dgm:styleLbl name="node3">
-    <dgm:fillClrLst meth="repeat">
-      <a:schemeClr val="lt1"/>
-    </dgm:fillClrLst>
-    <dgm:linClrLst meth="repeat">
-      <a:schemeClr val="accent1">
-        <a:shade val="80000"/>
-      </a:schemeClr>
-    </dgm:linClrLst>
-    <dgm:effectClrLst/>
-    <dgm:txLinClrLst/>
-    <dgm:txFillClrLst meth="repeat">
-      <a:schemeClr val="dk1"/>
-    </dgm:txFillClrLst>
-    <dgm:txEffectClrLst/>
-  </dgm:styleLbl>
-  <dgm:styleLbl name="node4">
-    <dgm:fillClrLst meth="repeat">
-      <a:schemeClr val="lt1"/>
-    </dgm:fillClrLst>
-    <dgm:linClrLst meth="repeat">
-      <a:schemeClr val="accent1">
-        <a:shade val="80000"/>
-      </a:schemeClr>
-    </dgm:linClrLst>
-    <dgm:effectClrLst/>
-    <dgm:txLinClrLst/>
-    <dgm:txFillClrLst meth="repeat">
-      <a:schemeClr val="dk1"/>
-    </dgm:txFillClrLst>
-    <dgm:txEffectClrLst/>
-  </dgm:styleLbl>
-  <dgm:styleLbl name="fgImgPlace1">
-    <dgm:fillClrLst meth="repeat">
-      <a:schemeClr val="accent1">
-        <a:tint val="40000"/>
-      </a:schemeClr>
-    </dgm:fillClrLst>
-    <dgm:linClrLst meth="repeat">
-      <a:schemeClr val="accent1">
-        <a:shade val="80000"/>
-      </a:schemeClr>
-    </dgm:linClrLst>
-    <dgm:effectClrLst/>
-    <dgm:txLinClrLst/>
-    <dgm:txFillClrLst meth="repeat">
-      <a:schemeClr val="lt1"/>
-    </dgm:txFillClrLst>
-    <dgm:txEffectClrLst/>
-  </dgm:styleLbl>
-  <dgm:styleLbl name="alignImgPlace1">
-    <dgm:fillClrLst meth="repeat">
-      <a:schemeClr val="accent1">
-        <a:tint val="40000"/>
-      </a:schemeClr>
-    </dgm:fillClrLst>
-    <dgm:linClrLst meth="repeat">
-      <a:schemeClr val="accent1">
-        <a:shade val="80000"/>
-      </a:schemeClr>
-    </dgm:linClrLst>
-    <dgm:effectClrLst/>
-    <dgm:txLinClrLst/>
-    <dgm:txFillClrLst meth="repeat">
-      <a:schemeClr val="lt1"/>
-    </dgm:txFillClrLst>
-    <dgm:txEffectClrLst/>
-  </dgm:styleLbl>
-  <dgm:styleLbl name="bgImgPlace1">
-    <dgm:fillClrLst meth="repeat">
-      <a:schemeClr val="accent1">
-        <a:tint val="40000"/>
-      </a:schemeClr>
-    </dgm:fillClrLst>
-    <dgm:linClrLst meth="repeat">
-      <a:schemeClr val="accent1">
-        <a:shade val="80000"/>
-      </a:schemeClr>
-    </dgm:linClrLst>
-    <dgm:effectClrLst/>
-    <dgm:txLinClrLst/>
-    <dgm:txFillClrLst meth="repeat">
-      <a:schemeClr val="lt1"/>
-    </dgm:txFillClrLst>
-    <dgm:txEffectClrLst/>
-  </dgm:styleLbl>
-  <dgm:styleLbl name="sibTrans2D1">
-    <dgm:fillClrLst meth="repeat">
-      <a:schemeClr val="accent1">
-        <a:tint val="60000"/>
-      </a:schemeClr>
-    </dgm:fillClrLst>
-    <dgm:linClrLst meth="repeat">
-      <a:schemeClr val="accent1">
-        <a:tint val="60000"/>
-      </a:schemeClr>
-    </dgm:linClrLst>
-    <dgm:effectClrLst/>
-    <dgm:txLinClrLst/>
-    <dgm:txFillClrLst meth="repeat">
-      <a:schemeClr val="dk1"/>
-    </dgm:txFillClrLst>
-    <dgm:txEffectClrLst/>
-  </dgm:styleLbl>
-  <dgm:styleLbl name="fgSibTrans2D1">
-    <dgm:fillClrLst meth="repeat">
-      <a:schemeClr val="accent1">
-        <a:tint val="60000"/>
-      </a:schemeClr>
-    </dgm:fillClrLst>
-    <dgm:linClrLst meth="repeat">
-      <a:schemeClr val="accent1">
-        <a:tint val="60000"/>
-      </a:schemeClr>
-    </dgm:linClrLst>
-    <dgm:effectClrLst/>
-    <dgm:txLinClrLst/>
-    <dgm:txFillClrLst meth="repeat">
-      <a:schemeClr val="dk1"/>
-    </dgm:txFillClrLst>
-    <dgm:txEffectClrLst/>
-  </dgm:styleLbl>
-  <dgm:styleLbl name="bgSibTrans2D1">
-    <dgm:fillClrLst meth="repeat">
-      <a:schemeClr val="accent1">
-        <a:tint val="60000"/>
-      </a:schemeClr>
-    </dgm:fillClrLst>
-    <dgm:linClrLst meth="repeat">
-      <a:schemeClr val="accent1">
-        <a:tint val="60000"/>
-      </a:schemeClr>
-    </dgm:linClrLst>
-    <dgm:effectClrLst/>
-    <dgm:txLinClrLst/>
-    <dgm:txFillClrLst meth="repeat">
-      <a:schemeClr val="dk1"/>
-    </dgm:txFillClrLst>
-    <dgm:txEffectClrLst/>
-  </dgm:styleLbl>
-  <dgm:styleLbl name="sibTrans1D1">
-    <dgm:fillClrLst meth="repeat">
-      <a:schemeClr val="accent1"/>
-    </dgm:fillClrLst>
-    <dgm:linClrLst meth="repeat">
-      <a:schemeClr val="accent1"/>
-    </dgm:linClrLst>
-    <dgm:effectClrLst/>
-    <dgm:txLinClrLst/>
-    <dgm:txFillClrLst meth="repeat">
-      <a:schemeClr val="tx1"/>
-    </dgm:txFillClrLst>
-    <dgm:txEffectClrLst/>
-  </dgm:styleLbl>
-  <dgm:styleLbl name="callout">
-    <dgm:fillClrLst meth="repeat">
-      <a:schemeClr val="accent1"/>
-    </dgm:fillClrLst>
-    <dgm:linClrLst meth="repeat">
-      <a:schemeClr val="accent1"/>
-    </dgm:linClrLst>
-    <dgm:effectClrLst/>
-    <dgm:txLinClrLst/>
-    <dgm:txFillClrLst meth="repeat">
-      <a:schemeClr val="tx1"/>
-    </dgm:txFillClrLst>
-    <dgm:txEffectClrLst/>
-  </dgm:styleLbl>
-  <dgm:styleLbl name="asst0">
-    <dgm:fillClrLst meth="repeat">
-      <a:schemeClr val="lt1"/>
-    </dgm:fillClrLst>
-    <dgm:linClrLst meth="repeat">
-      <a:schemeClr val="accent1">
-        <a:shade val="80000"/>
-      </a:schemeClr>
-    </dgm:linClrLst>
-    <dgm:effectClrLst/>
-    <dgm:txLinClrLst/>
-    <dgm:txFillClrLst meth="repeat">
-      <a:schemeClr val="dk1"/>
-    </dgm:txFillClrLst>
-    <dgm:txEffectClrLst/>
-  </dgm:styleLbl>
-  <dgm:styleLbl name="asst1">
-    <dgm:fillClrLst meth="repeat">
-      <a:schemeClr val="lt1"/>
-    </dgm:fillClrLst>
-    <dgm:linClrLst meth="repeat">
-      <a:schemeClr val="accent1">
-        <a:shade val="80000"/>
-      </a:schemeClr>
-    </dgm:linClrLst>
-    <dgm:effectClrLst/>
-    <dgm:txLinClrLst/>
-    <dgm:txFillClrLst meth="repeat">
-      <a:schemeClr val="dk1"/>
-    </dgm:txFillClrLst>
-    <dgm:txEffectClrLst/>
-  </dgm:styleLbl>
-  <dgm:styleLbl name="asst2">
-    <dgm:fillClrLst meth="repeat">
-      <a:schemeClr val="lt1"/>
-    </dgm:fillClrLst>
-    <dgm:linClrLst meth="repeat">
-      <a:schemeClr val="accent1">
-        <a:shade val="80000"/>
-      </a:schemeClr>
-    </dgm:linClrLst>
-    <dgm:effectClrLst/>
-    <dgm:txLinClrLst/>
-    <dgm:txFillClrLst meth="repeat">
-      <a:schemeClr val="dk1"/>
-    </dgm:txFillClrLst>
-    <dgm:txEffectClrLst/>
-  </dgm:styleLbl>
-  <dgm:styleLbl name="asst3">
-    <dgm:fillClrLst meth="repeat">
-      <a:schemeClr val="lt1"/>
-    </dgm:fillClrLst>
-    <dgm:linClrLst meth="repeat">
-      <a:schemeClr val="accent1">
-        <a:shade val="80000"/>
-      </a:schemeClr>
-    </dgm:linClrLst>
-    <dgm:effectClrLst/>
-    <dgm:txLinClrLst/>
-    <dgm:txFillClrLst meth="repeat">
-      <a:schemeClr val="dk1"/>
-    </dgm:txFillClrLst>
-    <dgm:txEffectClrLst/>
-  </dgm:styleLbl>
-  <dgm:styleLbl name="asst4">
-    <dgm:fillClrLst meth="repeat">
-      <a:schemeClr val="lt1"/>
-    </dgm:fillClrLst>
-    <dgm:linClrLst meth="repeat">
-      <a:schemeClr val="accent1">
-        <a:shade val="80000"/>
-      </a:schemeClr>
-    </dgm:linClrLst>
-    <dgm:effectClrLst/>
-    <dgm:txLinClrLst/>
-    <dgm:txFillClrLst meth="repeat">
-      <a:schemeClr val="dk1"/>
-    </dgm:txFillClrLst>
-    <dgm:txEffectClrLst/>
-  </dgm:styleLbl>
-  <dgm:styleLbl name="parChTrans2D1">
-    <dgm:fillClrLst meth="repeat">
-      <a:schemeClr val="accent1">
-        <a:tint val="60000"/>
-      </a:schemeClr>
-    </dgm:fillClrLst>
-    <dgm:linClrLst meth="repeat">
-      <a:schemeClr val="accent1">
-        <a:tint val="60000"/>
-      </a:schemeClr>
-    </dgm:linClrLst>
-    <dgm:effectClrLst/>
-    <dgm:txLinClrLst/>
-    <dgm:txFillClrLst/>
-    <dgm:txEffectClrLst/>
-  </dgm:styleLbl>
-  <dgm:styleLbl name="parChTrans2D2">
-    <dgm:fillClrLst meth="repeat">
-      <a:schemeClr val="accent1"/>
-    </dgm:fillClrLst>
-    <dgm:linClrLst meth="repeat">
-      <a:schemeClr val="accent1"/>
-    </dgm:linClrLst>
-    <dgm:effectClrLst/>
-    <dgm:txLinClrLst/>
-    <dgm:txFillClrLst/>
-    <dgm:txEffectClrLst/>
-  </dgm:styleLbl>
-  <dgm:styleLbl name="parChTrans2D3">
-    <dgm:fillClrLst meth="repeat">
-      <a:schemeClr val="accent1"/>
-    </dgm:fillClrLst>
-    <dgm:linClrLst meth="repeat">
-      <a:schemeClr val="accent1"/>
-    </dgm:linClrLst>
-    <dgm:effectClrLst/>
-    <dgm:txLinClrLst/>
-    <dgm:txFillClrLst/>
-    <dgm:txEffectClrLst/>
-  </dgm:styleLbl>
-  <dgm:styleLbl name="parChTrans2D4">
-    <dgm:fillClrLst meth="repeat">
-      <a:schemeClr val="accent1"/>
-    </dgm:fillClrLst>
-    <dgm:linClrLst meth="repeat">
-      <a:schemeClr val="accent1"/>
-    </dgm:linClrLst>
-    <dgm:effectClrLst/>
-    <dgm:txLinClrLst/>
-    <dgm:txFillClrLst meth="repeat">
-      <a:schemeClr val="lt1"/>
-    </dgm:txFillClrLst>
-    <dgm:txEffectClrLst/>
-  </dgm:styleLbl>
-  <dgm:styleLbl name="parChTrans1D1">
-    <dgm:fillClrLst meth="repeat">
-      <a:schemeClr val="accent1"/>
-    </dgm:fillClrLst>
-    <dgm:linClrLst meth="repeat">
-      <a:schemeClr val="accent1">
-        <a:shade val="60000"/>
-      </a:schemeClr>
-    </dgm:linClrLst>
-    <dgm:effectClrLst/>
-    <dgm:txLinClrLst/>
-    <dgm:txFillClrLst meth="repeat">
-      <a:schemeClr val="tx1"/>
-    </dgm:txFillClrLst>
-    <dgm:txEffectClrLst/>
-  </dgm:styleLbl>
-  <dgm:styleLbl name="parChTrans1D2">
-    <dgm:fillClrLst meth="repeat">
-      <a:schemeClr val="accent1"/>
-    </dgm:fillClrLst>
-    <dgm:linClrLst meth="repeat">
-      <a:schemeClr val="accent1">
-        <a:shade val="60000"/>
-      </a:schemeClr>
-    </dgm:linClrLst>
-    <dgm:effectClrLst/>
-    <dgm:txLinClrLst/>
-    <dgm:txFillClrLst meth="repeat">
-      <a:schemeClr val="tx1"/>
-    </dgm:txFillClrLst>
-    <dgm:txEffectClrLst/>
-  </dgm:styleLbl>
-  <dgm:styleLbl name="parChTrans1D3">
-    <dgm:fillClrLst meth="repeat">
-      <a:schemeClr val="accent1"/>
-    </dgm:fillClrLst>
-    <dgm:linClrLst meth="repeat">
-      <a:schemeClr val="accent1">
-        <a:shade val="80000"/>
-      </a:schemeClr>
-    </dgm:linClrLst>
-    <dgm:effectClrLst/>
-    <dgm:txLinClrLst/>
-    <dgm:txFillClrLst meth="repeat">
-      <a:schemeClr val="tx1"/>
-    </dgm:txFillClrLst>
-    <dgm:txEffectClrLst/>
-  </dgm:styleLbl>
-  <dgm:styleLbl name="parChTrans1D4">
-    <dgm:fillClrLst meth="repeat">
-      <a:schemeClr val="accent1"/>
-    </dgm:fillClrLst>
-    <dgm:linClrLst meth="repeat">
-      <a:schemeClr val="accent1">
-        <a:shade val="80000"/>
-      </a:schemeClr>
-    </dgm:linClrLst>
-    <dgm:effectClrLst/>
-    <dgm:txLinClrLst/>
-    <dgm:txFillClrLst meth="repeat">
-      <a:schemeClr val="tx1"/>
-    </dgm:txFillClrLst>
-    <dgm:txEffectClrLst/>
-  </dgm:styleLbl>
-  <dgm:styleLbl name="fgAcc1">
+  <dgm:styleLbl name="fgAccFollowNode1">
     <dgm:fillClrLst meth="repeat">
       <a:schemeClr val="accent1">
         <a:alpha val="90000"/>
@@ -7813,24 +7133,10 @@
       </a:schemeClr>
     </dgm:fillClrLst>
     <dgm:linClrLst meth="repeat">
-      <a:schemeClr val="accent1"/>
-    </dgm:linClrLst>
-    <dgm:effectClrLst/>
-    <dgm:txLinClrLst/>
-    <dgm:txFillClrLst meth="repeat">
-      <a:schemeClr val="dk1"/>
-    </dgm:txFillClrLst>
-    <dgm:txEffectClrLst/>
-  </dgm:styleLbl>
-  <dgm:styleLbl name="conFgAcc1">
-    <dgm:fillClrLst meth="repeat">
       <a:schemeClr val="accent1">
         <a:alpha val="90000"/>
         <a:tint val="40000"/>
       </a:schemeClr>
-    </dgm:fillClrLst>
-    <dgm:linClrLst meth="repeat">
-      <a:schemeClr val="accent1"/>
     </dgm:linClrLst>
     <dgm:effectClrLst/>
     <dgm:txLinClrLst/>
@@ -7839,7 +7145,7 @@
     </dgm:txFillClrLst>
     <dgm:txEffectClrLst/>
   </dgm:styleLbl>
-  <dgm:styleLbl name="alignAcc1">
+  <dgm:styleLbl name="alignAccFollowNode1">
     <dgm:fillClrLst meth="repeat">
       <a:schemeClr val="accent1">
         <a:alpha val="90000"/>
@@ -7847,41 +7153,10 @@
       </a:schemeClr>
     </dgm:fillClrLst>
     <dgm:linClrLst meth="repeat">
-      <a:schemeClr val="accent1"/>
-    </dgm:linClrLst>
-    <dgm:effectClrLst/>
-    <dgm:txLinClrLst/>
-    <dgm:txFillClrLst meth="repeat">
-      <a:schemeClr val="dk1"/>
-    </dgm:txFillClrLst>
-    <dgm:txEffectClrLst/>
-  </dgm:styleLbl>
-  <dgm:styleLbl name="trAlignAcc1">
-    <dgm:fillClrLst meth="repeat">
-      <a:schemeClr val="accent1">
-        <a:alpha val="40000"/>
-        <a:tint val="40000"/>
-      </a:schemeClr>
-    </dgm:fillClrLst>
-    <dgm:linClrLst meth="repeat">
-      <a:schemeClr val="accent1"/>
-    </dgm:linClrLst>
-    <dgm:effectClrLst/>
-    <dgm:txLinClrLst/>
-    <dgm:txFillClrLst meth="repeat">
-      <a:schemeClr val="dk1"/>
-    </dgm:txFillClrLst>
-    <dgm:txEffectClrLst/>
-  </dgm:styleLbl>
-  <dgm:styleLbl name="bgAcc1">
-    <dgm:fillClrLst meth="repeat">
       <a:schemeClr val="accent1">
         <a:alpha val="90000"/>
         <a:tint val="40000"/>
       </a:schemeClr>
-    </dgm:fillClrLst>
-    <dgm:linClrLst meth="repeat">
-      <a:schemeClr val="accent1"/>
     </dgm:linClrLst>
     <dgm:effectClrLst/>
     <dgm:txLinClrLst/>
@@ -7890,12 +7165,18 @@
     </dgm:txFillClrLst>
     <dgm:txEffectClrLst/>
   </dgm:styleLbl>
-  <dgm:styleLbl name="solidFgAcc1">
-    <dgm:fillClrLst meth="repeat">
-      <a:schemeClr val="lt1"/>
-    </dgm:fillClrLst>
-    <dgm:linClrLst meth="repeat">
-      <a:schemeClr val="accent1"/>
+  <dgm:styleLbl name="bgAccFollowNode1">
+    <dgm:fillClrLst meth="repeat">
+      <a:schemeClr val="accent1">
+        <a:alpha val="90000"/>
+        <a:tint val="40000"/>
+      </a:schemeClr>
+    </dgm:fillClrLst>
+    <dgm:linClrLst meth="repeat">
+      <a:schemeClr val="accent1">
+        <a:alpha val="90000"/>
+        <a:tint val="40000"/>
+      </a:schemeClr>
     </dgm:linClrLst>
     <dgm:effectClrLst/>
     <dgm:txLinClrLst/>
@@ -7904,45 +7185,14 @@
     </dgm:txFillClrLst>
     <dgm:txEffectClrLst/>
   </dgm:styleLbl>
-  <dgm:styleLbl name="solidAlignAcc1">
-    <dgm:fillClrLst meth="repeat">
-      <a:schemeClr val="lt1"/>
-    </dgm:fillClrLst>
-    <dgm:linClrLst meth="repeat">
-      <a:schemeClr val="accent1"/>
-    </dgm:linClrLst>
-    <dgm:effectClrLst/>
-    <dgm:txLinClrLst/>
-    <dgm:txFillClrLst meth="repeat">
-      <a:schemeClr val="dk1"/>
-    </dgm:txFillClrLst>
-    <dgm:txEffectClrLst/>
-  </dgm:styleLbl>
-  <dgm:styleLbl name="solidBgAcc1">
-    <dgm:fillClrLst meth="repeat">
-      <a:schemeClr val="lt1"/>
-    </dgm:fillClrLst>
-    <dgm:linClrLst meth="repeat">
-      <a:schemeClr val="accent1"/>
-    </dgm:linClrLst>
-    <dgm:effectClrLst/>
-    <dgm:txLinClrLst/>
-    <dgm:txFillClrLst meth="repeat">
-      <a:schemeClr val="dk1"/>
-    </dgm:txFillClrLst>
-    <dgm:txEffectClrLst/>
-  </dgm:styleLbl>
-  <dgm:styleLbl name="fgAccFollowNode1">
+  <dgm:styleLbl name="fgAcc0">
     <dgm:fillClrLst meth="repeat">
       <a:schemeClr val="lt1">
         <a:alpha val="90000"/>
-        <a:tint val="40000"/>
-      </a:schemeClr>
-    </dgm:fillClrLst>
-    <dgm:linClrLst meth="repeat">
-      <a:schemeClr val="accent1">
-        <a:alpha val="90000"/>
-      </a:schemeClr>
+      </a:schemeClr>
+    </dgm:fillClrLst>
+    <dgm:linClrLst meth="repeat">
+      <a:schemeClr val="accent1"/>
     </dgm:linClrLst>
     <dgm:effectClrLst/>
     <dgm:txLinClrLst/>
@@ -7951,17 +7201,14 @@
     </dgm:txFillClrLst>
     <dgm:txEffectClrLst/>
   </dgm:styleLbl>
-  <dgm:styleLbl name="alignAccFollowNode1">
+  <dgm:styleLbl name="fgAcc2">
     <dgm:fillClrLst meth="repeat">
       <a:schemeClr val="lt1">
         <a:alpha val="90000"/>
-        <a:tint val="40000"/>
-      </a:schemeClr>
-    </dgm:fillClrLst>
-    <dgm:linClrLst meth="repeat">
-      <a:schemeClr val="accent1">
-        <a:alpha val="90000"/>
-      </a:schemeClr>
+      </a:schemeClr>
+    </dgm:fillClrLst>
+    <dgm:linClrLst meth="repeat">
+      <a:schemeClr val="accent1"/>
     </dgm:linClrLst>
     <dgm:effectClrLst/>
     <dgm:txLinClrLst/>
@@ -7970,81 +7217,26 @@
     </dgm:txFillClrLst>
     <dgm:txEffectClrLst/>
   </dgm:styleLbl>
-  <dgm:styleLbl name="bgAccFollowNode1">
+  <dgm:styleLbl name="fgAcc3">
     <dgm:fillClrLst meth="repeat">
       <a:schemeClr val="lt1">
         <a:alpha val="90000"/>
-        <a:tint val="40000"/>
-      </a:schemeClr>
-    </dgm:fillClrLst>
-    <dgm:linClrLst meth="repeat">
-      <a:schemeClr val="accent1">
+      </a:schemeClr>
+    </dgm:fillClrLst>
+    <dgm:linClrLst meth="repeat">
+      <a:schemeClr val="accent1"/>
+    </dgm:linClrLst>
+    <dgm:effectClrLst/>
+    <dgm:txLinClrLst/>
+    <dgm:txFillClrLst meth="repeat">
+      <a:schemeClr val="dk1"/>
+    </dgm:txFillClrLst>
+    <dgm:txEffectClrLst/>
+  </dgm:styleLbl>
+  <dgm:styleLbl name="fgAcc4">
+    <dgm:fillClrLst meth="repeat">
+      <a:schemeClr val="lt1">
         <a:alpha val="90000"/>
-      </a:schemeClr>
-    </dgm:linClrLst>
-    <dgm:effectClrLst/>
-    <dgm:txLinClrLst/>
-    <dgm:txFillClrLst meth="repeat">
-      <a:schemeClr val="dk1"/>
-    </dgm:txFillClrLst>
-    <dgm:txEffectClrLst/>
-  </dgm:styleLbl>
-  <dgm:styleLbl name="fgAcc0">
-    <dgm:fillClrLst meth="repeat">
-      <a:schemeClr val="accent1">
-        <a:alpha val="90000"/>
-        <a:tint val="40000"/>
-      </a:schemeClr>
-    </dgm:fillClrLst>
-    <dgm:linClrLst meth="repeat">
-      <a:schemeClr val="accent1"/>
-    </dgm:linClrLst>
-    <dgm:effectClrLst/>
-    <dgm:txLinClrLst/>
-    <dgm:txFillClrLst meth="repeat">
-      <a:schemeClr val="dk1"/>
-    </dgm:txFillClrLst>
-    <dgm:txEffectClrLst/>
-  </dgm:styleLbl>
-  <dgm:styleLbl name="fgAcc2">
-    <dgm:fillClrLst meth="repeat">
-      <a:schemeClr val="accent1">
-        <a:alpha val="90000"/>
-        <a:tint val="40000"/>
-      </a:schemeClr>
-    </dgm:fillClrLst>
-    <dgm:linClrLst meth="repeat">
-      <a:schemeClr val="accent1"/>
-    </dgm:linClrLst>
-    <dgm:effectClrLst/>
-    <dgm:txLinClrLst/>
-    <dgm:txFillClrLst meth="repeat">
-      <a:schemeClr val="dk1"/>
-    </dgm:txFillClrLst>
-    <dgm:txEffectClrLst/>
-  </dgm:styleLbl>
-  <dgm:styleLbl name="fgAcc3">
-    <dgm:fillClrLst meth="repeat">
-      <a:schemeClr val="accent1">
-        <a:alpha val="90000"/>
-        <a:tint val="40000"/>
-      </a:schemeClr>
-    </dgm:fillClrLst>
-    <dgm:linClrLst meth="repeat">
-      <a:schemeClr val="accent1"/>
-    </dgm:linClrLst>
-    <dgm:effectClrLst/>
-    <dgm:txLinClrLst/>
-    <dgm:txFillClrLst meth="repeat">
-      <a:schemeClr val="dk1"/>
-    </dgm:txFillClrLst>
-    <dgm:txEffectClrLst/>
-  </dgm:styleLbl>
-  <dgm:styleLbl name="fgAcc4">
-    <dgm:fillClrLst meth="repeat">
-      <a:schemeClr val="accent1">
-        <a:alpha val="90000"/>
-        <a:tint val="40000"/>
       </a:schemeClr>
     </dgm:fillClrLst>
     <dgm:linClrLst meth="repeat">
@@ -8365,50 +7557,6 @@
         </a:p>
       </dgm:t>
     </dgm:pt>
-    <dgm:pt modelId="{AF9EB0A6-63D7-48FF-951B-5BC0B370869B}">
-      <dgm:prSet custT="1"/>
-      <dgm:spPr/>
-      <dgm:t>
-        <a:bodyPr/>
-        <a:lstStyle/>
-        <a:p>
-          <a:pPr rtl="0"/>
-          <a:r>
-            <a:rPr lang="zh-TW" altLang="en-US" sz="2000" dirty="0" smtClean="0">
-              <a:latin typeface="微軟正黑體" pitchFamily="34" charset="-120"/>
-              <a:ea typeface="微軟正黑體" pitchFamily="34" charset="-120"/>
-            </a:rPr>
-            <a:t>黑洞</a:t>
-          </a:r>
-          <a:endParaRPr lang="zh-TW" altLang="en-US" sz="2000" dirty="0">
-            <a:latin typeface="微軟正黑體" pitchFamily="34" charset="-120"/>
-            <a:ea typeface="微軟正黑體" pitchFamily="34" charset="-120"/>
-          </a:endParaRPr>
-        </a:p>
-      </dgm:t>
-    </dgm:pt>
-    <dgm:pt modelId="{9478AB86-FF3B-40C0-9F2F-E059E719FD81}" type="parTrans" cxnId="{6D31F35F-6C49-4B19-AEE7-1B8F2F1B41DE}">
-      <dgm:prSet/>
-      <dgm:spPr/>
-      <dgm:t>
-        <a:bodyPr/>
-        <a:lstStyle/>
-        <a:p>
-          <a:endParaRPr lang="zh-TW" altLang="en-US"/>
-        </a:p>
-      </dgm:t>
-    </dgm:pt>
-    <dgm:pt modelId="{352C861F-E8DB-499F-A491-0983477D3E7E}" type="sibTrans" cxnId="{6D31F35F-6C49-4B19-AEE7-1B8F2F1B41DE}">
-      <dgm:prSet/>
-      <dgm:spPr/>
-      <dgm:t>
-        <a:bodyPr/>
-        <a:lstStyle/>
-        <a:p>
-          <a:endParaRPr lang="zh-TW" altLang="en-US"/>
-        </a:p>
-      </dgm:t>
-    </dgm:pt>
     <dgm:pt modelId="{72278BD8-25C5-436C-A9F3-D34C2C5B7554}" type="pres">
       <dgm:prSet presAssocID="{DD15C1B9-CB54-4C66-99B9-72BCC61CFAE0}" presName="Name0" presStyleCnt="0">
         <dgm:presLayoutVars>
@@ -8431,7 +7579,7 @@
       <dgm:spPr/>
     </dgm:pt>
     <dgm:pt modelId="{8FCB2A86-23CA-4AEB-9020-CF90D673E969}" type="pres">
-      <dgm:prSet presAssocID="{B1B444C0-6550-483E-AC5D-77C33DD0EA33}" presName="parentShp" presStyleLbl="node1" presStyleIdx="0" presStyleCnt="5">
+      <dgm:prSet presAssocID="{B1B444C0-6550-483E-AC5D-77C33DD0EA33}" presName="parentShp" presStyleLbl="node1" presStyleIdx="0" presStyleCnt="4">
         <dgm:presLayoutVars>
           <dgm:bulletEnabled val="1"/>
         </dgm:presLayoutVars>
@@ -8446,7 +7594,7 @@
       </dgm:t>
     </dgm:pt>
     <dgm:pt modelId="{F30960CC-92DA-402C-943E-870CD49F4726}" type="pres">
-      <dgm:prSet presAssocID="{B1B444C0-6550-483E-AC5D-77C33DD0EA33}" presName="childShp" presStyleLbl="bgAccFollowNode1" presStyleIdx="0" presStyleCnt="5">
+      <dgm:prSet presAssocID="{B1B444C0-6550-483E-AC5D-77C33DD0EA33}" presName="childShp" presStyleLbl="bgAccFollowNode1" presStyleIdx="0" presStyleCnt="4">
         <dgm:presLayoutVars>
           <dgm:bulletEnabled val="1"/>
         </dgm:presLayoutVars>
@@ -8462,7 +7610,7 @@
       <dgm:spPr/>
     </dgm:pt>
     <dgm:pt modelId="{F75F945C-2E39-4475-BC12-D07945FE474C}" type="pres">
-      <dgm:prSet presAssocID="{A884E4E4-4760-46F6-A9D0-239F8A018A5F}" presName="parentShp" presStyleLbl="node1" presStyleIdx="1" presStyleCnt="5">
+      <dgm:prSet presAssocID="{A884E4E4-4760-46F6-A9D0-239F8A018A5F}" presName="parentShp" presStyleLbl="node1" presStyleIdx="1" presStyleCnt="4">
         <dgm:presLayoutVars>
           <dgm:bulletEnabled val="1"/>
         </dgm:presLayoutVars>
@@ -8477,7 +7625,7 @@
       </dgm:t>
     </dgm:pt>
     <dgm:pt modelId="{8BD4EEE7-1427-4518-9745-39B7354EF66B}" type="pres">
-      <dgm:prSet presAssocID="{A884E4E4-4760-46F6-A9D0-239F8A018A5F}" presName="childShp" presStyleLbl="bgAccFollowNode1" presStyleIdx="1" presStyleCnt="5">
+      <dgm:prSet presAssocID="{A884E4E4-4760-46F6-A9D0-239F8A018A5F}" presName="childShp" presStyleLbl="bgAccFollowNode1" presStyleIdx="1" presStyleCnt="4">
         <dgm:presLayoutVars>
           <dgm:bulletEnabled val="1"/>
         </dgm:presLayoutVars>
@@ -8493,7 +7641,7 @@
       <dgm:spPr/>
     </dgm:pt>
     <dgm:pt modelId="{315688DC-7B5C-4526-92FA-459E3028B3AA}" type="pres">
-      <dgm:prSet presAssocID="{8EA333B4-D013-4205-A969-015DF41AA41C}" presName="parentShp" presStyleLbl="node1" presStyleIdx="2" presStyleCnt="5">
+      <dgm:prSet presAssocID="{8EA333B4-D013-4205-A969-015DF41AA41C}" presName="parentShp" presStyleLbl="node1" presStyleIdx="2" presStyleCnt="4">
         <dgm:presLayoutVars>
           <dgm:bulletEnabled val="1"/>
         </dgm:presLayoutVars>
@@ -8508,7 +7656,7 @@
       </dgm:t>
     </dgm:pt>
     <dgm:pt modelId="{BC296577-4E4D-49ED-869C-F3278201FBDD}" type="pres">
-      <dgm:prSet presAssocID="{8EA333B4-D013-4205-A969-015DF41AA41C}" presName="childShp" presStyleLbl="bgAccFollowNode1" presStyleIdx="2" presStyleCnt="5">
+      <dgm:prSet presAssocID="{8EA333B4-D013-4205-A969-015DF41AA41C}" presName="childShp" presStyleLbl="bgAccFollowNode1" presStyleIdx="2" presStyleCnt="4">
         <dgm:presLayoutVars>
           <dgm:bulletEnabled val="1"/>
         </dgm:presLayoutVars>
@@ -8524,7 +7672,7 @@
       <dgm:spPr/>
     </dgm:pt>
     <dgm:pt modelId="{C2028145-4768-44BD-9EEC-0CFC7952DCA5}" type="pres">
-      <dgm:prSet presAssocID="{DC3052A6-1D3B-4C27-B6DE-32CDBB72FBA3}" presName="parentShp" presStyleLbl="node1" presStyleIdx="3" presStyleCnt="5">
+      <dgm:prSet presAssocID="{DC3052A6-1D3B-4C27-B6DE-32CDBB72FBA3}" presName="parentShp" presStyleLbl="node1" presStyleIdx="3" presStyleCnt="4">
         <dgm:presLayoutVars>
           <dgm:bulletEnabled val="1"/>
         </dgm:presLayoutVars>
@@ -8539,38 +7687,7 @@
       </dgm:t>
     </dgm:pt>
     <dgm:pt modelId="{707BD0A1-2D34-4259-AA0C-BF3244CC8AFA}" type="pres">
-      <dgm:prSet presAssocID="{DC3052A6-1D3B-4C27-B6DE-32CDBB72FBA3}" presName="childShp" presStyleLbl="bgAccFollowNode1" presStyleIdx="3" presStyleCnt="5">
-        <dgm:presLayoutVars>
-          <dgm:bulletEnabled val="1"/>
-        </dgm:presLayoutVars>
-      </dgm:prSet>
-      <dgm:spPr/>
-    </dgm:pt>
-    <dgm:pt modelId="{43191C84-AE8A-4229-B6CB-402AAD57A5B6}" type="pres">
-      <dgm:prSet presAssocID="{154E071F-FF27-4B93-947F-BC1937763D78}" presName="spacing" presStyleCnt="0"/>
-      <dgm:spPr/>
-    </dgm:pt>
-    <dgm:pt modelId="{258F8964-033A-4643-B107-05F7143B5883}" type="pres">
-      <dgm:prSet presAssocID="{AF9EB0A6-63D7-48FF-951B-5BC0B370869B}" presName="linNode" presStyleCnt="0"/>
-      <dgm:spPr/>
-    </dgm:pt>
-    <dgm:pt modelId="{EAA6A477-D893-4281-B73D-57CB63F3DE67}" type="pres">
-      <dgm:prSet presAssocID="{AF9EB0A6-63D7-48FF-951B-5BC0B370869B}" presName="parentShp" presStyleLbl="node1" presStyleIdx="4" presStyleCnt="5">
-        <dgm:presLayoutVars>
-          <dgm:bulletEnabled val="1"/>
-        </dgm:presLayoutVars>
-      </dgm:prSet>
-      <dgm:spPr/>
-      <dgm:t>
-        <a:bodyPr/>
-        <a:lstStyle/>
-        <a:p>
-          <a:endParaRPr lang="zh-TW" altLang="en-US"/>
-        </a:p>
-      </dgm:t>
-    </dgm:pt>
-    <dgm:pt modelId="{5DDD41A6-67F3-46F4-ABE2-87219C2385A6}" type="pres">
-      <dgm:prSet presAssocID="{AF9EB0A6-63D7-48FF-951B-5BC0B370869B}" presName="childShp" presStyleLbl="bgAccFollowNode1" presStyleIdx="4" presStyleCnt="5">
+      <dgm:prSet presAssocID="{DC3052A6-1D3B-4C27-B6DE-32CDBB72FBA3}" presName="childShp" presStyleLbl="bgAccFollowNode1" presStyleIdx="3" presStyleCnt="4">
         <dgm:presLayoutVars>
           <dgm:bulletEnabled val="1"/>
         </dgm:presLayoutVars>
@@ -8581,13 +7698,11 @@
   <dgm:cxnLst>
     <dgm:cxn modelId="{A70F76DF-B18B-499A-8821-BB3B876EB7E8}" type="presOf" srcId="{B1B444C0-6550-483E-AC5D-77C33DD0EA33}" destId="{8FCB2A86-23CA-4AEB-9020-CF90D673E969}" srcOrd="0" destOrd="0" presId="urn:microsoft.com/office/officeart/2005/8/layout/vList6"/>
     <dgm:cxn modelId="{E368AE78-706D-4E30-83F7-C55613559C80}" type="presOf" srcId="{DC3052A6-1D3B-4C27-B6DE-32CDBB72FBA3}" destId="{C2028145-4768-44BD-9EEC-0CFC7952DCA5}" srcOrd="0" destOrd="0" presId="urn:microsoft.com/office/officeart/2005/8/layout/vList6"/>
-    <dgm:cxn modelId="{6D31F35F-6C49-4B19-AEE7-1B8F2F1B41DE}" srcId="{DD15C1B9-CB54-4C66-99B9-72BCC61CFAE0}" destId="{AF9EB0A6-63D7-48FF-951B-5BC0B370869B}" srcOrd="4" destOrd="0" parTransId="{9478AB86-FF3B-40C0-9F2F-E059E719FD81}" sibTransId="{352C861F-E8DB-499F-A491-0983477D3E7E}"/>
     <dgm:cxn modelId="{612197BC-E4D2-4BDD-B15C-1484F3F3BB3A}" srcId="{DD15C1B9-CB54-4C66-99B9-72BCC61CFAE0}" destId="{DC3052A6-1D3B-4C27-B6DE-32CDBB72FBA3}" srcOrd="3" destOrd="0" parTransId="{93594FE0-A903-46BA-A505-0BF34F6B0AC9}" sibTransId="{154E071F-FF27-4B93-947F-BC1937763D78}"/>
     <dgm:cxn modelId="{F5D47197-9C46-4319-BD73-D1D5571587BA}" srcId="{DD15C1B9-CB54-4C66-99B9-72BCC61CFAE0}" destId="{8EA333B4-D013-4205-A969-015DF41AA41C}" srcOrd="2" destOrd="0" parTransId="{F0B11C4D-3750-4CFE-97D0-17A347796FF6}" sibTransId="{671DF611-206B-423F-A064-A5B996DAD0D8}"/>
     <dgm:cxn modelId="{F22DDB43-A423-467E-9A03-6B22C909329F}" type="presOf" srcId="{DD15C1B9-CB54-4C66-99B9-72BCC61CFAE0}" destId="{72278BD8-25C5-436C-A9F3-D34C2C5B7554}" srcOrd="0" destOrd="0" presId="urn:microsoft.com/office/officeart/2005/8/layout/vList6"/>
     <dgm:cxn modelId="{529820E3-087A-4B85-A93F-2BC072AE10A2}" type="presOf" srcId="{A884E4E4-4760-46F6-A9D0-239F8A018A5F}" destId="{F75F945C-2E39-4475-BC12-D07945FE474C}" srcOrd="0" destOrd="0" presId="urn:microsoft.com/office/officeart/2005/8/layout/vList6"/>
     <dgm:cxn modelId="{D77F6CAC-E0F3-4293-8E58-96D7B4A149AF}" srcId="{DD15C1B9-CB54-4C66-99B9-72BCC61CFAE0}" destId="{A884E4E4-4760-46F6-A9D0-239F8A018A5F}" srcOrd="1" destOrd="0" parTransId="{33A42331-F203-4D0E-9FBE-CF8F84C8B9BD}" sibTransId="{4E1A9868-50A0-4B82-B3B6-C0D9941D5738}"/>
-    <dgm:cxn modelId="{A8B1F14D-482A-467B-AFC4-035DC34417BC}" type="presOf" srcId="{AF9EB0A6-63D7-48FF-951B-5BC0B370869B}" destId="{EAA6A477-D893-4281-B73D-57CB63F3DE67}" srcOrd="0" destOrd="0" presId="urn:microsoft.com/office/officeart/2005/8/layout/vList6"/>
     <dgm:cxn modelId="{ED5391AA-8CEB-4C1E-8239-975CC0F92067}" srcId="{DD15C1B9-CB54-4C66-99B9-72BCC61CFAE0}" destId="{B1B444C0-6550-483E-AC5D-77C33DD0EA33}" srcOrd="0" destOrd="0" parTransId="{37072BE7-0A17-4011-8A3E-3F926C91D8C7}" sibTransId="{C8099103-82EF-41C5-9A51-0B8DC3442016}"/>
     <dgm:cxn modelId="{764A9C8C-E8F7-424D-B1A6-F1EC984512EF}" type="presOf" srcId="{8EA333B4-D013-4205-A969-015DF41AA41C}" destId="{315688DC-7B5C-4526-92FA-459E3028B3AA}" srcOrd="0" destOrd="0" presId="urn:microsoft.com/office/officeart/2005/8/layout/vList6"/>
     <dgm:cxn modelId="{83A7F119-2B2D-40DC-BF03-FD4087035753}" type="presParOf" srcId="{72278BD8-25C5-436C-A9F3-D34C2C5B7554}" destId="{7B4E98FD-3DF0-48A4-8B75-93C63B6E178F}" srcOrd="0" destOrd="0" presId="urn:microsoft.com/office/officeart/2005/8/layout/vList6"/>
@@ -8605,905 +7720,12 @@
     <dgm:cxn modelId="{A8834E46-6F2E-4301-9587-0319536BD079}" type="presParOf" srcId="{72278BD8-25C5-436C-A9F3-D34C2C5B7554}" destId="{22588684-B972-4A9E-8C77-A17B4CC699A5}" srcOrd="6" destOrd="0" presId="urn:microsoft.com/office/officeart/2005/8/layout/vList6"/>
     <dgm:cxn modelId="{3F7EF1F9-C725-407D-9B84-80FD7FA0E122}" type="presParOf" srcId="{22588684-B972-4A9E-8C77-A17B4CC699A5}" destId="{C2028145-4768-44BD-9EEC-0CFC7952DCA5}" srcOrd="0" destOrd="0" presId="urn:microsoft.com/office/officeart/2005/8/layout/vList6"/>
     <dgm:cxn modelId="{0D882B06-4A1F-40A8-91CA-58B549831485}" type="presParOf" srcId="{22588684-B972-4A9E-8C77-A17B4CC699A5}" destId="{707BD0A1-2D34-4259-AA0C-BF3244CC8AFA}" srcOrd="1" destOrd="0" presId="urn:microsoft.com/office/officeart/2005/8/layout/vList6"/>
-    <dgm:cxn modelId="{EC6730E4-6392-4ED5-ADA9-46CBBF8A0122}" type="presParOf" srcId="{72278BD8-25C5-436C-A9F3-D34C2C5B7554}" destId="{43191C84-AE8A-4229-B6CB-402AAD57A5B6}" srcOrd="7" destOrd="0" presId="urn:microsoft.com/office/officeart/2005/8/layout/vList6"/>
-    <dgm:cxn modelId="{B902C0CF-4D78-442F-83EA-C7E1BB371FF8}" type="presParOf" srcId="{72278BD8-25C5-436C-A9F3-D34C2C5B7554}" destId="{258F8964-033A-4643-B107-05F7143B5883}" srcOrd="8" destOrd="0" presId="urn:microsoft.com/office/officeart/2005/8/layout/vList6"/>
-    <dgm:cxn modelId="{BC1FE926-9DAB-46C7-87C2-A31173722BA5}" type="presParOf" srcId="{258F8964-033A-4643-B107-05F7143B5883}" destId="{EAA6A477-D893-4281-B73D-57CB63F3DE67}" srcOrd="0" destOrd="0" presId="urn:microsoft.com/office/officeart/2005/8/layout/vList6"/>
-    <dgm:cxn modelId="{DA335E99-EF1A-4949-A4B9-FAC82447C01B}" type="presParOf" srcId="{258F8964-033A-4643-B107-05F7143B5883}" destId="{5DDD41A6-67F3-46F4-ABE2-87219C2385A6}" srcOrd="1" destOrd="0" presId="urn:microsoft.com/office/officeart/2005/8/layout/vList6"/>
   </dgm:cxnLst>
   <dgm:bg/>
   <dgm:whole/>
   <dgm:extLst>
     <a:ext uri="http://schemas.microsoft.com/office/drawing/2008/diagram">
       <dsp:dataModelExt xmlns:dsp="http://schemas.microsoft.com/office/drawing/2008/diagram" relId="rId6" minVer="http://schemas.openxmlformats.org/drawingml/2006/diagram"/>
-    </a:ext>
-  </dgm:extLst>
-</dgm:dataModel>
-</file>
-
-<file path=ppt/diagrams/data10.xml><?xml version="1.0" encoding="utf-8"?>
-<dgm:dataModel xmlns:dgm="http://schemas.openxmlformats.org/drawingml/2006/diagram" xmlns:a="http://schemas.openxmlformats.org/drawingml/2006/main">
-  <dgm:ptLst>
-    <dgm:pt modelId="{56A415F5-B9AF-4026-9D88-552983AD2CEC}" type="doc">
-      <dgm:prSet loTypeId="urn:microsoft.com/office/officeart/2005/8/layout/vList2" loCatId="list" qsTypeId="urn:microsoft.com/office/officeart/2005/8/quickstyle/simple1" qsCatId="simple" csTypeId="urn:microsoft.com/office/officeart/2005/8/colors/accent1_2" csCatId="accent1" phldr="1"/>
-      <dgm:spPr/>
-      <dgm:t>
-        <a:bodyPr/>
-        <a:lstStyle/>
-        <a:p>
-          <a:endParaRPr lang="zh-TW" altLang="en-US"/>
-        </a:p>
-      </dgm:t>
-    </dgm:pt>
-    <dgm:pt modelId="{4A0CCAF8-409C-4FA0-B87F-E1A531750C1D}">
-      <dgm:prSet custT="1"/>
-      <dgm:spPr/>
-      <dgm:t>
-        <a:bodyPr/>
-        <a:lstStyle/>
-        <a:p>
-          <a:pPr rtl="0"/>
-          <a:r>
-            <a:rPr lang="en-US" altLang="zh-TW" sz="1400" u="sng" dirty="0" smtClean="0">
-              <a:latin typeface="微軟正黑體" pitchFamily="34" charset="-120"/>
-              <a:ea typeface="微軟正黑體" pitchFamily="34" charset="-120"/>
-              <a:hlinkClick xmlns:r="http://schemas.openxmlformats.org/officeDocument/2006/relationships" r:id="rId1"/>
-            </a:rPr>
-            <a:t>http://asika.windspeaker.co/post/3502-strong-php-1-defensive-programming</a:t>
-          </a:r>
-          <a:endParaRPr lang="zh-TW" sz="1400" dirty="0">
-            <a:latin typeface="微軟正黑體" pitchFamily="34" charset="-120"/>
-            <a:ea typeface="微軟正黑體" pitchFamily="34" charset="-120"/>
-          </a:endParaRPr>
-        </a:p>
-      </dgm:t>
-    </dgm:pt>
-    <dgm:pt modelId="{4F946E3B-2655-4483-9FF9-46E147C8C964}" type="parTrans" cxnId="{3BE2DA58-3C42-4E5E-8358-278E60683C03}">
-      <dgm:prSet/>
-      <dgm:spPr/>
-      <dgm:t>
-        <a:bodyPr/>
-        <a:lstStyle/>
-        <a:p>
-          <a:endParaRPr lang="zh-TW" altLang="en-US">
-            <a:latin typeface="微軟正黑體" pitchFamily="34" charset="-120"/>
-            <a:ea typeface="微軟正黑體" pitchFamily="34" charset="-120"/>
-          </a:endParaRPr>
-        </a:p>
-      </dgm:t>
-    </dgm:pt>
-    <dgm:pt modelId="{665B2625-61E7-41A6-AAD1-E4460C9A8D5C}" type="sibTrans" cxnId="{3BE2DA58-3C42-4E5E-8358-278E60683C03}">
-      <dgm:prSet/>
-      <dgm:spPr/>
-      <dgm:t>
-        <a:bodyPr/>
-        <a:lstStyle/>
-        <a:p>
-          <a:endParaRPr lang="zh-TW" altLang="en-US">
-            <a:latin typeface="微軟正黑體" pitchFamily="34" charset="-120"/>
-            <a:ea typeface="微軟正黑體" pitchFamily="34" charset="-120"/>
-          </a:endParaRPr>
-        </a:p>
-      </dgm:t>
-    </dgm:pt>
-    <dgm:pt modelId="{C46D4D05-CD5F-4545-8DDC-DDDBF7404420}">
-      <dgm:prSet custT="1"/>
-      <dgm:spPr/>
-      <dgm:t>
-        <a:bodyPr/>
-        <a:lstStyle/>
-        <a:p>
-          <a:pPr rtl="0"/>
-          <a:r>
-            <a:rPr lang="zh-TW" altLang="en-US" sz="1800" smtClean="0">
-              <a:latin typeface="微軟正黑體" pitchFamily="34" charset="-120"/>
-              <a:ea typeface="微軟正黑體" pitchFamily="34" charset="-120"/>
-            </a:rPr>
-            <a:t>寫出健壯的 </a:t>
-          </a:r>
-          <a:r>
-            <a:rPr lang="en-US" altLang="zh-TW" sz="1800" smtClean="0">
-              <a:latin typeface="微軟正黑體" pitchFamily="34" charset="-120"/>
-              <a:ea typeface="微軟正黑體" pitchFamily="34" charset="-120"/>
-            </a:rPr>
-            <a:t>PHP </a:t>
-          </a:r>
-          <a:r>
-            <a:rPr lang="zh-TW" altLang="en-US" sz="1800" smtClean="0">
-              <a:latin typeface="微軟正黑體" pitchFamily="34" charset="-120"/>
-              <a:ea typeface="微軟正黑體" pitchFamily="34" charset="-120"/>
-            </a:rPr>
-            <a:t>應用程式</a:t>
-          </a:r>
-          <a:r>
-            <a:rPr lang="en-US" altLang="zh-TW" sz="1800" smtClean="0">
-              <a:latin typeface="微軟正黑體" pitchFamily="34" charset="-120"/>
-              <a:ea typeface="微軟正黑體" pitchFamily="34" charset="-120"/>
-            </a:rPr>
-            <a:t>(1): </a:t>
-          </a:r>
-          <a:r>
-            <a:rPr lang="zh-TW" altLang="en-US" sz="1800" smtClean="0">
-              <a:latin typeface="微軟正黑體" pitchFamily="34" charset="-120"/>
-              <a:ea typeface="微軟正黑體" pitchFamily="34" charset="-120"/>
-            </a:rPr>
-            <a:t>防禦型程式寫法</a:t>
-          </a:r>
-          <a:endParaRPr lang="zh-TW" sz="1800" dirty="0">
-            <a:latin typeface="微軟正黑體" pitchFamily="34" charset="-120"/>
-            <a:ea typeface="微軟正黑體" pitchFamily="34" charset="-120"/>
-          </a:endParaRPr>
-        </a:p>
-      </dgm:t>
-    </dgm:pt>
-    <dgm:pt modelId="{00A1C80E-03EE-409E-9F29-F0B8D433D268}" type="sibTrans" cxnId="{A262797D-49E3-4A13-B928-B242330BD053}">
-      <dgm:prSet/>
-      <dgm:spPr/>
-      <dgm:t>
-        <a:bodyPr/>
-        <a:lstStyle/>
-        <a:p>
-          <a:endParaRPr lang="zh-TW" altLang="en-US">
-            <a:latin typeface="微軟正黑體" pitchFamily="34" charset="-120"/>
-            <a:ea typeface="微軟正黑體" pitchFamily="34" charset="-120"/>
-          </a:endParaRPr>
-        </a:p>
-      </dgm:t>
-    </dgm:pt>
-    <dgm:pt modelId="{6D13D329-0873-40C5-A90D-761178D0DCD5}" type="parTrans" cxnId="{A262797D-49E3-4A13-B928-B242330BD053}">
-      <dgm:prSet/>
-      <dgm:spPr/>
-      <dgm:t>
-        <a:bodyPr/>
-        <a:lstStyle/>
-        <a:p>
-          <a:endParaRPr lang="zh-TW" altLang="en-US">
-            <a:latin typeface="微軟正黑體" pitchFamily="34" charset="-120"/>
-            <a:ea typeface="微軟正黑體" pitchFamily="34" charset="-120"/>
-          </a:endParaRPr>
-        </a:p>
-      </dgm:t>
-    </dgm:pt>
-    <dgm:pt modelId="{5A75CF1E-E7D0-4CD1-81C7-CF9222BFA9D5}">
-      <dgm:prSet custT="1"/>
-      <dgm:spPr/>
-      <dgm:t>
-        <a:bodyPr/>
-        <a:lstStyle/>
-        <a:p>
-          <a:pPr rtl="0"/>
-          <a:r>
-            <a:rPr lang="en-US" altLang="zh-TW" sz="1400" dirty="0" smtClean="0">
-              <a:latin typeface="微軟正黑體" pitchFamily="34" charset="-120"/>
-              <a:ea typeface="微軟正黑體" pitchFamily="34" charset="-120"/>
-              <a:hlinkClick xmlns:r="http://schemas.openxmlformats.org/officeDocument/2006/relationships" r:id="rId2"/>
-            </a:rPr>
-            <a:t>http://php.net/manual/en/function.is-numeric.php</a:t>
-          </a:r>
-          <a:endParaRPr lang="zh-TW" sz="1400" dirty="0">
-            <a:latin typeface="微軟正黑體" pitchFamily="34" charset="-120"/>
-            <a:ea typeface="微軟正黑體" pitchFamily="34" charset="-120"/>
-          </a:endParaRPr>
-        </a:p>
-      </dgm:t>
-    </dgm:pt>
-    <dgm:pt modelId="{ECFF943E-9531-4701-8471-9E0844F1AD4E}" type="parTrans" cxnId="{A1A9D8FE-8D9F-4073-B77A-35D993E7D563}">
-      <dgm:prSet/>
-      <dgm:spPr/>
-      <dgm:t>
-        <a:bodyPr/>
-        <a:lstStyle/>
-        <a:p>
-          <a:endParaRPr lang="zh-TW" altLang="en-US">
-            <a:latin typeface="微軟正黑體" pitchFamily="34" charset="-120"/>
-            <a:ea typeface="微軟正黑體" pitchFamily="34" charset="-120"/>
-          </a:endParaRPr>
-        </a:p>
-      </dgm:t>
-    </dgm:pt>
-    <dgm:pt modelId="{01D9F667-E2BE-42F2-8786-5CC2157AFF8F}" type="sibTrans" cxnId="{A1A9D8FE-8D9F-4073-B77A-35D993E7D563}">
-      <dgm:prSet/>
-      <dgm:spPr/>
-      <dgm:t>
-        <a:bodyPr/>
-        <a:lstStyle/>
-        <a:p>
-          <a:endParaRPr lang="zh-TW" altLang="en-US">
-            <a:latin typeface="微軟正黑體" pitchFamily="34" charset="-120"/>
-            <a:ea typeface="微軟正黑體" pitchFamily="34" charset="-120"/>
-          </a:endParaRPr>
-        </a:p>
-      </dgm:t>
-    </dgm:pt>
-    <dgm:pt modelId="{95900C4F-7221-49C2-B504-88E4A3ED27C9}">
-      <dgm:prSet custT="1"/>
-      <dgm:spPr/>
-      <dgm:t>
-        <a:bodyPr/>
-        <a:lstStyle/>
-        <a:p>
-          <a:pPr rtl="0"/>
-          <a:r>
-            <a:rPr lang="en-US" sz="1400" b="0" i="0" dirty="0" err="1" smtClean="0">
-              <a:latin typeface="微軟正黑體" pitchFamily="34" charset="-120"/>
-              <a:ea typeface="微軟正黑體" pitchFamily="34" charset="-120"/>
-            </a:rPr>
-            <a:t>is_numeric</a:t>
-          </a:r>
-          <a:endParaRPr lang="zh-TW" sz="1400" dirty="0">
-            <a:latin typeface="微軟正黑體" pitchFamily="34" charset="-120"/>
-            <a:ea typeface="微軟正黑體" pitchFamily="34" charset="-120"/>
-          </a:endParaRPr>
-        </a:p>
-      </dgm:t>
-    </dgm:pt>
-    <dgm:pt modelId="{8CA5052C-39FA-4284-8A61-1FA709F2C2F1}" type="parTrans" cxnId="{61DCA458-E733-4F91-92CD-3CCF14A26D02}">
-      <dgm:prSet/>
-      <dgm:spPr/>
-      <dgm:t>
-        <a:bodyPr/>
-        <a:lstStyle/>
-        <a:p>
-          <a:endParaRPr lang="zh-TW" altLang="en-US">
-            <a:latin typeface="微軟正黑體" pitchFamily="34" charset="-120"/>
-            <a:ea typeface="微軟正黑體" pitchFamily="34" charset="-120"/>
-          </a:endParaRPr>
-        </a:p>
-      </dgm:t>
-    </dgm:pt>
-    <dgm:pt modelId="{39F08740-CC76-4135-8A16-D4C87743EE63}" type="sibTrans" cxnId="{61DCA458-E733-4F91-92CD-3CCF14A26D02}">
-      <dgm:prSet/>
-      <dgm:spPr/>
-      <dgm:t>
-        <a:bodyPr/>
-        <a:lstStyle/>
-        <a:p>
-          <a:endParaRPr lang="zh-TW" altLang="en-US">
-            <a:latin typeface="微軟正黑體" pitchFamily="34" charset="-120"/>
-            <a:ea typeface="微軟正黑體" pitchFamily="34" charset="-120"/>
-          </a:endParaRPr>
-        </a:p>
-      </dgm:t>
-    </dgm:pt>
-    <dgm:pt modelId="{81B4B438-01F7-40E2-9D98-E99B3BC2BC06}">
-      <dgm:prSet custT="1"/>
-      <dgm:spPr/>
-      <dgm:t>
-        <a:bodyPr/>
-        <a:lstStyle/>
-        <a:p>
-          <a:pPr rtl="0"/>
-          <a:r>
-            <a:rPr lang="en-US" altLang="zh-TW" sz="1400" dirty="0" smtClean="0">
-              <a:latin typeface="微軟正黑體" pitchFamily="34" charset="-120"/>
-              <a:ea typeface="微軟正黑體" pitchFamily="34" charset="-120"/>
-              <a:hlinkClick xmlns:r="http://schemas.openxmlformats.org/officeDocument/2006/relationships" r:id="rId3"/>
-            </a:rPr>
-            <a:t>http://php.net/manual/en/function.is-string.php</a:t>
-          </a:r>
-          <a:endParaRPr lang="zh-TW" sz="1400" dirty="0">
-            <a:latin typeface="微軟正黑體" pitchFamily="34" charset="-120"/>
-            <a:ea typeface="微軟正黑體" pitchFamily="34" charset="-120"/>
-          </a:endParaRPr>
-        </a:p>
-      </dgm:t>
-    </dgm:pt>
-    <dgm:pt modelId="{B2EE07D0-6BD8-4AA4-A1E7-8A145DEFCAF9}" type="parTrans" cxnId="{37D80122-5141-4F8E-94B3-84A2E7B421C8}">
-      <dgm:prSet/>
-      <dgm:spPr/>
-      <dgm:t>
-        <a:bodyPr/>
-        <a:lstStyle/>
-        <a:p>
-          <a:endParaRPr lang="zh-TW" altLang="en-US">
-            <a:latin typeface="微軟正黑體" pitchFamily="34" charset="-120"/>
-            <a:ea typeface="微軟正黑體" pitchFamily="34" charset="-120"/>
-          </a:endParaRPr>
-        </a:p>
-      </dgm:t>
-    </dgm:pt>
-    <dgm:pt modelId="{F191C67A-AD4B-4FED-8686-3B8AC063C90A}" type="sibTrans" cxnId="{37D80122-5141-4F8E-94B3-84A2E7B421C8}">
-      <dgm:prSet/>
-      <dgm:spPr/>
-      <dgm:t>
-        <a:bodyPr/>
-        <a:lstStyle/>
-        <a:p>
-          <a:endParaRPr lang="zh-TW" altLang="en-US">
-            <a:latin typeface="微軟正黑體" pitchFamily="34" charset="-120"/>
-            <a:ea typeface="微軟正黑體" pitchFamily="34" charset="-120"/>
-          </a:endParaRPr>
-        </a:p>
-      </dgm:t>
-    </dgm:pt>
-    <dgm:pt modelId="{B9A9F9E1-2E2B-4439-83F3-1AB9501C2DF1}">
-      <dgm:prSet custT="1"/>
-      <dgm:spPr/>
-      <dgm:t>
-        <a:bodyPr/>
-        <a:lstStyle/>
-        <a:p>
-          <a:pPr rtl="0"/>
-          <a:r>
-            <a:rPr lang="en-US" altLang="zh-TW" sz="1400" dirty="0" err="1" smtClean="0">
-              <a:latin typeface="微軟正黑體" pitchFamily="34" charset="-120"/>
-              <a:ea typeface="微軟正黑體" pitchFamily="34" charset="-120"/>
-            </a:rPr>
-            <a:t>is_string</a:t>
-          </a:r>
-          <a:endParaRPr lang="zh-TW" sz="1400" dirty="0">
-            <a:latin typeface="微軟正黑體" pitchFamily="34" charset="-120"/>
-            <a:ea typeface="微軟正黑體" pitchFamily="34" charset="-120"/>
-          </a:endParaRPr>
-        </a:p>
-      </dgm:t>
-    </dgm:pt>
-    <dgm:pt modelId="{1B3E79F3-A5E5-4E5D-93E3-5C19828904AB}" type="parTrans" cxnId="{1A9EF4EF-7A5D-4486-AEEC-819EE51FE33F}">
-      <dgm:prSet/>
-      <dgm:spPr/>
-      <dgm:t>
-        <a:bodyPr/>
-        <a:lstStyle/>
-        <a:p>
-          <a:endParaRPr lang="zh-TW" altLang="en-US">
-            <a:latin typeface="微軟正黑體" pitchFamily="34" charset="-120"/>
-            <a:ea typeface="微軟正黑體" pitchFamily="34" charset="-120"/>
-          </a:endParaRPr>
-        </a:p>
-      </dgm:t>
-    </dgm:pt>
-    <dgm:pt modelId="{4D098100-CB67-4FD7-BC52-C8F3D4675060}" type="sibTrans" cxnId="{1A9EF4EF-7A5D-4486-AEEC-819EE51FE33F}">
-      <dgm:prSet/>
-      <dgm:spPr/>
-      <dgm:t>
-        <a:bodyPr/>
-        <a:lstStyle/>
-        <a:p>
-          <a:endParaRPr lang="zh-TW" altLang="en-US">
-            <a:latin typeface="微軟正黑體" pitchFamily="34" charset="-120"/>
-            <a:ea typeface="微軟正黑體" pitchFamily="34" charset="-120"/>
-          </a:endParaRPr>
-        </a:p>
-      </dgm:t>
-    </dgm:pt>
-    <dgm:pt modelId="{107CB80F-803A-44D4-81F2-323AE0242253}">
-      <dgm:prSet custT="1"/>
-      <dgm:spPr/>
-      <dgm:t>
-        <a:bodyPr/>
-        <a:lstStyle/>
-        <a:p>
-          <a:pPr rtl="0"/>
-          <a:r>
-            <a:rPr lang="en-US" sz="1400" dirty="0" err="1" smtClean="0">
-              <a:latin typeface="微軟正黑體" pitchFamily="34" charset="-120"/>
-              <a:ea typeface="微軟正黑體" pitchFamily="34" charset="-120"/>
-            </a:rPr>
-            <a:t>is_object</a:t>
-          </a:r>
-          <a:endParaRPr lang="zh-TW" sz="1400" dirty="0">
-            <a:latin typeface="微軟正黑體" pitchFamily="34" charset="-120"/>
-            <a:ea typeface="微軟正黑體" pitchFamily="34" charset="-120"/>
-          </a:endParaRPr>
-        </a:p>
-      </dgm:t>
-    </dgm:pt>
-    <dgm:pt modelId="{B1D06BE3-D188-4A06-84B6-09CE4214FD4B}" type="parTrans" cxnId="{0121DA55-7BDC-44F9-B1D8-E937A8C84EAC}">
-      <dgm:prSet/>
-      <dgm:spPr/>
-      <dgm:t>
-        <a:bodyPr/>
-        <a:lstStyle/>
-        <a:p>
-          <a:endParaRPr lang="zh-TW" altLang="en-US">
-            <a:latin typeface="微軟正黑體" pitchFamily="34" charset="-120"/>
-            <a:ea typeface="微軟正黑體" pitchFamily="34" charset="-120"/>
-          </a:endParaRPr>
-        </a:p>
-      </dgm:t>
-    </dgm:pt>
-    <dgm:pt modelId="{A5369CD7-DB22-4FE8-BF1B-A88EAFEDD3AB}" type="sibTrans" cxnId="{0121DA55-7BDC-44F9-B1D8-E937A8C84EAC}">
-      <dgm:prSet/>
-      <dgm:spPr/>
-      <dgm:t>
-        <a:bodyPr/>
-        <a:lstStyle/>
-        <a:p>
-          <a:endParaRPr lang="zh-TW" altLang="en-US">
-            <a:latin typeface="微軟正黑體" pitchFamily="34" charset="-120"/>
-            <a:ea typeface="微軟正黑體" pitchFamily="34" charset="-120"/>
-          </a:endParaRPr>
-        </a:p>
-      </dgm:t>
-    </dgm:pt>
-    <dgm:pt modelId="{0E146B81-4288-43BE-B510-954567A6F283}">
-      <dgm:prSet custT="1"/>
-      <dgm:spPr/>
-      <dgm:t>
-        <a:bodyPr/>
-        <a:lstStyle/>
-        <a:p>
-          <a:pPr rtl="0"/>
-          <a:r>
-            <a:rPr lang="en-US" altLang="zh-TW" sz="1400" dirty="0" err="1" smtClean="0">
-              <a:latin typeface="微軟正黑體" pitchFamily="34" charset="-120"/>
-              <a:ea typeface="微軟正黑體" pitchFamily="34" charset="-120"/>
-            </a:rPr>
-            <a:t>get_object_vars</a:t>
-          </a:r>
-          <a:endParaRPr lang="zh-TW" sz="1400" dirty="0">
-            <a:latin typeface="微軟正黑體" pitchFamily="34" charset="-120"/>
-            <a:ea typeface="微軟正黑體" pitchFamily="34" charset="-120"/>
-          </a:endParaRPr>
-        </a:p>
-      </dgm:t>
-    </dgm:pt>
-    <dgm:pt modelId="{BF253323-D6E7-438B-A5A7-D98F45E7FFAB}" type="parTrans" cxnId="{C41C20D0-1D84-47D4-801E-702CFD9C74A1}">
-      <dgm:prSet/>
-      <dgm:spPr/>
-      <dgm:t>
-        <a:bodyPr/>
-        <a:lstStyle/>
-        <a:p>
-          <a:endParaRPr lang="zh-TW" altLang="en-US">
-            <a:latin typeface="微軟正黑體" pitchFamily="34" charset="-120"/>
-            <a:ea typeface="微軟正黑體" pitchFamily="34" charset="-120"/>
-          </a:endParaRPr>
-        </a:p>
-      </dgm:t>
-    </dgm:pt>
-    <dgm:pt modelId="{AC9A62D1-260D-41D0-A42A-27F6C4E65BC3}" type="sibTrans" cxnId="{C41C20D0-1D84-47D4-801E-702CFD9C74A1}">
-      <dgm:prSet/>
-      <dgm:spPr/>
-      <dgm:t>
-        <a:bodyPr/>
-        <a:lstStyle/>
-        <a:p>
-          <a:endParaRPr lang="zh-TW" altLang="en-US">
-            <a:latin typeface="微軟正黑體" pitchFamily="34" charset="-120"/>
-            <a:ea typeface="微軟正黑體" pitchFamily="34" charset="-120"/>
-          </a:endParaRPr>
-        </a:p>
-      </dgm:t>
-    </dgm:pt>
-    <dgm:pt modelId="{BA891C2F-21D5-4DA3-90EE-5F6CEC61A524}">
-      <dgm:prSet custT="1"/>
-      <dgm:spPr/>
-      <dgm:t>
-        <a:bodyPr/>
-        <a:lstStyle/>
-        <a:p>
-          <a:pPr rtl="0"/>
-          <a:r>
-            <a:rPr lang="en-US" altLang="zh-TW" sz="1400" dirty="0" smtClean="0">
-              <a:latin typeface="微軟正黑體" pitchFamily="34" charset="-120"/>
-              <a:ea typeface="微軟正黑體" pitchFamily="34" charset="-120"/>
-              <a:hlinkClick xmlns:r="http://schemas.openxmlformats.org/officeDocument/2006/relationships" r:id="rId4"/>
-            </a:rPr>
-            <a:t>http://php.net/manual/en/function.is-object.php</a:t>
-          </a:r>
-          <a:endParaRPr lang="zh-TW" sz="1400" dirty="0">
-            <a:latin typeface="微軟正黑體" pitchFamily="34" charset="-120"/>
-            <a:ea typeface="微軟正黑體" pitchFamily="34" charset="-120"/>
-          </a:endParaRPr>
-        </a:p>
-      </dgm:t>
-    </dgm:pt>
-    <dgm:pt modelId="{155FBFA0-EDD3-4D43-9222-BF5F46286C2A}" type="parTrans" cxnId="{4B884AE3-8B12-4CFC-AFD0-BF762F3DD632}">
-      <dgm:prSet/>
-      <dgm:spPr/>
-      <dgm:t>
-        <a:bodyPr/>
-        <a:lstStyle/>
-        <a:p>
-          <a:endParaRPr lang="zh-TW" altLang="en-US">
-            <a:latin typeface="微軟正黑體" pitchFamily="34" charset="-120"/>
-            <a:ea typeface="微軟正黑體" pitchFamily="34" charset="-120"/>
-          </a:endParaRPr>
-        </a:p>
-      </dgm:t>
-    </dgm:pt>
-    <dgm:pt modelId="{F719D906-87D3-4F87-A5A5-6F7FEC4E2AB3}" type="sibTrans" cxnId="{4B884AE3-8B12-4CFC-AFD0-BF762F3DD632}">
-      <dgm:prSet/>
-      <dgm:spPr/>
-      <dgm:t>
-        <a:bodyPr/>
-        <a:lstStyle/>
-        <a:p>
-          <a:endParaRPr lang="zh-TW" altLang="en-US">
-            <a:latin typeface="微軟正黑體" pitchFamily="34" charset="-120"/>
-            <a:ea typeface="微軟正黑體" pitchFamily="34" charset="-120"/>
-          </a:endParaRPr>
-        </a:p>
-      </dgm:t>
-    </dgm:pt>
-    <dgm:pt modelId="{A64B9E20-30F0-4FBF-9EFF-1F3230FE4305}">
-      <dgm:prSet custT="1"/>
-      <dgm:spPr/>
-      <dgm:t>
-        <a:bodyPr/>
-        <a:lstStyle/>
-        <a:p>
-          <a:pPr rtl="0"/>
-          <a:r>
-            <a:rPr lang="en-US" altLang="zh-TW" sz="1400" dirty="0" smtClean="0">
-              <a:latin typeface="微軟正黑體" pitchFamily="34" charset="-120"/>
-              <a:ea typeface="微軟正黑體" pitchFamily="34" charset="-120"/>
-              <a:hlinkClick xmlns:r="http://schemas.openxmlformats.org/officeDocument/2006/relationships" r:id="rId5"/>
-            </a:rPr>
-            <a:t>http://php.net/manual/en/function.get-object-vars.php</a:t>
-          </a:r>
-          <a:endParaRPr lang="zh-TW" sz="1400" dirty="0">
-            <a:latin typeface="微軟正黑體" pitchFamily="34" charset="-120"/>
-            <a:ea typeface="微軟正黑體" pitchFamily="34" charset="-120"/>
-          </a:endParaRPr>
-        </a:p>
-      </dgm:t>
-    </dgm:pt>
-    <dgm:pt modelId="{7D6EC0B2-2F45-4FD8-8F03-F92583C107D7}" type="parTrans" cxnId="{92F2F569-2467-40A9-B6A8-CB06B85661CF}">
-      <dgm:prSet/>
-      <dgm:spPr/>
-      <dgm:t>
-        <a:bodyPr/>
-        <a:lstStyle/>
-        <a:p>
-          <a:endParaRPr lang="zh-TW" altLang="en-US">
-            <a:latin typeface="微軟正黑體" pitchFamily="34" charset="-120"/>
-            <a:ea typeface="微軟正黑體" pitchFamily="34" charset="-120"/>
-          </a:endParaRPr>
-        </a:p>
-      </dgm:t>
-    </dgm:pt>
-    <dgm:pt modelId="{C2C5CD53-D281-4BA4-9966-13D79AE8DD51}" type="sibTrans" cxnId="{92F2F569-2467-40A9-B6A8-CB06B85661CF}">
-      <dgm:prSet/>
-      <dgm:spPr/>
-      <dgm:t>
-        <a:bodyPr/>
-        <a:lstStyle/>
-        <a:p>
-          <a:endParaRPr lang="zh-TW" altLang="en-US">
-            <a:latin typeface="微軟正黑體" pitchFamily="34" charset="-120"/>
-            <a:ea typeface="微軟正黑體" pitchFamily="34" charset="-120"/>
-          </a:endParaRPr>
-        </a:p>
-      </dgm:t>
-    </dgm:pt>
-    <dgm:pt modelId="{5296E1D1-5873-4904-B202-5BAABD1CBA6C}">
-      <dgm:prSet custT="1"/>
-      <dgm:spPr/>
-      <dgm:t>
-        <a:bodyPr/>
-        <a:lstStyle/>
-        <a:p>
-          <a:pPr rtl="0"/>
-          <a:r>
-            <a:rPr lang="en-US" sz="1400" b="0" i="0" smtClean="0"/>
-            <a:t>Defensive Programming </a:t>
-          </a:r>
-          <a:r>
-            <a:rPr lang="zh-TW" altLang="en-US" sz="1400" b="0" i="0" smtClean="0"/>
-            <a:t>防禦性程式設計</a:t>
-          </a:r>
-          <a:endParaRPr lang="zh-TW" sz="1400" dirty="0">
-            <a:latin typeface="微軟正黑體" pitchFamily="34" charset="-120"/>
-            <a:ea typeface="微軟正黑體" pitchFamily="34" charset="-120"/>
-          </a:endParaRPr>
-        </a:p>
-      </dgm:t>
-    </dgm:pt>
-    <dgm:pt modelId="{E7FCB7C1-105E-4BF9-B52F-E1BB01AA6E51}" type="parTrans" cxnId="{21FF0410-7705-4147-AC4E-D06C1B5DA30B}">
-      <dgm:prSet/>
-      <dgm:spPr/>
-      <dgm:t>
-        <a:bodyPr/>
-        <a:lstStyle/>
-        <a:p>
-          <a:endParaRPr lang="zh-TW" altLang="en-US"/>
-        </a:p>
-      </dgm:t>
-    </dgm:pt>
-    <dgm:pt modelId="{B2E58D3A-A4FD-44DB-8BC8-9911313149B9}" type="sibTrans" cxnId="{21FF0410-7705-4147-AC4E-D06C1B5DA30B}">
-      <dgm:prSet/>
-      <dgm:spPr/>
-      <dgm:t>
-        <a:bodyPr/>
-        <a:lstStyle/>
-        <a:p>
-          <a:endParaRPr lang="zh-TW" altLang="en-US"/>
-        </a:p>
-      </dgm:t>
-    </dgm:pt>
-    <dgm:pt modelId="{1B829A66-2578-430A-9BA5-8474DE99A2D4}">
-      <dgm:prSet custT="1"/>
-      <dgm:spPr/>
-      <dgm:t>
-        <a:bodyPr/>
-        <a:lstStyle/>
-        <a:p>
-          <a:pPr rtl="0"/>
-          <a:r>
-            <a:rPr lang="en-US" altLang="zh-TW" sz="1400" dirty="0" smtClean="0">
-              <a:latin typeface="微軟正黑體" pitchFamily="34" charset="-120"/>
-              <a:ea typeface="微軟正黑體" pitchFamily="34" charset="-120"/>
-              <a:hlinkClick xmlns:r="http://schemas.openxmlformats.org/officeDocument/2006/relationships" r:id="rId6"/>
-            </a:rPr>
-            <a:t>https://ihower.tw/blog/archives/7259</a:t>
-          </a:r>
-          <a:endParaRPr lang="zh-TW" sz="1400" dirty="0">
-            <a:latin typeface="微軟正黑體" pitchFamily="34" charset="-120"/>
-            <a:ea typeface="微軟正黑體" pitchFamily="34" charset="-120"/>
-          </a:endParaRPr>
-        </a:p>
-      </dgm:t>
-    </dgm:pt>
-    <dgm:pt modelId="{93BB50AD-BAA2-4E79-A601-737522005D67}" type="parTrans" cxnId="{D67B78C5-F0A8-4A34-8CAA-5A8D2F3C3CC7}">
-      <dgm:prSet/>
-      <dgm:spPr/>
-      <dgm:t>
-        <a:bodyPr/>
-        <a:lstStyle/>
-        <a:p>
-          <a:endParaRPr lang="zh-TW" altLang="en-US"/>
-        </a:p>
-      </dgm:t>
-    </dgm:pt>
-    <dgm:pt modelId="{D340CB47-1168-401E-84D8-D4659844456A}" type="sibTrans" cxnId="{D67B78C5-F0A8-4A34-8CAA-5A8D2F3C3CC7}">
-      <dgm:prSet/>
-      <dgm:spPr/>
-      <dgm:t>
-        <a:bodyPr/>
-        <a:lstStyle/>
-        <a:p>
-          <a:endParaRPr lang="zh-TW" altLang="en-US"/>
-        </a:p>
-      </dgm:t>
-    </dgm:pt>
-    <dgm:pt modelId="{B2C06370-F656-43DF-88EA-F115B969F5C6}" type="pres">
-      <dgm:prSet presAssocID="{56A415F5-B9AF-4026-9D88-552983AD2CEC}" presName="linear" presStyleCnt="0">
-        <dgm:presLayoutVars>
-          <dgm:animLvl val="lvl"/>
-          <dgm:resizeHandles val="exact"/>
-        </dgm:presLayoutVars>
-      </dgm:prSet>
-      <dgm:spPr/>
-      <dgm:t>
-        <a:bodyPr/>
-        <a:lstStyle/>
-        <a:p>
-          <a:endParaRPr lang="zh-TW" altLang="en-US"/>
-        </a:p>
-      </dgm:t>
-    </dgm:pt>
-    <dgm:pt modelId="{E4D53833-29AE-4B0B-9AA4-E60C3CB433B2}" type="pres">
-      <dgm:prSet presAssocID="{C46D4D05-CD5F-4545-8DDC-DDDBF7404420}" presName="parentText" presStyleLbl="node1" presStyleIdx="0" presStyleCnt="6">
-        <dgm:presLayoutVars>
-          <dgm:chMax val="0"/>
-          <dgm:bulletEnabled val="1"/>
-        </dgm:presLayoutVars>
-      </dgm:prSet>
-      <dgm:spPr/>
-      <dgm:t>
-        <a:bodyPr/>
-        <a:lstStyle/>
-        <a:p>
-          <a:endParaRPr lang="zh-TW" altLang="en-US"/>
-        </a:p>
-      </dgm:t>
-    </dgm:pt>
-    <dgm:pt modelId="{42972249-60EC-4131-888B-636170E6F665}" type="pres">
-      <dgm:prSet presAssocID="{C46D4D05-CD5F-4545-8DDC-DDDBF7404420}" presName="childText" presStyleLbl="revTx" presStyleIdx="0" presStyleCnt="6">
-        <dgm:presLayoutVars>
-          <dgm:bulletEnabled val="1"/>
-        </dgm:presLayoutVars>
-      </dgm:prSet>
-      <dgm:spPr/>
-      <dgm:t>
-        <a:bodyPr/>
-        <a:lstStyle/>
-        <a:p>
-          <a:endParaRPr lang="zh-TW" altLang="en-US"/>
-        </a:p>
-      </dgm:t>
-    </dgm:pt>
-    <dgm:pt modelId="{8F1C25C7-51F6-48F8-B4B0-AEEE915F7AC5}" type="pres">
-      <dgm:prSet presAssocID="{95900C4F-7221-49C2-B504-88E4A3ED27C9}" presName="parentText" presStyleLbl="node1" presStyleIdx="1" presStyleCnt="6">
-        <dgm:presLayoutVars>
-          <dgm:chMax val="0"/>
-          <dgm:bulletEnabled val="1"/>
-        </dgm:presLayoutVars>
-      </dgm:prSet>
-      <dgm:spPr/>
-      <dgm:t>
-        <a:bodyPr/>
-        <a:lstStyle/>
-        <a:p>
-          <a:endParaRPr lang="zh-TW" altLang="en-US"/>
-        </a:p>
-      </dgm:t>
-    </dgm:pt>
-    <dgm:pt modelId="{975B7BD7-BA18-45C0-8B90-64841DF69D3D}" type="pres">
-      <dgm:prSet presAssocID="{95900C4F-7221-49C2-B504-88E4A3ED27C9}" presName="childText" presStyleLbl="revTx" presStyleIdx="1" presStyleCnt="6">
-        <dgm:presLayoutVars>
-          <dgm:bulletEnabled val="1"/>
-        </dgm:presLayoutVars>
-      </dgm:prSet>
-      <dgm:spPr/>
-      <dgm:t>
-        <a:bodyPr/>
-        <a:lstStyle/>
-        <a:p>
-          <a:endParaRPr lang="zh-TW" altLang="en-US"/>
-        </a:p>
-      </dgm:t>
-    </dgm:pt>
-    <dgm:pt modelId="{C7DFDAAC-9B53-43A9-BA50-C080D1DABFAD}" type="pres">
-      <dgm:prSet presAssocID="{B9A9F9E1-2E2B-4439-83F3-1AB9501C2DF1}" presName="parentText" presStyleLbl="node1" presStyleIdx="2" presStyleCnt="6">
-        <dgm:presLayoutVars>
-          <dgm:chMax val="0"/>
-          <dgm:bulletEnabled val="1"/>
-        </dgm:presLayoutVars>
-      </dgm:prSet>
-      <dgm:spPr/>
-      <dgm:t>
-        <a:bodyPr/>
-        <a:lstStyle/>
-        <a:p>
-          <a:endParaRPr lang="zh-TW" altLang="en-US"/>
-        </a:p>
-      </dgm:t>
-    </dgm:pt>
-    <dgm:pt modelId="{65FA0EAB-4AEE-4A92-AC82-59CE948C0152}" type="pres">
-      <dgm:prSet presAssocID="{B9A9F9E1-2E2B-4439-83F3-1AB9501C2DF1}" presName="childText" presStyleLbl="revTx" presStyleIdx="2" presStyleCnt="6">
-        <dgm:presLayoutVars>
-          <dgm:bulletEnabled val="1"/>
-        </dgm:presLayoutVars>
-      </dgm:prSet>
-      <dgm:spPr/>
-      <dgm:t>
-        <a:bodyPr/>
-        <a:lstStyle/>
-        <a:p>
-          <a:endParaRPr lang="zh-TW" altLang="en-US"/>
-        </a:p>
-      </dgm:t>
-    </dgm:pt>
-    <dgm:pt modelId="{5D062E3F-1CDB-4BB5-8AE4-B420A0E5EDC8}" type="pres">
-      <dgm:prSet presAssocID="{107CB80F-803A-44D4-81F2-323AE0242253}" presName="parentText" presStyleLbl="node1" presStyleIdx="3" presStyleCnt="6">
-        <dgm:presLayoutVars>
-          <dgm:chMax val="0"/>
-          <dgm:bulletEnabled val="1"/>
-        </dgm:presLayoutVars>
-      </dgm:prSet>
-      <dgm:spPr/>
-      <dgm:t>
-        <a:bodyPr/>
-        <a:lstStyle/>
-        <a:p>
-          <a:endParaRPr lang="zh-TW" altLang="en-US"/>
-        </a:p>
-      </dgm:t>
-    </dgm:pt>
-    <dgm:pt modelId="{1A98411F-BB4A-4FE7-BF2F-526C103E9669}" type="pres">
-      <dgm:prSet presAssocID="{107CB80F-803A-44D4-81F2-323AE0242253}" presName="childText" presStyleLbl="revTx" presStyleIdx="3" presStyleCnt="6">
-        <dgm:presLayoutVars>
-          <dgm:bulletEnabled val="1"/>
-        </dgm:presLayoutVars>
-      </dgm:prSet>
-      <dgm:spPr/>
-      <dgm:t>
-        <a:bodyPr/>
-        <a:lstStyle/>
-        <a:p>
-          <a:endParaRPr lang="zh-TW" altLang="en-US"/>
-        </a:p>
-      </dgm:t>
-    </dgm:pt>
-    <dgm:pt modelId="{A53D2157-4E4D-4092-B069-43EFCEA34D39}" type="pres">
-      <dgm:prSet presAssocID="{0E146B81-4288-43BE-B510-954567A6F283}" presName="parentText" presStyleLbl="node1" presStyleIdx="4" presStyleCnt="6">
-        <dgm:presLayoutVars>
-          <dgm:chMax val="0"/>
-          <dgm:bulletEnabled val="1"/>
-        </dgm:presLayoutVars>
-      </dgm:prSet>
-      <dgm:spPr/>
-      <dgm:t>
-        <a:bodyPr/>
-        <a:lstStyle/>
-        <a:p>
-          <a:endParaRPr lang="zh-TW" altLang="en-US"/>
-        </a:p>
-      </dgm:t>
-    </dgm:pt>
-    <dgm:pt modelId="{CCE9917A-38AE-4D39-86E4-CA05261F6BDB}" type="pres">
-      <dgm:prSet presAssocID="{0E146B81-4288-43BE-B510-954567A6F283}" presName="childText" presStyleLbl="revTx" presStyleIdx="4" presStyleCnt="6">
-        <dgm:presLayoutVars>
-          <dgm:bulletEnabled val="1"/>
-        </dgm:presLayoutVars>
-      </dgm:prSet>
-      <dgm:spPr/>
-      <dgm:t>
-        <a:bodyPr/>
-        <a:lstStyle/>
-        <a:p>
-          <a:endParaRPr lang="zh-TW" altLang="en-US"/>
-        </a:p>
-      </dgm:t>
-    </dgm:pt>
-    <dgm:pt modelId="{5C328887-E348-4682-B966-131F1137C794}" type="pres">
-      <dgm:prSet presAssocID="{5296E1D1-5873-4904-B202-5BAABD1CBA6C}" presName="parentText" presStyleLbl="node1" presStyleIdx="5" presStyleCnt="6">
-        <dgm:presLayoutVars>
-          <dgm:chMax val="0"/>
-          <dgm:bulletEnabled val="1"/>
-        </dgm:presLayoutVars>
-      </dgm:prSet>
-      <dgm:spPr/>
-      <dgm:t>
-        <a:bodyPr/>
-        <a:lstStyle/>
-        <a:p>
-          <a:endParaRPr lang="zh-TW" altLang="en-US"/>
-        </a:p>
-      </dgm:t>
-    </dgm:pt>
-    <dgm:pt modelId="{6D1264EF-B2A6-41DB-8D0F-1F9DE43068E7}" type="pres">
-      <dgm:prSet presAssocID="{5296E1D1-5873-4904-B202-5BAABD1CBA6C}" presName="childText" presStyleLbl="revTx" presStyleIdx="5" presStyleCnt="6">
-        <dgm:presLayoutVars>
-          <dgm:bulletEnabled val="1"/>
-        </dgm:presLayoutVars>
-      </dgm:prSet>
-      <dgm:spPr/>
-      <dgm:t>
-        <a:bodyPr/>
-        <a:lstStyle/>
-        <a:p>
-          <a:endParaRPr lang="zh-TW" altLang="en-US"/>
-        </a:p>
-      </dgm:t>
-    </dgm:pt>
-  </dgm:ptLst>
-  <dgm:cxnLst>
-    <dgm:cxn modelId="{1A9EF4EF-7A5D-4486-AEEC-819EE51FE33F}" srcId="{56A415F5-B9AF-4026-9D88-552983AD2CEC}" destId="{B9A9F9E1-2E2B-4439-83F3-1AB9501C2DF1}" srcOrd="2" destOrd="0" parTransId="{1B3E79F3-A5E5-4E5D-93E3-5C19828904AB}" sibTransId="{4D098100-CB67-4FD7-BC52-C8F3D4675060}"/>
-    <dgm:cxn modelId="{9C0C5EBD-FBE5-413B-BFA7-753953B6DB59}" type="presOf" srcId="{A64B9E20-30F0-4FBF-9EFF-1F3230FE4305}" destId="{CCE9917A-38AE-4D39-86E4-CA05261F6BDB}" srcOrd="0" destOrd="0" presId="urn:microsoft.com/office/officeart/2005/8/layout/vList2"/>
-    <dgm:cxn modelId="{3768AA1F-0F2F-4E5E-9B5B-C72BE4877062}" type="presOf" srcId="{BA891C2F-21D5-4DA3-90EE-5F6CEC61A524}" destId="{1A98411F-BB4A-4FE7-BF2F-526C103E9669}" srcOrd="0" destOrd="0" presId="urn:microsoft.com/office/officeart/2005/8/layout/vList2"/>
-    <dgm:cxn modelId="{A262797D-49E3-4A13-B928-B242330BD053}" srcId="{56A415F5-B9AF-4026-9D88-552983AD2CEC}" destId="{C46D4D05-CD5F-4545-8DDC-DDDBF7404420}" srcOrd="0" destOrd="0" parTransId="{6D13D329-0873-40C5-A90D-761178D0DCD5}" sibTransId="{00A1C80E-03EE-409E-9F29-F0B8D433D268}"/>
-    <dgm:cxn modelId="{E57F2A01-C140-4478-B6C5-67DCF8333632}" type="presOf" srcId="{107CB80F-803A-44D4-81F2-323AE0242253}" destId="{5D062E3F-1CDB-4BB5-8AE4-B420A0E5EDC8}" srcOrd="0" destOrd="0" presId="urn:microsoft.com/office/officeart/2005/8/layout/vList2"/>
-    <dgm:cxn modelId="{AEBB2830-03E3-46E6-ABB7-910B25183281}" type="presOf" srcId="{C46D4D05-CD5F-4545-8DDC-DDDBF7404420}" destId="{E4D53833-29AE-4B0B-9AA4-E60C3CB433B2}" srcOrd="0" destOrd="0" presId="urn:microsoft.com/office/officeart/2005/8/layout/vList2"/>
-    <dgm:cxn modelId="{1D101053-89EF-4098-922E-C8A2084862A5}" type="presOf" srcId="{0E146B81-4288-43BE-B510-954567A6F283}" destId="{A53D2157-4E4D-4092-B069-43EFCEA34D39}" srcOrd="0" destOrd="0" presId="urn:microsoft.com/office/officeart/2005/8/layout/vList2"/>
-    <dgm:cxn modelId="{84E4EB6E-384E-4CDA-A6F5-AD1699F79A86}" type="presOf" srcId="{1B829A66-2578-430A-9BA5-8474DE99A2D4}" destId="{6D1264EF-B2A6-41DB-8D0F-1F9DE43068E7}" srcOrd="0" destOrd="0" presId="urn:microsoft.com/office/officeart/2005/8/layout/vList2"/>
-    <dgm:cxn modelId="{944CC3D2-7162-4C2D-B413-EFF6BC9A8AD5}" type="presOf" srcId="{5296E1D1-5873-4904-B202-5BAABD1CBA6C}" destId="{5C328887-E348-4682-B966-131F1137C794}" srcOrd="0" destOrd="0" presId="urn:microsoft.com/office/officeart/2005/8/layout/vList2"/>
-    <dgm:cxn modelId="{17E9CD17-63B6-41FB-AE49-5A803525C02F}" type="presOf" srcId="{81B4B438-01F7-40E2-9D98-E99B3BC2BC06}" destId="{65FA0EAB-4AEE-4A92-AC82-59CE948C0152}" srcOrd="0" destOrd="0" presId="urn:microsoft.com/office/officeart/2005/8/layout/vList2"/>
-    <dgm:cxn modelId="{ACE1F2CB-2D84-4A6B-A7D6-7B7A0EAADFED}" type="presOf" srcId="{4A0CCAF8-409C-4FA0-B87F-E1A531750C1D}" destId="{42972249-60EC-4131-888B-636170E6F665}" srcOrd="0" destOrd="0" presId="urn:microsoft.com/office/officeart/2005/8/layout/vList2"/>
-    <dgm:cxn modelId="{92F2F569-2467-40A9-B6A8-CB06B85661CF}" srcId="{0E146B81-4288-43BE-B510-954567A6F283}" destId="{A64B9E20-30F0-4FBF-9EFF-1F3230FE4305}" srcOrd="0" destOrd="0" parTransId="{7D6EC0B2-2F45-4FD8-8F03-F92583C107D7}" sibTransId="{C2C5CD53-D281-4BA4-9966-13D79AE8DD51}"/>
-    <dgm:cxn modelId="{3154A109-5A7D-4DBC-8606-E44B7D2B7D4D}" type="presOf" srcId="{56A415F5-B9AF-4026-9D88-552983AD2CEC}" destId="{B2C06370-F656-43DF-88EA-F115B969F5C6}" srcOrd="0" destOrd="0" presId="urn:microsoft.com/office/officeart/2005/8/layout/vList2"/>
-    <dgm:cxn modelId="{C41C20D0-1D84-47D4-801E-702CFD9C74A1}" srcId="{56A415F5-B9AF-4026-9D88-552983AD2CEC}" destId="{0E146B81-4288-43BE-B510-954567A6F283}" srcOrd="4" destOrd="0" parTransId="{BF253323-D6E7-438B-A5A7-D98F45E7FFAB}" sibTransId="{AC9A62D1-260D-41D0-A42A-27F6C4E65BC3}"/>
-    <dgm:cxn modelId="{4B884AE3-8B12-4CFC-AFD0-BF762F3DD632}" srcId="{107CB80F-803A-44D4-81F2-323AE0242253}" destId="{BA891C2F-21D5-4DA3-90EE-5F6CEC61A524}" srcOrd="0" destOrd="0" parTransId="{155FBFA0-EDD3-4D43-9222-BF5F46286C2A}" sibTransId="{F719D906-87D3-4F87-A5A5-6F7FEC4E2AB3}"/>
-    <dgm:cxn modelId="{55F06B01-4EA4-4194-AC69-86163D2A1BF5}" type="presOf" srcId="{95900C4F-7221-49C2-B504-88E4A3ED27C9}" destId="{8F1C25C7-51F6-48F8-B4B0-AEEE915F7AC5}" srcOrd="0" destOrd="0" presId="urn:microsoft.com/office/officeart/2005/8/layout/vList2"/>
-    <dgm:cxn modelId="{37D80122-5141-4F8E-94B3-84A2E7B421C8}" srcId="{B9A9F9E1-2E2B-4439-83F3-1AB9501C2DF1}" destId="{81B4B438-01F7-40E2-9D98-E99B3BC2BC06}" srcOrd="0" destOrd="0" parTransId="{B2EE07D0-6BD8-4AA4-A1E7-8A145DEFCAF9}" sibTransId="{F191C67A-AD4B-4FED-8686-3B8AC063C90A}"/>
-    <dgm:cxn modelId="{CD9B456E-7FA1-44D4-8B5D-A2424BB4D4D3}" type="presOf" srcId="{B9A9F9E1-2E2B-4439-83F3-1AB9501C2DF1}" destId="{C7DFDAAC-9B53-43A9-BA50-C080D1DABFAD}" srcOrd="0" destOrd="0" presId="urn:microsoft.com/office/officeart/2005/8/layout/vList2"/>
-    <dgm:cxn modelId="{D67B78C5-F0A8-4A34-8CAA-5A8D2F3C3CC7}" srcId="{5296E1D1-5873-4904-B202-5BAABD1CBA6C}" destId="{1B829A66-2578-430A-9BA5-8474DE99A2D4}" srcOrd="0" destOrd="0" parTransId="{93BB50AD-BAA2-4E79-A601-737522005D67}" sibTransId="{D340CB47-1168-401E-84D8-D4659844456A}"/>
-    <dgm:cxn modelId="{A1A9D8FE-8D9F-4073-B77A-35D993E7D563}" srcId="{95900C4F-7221-49C2-B504-88E4A3ED27C9}" destId="{5A75CF1E-E7D0-4CD1-81C7-CF9222BFA9D5}" srcOrd="0" destOrd="0" parTransId="{ECFF943E-9531-4701-8471-9E0844F1AD4E}" sibTransId="{01D9F667-E2BE-42F2-8786-5CC2157AFF8F}"/>
-    <dgm:cxn modelId="{0121DA55-7BDC-44F9-B1D8-E937A8C84EAC}" srcId="{56A415F5-B9AF-4026-9D88-552983AD2CEC}" destId="{107CB80F-803A-44D4-81F2-323AE0242253}" srcOrd="3" destOrd="0" parTransId="{B1D06BE3-D188-4A06-84B6-09CE4214FD4B}" sibTransId="{A5369CD7-DB22-4FE8-BF1B-A88EAFEDD3AB}"/>
-    <dgm:cxn modelId="{21FF0410-7705-4147-AC4E-D06C1B5DA30B}" srcId="{56A415F5-B9AF-4026-9D88-552983AD2CEC}" destId="{5296E1D1-5873-4904-B202-5BAABD1CBA6C}" srcOrd="5" destOrd="0" parTransId="{E7FCB7C1-105E-4BF9-B52F-E1BB01AA6E51}" sibTransId="{B2E58D3A-A4FD-44DB-8BC8-9911313149B9}"/>
-    <dgm:cxn modelId="{6C714191-75C4-4A5E-81A3-9F85930DDCB5}" type="presOf" srcId="{5A75CF1E-E7D0-4CD1-81C7-CF9222BFA9D5}" destId="{975B7BD7-BA18-45C0-8B90-64841DF69D3D}" srcOrd="0" destOrd="0" presId="urn:microsoft.com/office/officeart/2005/8/layout/vList2"/>
-    <dgm:cxn modelId="{61DCA458-E733-4F91-92CD-3CCF14A26D02}" srcId="{56A415F5-B9AF-4026-9D88-552983AD2CEC}" destId="{95900C4F-7221-49C2-B504-88E4A3ED27C9}" srcOrd="1" destOrd="0" parTransId="{8CA5052C-39FA-4284-8A61-1FA709F2C2F1}" sibTransId="{39F08740-CC76-4135-8A16-D4C87743EE63}"/>
-    <dgm:cxn modelId="{3BE2DA58-3C42-4E5E-8358-278E60683C03}" srcId="{C46D4D05-CD5F-4545-8DDC-DDDBF7404420}" destId="{4A0CCAF8-409C-4FA0-B87F-E1A531750C1D}" srcOrd="0" destOrd="0" parTransId="{4F946E3B-2655-4483-9FF9-46E147C8C964}" sibTransId="{665B2625-61E7-41A6-AAD1-E4460C9A8D5C}"/>
-    <dgm:cxn modelId="{4C805E80-0ADC-446D-81BE-073F2599BE29}" type="presParOf" srcId="{B2C06370-F656-43DF-88EA-F115B969F5C6}" destId="{E4D53833-29AE-4B0B-9AA4-E60C3CB433B2}" srcOrd="0" destOrd="0" presId="urn:microsoft.com/office/officeart/2005/8/layout/vList2"/>
-    <dgm:cxn modelId="{914C430C-8CE0-41A1-981B-3DB5D15D3612}" type="presParOf" srcId="{B2C06370-F656-43DF-88EA-F115B969F5C6}" destId="{42972249-60EC-4131-888B-636170E6F665}" srcOrd="1" destOrd="0" presId="urn:microsoft.com/office/officeart/2005/8/layout/vList2"/>
-    <dgm:cxn modelId="{D9146471-D9A1-4E83-B1D0-38C921FDDFDD}" type="presParOf" srcId="{B2C06370-F656-43DF-88EA-F115B969F5C6}" destId="{8F1C25C7-51F6-48F8-B4B0-AEEE915F7AC5}" srcOrd="2" destOrd="0" presId="urn:microsoft.com/office/officeart/2005/8/layout/vList2"/>
-    <dgm:cxn modelId="{FBDBC344-DD63-4735-869E-7446B478008B}" type="presParOf" srcId="{B2C06370-F656-43DF-88EA-F115B969F5C6}" destId="{975B7BD7-BA18-45C0-8B90-64841DF69D3D}" srcOrd="3" destOrd="0" presId="urn:microsoft.com/office/officeart/2005/8/layout/vList2"/>
-    <dgm:cxn modelId="{1F73012A-7BBB-452B-9123-447E08B2F800}" type="presParOf" srcId="{B2C06370-F656-43DF-88EA-F115B969F5C6}" destId="{C7DFDAAC-9B53-43A9-BA50-C080D1DABFAD}" srcOrd="4" destOrd="0" presId="urn:microsoft.com/office/officeart/2005/8/layout/vList2"/>
-    <dgm:cxn modelId="{9BDD0ABA-ADFB-4254-863D-56B671793696}" type="presParOf" srcId="{B2C06370-F656-43DF-88EA-F115B969F5C6}" destId="{65FA0EAB-4AEE-4A92-AC82-59CE948C0152}" srcOrd="5" destOrd="0" presId="urn:microsoft.com/office/officeart/2005/8/layout/vList2"/>
-    <dgm:cxn modelId="{6AE2F05C-CCF2-450E-AA02-40E65B6702B8}" type="presParOf" srcId="{B2C06370-F656-43DF-88EA-F115B969F5C6}" destId="{5D062E3F-1CDB-4BB5-8AE4-B420A0E5EDC8}" srcOrd="6" destOrd="0" presId="urn:microsoft.com/office/officeart/2005/8/layout/vList2"/>
-    <dgm:cxn modelId="{709B763B-48CE-4305-94C4-88643279CDC9}" type="presParOf" srcId="{B2C06370-F656-43DF-88EA-F115B969F5C6}" destId="{1A98411F-BB4A-4FE7-BF2F-526C103E9669}" srcOrd="7" destOrd="0" presId="urn:microsoft.com/office/officeart/2005/8/layout/vList2"/>
-    <dgm:cxn modelId="{01DEF9D6-8B99-47D9-9487-081C7A75315E}" type="presParOf" srcId="{B2C06370-F656-43DF-88EA-F115B969F5C6}" destId="{A53D2157-4E4D-4092-B069-43EFCEA34D39}" srcOrd="8" destOrd="0" presId="urn:microsoft.com/office/officeart/2005/8/layout/vList2"/>
-    <dgm:cxn modelId="{BF45DB05-9F32-4A06-AE2E-6D6B60BDB0F4}" type="presParOf" srcId="{B2C06370-F656-43DF-88EA-F115B969F5C6}" destId="{CCE9917A-38AE-4D39-86E4-CA05261F6BDB}" srcOrd="9" destOrd="0" presId="urn:microsoft.com/office/officeart/2005/8/layout/vList2"/>
-    <dgm:cxn modelId="{BE20F364-7564-485C-B992-ABB11D8606BB}" type="presParOf" srcId="{B2C06370-F656-43DF-88EA-F115B969F5C6}" destId="{5C328887-E348-4682-B966-131F1137C794}" srcOrd="10" destOrd="0" presId="urn:microsoft.com/office/officeart/2005/8/layout/vList2"/>
-    <dgm:cxn modelId="{4697A58C-2C5D-4B4B-910E-401317E45F98}" type="presParOf" srcId="{B2C06370-F656-43DF-88EA-F115B969F5C6}" destId="{6D1264EF-B2A6-41DB-8D0F-1F9DE43068E7}" srcOrd="11" destOrd="0" presId="urn:microsoft.com/office/officeart/2005/8/layout/vList2"/>
-  </dgm:cxnLst>
-  <dgm:bg/>
-  <dgm:whole/>
-  <dgm:extLst>
-    <a:ext uri="http://schemas.microsoft.com/office/drawing/2008/diagram">
-      <dsp:dataModelExt xmlns:dsp="http://schemas.microsoft.com/office/drawing/2008/diagram" relId="rId7" minVer="http://schemas.openxmlformats.org/drawingml/2006/diagram"/>
     </a:ext>
   </dgm:extLst>
 </dgm:dataModel>
@@ -9696,11 +7918,11 @@
             <a:t>參數為</a:t>
           </a:r>
           <a:r>
-            <a:rPr lang="en-US" b="1" dirty="0" smtClean="0">
+            <a:rPr lang="en-US" altLang="zh-TW" b="1" dirty="0" smtClean="0">
               <a:latin typeface="微軟正黑體" pitchFamily="34" charset="-120"/>
               <a:ea typeface="微軟正黑體" pitchFamily="34" charset="-120"/>
             </a:rPr>
-            <a:t>class</a:t>
+            <a:t>object</a:t>
           </a:r>
           <a:r>
             <a:rPr lang="zh-TW" dirty="0" smtClean="0">
@@ -9821,7 +8043,7 @@
               <a:latin typeface="微軟正黑體" pitchFamily="34" charset="-120"/>
               <a:ea typeface="微軟正黑體" pitchFamily="34" charset="-120"/>
             </a:rPr>
-            <a:t>class </a:t>
+            <a:t>object </a:t>
           </a:r>
           <a:r>
             <a:rPr lang="zh-TW" dirty="0" smtClean="0">
@@ -12688,358 +10910,6 @@
 <file path=ppt/diagrams/data8.xml><?xml version="1.0" encoding="utf-8"?>
 <dgm:dataModel xmlns:dgm="http://schemas.openxmlformats.org/drawingml/2006/diagram" xmlns:a="http://schemas.openxmlformats.org/drawingml/2006/main">
   <dgm:ptLst>
-    <dgm:pt modelId="{984A07DB-10D8-4465-8E81-B4F0DD8BD545}" type="doc">
-      <dgm:prSet loTypeId="urn:microsoft.com/office/officeart/2005/8/layout/list1" loCatId="list" qsTypeId="urn:microsoft.com/office/officeart/2005/8/quickstyle/simple1" qsCatId="simple" csTypeId="urn:microsoft.com/office/officeart/2005/8/colors/accent1_1" csCatId="accent1" phldr="1"/>
-      <dgm:spPr/>
-      <dgm:t>
-        <a:bodyPr/>
-        <a:lstStyle/>
-        <a:p>
-          <a:endParaRPr lang="zh-TW" altLang="en-US"/>
-        </a:p>
-      </dgm:t>
-    </dgm:pt>
-    <dgm:pt modelId="{66E20EE5-AB0F-4BF5-9F2C-2E6D316E025D}">
-      <dgm:prSet/>
-      <dgm:spPr/>
-      <dgm:t>
-        <a:bodyPr/>
-        <a:lstStyle/>
-        <a:p>
-          <a:pPr rtl="0"/>
-          <a:r>
-            <a:rPr lang="zh-TW" altLang="en-US" b="0" i="0" dirty="0" smtClean="0">
-              <a:latin typeface="微軟正黑體" pitchFamily="34" charset="-120"/>
-              <a:ea typeface="微軟正黑體" pitchFamily="34" charset="-120"/>
-            </a:rPr>
-            <a:t>回傳值是空</a:t>
-          </a:r>
-          <a:endParaRPr lang="zh-TW" b="1" dirty="0">
-            <a:latin typeface="微軟正黑體" pitchFamily="34" charset="-120"/>
-            <a:ea typeface="微軟正黑體" pitchFamily="34" charset="-120"/>
-          </a:endParaRPr>
-        </a:p>
-      </dgm:t>
-    </dgm:pt>
-    <dgm:pt modelId="{8666D98D-6CD0-4082-A74E-BD5C032DED01}">
-      <dgm:prSet/>
-      <dgm:spPr/>
-      <dgm:t>
-        <a:bodyPr/>
-        <a:lstStyle/>
-        <a:p>
-          <a:pPr rtl="0"/>
-          <a:r>
-            <a:rPr lang="zh-TW" altLang="en-US" b="1" dirty="0" smtClean="0">
-              <a:latin typeface="微軟正黑體" pitchFamily="34" charset="-120"/>
-              <a:ea typeface="微軟正黑體" pitchFamily="34" charset="-120"/>
-            </a:rPr>
-            <a:t>適用情境</a:t>
-          </a:r>
-          <a:endParaRPr lang="zh-TW" b="1" dirty="0">
-            <a:latin typeface="微軟正黑體" pitchFamily="34" charset="-120"/>
-            <a:ea typeface="微軟正黑體" pitchFamily="34" charset="-120"/>
-          </a:endParaRPr>
-        </a:p>
-      </dgm:t>
-    </dgm:pt>
-    <dgm:pt modelId="{1E7312F6-2320-4FD4-91EB-1E25063B0273}" type="sibTrans" cxnId="{A4492849-0EEB-4C1D-89D3-999F389A44E7}">
-      <dgm:prSet/>
-      <dgm:spPr/>
-      <dgm:t>
-        <a:bodyPr/>
-        <a:lstStyle/>
-        <a:p>
-          <a:endParaRPr lang="zh-TW" altLang="en-US">
-            <a:latin typeface="微軟正黑體" pitchFamily="34" charset="-120"/>
-            <a:ea typeface="微軟正黑體" pitchFamily="34" charset="-120"/>
-          </a:endParaRPr>
-        </a:p>
-      </dgm:t>
-    </dgm:pt>
-    <dgm:pt modelId="{F31792B4-2348-4382-836F-0001194F2B83}" type="parTrans" cxnId="{A4492849-0EEB-4C1D-89D3-999F389A44E7}">
-      <dgm:prSet/>
-      <dgm:spPr/>
-      <dgm:t>
-        <a:bodyPr/>
-        <a:lstStyle/>
-        <a:p>
-          <a:endParaRPr lang="zh-TW" altLang="en-US">
-            <a:latin typeface="微軟正黑體" pitchFamily="34" charset="-120"/>
-            <a:ea typeface="微軟正黑體" pitchFamily="34" charset="-120"/>
-          </a:endParaRPr>
-        </a:p>
-      </dgm:t>
-    </dgm:pt>
-    <dgm:pt modelId="{6A99BF53-8F6F-4BB1-98DA-8C620F8EC7B3}" type="sibTrans" cxnId="{ACEAC450-55C2-4E39-B553-73346EF3A1D8}">
-      <dgm:prSet/>
-      <dgm:spPr/>
-      <dgm:t>
-        <a:bodyPr/>
-        <a:lstStyle/>
-        <a:p>
-          <a:endParaRPr lang="zh-TW" altLang="en-US"/>
-        </a:p>
-      </dgm:t>
-    </dgm:pt>
-    <dgm:pt modelId="{16DD3827-9541-42E8-BB37-02B441978234}" type="parTrans" cxnId="{ACEAC450-55C2-4E39-B553-73346EF3A1D8}">
-      <dgm:prSet/>
-      <dgm:spPr/>
-      <dgm:t>
-        <a:bodyPr/>
-        <a:lstStyle/>
-        <a:p>
-          <a:endParaRPr lang="zh-TW" altLang="en-US"/>
-        </a:p>
-      </dgm:t>
-    </dgm:pt>
-    <dgm:pt modelId="{C212340B-F7B9-4607-A308-7CC6282A9230}">
-      <dgm:prSet/>
-      <dgm:spPr/>
-      <dgm:t>
-        <a:bodyPr/>
-        <a:lstStyle/>
-        <a:p>
-          <a:pPr rtl="0"/>
-          <a:r>
-            <a:rPr lang="zh-TW" altLang="en-US" b="1" dirty="0" smtClean="0">
-              <a:latin typeface="微軟正黑體" pitchFamily="34" charset="-120"/>
-              <a:ea typeface="微軟正黑體" pitchFamily="34" charset="-120"/>
-            </a:rPr>
-            <a:t>應對措施</a:t>
-          </a:r>
-          <a:endParaRPr lang="zh-TW" b="1" dirty="0">
-            <a:latin typeface="微軟正黑體" pitchFamily="34" charset="-120"/>
-            <a:ea typeface="微軟正黑體" pitchFamily="34" charset="-120"/>
-          </a:endParaRPr>
-        </a:p>
-      </dgm:t>
-    </dgm:pt>
-    <dgm:pt modelId="{59FBE622-F362-4501-8A49-784C768EC872}" type="parTrans" cxnId="{07727A90-7640-436B-A784-D29E4CD11678}">
-      <dgm:prSet/>
-      <dgm:spPr/>
-      <dgm:t>
-        <a:bodyPr/>
-        <a:lstStyle/>
-        <a:p>
-          <a:endParaRPr lang="zh-TW" altLang="en-US"/>
-        </a:p>
-      </dgm:t>
-    </dgm:pt>
-    <dgm:pt modelId="{56BB6E7F-CD33-460C-B329-D9B17B04B19C}" type="sibTrans" cxnId="{07727A90-7640-436B-A784-D29E4CD11678}">
-      <dgm:prSet/>
-      <dgm:spPr/>
-      <dgm:t>
-        <a:bodyPr/>
-        <a:lstStyle/>
-        <a:p>
-          <a:endParaRPr lang="zh-TW" altLang="en-US"/>
-        </a:p>
-      </dgm:t>
-    </dgm:pt>
-    <dgm:pt modelId="{CCF9A8D0-3807-4F2E-AD41-8D2CAD2B23C9}">
-      <dgm:prSet/>
-      <dgm:spPr/>
-      <dgm:t>
-        <a:bodyPr/>
-        <a:lstStyle/>
-        <a:p>
-          <a:pPr rtl="0"/>
-          <a:r>
-            <a:rPr lang="zh-TW" altLang="en-US" b="0" i="0" dirty="0" smtClean="0">
-              <a:latin typeface="微軟正黑體" pitchFamily="34" charset="-120"/>
-              <a:ea typeface="微軟正黑體" pitchFamily="34" charset="-120"/>
-            </a:rPr>
-            <a:t>考慮該回傳什麼數值來給使用者</a:t>
-          </a:r>
-          <a:endParaRPr lang="zh-TW" b="0" i="0" dirty="0">
-            <a:latin typeface="微軟正黑體" pitchFamily="34" charset="-120"/>
-            <a:ea typeface="微軟正黑體" pitchFamily="34" charset="-120"/>
-          </a:endParaRPr>
-        </a:p>
-      </dgm:t>
-    </dgm:pt>
-    <dgm:pt modelId="{78142D2F-DD7C-4DEF-8157-8F0EBA654473}" type="parTrans" cxnId="{E8A0D723-CB2A-40EF-A9E4-E03182980918}">
-      <dgm:prSet/>
-      <dgm:spPr/>
-      <dgm:t>
-        <a:bodyPr/>
-        <a:lstStyle/>
-        <a:p>
-          <a:endParaRPr lang="zh-TW" altLang="en-US"/>
-        </a:p>
-      </dgm:t>
-    </dgm:pt>
-    <dgm:pt modelId="{D4E865AB-DC6E-477D-9323-428850D93B82}" type="sibTrans" cxnId="{E8A0D723-CB2A-40EF-A9E4-E03182980918}">
-      <dgm:prSet/>
-      <dgm:spPr/>
-      <dgm:t>
-        <a:bodyPr/>
-        <a:lstStyle/>
-        <a:p>
-          <a:endParaRPr lang="zh-TW" altLang="en-US"/>
-        </a:p>
-      </dgm:t>
-    </dgm:pt>
-    <dgm:pt modelId="{B6A17A4A-CEF7-489C-BB5A-BD3F4EC42171}" type="pres">
-      <dgm:prSet presAssocID="{984A07DB-10D8-4465-8E81-B4F0DD8BD545}" presName="linear" presStyleCnt="0">
-        <dgm:presLayoutVars>
-          <dgm:dir/>
-          <dgm:animLvl val="lvl"/>
-          <dgm:resizeHandles val="exact"/>
-        </dgm:presLayoutVars>
-      </dgm:prSet>
-      <dgm:spPr/>
-      <dgm:t>
-        <a:bodyPr/>
-        <a:lstStyle/>
-        <a:p>
-          <a:endParaRPr lang="zh-TW" altLang="en-US"/>
-        </a:p>
-      </dgm:t>
-    </dgm:pt>
-    <dgm:pt modelId="{3CF37016-86AF-4B60-9EB1-03FBB8834566}" type="pres">
-      <dgm:prSet presAssocID="{8666D98D-6CD0-4082-A74E-BD5C032DED01}" presName="parentLin" presStyleCnt="0"/>
-      <dgm:spPr/>
-    </dgm:pt>
-    <dgm:pt modelId="{E6D6CD7E-DDAB-4A85-93B4-140CF586C93C}" type="pres">
-      <dgm:prSet presAssocID="{8666D98D-6CD0-4082-A74E-BD5C032DED01}" presName="parentLeftMargin" presStyleLbl="node1" presStyleIdx="0" presStyleCnt="2"/>
-      <dgm:spPr/>
-      <dgm:t>
-        <a:bodyPr/>
-        <a:lstStyle/>
-        <a:p>
-          <a:endParaRPr lang="zh-TW" altLang="en-US"/>
-        </a:p>
-      </dgm:t>
-    </dgm:pt>
-    <dgm:pt modelId="{C19F3680-D56C-412E-85DF-579987FDDF1E}" type="pres">
-      <dgm:prSet presAssocID="{8666D98D-6CD0-4082-A74E-BD5C032DED01}" presName="parentText" presStyleLbl="node1" presStyleIdx="0" presStyleCnt="2">
-        <dgm:presLayoutVars>
-          <dgm:chMax val="0"/>
-          <dgm:bulletEnabled val="1"/>
-        </dgm:presLayoutVars>
-      </dgm:prSet>
-      <dgm:spPr/>
-      <dgm:t>
-        <a:bodyPr/>
-        <a:lstStyle/>
-        <a:p>
-          <a:endParaRPr lang="zh-TW" altLang="en-US"/>
-        </a:p>
-      </dgm:t>
-    </dgm:pt>
-    <dgm:pt modelId="{F0C6B660-D58B-4FBE-9F8E-93015FE556FE}" type="pres">
-      <dgm:prSet presAssocID="{8666D98D-6CD0-4082-A74E-BD5C032DED01}" presName="negativeSpace" presStyleCnt="0"/>
-      <dgm:spPr/>
-    </dgm:pt>
-    <dgm:pt modelId="{27346654-1D57-48A1-86E6-3AF0BA6A8FE9}" type="pres">
-      <dgm:prSet presAssocID="{8666D98D-6CD0-4082-A74E-BD5C032DED01}" presName="childText" presStyleLbl="conFgAcc1" presStyleIdx="0" presStyleCnt="2">
-        <dgm:presLayoutVars>
-          <dgm:bulletEnabled val="1"/>
-        </dgm:presLayoutVars>
-      </dgm:prSet>
-      <dgm:spPr/>
-      <dgm:t>
-        <a:bodyPr/>
-        <a:lstStyle/>
-        <a:p>
-          <a:endParaRPr lang="zh-TW" altLang="en-US"/>
-        </a:p>
-      </dgm:t>
-    </dgm:pt>
-    <dgm:pt modelId="{510E5FAB-3855-4616-8585-0CF71390D437}" type="pres">
-      <dgm:prSet presAssocID="{1E7312F6-2320-4FD4-91EB-1E25063B0273}" presName="spaceBetweenRectangles" presStyleCnt="0"/>
-      <dgm:spPr/>
-    </dgm:pt>
-    <dgm:pt modelId="{0FB84BF4-CE53-4479-BD6D-ABCEB83C6DF2}" type="pres">
-      <dgm:prSet presAssocID="{C212340B-F7B9-4607-A308-7CC6282A9230}" presName="parentLin" presStyleCnt="0"/>
-      <dgm:spPr/>
-    </dgm:pt>
-    <dgm:pt modelId="{030F6E32-742C-47E2-9D37-57CF9EAF4618}" type="pres">
-      <dgm:prSet presAssocID="{C212340B-F7B9-4607-A308-7CC6282A9230}" presName="parentLeftMargin" presStyleLbl="node1" presStyleIdx="0" presStyleCnt="2"/>
-      <dgm:spPr/>
-      <dgm:t>
-        <a:bodyPr/>
-        <a:lstStyle/>
-        <a:p>
-          <a:endParaRPr lang="zh-TW" altLang="en-US"/>
-        </a:p>
-      </dgm:t>
-    </dgm:pt>
-    <dgm:pt modelId="{121053D0-15CB-4CF7-B28B-C5B3417D9F5C}" type="pres">
-      <dgm:prSet presAssocID="{C212340B-F7B9-4607-A308-7CC6282A9230}" presName="parentText" presStyleLbl="node1" presStyleIdx="1" presStyleCnt="2">
-        <dgm:presLayoutVars>
-          <dgm:chMax val="0"/>
-          <dgm:bulletEnabled val="1"/>
-        </dgm:presLayoutVars>
-      </dgm:prSet>
-      <dgm:spPr/>
-      <dgm:t>
-        <a:bodyPr/>
-        <a:lstStyle/>
-        <a:p>
-          <a:endParaRPr lang="zh-TW" altLang="en-US"/>
-        </a:p>
-      </dgm:t>
-    </dgm:pt>
-    <dgm:pt modelId="{B42B04E8-6A0F-46D2-AAF3-9B11F4AC2F93}" type="pres">
-      <dgm:prSet presAssocID="{C212340B-F7B9-4607-A308-7CC6282A9230}" presName="negativeSpace" presStyleCnt="0"/>
-      <dgm:spPr/>
-    </dgm:pt>
-    <dgm:pt modelId="{48D2E058-7F04-471B-ACC8-C57B9E71DB2C}" type="pres">
-      <dgm:prSet presAssocID="{C212340B-F7B9-4607-A308-7CC6282A9230}" presName="childText" presStyleLbl="conFgAcc1" presStyleIdx="1" presStyleCnt="2">
-        <dgm:presLayoutVars>
-          <dgm:bulletEnabled val="1"/>
-        </dgm:presLayoutVars>
-      </dgm:prSet>
-      <dgm:spPr/>
-      <dgm:t>
-        <a:bodyPr/>
-        <a:lstStyle/>
-        <a:p>
-          <a:endParaRPr lang="zh-TW" altLang="en-US"/>
-        </a:p>
-      </dgm:t>
-    </dgm:pt>
-  </dgm:ptLst>
-  <dgm:cxnLst>
-    <dgm:cxn modelId="{A4492849-0EEB-4C1D-89D3-999F389A44E7}" srcId="{984A07DB-10D8-4465-8E81-B4F0DD8BD545}" destId="{8666D98D-6CD0-4082-A74E-BD5C032DED01}" srcOrd="0" destOrd="0" parTransId="{F31792B4-2348-4382-836F-0001194F2B83}" sibTransId="{1E7312F6-2320-4FD4-91EB-1E25063B0273}"/>
-    <dgm:cxn modelId="{CE9D54A8-CC44-4F45-9603-05018D94AC40}" type="presOf" srcId="{C212340B-F7B9-4607-A308-7CC6282A9230}" destId="{030F6E32-742C-47E2-9D37-57CF9EAF4618}" srcOrd="0" destOrd="0" presId="urn:microsoft.com/office/officeart/2005/8/layout/list1"/>
-    <dgm:cxn modelId="{23D80DBA-E253-4A34-8AB4-AF985AE0EAAB}" type="presOf" srcId="{66E20EE5-AB0F-4BF5-9F2C-2E6D316E025D}" destId="{27346654-1D57-48A1-86E6-3AF0BA6A8FE9}" srcOrd="0" destOrd="0" presId="urn:microsoft.com/office/officeart/2005/8/layout/list1"/>
-    <dgm:cxn modelId="{8661C492-17C9-428B-8821-BC4320111696}" type="presOf" srcId="{8666D98D-6CD0-4082-A74E-BD5C032DED01}" destId="{C19F3680-D56C-412E-85DF-579987FDDF1E}" srcOrd="1" destOrd="0" presId="urn:microsoft.com/office/officeart/2005/8/layout/list1"/>
-    <dgm:cxn modelId="{ACEAC450-55C2-4E39-B553-73346EF3A1D8}" srcId="{8666D98D-6CD0-4082-A74E-BD5C032DED01}" destId="{66E20EE5-AB0F-4BF5-9F2C-2E6D316E025D}" srcOrd="0" destOrd="0" parTransId="{16DD3827-9541-42E8-BB37-02B441978234}" sibTransId="{6A99BF53-8F6F-4BB1-98DA-8C620F8EC7B3}"/>
-    <dgm:cxn modelId="{E8A0D723-CB2A-40EF-A9E4-E03182980918}" srcId="{C212340B-F7B9-4607-A308-7CC6282A9230}" destId="{CCF9A8D0-3807-4F2E-AD41-8D2CAD2B23C9}" srcOrd="0" destOrd="0" parTransId="{78142D2F-DD7C-4DEF-8157-8F0EBA654473}" sibTransId="{D4E865AB-DC6E-477D-9323-428850D93B82}"/>
-    <dgm:cxn modelId="{73ECF369-DFC3-419B-8958-38B742077BF2}" type="presOf" srcId="{8666D98D-6CD0-4082-A74E-BD5C032DED01}" destId="{E6D6CD7E-DDAB-4A85-93B4-140CF586C93C}" srcOrd="0" destOrd="0" presId="urn:microsoft.com/office/officeart/2005/8/layout/list1"/>
-    <dgm:cxn modelId="{42DB50BD-0612-4D12-A6DB-97F105FD4432}" type="presOf" srcId="{984A07DB-10D8-4465-8E81-B4F0DD8BD545}" destId="{B6A17A4A-CEF7-489C-BB5A-BD3F4EC42171}" srcOrd="0" destOrd="0" presId="urn:microsoft.com/office/officeart/2005/8/layout/list1"/>
-    <dgm:cxn modelId="{AB2BBFC1-A312-4B13-9F98-FD79821C8CD7}" type="presOf" srcId="{CCF9A8D0-3807-4F2E-AD41-8D2CAD2B23C9}" destId="{48D2E058-7F04-471B-ACC8-C57B9E71DB2C}" srcOrd="0" destOrd="0" presId="urn:microsoft.com/office/officeart/2005/8/layout/list1"/>
-    <dgm:cxn modelId="{72019ADF-464D-4255-A594-F2942440C4CE}" type="presOf" srcId="{C212340B-F7B9-4607-A308-7CC6282A9230}" destId="{121053D0-15CB-4CF7-B28B-C5B3417D9F5C}" srcOrd="1" destOrd="0" presId="urn:microsoft.com/office/officeart/2005/8/layout/list1"/>
-    <dgm:cxn modelId="{07727A90-7640-436B-A784-D29E4CD11678}" srcId="{984A07DB-10D8-4465-8E81-B4F0DD8BD545}" destId="{C212340B-F7B9-4607-A308-7CC6282A9230}" srcOrd="1" destOrd="0" parTransId="{59FBE622-F362-4501-8A49-784C768EC872}" sibTransId="{56BB6E7F-CD33-460C-B329-D9B17B04B19C}"/>
-    <dgm:cxn modelId="{ECF2EBAF-E2DA-4EBC-8294-9278ABFB6441}" type="presParOf" srcId="{B6A17A4A-CEF7-489C-BB5A-BD3F4EC42171}" destId="{3CF37016-86AF-4B60-9EB1-03FBB8834566}" srcOrd="0" destOrd="0" presId="urn:microsoft.com/office/officeart/2005/8/layout/list1"/>
-    <dgm:cxn modelId="{7EC279F5-4B84-40F3-B333-9B84FE57BB99}" type="presParOf" srcId="{3CF37016-86AF-4B60-9EB1-03FBB8834566}" destId="{E6D6CD7E-DDAB-4A85-93B4-140CF586C93C}" srcOrd="0" destOrd="0" presId="urn:microsoft.com/office/officeart/2005/8/layout/list1"/>
-    <dgm:cxn modelId="{8F3D81B6-D830-498C-BF73-060E8FD23DF2}" type="presParOf" srcId="{3CF37016-86AF-4B60-9EB1-03FBB8834566}" destId="{C19F3680-D56C-412E-85DF-579987FDDF1E}" srcOrd="1" destOrd="0" presId="urn:microsoft.com/office/officeart/2005/8/layout/list1"/>
-    <dgm:cxn modelId="{86BAC88C-3A11-40CF-B41A-556E80928A34}" type="presParOf" srcId="{B6A17A4A-CEF7-489C-BB5A-BD3F4EC42171}" destId="{F0C6B660-D58B-4FBE-9F8E-93015FE556FE}" srcOrd="1" destOrd="0" presId="urn:microsoft.com/office/officeart/2005/8/layout/list1"/>
-    <dgm:cxn modelId="{6E464699-0F6A-4DEB-90D6-E2019ABD8520}" type="presParOf" srcId="{B6A17A4A-CEF7-489C-BB5A-BD3F4EC42171}" destId="{27346654-1D57-48A1-86E6-3AF0BA6A8FE9}" srcOrd="2" destOrd="0" presId="urn:microsoft.com/office/officeart/2005/8/layout/list1"/>
-    <dgm:cxn modelId="{BC19C5FD-BEEF-4035-8F66-3D3BEF7E8D93}" type="presParOf" srcId="{B6A17A4A-CEF7-489C-BB5A-BD3F4EC42171}" destId="{510E5FAB-3855-4616-8585-0CF71390D437}" srcOrd="3" destOrd="0" presId="urn:microsoft.com/office/officeart/2005/8/layout/list1"/>
-    <dgm:cxn modelId="{57782554-4C79-41FB-B2A2-74B6CF2EE5A1}" type="presParOf" srcId="{B6A17A4A-CEF7-489C-BB5A-BD3F4EC42171}" destId="{0FB84BF4-CE53-4479-BD6D-ABCEB83C6DF2}" srcOrd="4" destOrd="0" presId="urn:microsoft.com/office/officeart/2005/8/layout/list1"/>
-    <dgm:cxn modelId="{6D786731-9F54-44B3-A484-A57B7A6DB1AB}" type="presParOf" srcId="{0FB84BF4-CE53-4479-BD6D-ABCEB83C6DF2}" destId="{030F6E32-742C-47E2-9D37-57CF9EAF4618}" srcOrd="0" destOrd="0" presId="urn:microsoft.com/office/officeart/2005/8/layout/list1"/>
-    <dgm:cxn modelId="{F2846C21-2116-4B52-A5C5-5C71CA7CE7B3}" type="presParOf" srcId="{0FB84BF4-CE53-4479-BD6D-ABCEB83C6DF2}" destId="{121053D0-15CB-4CF7-B28B-C5B3417D9F5C}" srcOrd="1" destOrd="0" presId="urn:microsoft.com/office/officeart/2005/8/layout/list1"/>
-    <dgm:cxn modelId="{6D82649F-D433-437C-BA65-1382946BA786}" type="presParOf" srcId="{B6A17A4A-CEF7-489C-BB5A-BD3F4EC42171}" destId="{B42B04E8-6A0F-46D2-AAF3-9B11F4AC2F93}" srcOrd="5" destOrd="0" presId="urn:microsoft.com/office/officeart/2005/8/layout/list1"/>
-    <dgm:cxn modelId="{97C9F802-7761-4907-B7A1-E5CDEDE22E0F}" type="presParOf" srcId="{B6A17A4A-CEF7-489C-BB5A-BD3F4EC42171}" destId="{48D2E058-7F04-471B-ACC8-C57B9E71DB2C}" srcOrd="6" destOrd="0" presId="urn:microsoft.com/office/officeart/2005/8/layout/list1"/>
-  </dgm:cxnLst>
-  <dgm:bg/>
-  <dgm:whole/>
-  <dgm:extLst>
-    <a:ext uri="http://schemas.microsoft.com/office/drawing/2008/diagram">
-      <dsp:dataModelExt xmlns:dsp="http://schemas.microsoft.com/office/drawing/2008/diagram" relId="rId6" minVer="http://schemas.openxmlformats.org/drawingml/2006/diagram"/>
-    </a:ext>
-  </dgm:extLst>
-</dgm:dataModel>
-</file>
-
-<file path=ppt/diagrams/data9.xml><?xml version="1.0" encoding="utf-8"?>
-<dgm:dataModel xmlns:dgm="http://schemas.openxmlformats.org/drawingml/2006/diagram" xmlns:a="http://schemas.openxmlformats.org/drawingml/2006/main">
-  <dgm:ptLst>
     <dgm:pt modelId="{FD09D203-72C0-47D3-AACC-186BD8E83EB2}" type="doc">
       <dgm:prSet loTypeId="urn:microsoft.com/office/officeart/2005/8/layout/hierarchy6" loCatId="hierarchy" qsTypeId="urn:microsoft.com/office/officeart/2005/8/quickstyle/simple1" qsCatId="simple" csTypeId="urn:microsoft.com/office/officeart/2005/8/colors/accent1_1" csCatId="accent1" phldr="1"/>
       <dgm:spPr/>
@@ -13628,6 +11498,895 @@
 </dgm:dataModel>
 </file>
 
+<file path=ppt/diagrams/data9.xml><?xml version="1.0" encoding="utf-8"?>
+<dgm:dataModel xmlns:dgm="http://schemas.openxmlformats.org/drawingml/2006/diagram" xmlns:a="http://schemas.openxmlformats.org/drawingml/2006/main">
+  <dgm:ptLst>
+    <dgm:pt modelId="{56A415F5-B9AF-4026-9D88-552983AD2CEC}" type="doc">
+      <dgm:prSet loTypeId="urn:microsoft.com/office/officeart/2005/8/layout/vList2" loCatId="list" qsTypeId="urn:microsoft.com/office/officeart/2005/8/quickstyle/simple1" qsCatId="simple" csTypeId="urn:microsoft.com/office/officeart/2005/8/colors/accent1_2" csCatId="accent1" phldr="1"/>
+      <dgm:spPr/>
+      <dgm:t>
+        <a:bodyPr/>
+        <a:lstStyle/>
+        <a:p>
+          <a:endParaRPr lang="zh-TW" altLang="en-US"/>
+        </a:p>
+      </dgm:t>
+    </dgm:pt>
+    <dgm:pt modelId="{4A0CCAF8-409C-4FA0-B87F-E1A531750C1D}">
+      <dgm:prSet custT="1"/>
+      <dgm:spPr/>
+      <dgm:t>
+        <a:bodyPr/>
+        <a:lstStyle/>
+        <a:p>
+          <a:pPr rtl="0"/>
+          <a:r>
+            <a:rPr lang="en-US" altLang="zh-TW" sz="1400" u="sng" dirty="0" smtClean="0">
+              <a:latin typeface="微軟正黑體" pitchFamily="34" charset="-120"/>
+              <a:ea typeface="微軟正黑體" pitchFamily="34" charset="-120"/>
+              <a:hlinkClick xmlns:r="http://schemas.openxmlformats.org/officeDocument/2006/relationships" r:id="rId1"/>
+            </a:rPr>
+            <a:t>http://asika.windspeaker.co/post/3502-strong-php-1-defensive-programming</a:t>
+          </a:r>
+          <a:endParaRPr lang="zh-TW" sz="1400" dirty="0">
+            <a:latin typeface="微軟正黑體" pitchFamily="34" charset="-120"/>
+            <a:ea typeface="微軟正黑體" pitchFamily="34" charset="-120"/>
+          </a:endParaRPr>
+        </a:p>
+      </dgm:t>
+    </dgm:pt>
+    <dgm:pt modelId="{4F946E3B-2655-4483-9FF9-46E147C8C964}" type="parTrans" cxnId="{3BE2DA58-3C42-4E5E-8358-278E60683C03}">
+      <dgm:prSet/>
+      <dgm:spPr/>
+      <dgm:t>
+        <a:bodyPr/>
+        <a:lstStyle/>
+        <a:p>
+          <a:endParaRPr lang="zh-TW" altLang="en-US">
+            <a:latin typeface="微軟正黑體" pitchFamily="34" charset="-120"/>
+            <a:ea typeface="微軟正黑體" pitchFamily="34" charset="-120"/>
+          </a:endParaRPr>
+        </a:p>
+      </dgm:t>
+    </dgm:pt>
+    <dgm:pt modelId="{665B2625-61E7-41A6-AAD1-E4460C9A8D5C}" type="sibTrans" cxnId="{3BE2DA58-3C42-4E5E-8358-278E60683C03}">
+      <dgm:prSet/>
+      <dgm:spPr/>
+      <dgm:t>
+        <a:bodyPr/>
+        <a:lstStyle/>
+        <a:p>
+          <a:endParaRPr lang="zh-TW" altLang="en-US">
+            <a:latin typeface="微軟正黑體" pitchFamily="34" charset="-120"/>
+            <a:ea typeface="微軟正黑體" pitchFamily="34" charset="-120"/>
+          </a:endParaRPr>
+        </a:p>
+      </dgm:t>
+    </dgm:pt>
+    <dgm:pt modelId="{C46D4D05-CD5F-4545-8DDC-DDDBF7404420}">
+      <dgm:prSet custT="1"/>
+      <dgm:spPr/>
+      <dgm:t>
+        <a:bodyPr/>
+        <a:lstStyle/>
+        <a:p>
+          <a:pPr rtl="0"/>
+          <a:r>
+            <a:rPr lang="zh-TW" altLang="en-US" sz="1800" smtClean="0">
+              <a:latin typeface="微軟正黑體" pitchFamily="34" charset="-120"/>
+              <a:ea typeface="微軟正黑體" pitchFamily="34" charset="-120"/>
+            </a:rPr>
+            <a:t>寫出健壯的 </a:t>
+          </a:r>
+          <a:r>
+            <a:rPr lang="en-US" altLang="zh-TW" sz="1800" smtClean="0">
+              <a:latin typeface="微軟正黑體" pitchFamily="34" charset="-120"/>
+              <a:ea typeface="微軟正黑體" pitchFamily="34" charset="-120"/>
+            </a:rPr>
+            <a:t>PHP </a:t>
+          </a:r>
+          <a:r>
+            <a:rPr lang="zh-TW" altLang="en-US" sz="1800" smtClean="0">
+              <a:latin typeface="微軟正黑體" pitchFamily="34" charset="-120"/>
+              <a:ea typeface="微軟正黑體" pitchFamily="34" charset="-120"/>
+            </a:rPr>
+            <a:t>應用程式</a:t>
+          </a:r>
+          <a:r>
+            <a:rPr lang="en-US" altLang="zh-TW" sz="1800" smtClean="0">
+              <a:latin typeface="微軟正黑體" pitchFamily="34" charset="-120"/>
+              <a:ea typeface="微軟正黑體" pitchFamily="34" charset="-120"/>
+            </a:rPr>
+            <a:t>(1): </a:t>
+          </a:r>
+          <a:r>
+            <a:rPr lang="zh-TW" altLang="en-US" sz="1800" smtClean="0">
+              <a:latin typeface="微軟正黑體" pitchFamily="34" charset="-120"/>
+              <a:ea typeface="微軟正黑體" pitchFamily="34" charset="-120"/>
+            </a:rPr>
+            <a:t>防禦型程式寫法</a:t>
+          </a:r>
+          <a:endParaRPr lang="zh-TW" sz="1800" dirty="0">
+            <a:latin typeface="微軟正黑體" pitchFamily="34" charset="-120"/>
+            <a:ea typeface="微軟正黑體" pitchFamily="34" charset="-120"/>
+          </a:endParaRPr>
+        </a:p>
+      </dgm:t>
+    </dgm:pt>
+    <dgm:pt modelId="{00A1C80E-03EE-409E-9F29-F0B8D433D268}" type="sibTrans" cxnId="{A262797D-49E3-4A13-B928-B242330BD053}">
+      <dgm:prSet/>
+      <dgm:spPr/>
+      <dgm:t>
+        <a:bodyPr/>
+        <a:lstStyle/>
+        <a:p>
+          <a:endParaRPr lang="zh-TW" altLang="en-US">
+            <a:latin typeface="微軟正黑體" pitchFamily="34" charset="-120"/>
+            <a:ea typeface="微軟正黑體" pitchFamily="34" charset="-120"/>
+          </a:endParaRPr>
+        </a:p>
+      </dgm:t>
+    </dgm:pt>
+    <dgm:pt modelId="{6D13D329-0873-40C5-A90D-761178D0DCD5}" type="parTrans" cxnId="{A262797D-49E3-4A13-B928-B242330BD053}">
+      <dgm:prSet/>
+      <dgm:spPr/>
+      <dgm:t>
+        <a:bodyPr/>
+        <a:lstStyle/>
+        <a:p>
+          <a:endParaRPr lang="zh-TW" altLang="en-US">
+            <a:latin typeface="微軟正黑體" pitchFamily="34" charset="-120"/>
+            <a:ea typeface="微軟正黑體" pitchFamily="34" charset="-120"/>
+          </a:endParaRPr>
+        </a:p>
+      </dgm:t>
+    </dgm:pt>
+    <dgm:pt modelId="{5A75CF1E-E7D0-4CD1-81C7-CF9222BFA9D5}">
+      <dgm:prSet custT="1"/>
+      <dgm:spPr/>
+      <dgm:t>
+        <a:bodyPr/>
+        <a:lstStyle/>
+        <a:p>
+          <a:pPr rtl="0"/>
+          <a:r>
+            <a:rPr lang="en-US" altLang="zh-TW" sz="1400" dirty="0" smtClean="0">
+              <a:latin typeface="微軟正黑體" pitchFamily="34" charset="-120"/>
+              <a:ea typeface="微軟正黑體" pitchFamily="34" charset="-120"/>
+              <a:hlinkClick xmlns:r="http://schemas.openxmlformats.org/officeDocument/2006/relationships" r:id="rId2"/>
+            </a:rPr>
+            <a:t>http://php.net/manual/en/function.is-numeric.php</a:t>
+          </a:r>
+          <a:endParaRPr lang="zh-TW" sz="1400" dirty="0">
+            <a:latin typeface="微軟正黑體" pitchFamily="34" charset="-120"/>
+            <a:ea typeface="微軟正黑體" pitchFamily="34" charset="-120"/>
+          </a:endParaRPr>
+        </a:p>
+      </dgm:t>
+    </dgm:pt>
+    <dgm:pt modelId="{ECFF943E-9531-4701-8471-9E0844F1AD4E}" type="parTrans" cxnId="{A1A9D8FE-8D9F-4073-B77A-35D993E7D563}">
+      <dgm:prSet/>
+      <dgm:spPr/>
+      <dgm:t>
+        <a:bodyPr/>
+        <a:lstStyle/>
+        <a:p>
+          <a:endParaRPr lang="zh-TW" altLang="en-US">
+            <a:latin typeface="微軟正黑體" pitchFamily="34" charset="-120"/>
+            <a:ea typeface="微軟正黑體" pitchFamily="34" charset="-120"/>
+          </a:endParaRPr>
+        </a:p>
+      </dgm:t>
+    </dgm:pt>
+    <dgm:pt modelId="{01D9F667-E2BE-42F2-8786-5CC2157AFF8F}" type="sibTrans" cxnId="{A1A9D8FE-8D9F-4073-B77A-35D993E7D563}">
+      <dgm:prSet/>
+      <dgm:spPr/>
+      <dgm:t>
+        <a:bodyPr/>
+        <a:lstStyle/>
+        <a:p>
+          <a:endParaRPr lang="zh-TW" altLang="en-US">
+            <a:latin typeface="微軟正黑體" pitchFamily="34" charset="-120"/>
+            <a:ea typeface="微軟正黑體" pitchFamily="34" charset="-120"/>
+          </a:endParaRPr>
+        </a:p>
+      </dgm:t>
+    </dgm:pt>
+    <dgm:pt modelId="{95900C4F-7221-49C2-B504-88E4A3ED27C9}">
+      <dgm:prSet custT="1"/>
+      <dgm:spPr/>
+      <dgm:t>
+        <a:bodyPr/>
+        <a:lstStyle/>
+        <a:p>
+          <a:pPr rtl="0"/>
+          <a:r>
+            <a:rPr lang="en-US" sz="1400" b="0" i="0" dirty="0" err="1" smtClean="0">
+              <a:latin typeface="微軟正黑體" pitchFamily="34" charset="-120"/>
+              <a:ea typeface="微軟正黑體" pitchFamily="34" charset="-120"/>
+            </a:rPr>
+            <a:t>is_numeric</a:t>
+          </a:r>
+          <a:endParaRPr lang="zh-TW" sz="1400" dirty="0">
+            <a:latin typeface="微軟正黑體" pitchFamily="34" charset="-120"/>
+            <a:ea typeface="微軟正黑體" pitchFamily="34" charset="-120"/>
+          </a:endParaRPr>
+        </a:p>
+      </dgm:t>
+    </dgm:pt>
+    <dgm:pt modelId="{8CA5052C-39FA-4284-8A61-1FA709F2C2F1}" type="parTrans" cxnId="{61DCA458-E733-4F91-92CD-3CCF14A26D02}">
+      <dgm:prSet/>
+      <dgm:spPr/>
+      <dgm:t>
+        <a:bodyPr/>
+        <a:lstStyle/>
+        <a:p>
+          <a:endParaRPr lang="zh-TW" altLang="en-US">
+            <a:latin typeface="微軟正黑體" pitchFamily="34" charset="-120"/>
+            <a:ea typeface="微軟正黑體" pitchFamily="34" charset="-120"/>
+          </a:endParaRPr>
+        </a:p>
+      </dgm:t>
+    </dgm:pt>
+    <dgm:pt modelId="{39F08740-CC76-4135-8A16-D4C87743EE63}" type="sibTrans" cxnId="{61DCA458-E733-4F91-92CD-3CCF14A26D02}">
+      <dgm:prSet/>
+      <dgm:spPr/>
+      <dgm:t>
+        <a:bodyPr/>
+        <a:lstStyle/>
+        <a:p>
+          <a:endParaRPr lang="zh-TW" altLang="en-US">
+            <a:latin typeface="微軟正黑體" pitchFamily="34" charset="-120"/>
+            <a:ea typeface="微軟正黑體" pitchFamily="34" charset="-120"/>
+          </a:endParaRPr>
+        </a:p>
+      </dgm:t>
+    </dgm:pt>
+    <dgm:pt modelId="{81B4B438-01F7-40E2-9D98-E99B3BC2BC06}">
+      <dgm:prSet custT="1"/>
+      <dgm:spPr/>
+      <dgm:t>
+        <a:bodyPr/>
+        <a:lstStyle/>
+        <a:p>
+          <a:pPr rtl="0"/>
+          <a:r>
+            <a:rPr lang="en-US" altLang="zh-TW" sz="1400" dirty="0" smtClean="0">
+              <a:latin typeface="微軟正黑體" pitchFamily="34" charset="-120"/>
+              <a:ea typeface="微軟正黑體" pitchFamily="34" charset="-120"/>
+              <a:hlinkClick xmlns:r="http://schemas.openxmlformats.org/officeDocument/2006/relationships" r:id="rId3"/>
+            </a:rPr>
+            <a:t>http://php.net/manual/en/function.is-string.php</a:t>
+          </a:r>
+          <a:endParaRPr lang="zh-TW" sz="1400" dirty="0">
+            <a:latin typeface="微軟正黑體" pitchFamily="34" charset="-120"/>
+            <a:ea typeface="微軟正黑體" pitchFamily="34" charset="-120"/>
+          </a:endParaRPr>
+        </a:p>
+      </dgm:t>
+    </dgm:pt>
+    <dgm:pt modelId="{B2EE07D0-6BD8-4AA4-A1E7-8A145DEFCAF9}" type="parTrans" cxnId="{37D80122-5141-4F8E-94B3-84A2E7B421C8}">
+      <dgm:prSet/>
+      <dgm:spPr/>
+      <dgm:t>
+        <a:bodyPr/>
+        <a:lstStyle/>
+        <a:p>
+          <a:endParaRPr lang="zh-TW" altLang="en-US">
+            <a:latin typeface="微軟正黑體" pitchFamily="34" charset="-120"/>
+            <a:ea typeface="微軟正黑體" pitchFamily="34" charset="-120"/>
+          </a:endParaRPr>
+        </a:p>
+      </dgm:t>
+    </dgm:pt>
+    <dgm:pt modelId="{F191C67A-AD4B-4FED-8686-3B8AC063C90A}" type="sibTrans" cxnId="{37D80122-5141-4F8E-94B3-84A2E7B421C8}">
+      <dgm:prSet/>
+      <dgm:spPr/>
+      <dgm:t>
+        <a:bodyPr/>
+        <a:lstStyle/>
+        <a:p>
+          <a:endParaRPr lang="zh-TW" altLang="en-US">
+            <a:latin typeface="微軟正黑體" pitchFamily="34" charset="-120"/>
+            <a:ea typeface="微軟正黑體" pitchFamily="34" charset="-120"/>
+          </a:endParaRPr>
+        </a:p>
+      </dgm:t>
+    </dgm:pt>
+    <dgm:pt modelId="{B9A9F9E1-2E2B-4439-83F3-1AB9501C2DF1}">
+      <dgm:prSet custT="1"/>
+      <dgm:spPr/>
+      <dgm:t>
+        <a:bodyPr/>
+        <a:lstStyle/>
+        <a:p>
+          <a:pPr rtl="0"/>
+          <a:r>
+            <a:rPr lang="en-US" altLang="zh-TW" sz="1400" dirty="0" err="1" smtClean="0">
+              <a:latin typeface="微軟正黑體" pitchFamily="34" charset="-120"/>
+              <a:ea typeface="微軟正黑體" pitchFamily="34" charset="-120"/>
+            </a:rPr>
+            <a:t>is_string</a:t>
+          </a:r>
+          <a:endParaRPr lang="zh-TW" sz="1400" dirty="0">
+            <a:latin typeface="微軟正黑體" pitchFamily="34" charset="-120"/>
+            <a:ea typeface="微軟正黑體" pitchFamily="34" charset="-120"/>
+          </a:endParaRPr>
+        </a:p>
+      </dgm:t>
+    </dgm:pt>
+    <dgm:pt modelId="{1B3E79F3-A5E5-4E5D-93E3-5C19828904AB}" type="parTrans" cxnId="{1A9EF4EF-7A5D-4486-AEEC-819EE51FE33F}">
+      <dgm:prSet/>
+      <dgm:spPr/>
+      <dgm:t>
+        <a:bodyPr/>
+        <a:lstStyle/>
+        <a:p>
+          <a:endParaRPr lang="zh-TW" altLang="en-US">
+            <a:latin typeface="微軟正黑體" pitchFamily="34" charset="-120"/>
+            <a:ea typeface="微軟正黑體" pitchFamily="34" charset="-120"/>
+          </a:endParaRPr>
+        </a:p>
+      </dgm:t>
+    </dgm:pt>
+    <dgm:pt modelId="{4D098100-CB67-4FD7-BC52-C8F3D4675060}" type="sibTrans" cxnId="{1A9EF4EF-7A5D-4486-AEEC-819EE51FE33F}">
+      <dgm:prSet/>
+      <dgm:spPr/>
+      <dgm:t>
+        <a:bodyPr/>
+        <a:lstStyle/>
+        <a:p>
+          <a:endParaRPr lang="zh-TW" altLang="en-US">
+            <a:latin typeface="微軟正黑體" pitchFamily="34" charset="-120"/>
+            <a:ea typeface="微軟正黑體" pitchFamily="34" charset="-120"/>
+          </a:endParaRPr>
+        </a:p>
+      </dgm:t>
+    </dgm:pt>
+    <dgm:pt modelId="{107CB80F-803A-44D4-81F2-323AE0242253}">
+      <dgm:prSet custT="1"/>
+      <dgm:spPr/>
+      <dgm:t>
+        <a:bodyPr/>
+        <a:lstStyle/>
+        <a:p>
+          <a:pPr rtl="0"/>
+          <a:r>
+            <a:rPr lang="en-US" sz="1400" dirty="0" err="1" smtClean="0">
+              <a:latin typeface="微軟正黑體" pitchFamily="34" charset="-120"/>
+              <a:ea typeface="微軟正黑體" pitchFamily="34" charset="-120"/>
+            </a:rPr>
+            <a:t>is_object</a:t>
+          </a:r>
+          <a:endParaRPr lang="zh-TW" sz="1400" dirty="0">
+            <a:latin typeface="微軟正黑體" pitchFamily="34" charset="-120"/>
+            <a:ea typeface="微軟正黑體" pitchFamily="34" charset="-120"/>
+          </a:endParaRPr>
+        </a:p>
+      </dgm:t>
+    </dgm:pt>
+    <dgm:pt modelId="{B1D06BE3-D188-4A06-84B6-09CE4214FD4B}" type="parTrans" cxnId="{0121DA55-7BDC-44F9-B1D8-E937A8C84EAC}">
+      <dgm:prSet/>
+      <dgm:spPr/>
+      <dgm:t>
+        <a:bodyPr/>
+        <a:lstStyle/>
+        <a:p>
+          <a:endParaRPr lang="zh-TW" altLang="en-US">
+            <a:latin typeface="微軟正黑體" pitchFamily="34" charset="-120"/>
+            <a:ea typeface="微軟正黑體" pitchFamily="34" charset="-120"/>
+          </a:endParaRPr>
+        </a:p>
+      </dgm:t>
+    </dgm:pt>
+    <dgm:pt modelId="{A5369CD7-DB22-4FE8-BF1B-A88EAFEDD3AB}" type="sibTrans" cxnId="{0121DA55-7BDC-44F9-B1D8-E937A8C84EAC}">
+      <dgm:prSet/>
+      <dgm:spPr/>
+      <dgm:t>
+        <a:bodyPr/>
+        <a:lstStyle/>
+        <a:p>
+          <a:endParaRPr lang="zh-TW" altLang="en-US">
+            <a:latin typeface="微軟正黑體" pitchFamily="34" charset="-120"/>
+            <a:ea typeface="微軟正黑體" pitchFamily="34" charset="-120"/>
+          </a:endParaRPr>
+        </a:p>
+      </dgm:t>
+    </dgm:pt>
+    <dgm:pt modelId="{0E146B81-4288-43BE-B510-954567A6F283}">
+      <dgm:prSet custT="1"/>
+      <dgm:spPr/>
+      <dgm:t>
+        <a:bodyPr/>
+        <a:lstStyle/>
+        <a:p>
+          <a:pPr rtl="0"/>
+          <a:r>
+            <a:rPr lang="en-US" altLang="zh-TW" sz="1400" dirty="0" err="1" smtClean="0">
+              <a:latin typeface="微軟正黑體" pitchFamily="34" charset="-120"/>
+              <a:ea typeface="微軟正黑體" pitchFamily="34" charset="-120"/>
+            </a:rPr>
+            <a:t>get_object_vars</a:t>
+          </a:r>
+          <a:endParaRPr lang="zh-TW" sz="1400" dirty="0">
+            <a:latin typeface="微軟正黑體" pitchFamily="34" charset="-120"/>
+            <a:ea typeface="微軟正黑體" pitchFamily="34" charset="-120"/>
+          </a:endParaRPr>
+        </a:p>
+      </dgm:t>
+    </dgm:pt>
+    <dgm:pt modelId="{BF253323-D6E7-438B-A5A7-D98F45E7FFAB}" type="parTrans" cxnId="{C41C20D0-1D84-47D4-801E-702CFD9C74A1}">
+      <dgm:prSet/>
+      <dgm:spPr/>
+      <dgm:t>
+        <a:bodyPr/>
+        <a:lstStyle/>
+        <a:p>
+          <a:endParaRPr lang="zh-TW" altLang="en-US">
+            <a:latin typeface="微軟正黑體" pitchFamily="34" charset="-120"/>
+            <a:ea typeface="微軟正黑體" pitchFamily="34" charset="-120"/>
+          </a:endParaRPr>
+        </a:p>
+      </dgm:t>
+    </dgm:pt>
+    <dgm:pt modelId="{AC9A62D1-260D-41D0-A42A-27F6C4E65BC3}" type="sibTrans" cxnId="{C41C20D0-1D84-47D4-801E-702CFD9C74A1}">
+      <dgm:prSet/>
+      <dgm:spPr/>
+      <dgm:t>
+        <a:bodyPr/>
+        <a:lstStyle/>
+        <a:p>
+          <a:endParaRPr lang="zh-TW" altLang="en-US">
+            <a:latin typeface="微軟正黑體" pitchFamily="34" charset="-120"/>
+            <a:ea typeface="微軟正黑體" pitchFamily="34" charset="-120"/>
+          </a:endParaRPr>
+        </a:p>
+      </dgm:t>
+    </dgm:pt>
+    <dgm:pt modelId="{BA891C2F-21D5-4DA3-90EE-5F6CEC61A524}">
+      <dgm:prSet custT="1"/>
+      <dgm:spPr/>
+      <dgm:t>
+        <a:bodyPr/>
+        <a:lstStyle/>
+        <a:p>
+          <a:pPr rtl="0"/>
+          <a:r>
+            <a:rPr lang="en-US" altLang="zh-TW" sz="1400" dirty="0" smtClean="0">
+              <a:latin typeface="微軟正黑體" pitchFamily="34" charset="-120"/>
+              <a:ea typeface="微軟正黑體" pitchFamily="34" charset="-120"/>
+              <a:hlinkClick xmlns:r="http://schemas.openxmlformats.org/officeDocument/2006/relationships" r:id="rId4"/>
+            </a:rPr>
+            <a:t>http://php.net/manual/en/function.is-object.php</a:t>
+          </a:r>
+          <a:endParaRPr lang="zh-TW" sz="1400" dirty="0">
+            <a:latin typeface="微軟正黑體" pitchFamily="34" charset="-120"/>
+            <a:ea typeface="微軟正黑體" pitchFamily="34" charset="-120"/>
+          </a:endParaRPr>
+        </a:p>
+      </dgm:t>
+    </dgm:pt>
+    <dgm:pt modelId="{155FBFA0-EDD3-4D43-9222-BF5F46286C2A}" type="parTrans" cxnId="{4B884AE3-8B12-4CFC-AFD0-BF762F3DD632}">
+      <dgm:prSet/>
+      <dgm:spPr/>
+      <dgm:t>
+        <a:bodyPr/>
+        <a:lstStyle/>
+        <a:p>
+          <a:endParaRPr lang="zh-TW" altLang="en-US">
+            <a:latin typeface="微軟正黑體" pitchFamily="34" charset="-120"/>
+            <a:ea typeface="微軟正黑體" pitchFamily="34" charset="-120"/>
+          </a:endParaRPr>
+        </a:p>
+      </dgm:t>
+    </dgm:pt>
+    <dgm:pt modelId="{F719D906-87D3-4F87-A5A5-6F7FEC4E2AB3}" type="sibTrans" cxnId="{4B884AE3-8B12-4CFC-AFD0-BF762F3DD632}">
+      <dgm:prSet/>
+      <dgm:spPr/>
+      <dgm:t>
+        <a:bodyPr/>
+        <a:lstStyle/>
+        <a:p>
+          <a:endParaRPr lang="zh-TW" altLang="en-US">
+            <a:latin typeface="微軟正黑體" pitchFamily="34" charset="-120"/>
+            <a:ea typeface="微軟正黑體" pitchFamily="34" charset="-120"/>
+          </a:endParaRPr>
+        </a:p>
+      </dgm:t>
+    </dgm:pt>
+    <dgm:pt modelId="{A64B9E20-30F0-4FBF-9EFF-1F3230FE4305}">
+      <dgm:prSet custT="1"/>
+      <dgm:spPr/>
+      <dgm:t>
+        <a:bodyPr/>
+        <a:lstStyle/>
+        <a:p>
+          <a:pPr rtl="0"/>
+          <a:r>
+            <a:rPr lang="en-US" altLang="zh-TW" sz="1400" dirty="0" smtClean="0">
+              <a:latin typeface="微軟正黑體" pitchFamily="34" charset="-120"/>
+              <a:ea typeface="微軟正黑體" pitchFamily="34" charset="-120"/>
+              <a:hlinkClick xmlns:r="http://schemas.openxmlformats.org/officeDocument/2006/relationships" r:id="rId5"/>
+            </a:rPr>
+            <a:t>http://php.net/manual/en/function.get-object-vars.php</a:t>
+          </a:r>
+          <a:endParaRPr lang="zh-TW" sz="1400" dirty="0">
+            <a:latin typeface="微軟正黑體" pitchFamily="34" charset="-120"/>
+            <a:ea typeface="微軟正黑體" pitchFamily="34" charset="-120"/>
+          </a:endParaRPr>
+        </a:p>
+      </dgm:t>
+    </dgm:pt>
+    <dgm:pt modelId="{7D6EC0B2-2F45-4FD8-8F03-F92583C107D7}" type="parTrans" cxnId="{92F2F569-2467-40A9-B6A8-CB06B85661CF}">
+      <dgm:prSet/>
+      <dgm:spPr/>
+      <dgm:t>
+        <a:bodyPr/>
+        <a:lstStyle/>
+        <a:p>
+          <a:endParaRPr lang="zh-TW" altLang="en-US">
+            <a:latin typeface="微軟正黑體" pitchFamily="34" charset="-120"/>
+            <a:ea typeface="微軟正黑體" pitchFamily="34" charset="-120"/>
+          </a:endParaRPr>
+        </a:p>
+      </dgm:t>
+    </dgm:pt>
+    <dgm:pt modelId="{C2C5CD53-D281-4BA4-9966-13D79AE8DD51}" type="sibTrans" cxnId="{92F2F569-2467-40A9-B6A8-CB06B85661CF}">
+      <dgm:prSet/>
+      <dgm:spPr/>
+      <dgm:t>
+        <a:bodyPr/>
+        <a:lstStyle/>
+        <a:p>
+          <a:endParaRPr lang="zh-TW" altLang="en-US">
+            <a:latin typeface="微軟正黑體" pitchFamily="34" charset="-120"/>
+            <a:ea typeface="微軟正黑體" pitchFamily="34" charset="-120"/>
+          </a:endParaRPr>
+        </a:p>
+      </dgm:t>
+    </dgm:pt>
+    <dgm:pt modelId="{5296E1D1-5873-4904-B202-5BAABD1CBA6C}">
+      <dgm:prSet custT="1"/>
+      <dgm:spPr/>
+      <dgm:t>
+        <a:bodyPr/>
+        <a:lstStyle/>
+        <a:p>
+          <a:pPr rtl="0"/>
+          <a:r>
+            <a:rPr lang="en-US" sz="1400" b="0" i="0" smtClean="0"/>
+            <a:t>Defensive Programming </a:t>
+          </a:r>
+          <a:r>
+            <a:rPr lang="zh-TW" altLang="en-US" sz="1400" b="0" i="0" smtClean="0"/>
+            <a:t>防禦性程式設計</a:t>
+          </a:r>
+          <a:endParaRPr lang="zh-TW" sz="1400" dirty="0">
+            <a:latin typeface="微軟正黑體" pitchFamily="34" charset="-120"/>
+            <a:ea typeface="微軟正黑體" pitchFamily="34" charset="-120"/>
+          </a:endParaRPr>
+        </a:p>
+      </dgm:t>
+    </dgm:pt>
+    <dgm:pt modelId="{E7FCB7C1-105E-4BF9-B52F-E1BB01AA6E51}" type="parTrans" cxnId="{21FF0410-7705-4147-AC4E-D06C1B5DA30B}">
+      <dgm:prSet/>
+      <dgm:spPr/>
+      <dgm:t>
+        <a:bodyPr/>
+        <a:lstStyle/>
+        <a:p>
+          <a:endParaRPr lang="zh-TW" altLang="en-US"/>
+        </a:p>
+      </dgm:t>
+    </dgm:pt>
+    <dgm:pt modelId="{B2E58D3A-A4FD-44DB-8BC8-9911313149B9}" type="sibTrans" cxnId="{21FF0410-7705-4147-AC4E-D06C1B5DA30B}">
+      <dgm:prSet/>
+      <dgm:spPr/>
+      <dgm:t>
+        <a:bodyPr/>
+        <a:lstStyle/>
+        <a:p>
+          <a:endParaRPr lang="zh-TW" altLang="en-US"/>
+        </a:p>
+      </dgm:t>
+    </dgm:pt>
+    <dgm:pt modelId="{1B829A66-2578-430A-9BA5-8474DE99A2D4}">
+      <dgm:prSet custT="1"/>
+      <dgm:spPr/>
+      <dgm:t>
+        <a:bodyPr/>
+        <a:lstStyle/>
+        <a:p>
+          <a:pPr rtl="0"/>
+          <a:r>
+            <a:rPr lang="en-US" altLang="zh-TW" sz="1400" dirty="0" smtClean="0">
+              <a:latin typeface="微軟正黑體" pitchFamily="34" charset="-120"/>
+              <a:ea typeface="微軟正黑體" pitchFamily="34" charset="-120"/>
+              <a:hlinkClick xmlns:r="http://schemas.openxmlformats.org/officeDocument/2006/relationships" r:id="rId6"/>
+            </a:rPr>
+            <a:t>https://ihower.tw/blog/archives/7259</a:t>
+          </a:r>
+          <a:endParaRPr lang="zh-TW" sz="1400" dirty="0">
+            <a:latin typeface="微軟正黑體" pitchFamily="34" charset="-120"/>
+            <a:ea typeface="微軟正黑體" pitchFamily="34" charset="-120"/>
+          </a:endParaRPr>
+        </a:p>
+      </dgm:t>
+    </dgm:pt>
+    <dgm:pt modelId="{93BB50AD-BAA2-4E79-A601-737522005D67}" type="parTrans" cxnId="{D67B78C5-F0A8-4A34-8CAA-5A8D2F3C3CC7}">
+      <dgm:prSet/>
+      <dgm:spPr/>
+      <dgm:t>
+        <a:bodyPr/>
+        <a:lstStyle/>
+        <a:p>
+          <a:endParaRPr lang="zh-TW" altLang="en-US"/>
+        </a:p>
+      </dgm:t>
+    </dgm:pt>
+    <dgm:pt modelId="{D340CB47-1168-401E-84D8-D4659844456A}" type="sibTrans" cxnId="{D67B78C5-F0A8-4A34-8CAA-5A8D2F3C3CC7}">
+      <dgm:prSet/>
+      <dgm:spPr/>
+      <dgm:t>
+        <a:bodyPr/>
+        <a:lstStyle/>
+        <a:p>
+          <a:endParaRPr lang="zh-TW" altLang="en-US"/>
+        </a:p>
+      </dgm:t>
+    </dgm:pt>
+    <dgm:pt modelId="{B2C06370-F656-43DF-88EA-F115B969F5C6}" type="pres">
+      <dgm:prSet presAssocID="{56A415F5-B9AF-4026-9D88-552983AD2CEC}" presName="linear" presStyleCnt="0">
+        <dgm:presLayoutVars>
+          <dgm:animLvl val="lvl"/>
+          <dgm:resizeHandles val="exact"/>
+        </dgm:presLayoutVars>
+      </dgm:prSet>
+      <dgm:spPr/>
+      <dgm:t>
+        <a:bodyPr/>
+        <a:lstStyle/>
+        <a:p>
+          <a:endParaRPr lang="zh-TW" altLang="en-US"/>
+        </a:p>
+      </dgm:t>
+    </dgm:pt>
+    <dgm:pt modelId="{E4D53833-29AE-4B0B-9AA4-E60C3CB433B2}" type="pres">
+      <dgm:prSet presAssocID="{C46D4D05-CD5F-4545-8DDC-DDDBF7404420}" presName="parentText" presStyleLbl="node1" presStyleIdx="0" presStyleCnt="6">
+        <dgm:presLayoutVars>
+          <dgm:chMax val="0"/>
+          <dgm:bulletEnabled val="1"/>
+        </dgm:presLayoutVars>
+      </dgm:prSet>
+      <dgm:spPr/>
+      <dgm:t>
+        <a:bodyPr/>
+        <a:lstStyle/>
+        <a:p>
+          <a:endParaRPr lang="zh-TW" altLang="en-US"/>
+        </a:p>
+      </dgm:t>
+    </dgm:pt>
+    <dgm:pt modelId="{42972249-60EC-4131-888B-636170E6F665}" type="pres">
+      <dgm:prSet presAssocID="{C46D4D05-CD5F-4545-8DDC-DDDBF7404420}" presName="childText" presStyleLbl="revTx" presStyleIdx="0" presStyleCnt="6">
+        <dgm:presLayoutVars>
+          <dgm:bulletEnabled val="1"/>
+        </dgm:presLayoutVars>
+      </dgm:prSet>
+      <dgm:spPr/>
+      <dgm:t>
+        <a:bodyPr/>
+        <a:lstStyle/>
+        <a:p>
+          <a:endParaRPr lang="zh-TW" altLang="en-US"/>
+        </a:p>
+      </dgm:t>
+    </dgm:pt>
+    <dgm:pt modelId="{8F1C25C7-51F6-48F8-B4B0-AEEE915F7AC5}" type="pres">
+      <dgm:prSet presAssocID="{95900C4F-7221-49C2-B504-88E4A3ED27C9}" presName="parentText" presStyleLbl="node1" presStyleIdx="1" presStyleCnt="6">
+        <dgm:presLayoutVars>
+          <dgm:chMax val="0"/>
+          <dgm:bulletEnabled val="1"/>
+        </dgm:presLayoutVars>
+      </dgm:prSet>
+      <dgm:spPr/>
+      <dgm:t>
+        <a:bodyPr/>
+        <a:lstStyle/>
+        <a:p>
+          <a:endParaRPr lang="zh-TW" altLang="en-US"/>
+        </a:p>
+      </dgm:t>
+    </dgm:pt>
+    <dgm:pt modelId="{975B7BD7-BA18-45C0-8B90-64841DF69D3D}" type="pres">
+      <dgm:prSet presAssocID="{95900C4F-7221-49C2-B504-88E4A3ED27C9}" presName="childText" presStyleLbl="revTx" presStyleIdx="1" presStyleCnt="6">
+        <dgm:presLayoutVars>
+          <dgm:bulletEnabled val="1"/>
+        </dgm:presLayoutVars>
+      </dgm:prSet>
+      <dgm:spPr/>
+      <dgm:t>
+        <a:bodyPr/>
+        <a:lstStyle/>
+        <a:p>
+          <a:endParaRPr lang="zh-TW" altLang="en-US"/>
+        </a:p>
+      </dgm:t>
+    </dgm:pt>
+    <dgm:pt modelId="{C7DFDAAC-9B53-43A9-BA50-C080D1DABFAD}" type="pres">
+      <dgm:prSet presAssocID="{B9A9F9E1-2E2B-4439-83F3-1AB9501C2DF1}" presName="parentText" presStyleLbl="node1" presStyleIdx="2" presStyleCnt="6">
+        <dgm:presLayoutVars>
+          <dgm:chMax val="0"/>
+          <dgm:bulletEnabled val="1"/>
+        </dgm:presLayoutVars>
+      </dgm:prSet>
+      <dgm:spPr/>
+      <dgm:t>
+        <a:bodyPr/>
+        <a:lstStyle/>
+        <a:p>
+          <a:endParaRPr lang="zh-TW" altLang="en-US"/>
+        </a:p>
+      </dgm:t>
+    </dgm:pt>
+    <dgm:pt modelId="{65FA0EAB-4AEE-4A92-AC82-59CE948C0152}" type="pres">
+      <dgm:prSet presAssocID="{B9A9F9E1-2E2B-4439-83F3-1AB9501C2DF1}" presName="childText" presStyleLbl="revTx" presStyleIdx="2" presStyleCnt="6">
+        <dgm:presLayoutVars>
+          <dgm:bulletEnabled val="1"/>
+        </dgm:presLayoutVars>
+      </dgm:prSet>
+      <dgm:spPr/>
+      <dgm:t>
+        <a:bodyPr/>
+        <a:lstStyle/>
+        <a:p>
+          <a:endParaRPr lang="zh-TW" altLang="en-US"/>
+        </a:p>
+      </dgm:t>
+    </dgm:pt>
+    <dgm:pt modelId="{5D062E3F-1CDB-4BB5-8AE4-B420A0E5EDC8}" type="pres">
+      <dgm:prSet presAssocID="{107CB80F-803A-44D4-81F2-323AE0242253}" presName="parentText" presStyleLbl="node1" presStyleIdx="3" presStyleCnt="6">
+        <dgm:presLayoutVars>
+          <dgm:chMax val="0"/>
+          <dgm:bulletEnabled val="1"/>
+        </dgm:presLayoutVars>
+      </dgm:prSet>
+      <dgm:spPr/>
+      <dgm:t>
+        <a:bodyPr/>
+        <a:lstStyle/>
+        <a:p>
+          <a:endParaRPr lang="zh-TW" altLang="en-US"/>
+        </a:p>
+      </dgm:t>
+    </dgm:pt>
+    <dgm:pt modelId="{1A98411F-BB4A-4FE7-BF2F-526C103E9669}" type="pres">
+      <dgm:prSet presAssocID="{107CB80F-803A-44D4-81F2-323AE0242253}" presName="childText" presStyleLbl="revTx" presStyleIdx="3" presStyleCnt="6">
+        <dgm:presLayoutVars>
+          <dgm:bulletEnabled val="1"/>
+        </dgm:presLayoutVars>
+      </dgm:prSet>
+      <dgm:spPr/>
+      <dgm:t>
+        <a:bodyPr/>
+        <a:lstStyle/>
+        <a:p>
+          <a:endParaRPr lang="zh-TW" altLang="en-US"/>
+        </a:p>
+      </dgm:t>
+    </dgm:pt>
+    <dgm:pt modelId="{A53D2157-4E4D-4092-B069-43EFCEA34D39}" type="pres">
+      <dgm:prSet presAssocID="{0E146B81-4288-43BE-B510-954567A6F283}" presName="parentText" presStyleLbl="node1" presStyleIdx="4" presStyleCnt="6">
+        <dgm:presLayoutVars>
+          <dgm:chMax val="0"/>
+          <dgm:bulletEnabled val="1"/>
+        </dgm:presLayoutVars>
+      </dgm:prSet>
+      <dgm:spPr/>
+      <dgm:t>
+        <a:bodyPr/>
+        <a:lstStyle/>
+        <a:p>
+          <a:endParaRPr lang="zh-TW" altLang="en-US"/>
+        </a:p>
+      </dgm:t>
+    </dgm:pt>
+    <dgm:pt modelId="{CCE9917A-38AE-4D39-86E4-CA05261F6BDB}" type="pres">
+      <dgm:prSet presAssocID="{0E146B81-4288-43BE-B510-954567A6F283}" presName="childText" presStyleLbl="revTx" presStyleIdx="4" presStyleCnt="6">
+        <dgm:presLayoutVars>
+          <dgm:bulletEnabled val="1"/>
+        </dgm:presLayoutVars>
+      </dgm:prSet>
+      <dgm:spPr/>
+      <dgm:t>
+        <a:bodyPr/>
+        <a:lstStyle/>
+        <a:p>
+          <a:endParaRPr lang="zh-TW" altLang="en-US"/>
+        </a:p>
+      </dgm:t>
+    </dgm:pt>
+    <dgm:pt modelId="{5C328887-E348-4682-B966-131F1137C794}" type="pres">
+      <dgm:prSet presAssocID="{5296E1D1-5873-4904-B202-5BAABD1CBA6C}" presName="parentText" presStyleLbl="node1" presStyleIdx="5" presStyleCnt="6">
+        <dgm:presLayoutVars>
+          <dgm:chMax val="0"/>
+          <dgm:bulletEnabled val="1"/>
+        </dgm:presLayoutVars>
+      </dgm:prSet>
+      <dgm:spPr/>
+      <dgm:t>
+        <a:bodyPr/>
+        <a:lstStyle/>
+        <a:p>
+          <a:endParaRPr lang="zh-TW" altLang="en-US"/>
+        </a:p>
+      </dgm:t>
+    </dgm:pt>
+    <dgm:pt modelId="{6D1264EF-B2A6-41DB-8D0F-1F9DE43068E7}" type="pres">
+      <dgm:prSet presAssocID="{5296E1D1-5873-4904-B202-5BAABD1CBA6C}" presName="childText" presStyleLbl="revTx" presStyleIdx="5" presStyleCnt="6">
+        <dgm:presLayoutVars>
+          <dgm:bulletEnabled val="1"/>
+        </dgm:presLayoutVars>
+      </dgm:prSet>
+      <dgm:spPr/>
+      <dgm:t>
+        <a:bodyPr/>
+        <a:lstStyle/>
+        <a:p>
+          <a:endParaRPr lang="zh-TW" altLang="en-US"/>
+        </a:p>
+      </dgm:t>
+    </dgm:pt>
+  </dgm:ptLst>
+  <dgm:cxnLst>
+    <dgm:cxn modelId="{1A9EF4EF-7A5D-4486-AEEC-819EE51FE33F}" srcId="{56A415F5-B9AF-4026-9D88-552983AD2CEC}" destId="{B9A9F9E1-2E2B-4439-83F3-1AB9501C2DF1}" srcOrd="2" destOrd="0" parTransId="{1B3E79F3-A5E5-4E5D-93E3-5C19828904AB}" sibTransId="{4D098100-CB67-4FD7-BC52-C8F3D4675060}"/>
+    <dgm:cxn modelId="{9C0C5EBD-FBE5-413B-BFA7-753953B6DB59}" type="presOf" srcId="{A64B9E20-30F0-4FBF-9EFF-1F3230FE4305}" destId="{CCE9917A-38AE-4D39-86E4-CA05261F6BDB}" srcOrd="0" destOrd="0" presId="urn:microsoft.com/office/officeart/2005/8/layout/vList2"/>
+    <dgm:cxn modelId="{3768AA1F-0F2F-4E5E-9B5B-C72BE4877062}" type="presOf" srcId="{BA891C2F-21D5-4DA3-90EE-5F6CEC61A524}" destId="{1A98411F-BB4A-4FE7-BF2F-526C103E9669}" srcOrd="0" destOrd="0" presId="urn:microsoft.com/office/officeart/2005/8/layout/vList2"/>
+    <dgm:cxn modelId="{A262797D-49E3-4A13-B928-B242330BD053}" srcId="{56A415F5-B9AF-4026-9D88-552983AD2CEC}" destId="{C46D4D05-CD5F-4545-8DDC-DDDBF7404420}" srcOrd="0" destOrd="0" parTransId="{6D13D329-0873-40C5-A90D-761178D0DCD5}" sibTransId="{00A1C80E-03EE-409E-9F29-F0B8D433D268}"/>
+    <dgm:cxn modelId="{E57F2A01-C140-4478-B6C5-67DCF8333632}" type="presOf" srcId="{107CB80F-803A-44D4-81F2-323AE0242253}" destId="{5D062E3F-1CDB-4BB5-8AE4-B420A0E5EDC8}" srcOrd="0" destOrd="0" presId="urn:microsoft.com/office/officeart/2005/8/layout/vList2"/>
+    <dgm:cxn modelId="{AEBB2830-03E3-46E6-ABB7-910B25183281}" type="presOf" srcId="{C46D4D05-CD5F-4545-8DDC-DDDBF7404420}" destId="{E4D53833-29AE-4B0B-9AA4-E60C3CB433B2}" srcOrd="0" destOrd="0" presId="urn:microsoft.com/office/officeart/2005/8/layout/vList2"/>
+    <dgm:cxn modelId="{1D101053-89EF-4098-922E-C8A2084862A5}" type="presOf" srcId="{0E146B81-4288-43BE-B510-954567A6F283}" destId="{A53D2157-4E4D-4092-B069-43EFCEA34D39}" srcOrd="0" destOrd="0" presId="urn:microsoft.com/office/officeart/2005/8/layout/vList2"/>
+    <dgm:cxn modelId="{84E4EB6E-384E-4CDA-A6F5-AD1699F79A86}" type="presOf" srcId="{1B829A66-2578-430A-9BA5-8474DE99A2D4}" destId="{6D1264EF-B2A6-41DB-8D0F-1F9DE43068E7}" srcOrd="0" destOrd="0" presId="urn:microsoft.com/office/officeart/2005/8/layout/vList2"/>
+    <dgm:cxn modelId="{944CC3D2-7162-4C2D-B413-EFF6BC9A8AD5}" type="presOf" srcId="{5296E1D1-5873-4904-B202-5BAABD1CBA6C}" destId="{5C328887-E348-4682-B966-131F1137C794}" srcOrd="0" destOrd="0" presId="urn:microsoft.com/office/officeart/2005/8/layout/vList2"/>
+    <dgm:cxn modelId="{17E9CD17-63B6-41FB-AE49-5A803525C02F}" type="presOf" srcId="{81B4B438-01F7-40E2-9D98-E99B3BC2BC06}" destId="{65FA0EAB-4AEE-4A92-AC82-59CE948C0152}" srcOrd="0" destOrd="0" presId="urn:microsoft.com/office/officeart/2005/8/layout/vList2"/>
+    <dgm:cxn modelId="{ACE1F2CB-2D84-4A6B-A7D6-7B7A0EAADFED}" type="presOf" srcId="{4A0CCAF8-409C-4FA0-B87F-E1A531750C1D}" destId="{42972249-60EC-4131-888B-636170E6F665}" srcOrd="0" destOrd="0" presId="urn:microsoft.com/office/officeart/2005/8/layout/vList2"/>
+    <dgm:cxn modelId="{92F2F569-2467-40A9-B6A8-CB06B85661CF}" srcId="{0E146B81-4288-43BE-B510-954567A6F283}" destId="{A64B9E20-30F0-4FBF-9EFF-1F3230FE4305}" srcOrd="0" destOrd="0" parTransId="{7D6EC0B2-2F45-4FD8-8F03-F92583C107D7}" sibTransId="{C2C5CD53-D281-4BA4-9966-13D79AE8DD51}"/>
+    <dgm:cxn modelId="{3154A109-5A7D-4DBC-8606-E44B7D2B7D4D}" type="presOf" srcId="{56A415F5-B9AF-4026-9D88-552983AD2CEC}" destId="{B2C06370-F656-43DF-88EA-F115B969F5C6}" srcOrd="0" destOrd="0" presId="urn:microsoft.com/office/officeart/2005/8/layout/vList2"/>
+    <dgm:cxn modelId="{C41C20D0-1D84-47D4-801E-702CFD9C74A1}" srcId="{56A415F5-B9AF-4026-9D88-552983AD2CEC}" destId="{0E146B81-4288-43BE-B510-954567A6F283}" srcOrd="4" destOrd="0" parTransId="{BF253323-D6E7-438B-A5A7-D98F45E7FFAB}" sibTransId="{AC9A62D1-260D-41D0-A42A-27F6C4E65BC3}"/>
+    <dgm:cxn modelId="{4B884AE3-8B12-4CFC-AFD0-BF762F3DD632}" srcId="{107CB80F-803A-44D4-81F2-323AE0242253}" destId="{BA891C2F-21D5-4DA3-90EE-5F6CEC61A524}" srcOrd="0" destOrd="0" parTransId="{155FBFA0-EDD3-4D43-9222-BF5F46286C2A}" sibTransId="{F719D906-87D3-4F87-A5A5-6F7FEC4E2AB3}"/>
+    <dgm:cxn modelId="{55F06B01-4EA4-4194-AC69-86163D2A1BF5}" type="presOf" srcId="{95900C4F-7221-49C2-B504-88E4A3ED27C9}" destId="{8F1C25C7-51F6-48F8-B4B0-AEEE915F7AC5}" srcOrd="0" destOrd="0" presId="urn:microsoft.com/office/officeart/2005/8/layout/vList2"/>
+    <dgm:cxn modelId="{37D80122-5141-4F8E-94B3-84A2E7B421C8}" srcId="{B9A9F9E1-2E2B-4439-83F3-1AB9501C2DF1}" destId="{81B4B438-01F7-40E2-9D98-E99B3BC2BC06}" srcOrd="0" destOrd="0" parTransId="{B2EE07D0-6BD8-4AA4-A1E7-8A145DEFCAF9}" sibTransId="{F191C67A-AD4B-4FED-8686-3B8AC063C90A}"/>
+    <dgm:cxn modelId="{CD9B456E-7FA1-44D4-8B5D-A2424BB4D4D3}" type="presOf" srcId="{B9A9F9E1-2E2B-4439-83F3-1AB9501C2DF1}" destId="{C7DFDAAC-9B53-43A9-BA50-C080D1DABFAD}" srcOrd="0" destOrd="0" presId="urn:microsoft.com/office/officeart/2005/8/layout/vList2"/>
+    <dgm:cxn modelId="{D67B78C5-F0A8-4A34-8CAA-5A8D2F3C3CC7}" srcId="{5296E1D1-5873-4904-B202-5BAABD1CBA6C}" destId="{1B829A66-2578-430A-9BA5-8474DE99A2D4}" srcOrd="0" destOrd="0" parTransId="{93BB50AD-BAA2-4E79-A601-737522005D67}" sibTransId="{D340CB47-1168-401E-84D8-D4659844456A}"/>
+    <dgm:cxn modelId="{A1A9D8FE-8D9F-4073-B77A-35D993E7D563}" srcId="{95900C4F-7221-49C2-B504-88E4A3ED27C9}" destId="{5A75CF1E-E7D0-4CD1-81C7-CF9222BFA9D5}" srcOrd="0" destOrd="0" parTransId="{ECFF943E-9531-4701-8471-9E0844F1AD4E}" sibTransId="{01D9F667-E2BE-42F2-8786-5CC2157AFF8F}"/>
+    <dgm:cxn modelId="{0121DA55-7BDC-44F9-B1D8-E937A8C84EAC}" srcId="{56A415F5-B9AF-4026-9D88-552983AD2CEC}" destId="{107CB80F-803A-44D4-81F2-323AE0242253}" srcOrd="3" destOrd="0" parTransId="{B1D06BE3-D188-4A06-84B6-09CE4214FD4B}" sibTransId="{A5369CD7-DB22-4FE8-BF1B-A88EAFEDD3AB}"/>
+    <dgm:cxn modelId="{21FF0410-7705-4147-AC4E-D06C1B5DA30B}" srcId="{56A415F5-B9AF-4026-9D88-552983AD2CEC}" destId="{5296E1D1-5873-4904-B202-5BAABD1CBA6C}" srcOrd="5" destOrd="0" parTransId="{E7FCB7C1-105E-4BF9-B52F-E1BB01AA6E51}" sibTransId="{B2E58D3A-A4FD-44DB-8BC8-9911313149B9}"/>
+    <dgm:cxn modelId="{6C714191-75C4-4A5E-81A3-9F85930DDCB5}" type="presOf" srcId="{5A75CF1E-E7D0-4CD1-81C7-CF9222BFA9D5}" destId="{975B7BD7-BA18-45C0-8B90-64841DF69D3D}" srcOrd="0" destOrd="0" presId="urn:microsoft.com/office/officeart/2005/8/layout/vList2"/>
+    <dgm:cxn modelId="{61DCA458-E733-4F91-92CD-3CCF14A26D02}" srcId="{56A415F5-B9AF-4026-9D88-552983AD2CEC}" destId="{95900C4F-7221-49C2-B504-88E4A3ED27C9}" srcOrd="1" destOrd="0" parTransId="{8CA5052C-39FA-4284-8A61-1FA709F2C2F1}" sibTransId="{39F08740-CC76-4135-8A16-D4C87743EE63}"/>
+    <dgm:cxn modelId="{3BE2DA58-3C42-4E5E-8358-278E60683C03}" srcId="{C46D4D05-CD5F-4545-8DDC-DDDBF7404420}" destId="{4A0CCAF8-409C-4FA0-B87F-E1A531750C1D}" srcOrd="0" destOrd="0" parTransId="{4F946E3B-2655-4483-9FF9-46E147C8C964}" sibTransId="{665B2625-61E7-41A6-AAD1-E4460C9A8D5C}"/>
+    <dgm:cxn modelId="{4C805E80-0ADC-446D-81BE-073F2599BE29}" type="presParOf" srcId="{B2C06370-F656-43DF-88EA-F115B969F5C6}" destId="{E4D53833-29AE-4B0B-9AA4-E60C3CB433B2}" srcOrd="0" destOrd="0" presId="urn:microsoft.com/office/officeart/2005/8/layout/vList2"/>
+    <dgm:cxn modelId="{914C430C-8CE0-41A1-981B-3DB5D15D3612}" type="presParOf" srcId="{B2C06370-F656-43DF-88EA-F115B969F5C6}" destId="{42972249-60EC-4131-888B-636170E6F665}" srcOrd="1" destOrd="0" presId="urn:microsoft.com/office/officeart/2005/8/layout/vList2"/>
+    <dgm:cxn modelId="{D9146471-D9A1-4E83-B1D0-38C921FDDFDD}" type="presParOf" srcId="{B2C06370-F656-43DF-88EA-F115B969F5C6}" destId="{8F1C25C7-51F6-48F8-B4B0-AEEE915F7AC5}" srcOrd="2" destOrd="0" presId="urn:microsoft.com/office/officeart/2005/8/layout/vList2"/>
+    <dgm:cxn modelId="{FBDBC344-DD63-4735-869E-7446B478008B}" type="presParOf" srcId="{B2C06370-F656-43DF-88EA-F115B969F5C6}" destId="{975B7BD7-BA18-45C0-8B90-64841DF69D3D}" srcOrd="3" destOrd="0" presId="urn:microsoft.com/office/officeart/2005/8/layout/vList2"/>
+    <dgm:cxn modelId="{1F73012A-7BBB-452B-9123-447E08B2F800}" type="presParOf" srcId="{B2C06370-F656-43DF-88EA-F115B969F5C6}" destId="{C7DFDAAC-9B53-43A9-BA50-C080D1DABFAD}" srcOrd="4" destOrd="0" presId="urn:microsoft.com/office/officeart/2005/8/layout/vList2"/>
+    <dgm:cxn modelId="{9BDD0ABA-ADFB-4254-863D-56B671793696}" type="presParOf" srcId="{B2C06370-F656-43DF-88EA-F115B969F5C6}" destId="{65FA0EAB-4AEE-4A92-AC82-59CE948C0152}" srcOrd="5" destOrd="0" presId="urn:microsoft.com/office/officeart/2005/8/layout/vList2"/>
+    <dgm:cxn modelId="{6AE2F05C-CCF2-450E-AA02-40E65B6702B8}" type="presParOf" srcId="{B2C06370-F656-43DF-88EA-F115B969F5C6}" destId="{5D062E3F-1CDB-4BB5-8AE4-B420A0E5EDC8}" srcOrd="6" destOrd="0" presId="urn:microsoft.com/office/officeart/2005/8/layout/vList2"/>
+    <dgm:cxn modelId="{709B763B-48CE-4305-94C4-88643279CDC9}" type="presParOf" srcId="{B2C06370-F656-43DF-88EA-F115B969F5C6}" destId="{1A98411F-BB4A-4FE7-BF2F-526C103E9669}" srcOrd="7" destOrd="0" presId="urn:microsoft.com/office/officeart/2005/8/layout/vList2"/>
+    <dgm:cxn modelId="{01DEF9D6-8B99-47D9-9487-081C7A75315E}" type="presParOf" srcId="{B2C06370-F656-43DF-88EA-F115B969F5C6}" destId="{A53D2157-4E4D-4092-B069-43EFCEA34D39}" srcOrd="8" destOrd="0" presId="urn:microsoft.com/office/officeart/2005/8/layout/vList2"/>
+    <dgm:cxn modelId="{BF45DB05-9F32-4A06-AE2E-6D6B60BDB0F4}" type="presParOf" srcId="{B2C06370-F656-43DF-88EA-F115B969F5C6}" destId="{CCE9917A-38AE-4D39-86E4-CA05261F6BDB}" srcOrd="9" destOrd="0" presId="urn:microsoft.com/office/officeart/2005/8/layout/vList2"/>
+    <dgm:cxn modelId="{BE20F364-7564-485C-B992-ABB11D8606BB}" type="presParOf" srcId="{B2C06370-F656-43DF-88EA-F115B969F5C6}" destId="{5C328887-E348-4682-B966-131F1137C794}" srcOrd="10" destOrd="0" presId="urn:microsoft.com/office/officeart/2005/8/layout/vList2"/>
+    <dgm:cxn modelId="{4697A58C-2C5D-4B4B-910E-401317E45F98}" type="presParOf" srcId="{B2C06370-F656-43DF-88EA-F115B969F5C6}" destId="{6D1264EF-B2A6-41DB-8D0F-1F9DE43068E7}" srcOrd="11" destOrd="0" presId="urn:microsoft.com/office/officeart/2005/8/layout/vList2"/>
+  </dgm:cxnLst>
+  <dgm:bg/>
+  <dgm:whole/>
+  <dgm:extLst>
+    <a:ext uri="http://schemas.microsoft.com/office/drawing/2008/diagram">
+      <dsp:dataModelExt xmlns:dsp="http://schemas.microsoft.com/office/drawing/2008/diagram" relId="rId7" minVer="http://schemas.openxmlformats.org/drawingml/2006/diagram"/>
+    </a:ext>
+  </dgm:extLst>
+</dgm:dataModel>
+</file>
+
 <file path=ppt/diagrams/drawing1.xml><?xml version="1.0" encoding="utf-8"?>
 <dsp:drawing xmlns:dgm="http://schemas.openxmlformats.org/drawingml/2006/diagram" xmlns:dsp="http://schemas.microsoft.com/office/drawing/2008/diagram" xmlns:a="http://schemas.openxmlformats.org/drawingml/2006/main">
   <dsp:spTree>
@@ -13643,8 +12402,8 @@
       </dsp:nvSpPr>
       <dsp:spPr>
         <a:xfrm>
-          <a:off x="2534681" y="1722"/>
-          <a:ext cx="3802022" cy="932798"/>
+          <a:off x="2534681" y="1476"/>
+          <a:ext cx="3802022" cy="1171536"/>
         </a:xfrm>
         <a:prstGeom prst="rightArrow">
           <a:avLst>
@@ -13696,8 +12455,8 @@
       </dsp:nvSpPr>
       <dsp:spPr>
         <a:xfrm>
-          <a:off x="0" y="1722"/>
-          <a:ext cx="2534681" cy="932798"/>
+          <a:off x="0" y="1476"/>
+          <a:ext cx="2534681" cy="1171536"/>
         </a:xfrm>
         <a:prstGeom prst="roundRect">
           <a:avLst/>
@@ -13776,8 +12535,8 @@
         </a:p>
       </dsp:txBody>
       <dsp:txXfrm>
-        <a:off x="45535" y="47257"/>
-        <a:ext cx="2443611" cy="841728"/>
+        <a:off x="57190" y="58666"/>
+        <a:ext cx="2420301" cy="1057156"/>
       </dsp:txXfrm>
     </dsp:sp>
     <dsp:sp modelId="{8BD4EEE7-1427-4518-9745-39B7354EF66B}">
@@ -13787,8 +12546,8 @@
       </dsp:nvSpPr>
       <dsp:spPr>
         <a:xfrm>
-          <a:off x="2534681" y="1027801"/>
-          <a:ext cx="3802022" cy="932798"/>
+          <a:off x="2534681" y="1290166"/>
+          <a:ext cx="3802022" cy="1171536"/>
         </a:xfrm>
         <a:prstGeom prst="rightArrow">
           <a:avLst>
@@ -13840,8 +12599,8 @@
       </dsp:nvSpPr>
       <dsp:spPr>
         <a:xfrm>
-          <a:off x="0" y="1027801"/>
-          <a:ext cx="2534681" cy="932798"/>
+          <a:off x="0" y="1290166"/>
+          <a:ext cx="2534681" cy="1171536"/>
         </a:xfrm>
         <a:prstGeom prst="roundRect">
           <a:avLst/>
@@ -13913,8 +12672,8 @@
         </a:p>
       </dsp:txBody>
       <dsp:txXfrm>
-        <a:off x="45535" y="1073336"/>
-        <a:ext cx="2443611" cy="841728"/>
+        <a:off x="57190" y="1347356"/>
+        <a:ext cx="2420301" cy="1057156"/>
       </dsp:txXfrm>
     </dsp:sp>
     <dsp:sp modelId="{BC296577-4E4D-49ED-869C-F3278201FBDD}">
@@ -13924,8 +12683,8 @@
       </dsp:nvSpPr>
       <dsp:spPr>
         <a:xfrm>
-          <a:off x="2534681" y="2053880"/>
-          <a:ext cx="3802022" cy="932798"/>
+          <a:off x="2534681" y="2578856"/>
+          <a:ext cx="3802022" cy="1171536"/>
         </a:xfrm>
         <a:prstGeom prst="rightArrow">
           <a:avLst>
@@ -13977,8 +12736,8 @@
       </dsp:nvSpPr>
       <dsp:spPr>
         <a:xfrm>
-          <a:off x="0" y="2053880"/>
-          <a:ext cx="2534681" cy="932798"/>
+          <a:off x="0" y="2578856"/>
+          <a:ext cx="2534681" cy="1171536"/>
         </a:xfrm>
         <a:prstGeom prst="roundRect">
           <a:avLst/>
@@ -14050,8 +12809,8 @@
         </a:p>
       </dsp:txBody>
       <dsp:txXfrm>
-        <a:off x="45535" y="2099415"/>
-        <a:ext cx="2443611" cy="841728"/>
+        <a:off x="57190" y="2636046"/>
+        <a:ext cx="2420301" cy="1057156"/>
       </dsp:txXfrm>
     </dsp:sp>
     <dsp:sp modelId="{707BD0A1-2D34-4259-AA0C-BF3244CC8AFA}">
@@ -14061,8 +12820,8 @@
       </dsp:nvSpPr>
       <dsp:spPr>
         <a:xfrm>
-          <a:off x="2534681" y="3079959"/>
-          <a:ext cx="3802022" cy="932798"/>
+          <a:off x="2534681" y="3867546"/>
+          <a:ext cx="3802022" cy="1171536"/>
         </a:xfrm>
         <a:prstGeom prst="rightArrow">
           <a:avLst>
@@ -14114,8 +12873,8 @@
       </dsp:nvSpPr>
       <dsp:spPr>
         <a:xfrm>
-          <a:off x="0" y="3079959"/>
-          <a:ext cx="2534681" cy="932798"/>
+          <a:off x="0" y="3867546"/>
+          <a:ext cx="2534681" cy="1171536"/>
         </a:xfrm>
         <a:prstGeom prst="roundRect">
           <a:avLst/>
@@ -14194,1092 +12953,8 @@
         </a:p>
       </dsp:txBody>
       <dsp:txXfrm>
-        <a:off x="45535" y="3125494"/>
-        <a:ext cx="2443611" cy="841728"/>
-      </dsp:txXfrm>
-    </dsp:sp>
-    <dsp:sp modelId="{5DDD41A6-67F3-46F4-ABE2-87219C2385A6}">
-      <dsp:nvSpPr>
-        <dsp:cNvPr id="0" name=""/>
-        <dsp:cNvSpPr/>
-      </dsp:nvSpPr>
-      <dsp:spPr>
-        <a:xfrm>
-          <a:off x="2534681" y="4106038"/>
-          <a:ext cx="3802022" cy="932798"/>
-        </a:xfrm>
-        <a:prstGeom prst="rightArrow">
-          <a:avLst>
-            <a:gd name="adj1" fmla="val 75000"/>
-            <a:gd name="adj2" fmla="val 50000"/>
-          </a:avLst>
-        </a:prstGeom>
-        <a:solidFill>
-          <a:schemeClr val="lt1">
-            <a:alpha val="90000"/>
-            <a:tint val="40000"/>
-            <a:hueOff val="0"/>
-            <a:satOff val="0"/>
-            <a:lumOff val="0"/>
-            <a:alphaOff val="0"/>
-          </a:schemeClr>
-        </a:solidFill>
-        <a:ln w="25400" cap="flat" cmpd="sng" algn="ctr">
-          <a:solidFill>
-            <a:schemeClr val="accent1">
-              <a:alpha val="90000"/>
-              <a:hueOff val="0"/>
-              <a:satOff val="0"/>
-              <a:lumOff val="0"/>
-              <a:alphaOff val="0"/>
-            </a:schemeClr>
-          </a:solidFill>
-          <a:prstDash val="solid"/>
-        </a:ln>
-        <a:effectLst/>
-      </dsp:spPr>
-      <dsp:style>
-        <a:lnRef idx="2">
-          <a:scrgbClr r="0" g="0" b="0"/>
-        </a:lnRef>
-        <a:fillRef idx="1">
-          <a:scrgbClr r="0" g="0" b="0"/>
-        </a:fillRef>
-        <a:effectRef idx="0">
-          <a:scrgbClr r="0" g="0" b="0"/>
-        </a:effectRef>
-        <a:fontRef idx="minor"/>
-      </dsp:style>
-    </dsp:sp>
-    <dsp:sp modelId="{EAA6A477-D893-4281-B73D-57CB63F3DE67}">
-      <dsp:nvSpPr>
-        <dsp:cNvPr id="0" name=""/>
-        <dsp:cNvSpPr/>
-      </dsp:nvSpPr>
-      <dsp:spPr>
-        <a:xfrm>
-          <a:off x="0" y="4106038"/>
-          <a:ext cx="2534681" cy="932798"/>
-        </a:xfrm>
-        <a:prstGeom prst="roundRect">
-          <a:avLst/>
-        </a:prstGeom>
-        <a:solidFill>
-          <a:schemeClr val="lt1">
-            <a:hueOff val="0"/>
-            <a:satOff val="0"/>
-            <a:lumOff val="0"/>
-            <a:alphaOff val="0"/>
-          </a:schemeClr>
-        </a:solidFill>
-        <a:ln w="25400" cap="flat" cmpd="sng" algn="ctr">
-          <a:solidFill>
-            <a:schemeClr val="accent1">
-              <a:shade val="80000"/>
-              <a:hueOff val="0"/>
-              <a:satOff val="0"/>
-              <a:lumOff val="0"/>
-              <a:alphaOff val="0"/>
-            </a:schemeClr>
-          </a:solidFill>
-          <a:prstDash val="solid"/>
-        </a:ln>
-        <a:effectLst/>
-      </dsp:spPr>
-      <dsp:style>
-        <a:lnRef idx="2">
-          <a:scrgbClr r="0" g="0" b="0"/>
-        </a:lnRef>
-        <a:fillRef idx="1">
-          <a:scrgbClr r="0" g="0" b="0"/>
-        </a:fillRef>
-        <a:effectRef idx="0">
-          <a:scrgbClr r="0" g="0" b="0"/>
-        </a:effectRef>
-        <a:fontRef idx="minor">
-          <a:schemeClr val="lt1"/>
-        </a:fontRef>
-      </dsp:style>
-      <dsp:txBody>
-        <a:bodyPr spcFirstLastPara="0" vert="horz" wrap="square" lIns="76200" tIns="38100" rIns="76200" bIns="38100" numCol="1" spcCol="1270" anchor="ctr" anchorCtr="0">
-          <a:noAutofit/>
-        </a:bodyPr>
-        <a:lstStyle/>
-        <a:p>
-          <a:pPr lvl="0" algn="ctr" defTabSz="889000" rtl="0">
-            <a:lnSpc>
-              <a:spcPct val="90000"/>
-            </a:lnSpc>
-            <a:spcBef>
-              <a:spcPct val="0"/>
-            </a:spcBef>
-            <a:spcAft>
-              <a:spcPct val="35000"/>
-            </a:spcAft>
-          </a:pPr>
-          <a:r>
-            <a:rPr lang="zh-TW" altLang="en-US" sz="2000" kern="1200" dirty="0" smtClean="0">
-              <a:latin typeface="微軟正黑體" pitchFamily="34" charset="-120"/>
-              <a:ea typeface="微軟正黑體" pitchFamily="34" charset="-120"/>
-            </a:rPr>
-            <a:t>黑洞</a:t>
-          </a:r>
-          <a:endParaRPr lang="zh-TW" altLang="en-US" sz="2000" kern="1200" dirty="0">
-            <a:latin typeface="微軟正黑體" pitchFamily="34" charset="-120"/>
-            <a:ea typeface="微軟正黑體" pitchFamily="34" charset="-120"/>
-          </a:endParaRPr>
-        </a:p>
-      </dsp:txBody>
-      <dsp:txXfrm>
-        <a:off x="45535" y="4151573"/>
-        <a:ext cx="2443611" cy="841728"/>
-      </dsp:txXfrm>
-    </dsp:sp>
-  </dsp:spTree>
-</dsp:drawing>
-</file>
-
-<file path=ppt/diagrams/drawing10.xml><?xml version="1.0" encoding="utf-8"?>
-<dsp:drawing xmlns:dgm="http://schemas.openxmlformats.org/drawingml/2006/diagram" xmlns:dsp="http://schemas.microsoft.com/office/drawing/2008/diagram" xmlns:a="http://schemas.openxmlformats.org/drawingml/2006/main">
-  <dsp:spTree>
-    <dsp:nvGrpSpPr>
-      <dsp:cNvPr id="0" name=""/>
-      <dsp:cNvGrpSpPr/>
-    </dsp:nvGrpSpPr>
-    <dsp:grpSpPr/>
-    <dsp:sp modelId="{E4D53833-29AE-4B0B-9AA4-E60C3CB433B2}">
-      <dsp:nvSpPr>
-        <dsp:cNvPr id="0" name=""/>
-        <dsp:cNvSpPr/>
-      </dsp:nvSpPr>
-      <dsp:spPr>
-        <a:xfrm>
-          <a:off x="0" y="790"/>
-          <a:ext cx="8208912" cy="451089"/>
-        </a:xfrm>
-        <a:prstGeom prst="roundRect">
-          <a:avLst/>
-        </a:prstGeom>
-        <a:solidFill>
-          <a:schemeClr val="accent1">
-            <a:hueOff val="0"/>
-            <a:satOff val="0"/>
-            <a:lumOff val="0"/>
-            <a:alphaOff val="0"/>
-          </a:schemeClr>
-        </a:solidFill>
-        <a:ln w="25400" cap="flat" cmpd="sng" algn="ctr">
-          <a:solidFill>
-            <a:schemeClr val="lt1">
-              <a:hueOff val="0"/>
-              <a:satOff val="0"/>
-              <a:lumOff val="0"/>
-              <a:alphaOff val="0"/>
-            </a:schemeClr>
-          </a:solidFill>
-          <a:prstDash val="solid"/>
-        </a:ln>
-        <a:effectLst/>
-      </dsp:spPr>
-      <dsp:style>
-        <a:lnRef idx="2">
-          <a:scrgbClr r="0" g="0" b="0"/>
-        </a:lnRef>
-        <a:fillRef idx="1">
-          <a:scrgbClr r="0" g="0" b="0"/>
-        </a:fillRef>
-        <a:effectRef idx="0">
-          <a:scrgbClr r="0" g="0" b="0"/>
-        </a:effectRef>
-        <a:fontRef idx="minor">
-          <a:schemeClr val="lt1"/>
-        </a:fontRef>
-      </dsp:style>
-      <dsp:txBody>
-        <a:bodyPr spcFirstLastPara="0" vert="horz" wrap="square" lIns="68580" tIns="68580" rIns="68580" bIns="68580" numCol="1" spcCol="1270" anchor="ctr" anchorCtr="0">
-          <a:noAutofit/>
-        </a:bodyPr>
-        <a:lstStyle/>
-        <a:p>
-          <a:pPr lvl="0" algn="l" defTabSz="800100" rtl="0">
-            <a:lnSpc>
-              <a:spcPct val="90000"/>
-            </a:lnSpc>
-            <a:spcBef>
-              <a:spcPct val="0"/>
-            </a:spcBef>
-            <a:spcAft>
-              <a:spcPct val="35000"/>
-            </a:spcAft>
-          </a:pPr>
-          <a:r>
-            <a:rPr lang="zh-TW" altLang="en-US" sz="1800" kern="1200" smtClean="0">
-              <a:latin typeface="微軟正黑體" pitchFamily="34" charset="-120"/>
-              <a:ea typeface="微軟正黑體" pitchFamily="34" charset="-120"/>
-            </a:rPr>
-            <a:t>寫出健壯的 </a:t>
-          </a:r>
-          <a:r>
-            <a:rPr lang="en-US" altLang="zh-TW" sz="1800" kern="1200" smtClean="0">
-              <a:latin typeface="微軟正黑體" pitchFamily="34" charset="-120"/>
-              <a:ea typeface="微軟正黑體" pitchFamily="34" charset="-120"/>
-            </a:rPr>
-            <a:t>PHP </a:t>
-          </a:r>
-          <a:r>
-            <a:rPr lang="zh-TW" altLang="en-US" sz="1800" kern="1200" smtClean="0">
-              <a:latin typeface="微軟正黑體" pitchFamily="34" charset="-120"/>
-              <a:ea typeface="微軟正黑體" pitchFamily="34" charset="-120"/>
-            </a:rPr>
-            <a:t>應用程式</a:t>
-          </a:r>
-          <a:r>
-            <a:rPr lang="en-US" altLang="zh-TW" sz="1800" kern="1200" smtClean="0">
-              <a:latin typeface="微軟正黑體" pitchFamily="34" charset="-120"/>
-              <a:ea typeface="微軟正黑體" pitchFamily="34" charset="-120"/>
-            </a:rPr>
-            <a:t>(1): </a:t>
-          </a:r>
-          <a:r>
-            <a:rPr lang="zh-TW" altLang="en-US" sz="1800" kern="1200" smtClean="0">
-              <a:latin typeface="微軟正黑體" pitchFamily="34" charset="-120"/>
-              <a:ea typeface="微軟正黑體" pitchFamily="34" charset="-120"/>
-            </a:rPr>
-            <a:t>防禦型程式寫法</a:t>
-          </a:r>
-          <a:endParaRPr lang="zh-TW" sz="1800" kern="1200" dirty="0">
-            <a:latin typeface="微軟正黑體" pitchFamily="34" charset="-120"/>
-            <a:ea typeface="微軟正黑體" pitchFamily="34" charset="-120"/>
-          </a:endParaRPr>
-        </a:p>
-      </dsp:txBody>
-      <dsp:txXfrm>
-        <a:off x="22020" y="22810"/>
-        <a:ext cx="8164872" cy="407049"/>
-      </dsp:txXfrm>
-    </dsp:sp>
-    <dsp:sp modelId="{42972249-60EC-4131-888B-636170E6F665}">
-      <dsp:nvSpPr>
-        <dsp:cNvPr id="0" name=""/>
-        <dsp:cNvSpPr/>
-      </dsp:nvSpPr>
-      <dsp:spPr>
-        <a:xfrm>
-          <a:off x="0" y="451879"/>
-          <a:ext cx="8208912" cy="258952"/>
-        </a:xfrm>
-        <a:prstGeom prst="rect">
-          <a:avLst/>
-        </a:prstGeom>
-        <a:noFill/>
-        <a:ln>
-          <a:noFill/>
-        </a:ln>
-        <a:effectLst/>
-      </dsp:spPr>
-      <dsp:style>
-        <a:lnRef idx="0">
-          <a:scrgbClr r="0" g="0" b="0"/>
-        </a:lnRef>
-        <a:fillRef idx="0">
-          <a:scrgbClr r="0" g="0" b="0"/>
-        </a:fillRef>
-        <a:effectRef idx="0">
-          <a:scrgbClr r="0" g="0" b="0"/>
-        </a:effectRef>
-        <a:fontRef idx="minor"/>
-      </dsp:style>
-      <dsp:txBody>
-        <a:bodyPr spcFirstLastPara="0" vert="horz" wrap="square" lIns="260633" tIns="17780" rIns="99568" bIns="17780" numCol="1" spcCol="1270" anchor="t" anchorCtr="0">
-          <a:noAutofit/>
-        </a:bodyPr>
-        <a:lstStyle/>
-        <a:p>
-          <a:pPr marL="114300" lvl="1" indent="-114300" algn="l" defTabSz="622300" rtl="0">
-            <a:lnSpc>
-              <a:spcPct val="90000"/>
-            </a:lnSpc>
-            <a:spcBef>
-              <a:spcPct val="0"/>
-            </a:spcBef>
-            <a:spcAft>
-              <a:spcPct val="20000"/>
-            </a:spcAft>
-            <a:buChar char="••"/>
-          </a:pPr>
-          <a:r>
-            <a:rPr lang="en-US" altLang="zh-TW" sz="1400" u="sng" kern="1200" dirty="0" smtClean="0">
-              <a:latin typeface="微軟正黑體" pitchFamily="34" charset="-120"/>
-              <a:ea typeface="微軟正黑體" pitchFamily="34" charset="-120"/>
-              <a:hlinkClick xmlns:r="http://schemas.openxmlformats.org/officeDocument/2006/relationships" r:id="rId1"/>
-            </a:rPr>
-            <a:t>http://asika.windspeaker.co/post/3502-strong-php-1-defensive-programming</a:t>
-          </a:r>
-          <a:endParaRPr lang="zh-TW" sz="1400" kern="1200" dirty="0">
-            <a:latin typeface="微軟正黑體" pitchFamily="34" charset="-120"/>
-            <a:ea typeface="微軟正黑體" pitchFamily="34" charset="-120"/>
-          </a:endParaRPr>
-        </a:p>
-      </dsp:txBody>
-      <dsp:txXfrm>
-        <a:off x="0" y="451879"/>
-        <a:ext cx="8208912" cy="258952"/>
-      </dsp:txXfrm>
-    </dsp:sp>
-    <dsp:sp modelId="{8F1C25C7-51F6-48F8-B4B0-AEEE915F7AC5}">
-      <dsp:nvSpPr>
-        <dsp:cNvPr id="0" name=""/>
-        <dsp:cNvSpPr/>
-      </dsp:nvSpPr>
-      <dsp:spPr>
-        <a:xfrm>
-          <a:off x="0" y="710832"/>
-          <a:ext cx="8208912" cy="451089"/>
-        </a:xfrm>
-        <a:prstGeom prst="roundRect">
-          <a:avLst/>
-        </a:prstGeom>
-        <a:solidFill>
-          <a:schemeClr val="accent1">
-            <a:hueOff val="0"/>
-            <a:satOff val="0"/>
-            <a:lumOff val="0"/>
-            <a:alphaOff val="0"/>
-          </a:schemeClr>
-        </a:solidFill>
-        <a:ln w="25400" cap="flat" cmpd="sng" algn="ctr">
-          <a:solidFill>
-            <a:schemeClr val="lt1">
-              <a:hueOff val="0"/>
-              <a:satOff val="0"/>
-              <a:lumOff val="0"/>
-              <a:alphaOff val="0"/>
-            </a:schemeClr>
-          </a:solidFill>
-          <a:prstDash val="solid"/>
-        </a:ln>
-        <a:effectLst/>
-      </dsp:spPr>
-      <dsp:style>
-        <a:lnRef idx="2">
-          <a:scrgbClr r="0" g="0" b="0"/>
-        </a:lnRef>
-        <a:fillRef idx="1">
-          <a:scrgbClr r="0" g="0" b="0"/>
-        </a:fillRef>
-        <a:effectRef idx="0">
-          <a:scrgbClr r="0" g="0" b="0"/>
-        </a:effectRef>
-        <a:fontRef idx="minor">
-          <a:schemeClr val="lt1"/>
-        </a:fontRef>
-      </dsp:style>
-      <dsp:txBody>
-        <a:bodyPr spcFirstLastPara="0" vert="horz" wrap="square" lIns="53340" tIns="53340" rIns="53340" bIns="53340" numCol="1" spcCol="1270" anchor="ctr" anchorCtr="0">
-          <a:noAutofit/>
-        </a:bodyPr>
-        <a:lstStyle/>
-        <a:p>
-          <a:pPr lvl="0" algn="l" defTabSz="622300" rtl="0">
-            <a:lnSpc>
-              <a:spcPct val="90000"/>
-            </a:lnSpc>
-            <a:spcBef>
-              <a:spcPct val="0"/>
-            </a:spcBef>
-            <a:spcAft>
-              <a:spcPct val="35000"/>
-            </a:spcAft>
-          </a:pPr>
-          <a:r>
-            <a:rPr lang="en-US" sz="1400" b="0" i="0" kern="1200" dirty="0" err="1" smtClean="0">
-              <a:latin typeface="微軟正黑體" pitchFamily="34" charset="-120"/>
-              <a:ea typeface="微軟正黑體" pitchFamily="34" charset="-120"/>
-            </a:rPr>
-            <a:t>is_numeric</a:t>
-          </a:r>
-          <a:endParaRPr lang="zh-TW" sz="1400" kern="1200" dirty="0">
-            <a:latin typeface="微軟正黑體" pitchFamily="34" charset="-120"/>
-            <a:ea typeface="微軟正黑體" pitchFamily="34" charset="-120"/>
-          </a:endParaRPr>
-        </a:p>
-      </dsp:txBody>
-      <dsp:txXfrm>
-        <a:off x="22020" y="732852"/>
-        <a:ext cx="8164872" cy="407049"/>
-      </dsp:txXfrm>
-    </dsp:sp>
-    <dsp:sp modelId="{975B7BD7-BA18-45C0-8B90-64841DF69D3D}">
-      <dsp:nvSpPr>
-        <dsp:cNvPr id="0" name=""/>
-        <dsp:cNvSpPr/>
-      </dsp:nvSpPr>
-      <dsp:spPr>
-        <a:xfrm>
-          <a:off x="0" y="1161921"/>
-          <a:ext cx="8208912" cy="258952"/>
-        </a:xfrm>
-        <a:prstGeom prst="rect">
-          <a:avLst/>
-        </a:prstGeom>
-        <a:noFill/>
-        <a:ln>
-          <a:noFill/>
-        </a:ln>
-        <a:effectLst/>
-      </dsp:spPr>
-      <dsp:style>
-        <a:lnRef idx="0">
-          <a:scrgbClr r="0" g="0" b="0"/>
-        </a:lnRef>
-        <a:fillRef idx="0">
-          <a:scrgbClr r="0" g="0" b="0"/>
-        </a:fillRef>
-        <a:effectRef idx="0">
-          <a:scrgbClr r="0" g="0" b="0"/>
-        </a:effectRef>
-        <a:fontRef idx="minor"/>
-      </dsp:style>
-      <dsp:txBody>
-        <a:bodyPr spcFirstLastPara="0" vert="horz" wrap="square" lIns="260633" tIns="17780" rIns="99568" bIns="17780" numCol="1" spcCol="1270" anchor="t" anchorCtr="0">
-          <a:noAutofit/>
-        </a:bodyPr>
-        <a:lstStyle/>
-        <a:p>
-          <a:pPr marL="114300" lvl="1" indent="-114300" algn="l" defTabSz="622300" rtl="0">
-            <a:lnSpc>
-              <a:spcPct val="90000"/>
-            </a:lnSpc>
-            <a:spcBef>
-              <a:spcPct val="0"/>
-            </a:spcBef>
-            <a:spcAft>
-              <a:spcPct val="20000"/>
-            </a:spcAft>
-            <a:buChar char="••"/>
-          </a:pPr>
-          <a:r>
-            <a:rPr lang="en-US" altLang="zh-TW" sz="1400" kern="1200" dirty="0" smtClean="0">
-              <a:latin typeface="微軟正黑體" pitchFamily="34" charset="-120"/>
-              <a:ea typeface="微軟正黑體" pitchFamily="34" charset="-120"/>
-              <a:hlinkClick xmlns:r="http://schemas.openxmlformats.org/officeDocument/2006/relationships" r:id="rId2"/>
-            </a:rPr>
-            <a:t>http://php.net/manual/en/function.is-numeric.php</a:t>
-          </a:r>
-          <a:endParaRPr lang="zh-TW" sz="1400" kern="1200" dirty="0">
-            <a:latin typeface="微軟正黑體" pitchFamily="34" charset="-120"/>
-            <a:ea typeface="微軟正黑體" pitchFamily="34" charset="-120"/>
-          </a:endParaRPr>
-        </a:p>
-      </dsp:txBody>
-      <dsp:txXfrm>
-        <a:off x="0" y="1161921"/>
-        <a:ext cx="8208912" cy="258952"/>
-      </dsp:txXfrm>
-    </dsp:sp>
-    <dsp:sp modelId="{C7DFDAAC-9B53-43A9-BA50-C080D1DABFAD}">
-      <dsp:nvSpPr>
-        <dsp:cNvPr id="0" name=""/>
-        <dsp:cNvSpPr/>
-      </dsp:nvSpPr>
-      <dsp:spPr>
-        <a:xfrm>
-          <a:off x="0" y="1420874"/>
-          <a:ext cx="8208912" cy="451089"/>
-        </a:xfrm>
-        <a:prstGeom prst="roundRect">
-          <a:avLst/>
-        </a:prstGeom>
-        <a:solidFill>
-          <a:schemeClr val="accent1">
-            <a:hueOff val="0"/>
-            <a:satOff val="0"/>
-            <a:lumOff val="0"/>
-            <a:alphaOff val="0"/>
-          </a:schemeClr>
-        </a:solidFill>
-        <a:ln w="25400" cap="flat" cmpd="sng" algn="ctr">
-          <a:solidFill>
-            <a:schemeClr val="lt1">
-              <a:hueOff val="0"/>
-              <a:satOff val="0"/>
-              <a:lumOff val="0"/>
-              <a:alphaOff val="0"/>
-            </a:schemeClr>
-          </a:solidFill>
-          <a:prstDash val="solid"/>
-        </a:ln>
-        <a:effectLst/>
-      </dsp:spPr>
-      <dsp:style>
-        <a:lnRef idx="2">
-          <a:scrgbClr r="0" g="0" b="0"/>
-        </a:lnRef>
-        <a:fillRef idx="1">
-          <a:scrgbClr r="0" g="0" b="0"/>
-        </a:fillRef>
-        <a:effectRef idx="0">
-          <a:scrgbClr r="0" g="0" b="0"/>
-        </a:effectRef>
-        <a:fontRef idx="minor">
-          <a:schemeClr val="lt1"/>
-        </a:fontRef>
-      </dsp:style>
-      <dsp:txBody>
-        <a:bodyPr spcFirstLastPara="0" vert="horz" wrap="square" lIns="53340" tIns="53340" rIns="53340" bIns="53340" numCol="1" spcCol="1270" anchor="ctr" anchorCtr="0">
-          <a:noAutofit/>
-        </a:bodyPr>
-        <a:lstStyle/>
-        <a:p>
-          <a:pPr lvl="0" algn="l" defTabSz="622300" rtl="0">
-            <a:lnSpc>
-              <a:spcPct val="90000"/>
-            </a:lnSpc>
-            <a:spcBef>
-              <a:spcPct val="0"/>
-            </a:spcBef>
-            <a:spcAft>
-              <a:spcPct val="35000"/>
-            </a:spcAft>
-          </a:pPr>
-          <a:r>
-            <a:rPr lang="en-US" altLang="zh-TW" sz="1400" kern="1200" dirty="0" err="1" smtClean="0">
-              <a:latin typeface="微軟正黑體" pitchFamily="34" charset="-120"/>
-              <a:ea typeface="微軟正黑體" pitchFamily="34" charset="-120"/>
-            </a:rPr>
-            <a:t>is_string</a:t>
-          </a:r>
-          <a:endParaRPr lang="zh-TW" sz="1400" kern="1200" dirty="0">
-            <a:latin typeface="微軟正黑體" pitchFamily="34" charset="-120"/>
-            <a:ea typeface="微軟正黑體" pitchFamily="34" charset="-120"/>
-          </a:endParaRPr>
-        </a:p>
-      </dsp:txBody>
-      <dsp:txXfrm>
-        <a:off x="22020" y="1442894"/>
-        <a:ext cx="8164872" cy="407049"/>
-      </dsp:txXfrm>
-    </dsp:sp>
-    <dsp:sp modelId="{65FA0EAB-4AEE-4A92-AC82-59CE948C0152}">
-      <dsp:nvSpPr>
-        <dsp:cNvPr id="0" name=""/>
-        <dsp:cNvSpPr/>
-      </dsp:nvSpPr>
-      <dsp:spPr>
-        <a:xfrm>
-          <a:off x="0" y="1871963"/>
-          <a:ext cx="8208912" cy="258952"/>
-        </a:xfrm>
-        <a:prstGeom prst="rect">
-          <a:avLst/>
-        </a:prstGeom>
-        <a:noFill/>
-        <a:ln>
-          <a:noFill/>
-        </a:ln>
-        <a:effectLst/>
-      </dsp:spPr>
-      <dsp:style>
-        <a:lnRef idx="0">
-          <a:scrgbClr r="0" g="0" b="0"/>
-        </a:lnRef>
-        <a:fillRef idx="0">
-          <a:scrgbClr r="0" g="0" b="0"/>
-        </a:fillRef>
-        <a:effectRef idx="0">
-          <a:scrgbClr r="0" g="0" b="0"/>
-        </a:effectRef>
-        <a:fontRef idx="minor"/>
-      </dsp:style>
-      <dsp:txBody>
-        <a:bodyPr spcFirstLastPara="0" vert="horz" wrap="square" lIns="260633" tIns="17780" rIns="99568" bIns="17780" numCol="1" spcCol="1270" anchor="t" anchorCtr="0">
-          <a:noAutofit/>
-        </a:bodyPr>
-        <a:lstStyle/>
-        <a:p>
-          <a:pPr marL="114300" lvl="1" indent="-114300" algn="l" defTabSz="622300" rtl="0">
-            <a:lnSpc>
-              <a:spcPct val="90000"/>
-            </a:lnSpc>
-            <a:spcBef>
-              <a:spcPct val="0"/>
-            </a:spcBef>
-            <a:spcAft>
-              <a:spcPct val="20000"/>
-            </a:spcAft>
-            <a:buChar char="••"/>
-          </a:pPr>
-          <a:r>
-            <a:rPr lang="en-US" altLang="zh-TW" sz="1400" kern="1200" dirty="0" smtClean="0">
-              <a:latin typeface="微軟正黑體" pitchFamily="34" charset="-120"/>
-              <a:ea typeface="微軟正黑體" pitchFamily="34" charset="-120"/>
-              <a:hlinkClick xmlns:r="http://schemas.openxmlformats.org/officeDocument/2006/relationships" r:id="rId3"/>
-            </a:rPr>
-            <a:t>http://php.net/manual/en/function.is-string.php</a:t>
-          </a:r>
-          <a:endParaRPr lang="zh-TW" sz="1400" kern="1200" dirty="0">
-            <a:latin typeface="微軟正黑體" pitchFamily="34" charset="-120"/>
-            <a:ea typeface="微軟正黑體" pitchFamily="34" charset="-120"/>
-          </a:endParaRPr>
-        </a:p>
-      </dsp:txBody>
-      <dsp:txXfrm>
-        <a:off x="0" y="1871963"/>
-        <a:ext cx="8208912" cy="258952"/>
-      </dsp:txXfrm>
-    </dsp:sp>
-    <dsp:sp modelId="{5D062E3F-1CDB-4BB5-8AE4-B420A0E5EDC8}">
-      <dsp:nvSpPr>
-        <dsp:cNvPr id="0" name=""/>
-        <dsp:cNvSpPr/>
-      </dsp:nvSpPr>
-      <dsp:spPr>
-        <a:xfrm>
-          <a:off x="0" y="2130916"/>
-          <a:ext cx="8208912" cy="451089"/>
-        </a:xfrm>
-        <a:prstGeom prst="roundRect">
-          <a:avLst/>
-        </a:prstGeom>
-        <a:solidFill>
-          <a:schemeClr val="accent1">
-            <a:hueOff val="0"/>
-            <a:satOff val="0"/>
-            <a:lumOff val="0"/>
-            <a:alphaOff val="0"/>
-          </a:schemeClr>
-        </a:solidFill>
-        <a:ln w="25400" cap="flat" cmpd="sng" algn="ctr">
-          <a:solidFill>
-            <a:schemeClr val="lt1">
-              <a:hueOff val="0"/>
-              <a:satOff val="0"/>
-              <a:lumOff val="0"/>
-              <a:alphaOff val="0"/>
-            </a:schemeClr>
-          </a:solidFill>
-          <a:prstDash val="solid"/>
-        </a:ln>
-        <a:effectLst/>
-      </dsp:spPr>
-      <dsp:style>
-        <a:lnRef idx="2">
-          <a:scrgbClr r="0" g="0" b="0"/>
-        </a:lnRef>
-        <a:fillRef idx="1">
-          <a:scrgbClr r="0" g="0" b="0"/>
-        </a:fillRef>
-        <a:effectRef idx="0">
-          <a:scrgbClr r="0" g="0" b="0"/>
-        </a:effectRef>
-        <a:fontRef idx="minor">
-          <a:schemeClr val="lt1"/>
-        </a:fontRef>
-      </dsp:style>
-      <dsp:txBody>
-        <a:bodyPr spcFirstLastPara="0" vert="horz" wrap="square" lIns="53340" tIns="53340" rIns="53340" bIns="53340" numCol="1" spcCol="1270" anchor="ctr" anchorCtr="0">
-          <a:noAutofit/>
-        </a:bodyPr>
-        <a:lstStyle/>
-        <a:p>
-          <a:pPr lvl="0" algn="l" defTabSz="622300" rtl="0">
-            <a:lnSpc>
-              <a:spcPct val="90000"/>
-            </a:lnSpc>
-            <a:spcBef>
-              <a:spcPct val="0"/>
-            </a:spcBef>
-            <a:spcAft>
-              <a:spcPct val="35000"/>
-            </a:spcAft>
-          </a:pPr>
-          <a:r>
-            <a:rPr lang="en-US" sz="1400" kern="1200" dirty="0" err="1" smtClean="0">
-              <a:latin typeface="微軟正黑體" pitchFamily="34" charset="-120"/>
-              <a:ea typeface="微軟正黑體" pitchFamily="34" charset="-120"/>
-            </a:rPr>
-            <a:t>is_object</a:t>
-          </a:r>
-          <a:endParaRPr lang="zh-TW" sz="1400" kern="1200" dirty="0">
-            <a:latin typeface="微軟正黑體" pitchFamily="34" charset="-120"/>
-            <a:ea typeface="微軟正黑體" pitchFamily="34" charset="-120"/>
-          </a:endParaRPr>
-        </a:p>
-      </dsp:txBody>
-      <dsp:txXfrm>
-        <a:off x="22020" y="2152936"/>
-        <a:ext cx="8164872" cy="407049"/>
-      </dsp:txXfrm>
-    </dsp:sp>
-    <dsp:sp modelId="{1A98411F-BB4A-4FE7-BF2F-526C103E9669}">
-      <dsp:nvSpPr>
-        <dsp:cNvPr id="0" name=""/>
-        <dsp:cNvSpPr/>
-      </dsp:nvSpPr>
-      <dsp:spPr>
-        <a:xfrm>
-          <a:off x="0" y="2582005"/>
-          <a:ext cx="8208912" cy="258952"/>
-        </a:xfrm>
-        <a:prstGeom prst="rect">
-          <a:avLst/>
-        </a:prstGeom>
-        <a:noFill/>
-        <a:ln>
-          <a:noFill/>
-        </a:ln>
-        <a:effectLst/>
-      </dsp:spPr>
-      <dsp:style>
-        <a:lnRef idx="0">
-          <a:scrgbClr r="0" g="0" b="0"/>
-        </a:lnRef>
-        <a:fillRef idx="0">
-          <a:scrgbClr r="0" g="0" b="0"/>
-        </a:fillRef>
-        <a:effectRef idx="0">
-          <a:scrgbClr r="0" g="0" b="0"/>
-        </a:effectRef>
-        <a:fontRef idx="minor"/>
-      </dsp:style>
-      <dsp:txBody>
-        <a:bodyPr spcFirstLastPara="0" vert="horz" wrap="square" lIns="260633" tIns="17780" rIns="99568" bIns="17780" numCol="1" spcCol="1270" anchor="t" anchorCtr="0">
-          <a:noAutofit/>
-        </a:bodyPr>
-        <a:lstStyle/>
-        <a:p>
-          <a:pPr marL="114300" lvl="1" indent="-114300" algn="l" defTabSz="622300" rtl="0">
-            <a:lnSpc>
-              <a:spcPct val="90000"/>
-            </a:lnSpc>
-            <a:spcBef>
-              <a:spcPct val="0"/>
-            </a:spcBef>
-            <a:spcAft>
-              <a:spcPct val="20000"/>
-            </a:spcAft>
-            <a:buChar char="••"/>
-          </a:pPr>
-          <a:r>
-            <a:rPr lang="en-US" altLang="zh-TW" sz="1400" kern="1200" dirty="0" smtClean="0">
-              <a:latin typeface="微軟正黑體" pitchFamily="34" charset="-120"/>
-              <a:ea typeface="微軟正黑體" pitchFamily="34" charset="-120"/>
-              <a:hlinkClick xmlns:r="http://schemas.openxmlformats.org/officeDocument/2006/relationships" r:id="rId4"/>
-            </a:rPr>
-            <a:t>http://php.net/manual/en/function.is-object.php</a:t>
-          </a:r>
-          <a:endParaRPr lang="zh-TW" sz="1400" kern="1200" dirty="0">
-            <a:latin typeface="微軟正黑體" pitchFamily="34" charset="-120"/>
-            <a:ea typeface="微軟正黑體" pitchFamily="34" charset="-120"/>
-          </a:endParaRPr>
-        </a:p>
-      </dsp:txBody>
-      <dsp:txXfrm>
-        <a:off x="0" y="2582005"/>
-        <a:ext cx="8208912" cy="258952"/>
-      </dsp:txXfrm>
-    </dsp:sp>
-    <dsp:sp modelId="{A53D2157-4E4D-4092-B069-43EFCEA34D39}">
-      <dsp:nvSpPr>
-        <dsp:cNvPr id="0" name=""/>
-        <dsp:cNvSpPr/>
-      </dsp:nvSpPr>
-      <dsp:spPr>
-        <a:xfrm>
-          <a:off x="0" y="2840957"/>
-          <a:ext cx="8208912" cy="451089"/>
-        </a:xfrm>
-        <a:prstGeom prst="roundRect">
-          <a:avLst/>
-        </a:prstGeom>
-        <a:solidFill>
-          <a:schemeClr val="accent1">
-            <a:hueOff val="0"/>
-            <a:satOff val="0"/>
-            <a:lumOff val="0"/>
-            <a:alphaOff val="0"/>
-          </a:schemeClr>
-        </a:solidFill>
-        <a:ln w="25400" cap="flat" cmpd="sng" algn="ctr">
-          <a:solidFill>
-            <a:schemeClr val="lt1">
-              <a:hueOff val="0"/>
-              <a:satOff val="0"/>
-              <a:lumOff val="0"/>
-              <a:alphaOff val="0"/>
-            </a:schemeClr>
-          </a:solidFill>
-          <a:prstDash val="solid"/>
-        </a:ln>
-        <a:effectLst/>
-      </dsp:spPr>
-      <dsp:style>
-        <a:lnRef idx="2">
-          <a:scrgbClr r="0" g="0" b="0"/>
-        </a:lnRef>
-        <a:fillRef idx="1">
-          <a:scrgbClr r="0" g="0" b="0"/>
-        </a:fillRef>
-        <a:effectRef idx="0">
-          <a:scrgbClr r="0" g="0" b="0"/>
-        </a:effectRef>
-        <a:fontRef idx="minor">
-          <a:schemeClr val="lt1"/>
-        </a:fontRef>
-      </dsp:style>
-      <dsp:txBody>
-        <a:bodyPr spcFirstLastPara="0" vert="horz" wrap="square" lIns="53340" tIns="53340" rIns="53340" bIns="53340" numCol="1" spcCol="1270" anchor="ctr" anchorCtr="0">
-          <a:noAutofit/>
-        </a:bodyPr>
-        <a:lstStyle/>
-        <a:p>
-          <a:pPr lvl="0" algn="l" defTabSz="622300" rtl="0">
-            <a:lnSpc>
-              <a:spcPct val="90000"/>
-            </a:lnSpc>
-            <a:spcBef>
-              <a:spcPct val="0"/>
-            </a:spcBef>
-            <a:spcAft>
-              <a:spcPct val="35000"/>
-            </a:spcAft>
-          </a:pPr>
-          <a:r>
-            <a:rPr lang="en-US" altLang="zh-TW" sz="1400" kern="1200" dirty="0" err="1" smtClean="0">
-              <a:latin typeface="微軟正黑體" pitchFamily="34" charset="-120"/>
-              <a:ea typeface="微軟正黑體" pitchFamily="34" charset="-120"/>
-            </a:rPr>
-            <a:t>get_object_vars</a:t>
-          </a:r>
-          <a:endParaRPr lang="zh-TW" sz="1400" kern="1200" dirty="0">
-            <a:latin typeface="微軟正黑體" pitchFamily="34" charset="-120"/>
-            <a:ea typeface="微軟正黑體" pitchFamily="34" charset="-120"/>
-          </a:endParaRPr>
-        </a:p>
-      </dsp:txBody>
-      <dsp:txXfrm>
-        <a:off x="22020" y="2862977"/>
-        <a:ext cx="8164872" cy="407049"/>
-      </dsp:txXfrm>
-    </dsp:sp>
-    <dsp:sp modelId="{CCE9917A-38AE-4D39-86E4-CA05261F6BDB}">
-      <dsp:nvSpPr>
-        <dsp:cNvPr id="0" name=""/>
-        <dsp:cNvSpPr/>
-      </dsp:nvSpPr>
-      <dsp:spPr>
-        <a:xfrm>
-          <a:off x="0" y="3292047"/>
-          <a:ext cx="8208912" cy="258952"/>
-        </a:xfrm>
-        <a:prstGeom prst="rect">
-          <a:avLst/>
-        </a:prstGeom>
-        <a:noFill/>
-        <a:ln>
-          <a:noFill/>
-        </a:ln>
-        <a:effectLst/>
-      </dsp:spPr>
-      <dsp:style>
-        <a:lnRef idx="0">
-          <a:scrgbClr r="0" g="0" b="0"/>
-        </a:lnRef>
-        <a:fillRef idx="0">
-          <a:scrgbClr r="0" g="0" b="0"/>
-        </a:fillRef>
-        <a:effectRef idx="0">
-          <a:scrgbClr r="0" g="0" b="0"/>
-        </a:effectRef>
-        <a:fontRef idx="minor"/>
-      </dsp:style>
-      <dsp:txBody>
-        <a:bodyPr spcFirstLastPara="0" vert="horz" wrap="square" lIns="260633" tIns="17780" rIns="99568" bIns="17780" numCol="1" spcCol="1270" anchor="t" anchorCtr="0">
-          <a:noAutofit/>
-        </a:bodyPr>
-        <a:lstStyle/>
-        <a:p>
-          <a:pPr marL="114300" lvl="1" indent="-114300" algn="l" defTabSz="622300" rtl="0">
-            <a:lnSpc>
-              <a:spcPct val="90000"/>
-            </a:lnSpc>
-            <a:spcBef>
-              <a:spcPct val="0"/>
-            </a:spcBef>
-            <a:spcAft>
-              <a:spcPct val="20000"/>
-            </a:spcAft>
-            <a:buChar char="••"/>
-          </a:pPr>
-          <a:r>
-            <a:rPr lang="en-US" altLang="zh-TW" sz="1400" kern="1200" dirty="0" smtClean="0">
-              <a:latin typeface="微軟正黑體" pitchFamily="34" charset="-120"/>
-              <a:ea typeface="微軟正黑體" pitchFamily="34" charset="-120"/>
-              <a:hlinkClick xmlns:r="http://schemas.openxmlformats.org/officeDocument/2006/relationships" r:id="rId5"/>
-            </a:rPr>
-            <a:t>http://php.net/manual/en/function.get-object-vars.php</a:t>
-          </a:r>
-          <a:endParaRPr lang="zh-TW" sz="1400" kern="1200" dirty="0">
-            <a:latin typeface="微軟正黑體" pitchFamily="34" charset="-120"/>
-            <a:ea typeface="微軟正黑體" pitchFamily="34" charset="-120"/>
-          </a:endParaRPr>
-        </a:p>
-      </dsp:txBody>
-      <dsp:txXfrm>
-        <a:off x="0" y="3292047"/>
-        <a:ext cx="8208912" cy="258952"/>
-      </dsp:txXfrm>
-    </dsp:sp>
-    <dsp:sp modelId="{5C328887-E348-4682-B966-131F1137C794}">
-      <dsp:nvSpPr>
-        <dsp:cNvPr id="0" name=""/>
-        <dsp:cNvSpPr/>
-      </dsp:nvSpPr>
-      <dsp:spPr>
-        <a:xfrm>
-          <a:off x="0" y="3550999"/>
-          <a:ext cx="8208912" cy="451089"/>
-        </a:xfrm>
-        <a:prstGeom prst="roundRect">
-          <a:avLst/>
-        </a:prstGeom>
-        <a:solidFill>
-          <a:schemeClr val="accent1">
-            <a:hueOff val="0"/>
-            <a:satOff val="0"/>
-            <a:lumOff val="0"/>
-            <a:alphaOff val="0"/>
-          </a:schemeClr>
-        </a:solidFill>
-        <a:ln w="25400" cap="flat" cmpd="sng" algn="ctr">
-          <a:solidFill>
-            <a:schemeClr val="lt1">
-              <a:hueOff val="0"/>
-              <a:satOff val="0"/>
-              <a:lumOff val="0"/>
-              <a:alphaOff val="0"/>
-            </a:schemeClr>
-          </a:solidFill>
-          <a:prstDash val="solid"/>
-        </a:ln>
-        <a:effectLst/>
-      </dsp:spPr>
-      <dsp:style>
-        <a:lnRef idx="2">
-          <a:scrgbClr r="0" g="0" b="0"/>
-        </a:lnRef>
-        <a:fillRef idx="1">
-          <a:scrgbClr r="0" g="0" b="0"/>
-        </a:fillRef>
-        <a:effectRef idx="0">
-          <a:scrgbClr r="0" g="0" b="0"/>
-        </a:effectRef>
-        <a:fontRef idx="minor">
-          <a:schemeClr val="lt1"/>
-        </a:fontRef>
-      </dsp:style>
-      <dsp:txBody>
-        <a:bodyPr spcFirstLastPara="0" vert="horz" wrap="square" lIns="53340" tIns="53340" rIns="53340" bIns="53340" numCol="1" spcCol="1270" anchor="ctr" anchorCtr="0">
-          <a:noAutofit/>
-        </a:bodyPr>
-        <a:lstStyle/>
-        <a:p>
-          <a:pPr lvl="0" algn="l" defTabSz="622300" rtl="0">
-            <a:lnSpc>
-              <a:spcPct val="90000"/>
-            </a:lnSpc>
-            <a:spcBef>
-              <a:spcPct val="0"/>
-            </a:spcBef>
-            <a:spcAft>
-              <a:spcPct val="35000"/>
-            </a:spcAft>
-          </a:pPr>
-          <a:r>
-            <a:rPr lang="en-US" sz="1400" b="0" i="0" kern="1200" smtClean="0"/>
-            <a:t>Defensive Programming </a:t>
-          </a:r>
-          <a:r>
-            <a:rPr lang="zh-TW" altLang="en-US" sz="1400" b="0" i="0" kern="1200" smtClean="0"/>
-            <a:t>防禦性程式設計</a:t>
-          </a:r>
-          <a:endParaRPr lang="zh-TW" sz="1400" kern="1200" dirty="0">
-            <a:latin typeface="微軟正黑體" pitchFamily="34" charset="-120"/>
-            <a:ea typeface="微軟正黑體" pitchFamily="34" charset="-120"/>
-          </a:endParaRPr>
-        </a:p>
-      </dsp:txBody>
-      <dsp:txXfrm>
-        <a:off x="22020" y="3573019"/>
-        <a:ext cx="8164872" cy="407049"/>
-      </dsp:txXfrm>
-    </dsp:sp>
-    <dsp:sp modelId="{6D1264EF-B2A6-41DB-8D0F-1F9DE43068E7}">
-      <dsp:nvSpPr>
-        <dsp:cNvPr id="0" name=""/>
-        <dsp:cNvSpPr/>
-      </dsp:nvSpPr>
-      <dsp:spPr>
-        <a:xfrm>
-          <a:off x="0" y="4002089"/>
-          <a:ext cx="8208912" cy="258952"/>
-        </a:xfrm>
-        <a:prstGeom prst="rect">
-          <a:avLst/>
-        </a:prstGeom>
-        <a:noFill/>
-        <a:ln>
-          <a:noFill/>
-        </a:ln>
-        <a:effectLst/>
-      </dsp:spPr>
-      <dsp:style>
-        <a:lnRef idx="0">
-          <a:scrgbClr r="0" g="0" b="0"/>
-        </a:lnRef>
-        <a:fillRef idx="0">
-          <a:scrgbClr r="0" g="0" b="0"/>
-        </a:fillRef>
-        <a:effectRef idx="0">
-          <a:scrgbClr r="0" g="0" b="0"/>
-        </a:effectRef>
-        <a:fontRef idx="minor"/>
-      </dsp:style>
-      <dsp:txBody>
-        <a:bodyPr spcFirstLastPara="0" vert="horz" wrap="square" lIns="260633" tIns="17780" rIns="99568" bIns="17780" numCol="1" spcCol="1270" anchor="t" anchorCtr="0">
-          <a:noAutofit/>
-        </a:bodyPr>
-        <a:lstStyle/>
-        <a:p>
-          <a:pPr marL="114300" lvl="1" indent="-114300" algn="l" defTabSz="622300" rtl="0">
-            <a:lnSpc>
-              <a:spcPct val="90000"/>
-            </a:lnSpc>
-            <a:spcBef>
-              <a:spcPct val="0"/>
-            </a:spcBef>
-            <a:spcAft>
-              <a:spcPct val="20000"/>
-            </a:spcAft>
-            <a:buChar char="••"/>
-          </a:pPr>
-          <a:r>
-            <a:rPr lang="en-US" altLang="zh-TW" sz="1400" kern="1200" dirty="0" smtClean="0">
-              <a:latin typeface="微軟正黑體" pitchFamily="34" charset="-120"/>
-              <a:ea typeface="微軟正黑體" pitchFamily="34" charset="-120"/>
-              <a:hlinkClick xmlns:r="http://schemas.openxmlformats.org/officeDocument/2006/relationships" r:id="rId6"/>
-            </a:rPr>
-            <a:t>https://ihower.tw/blog/archives/7259</a:t>
-          </a:r>
-          <a:endParaRPr lang="zh-TW" sz="1400" kern="1200" dirty="0">
-            <a:latin typeface="微軟正黑體" pitchFamily="34" charset="-120"/>
-            <a:ea typeface="微軟正黑體" pitchFamily="34" charset="-120"/>
-          </a:endParaRPr>
-        </a:p>
-      </dsp:txBody>
-      <dsp:txXfrm>
-        <a:off x="0" y="4002089"/>
-        <a:ext cx="8208912" cy="258952"/>
+        <a:off x="57190" y="3924736"/>
+        <a:ext cx="2420301" cy="1057156"/>
       </dsp:txXfrm>
     </dsp:sp>
   </dsp:spTree>
@@ -15575,11 +13250,11 @@
             <a:t>參數為</a:t>
           </a:r>
           <a:r>
-            <a:rPr lang="en-US" sz="1800" b="1" kern="1200" dirty="0" smtClean="0">
+            <a:rPr lang="en-US" altLang="zh-TW" sz="1800" b="1" kern="1200" dirty="0" smtClean="0">
               <a:latin typeface="微軟正黑體" pitchFamily="34" charset="-120"/>
               <a:ea typeface="微軟正黑體" pitchFamily="34" charset="-120"/>
             </a:rPr>
-            <a:t>class</a:t>
+            <a:t>object</a:t>
           </a:r>
           <a:r>
             <a:rPr lang="zh-TW" sz="1800" kern="1200" dirty="0" smtClean="0">
@@ -15768,7 +13443,7 @@
               <a:latin typeface="微軟正黑體" pitchFamily="34" charset="-120"/>
               <a:ea typeface="微軟正黑體" pitchFamily="34" charset="-120"/>
             </a:rPr>
-            <a:t>class </a:t>
+            <a:t>object </a:t>
           </a:r>
           <a:r>
             <a:rPr lang="zh-TW" sz="1800" kern="1200" dirty="0" smtClean="0">
@@ -18166,354 +15841,6 @@
       <dsp:cNvGrpSpPr/>
     </dsp:nvGrpSpPr>
     <dsp:grpSpPr/>
-    <dsp:sp modelId="{27346654-1D57-48A1-86E6-3AF0BA6A8FE9}">
-      <dsp:nvSpPr>
-        <dsp:cNvPr id="0" name=""/>
-        <dsp:cNvSpPr/>
-      </dsp:nvSpPr>
-      <dsp:spPr>
-        <a:xfrm>
-          <a:off x="0" y="423750"/>
-          <a:ext cx="5904656" cy="1200937"/>
-        </a:xfrm>
-        <a:prstGeom prst="rect">
-          <a:avLst/>
-        </a:prstGeom>
-        <a:solidFill>
-          <a:schemeClr val="accent1">
-            <a:alpha val="90000"/>
-            <a:tint val="40000"/>
-            <a:hueOff val="0"/>
-            <a:satOff val="0"/>
-            <a:lumOff val="0"/>
-            <a:alphaOff val="0"/>
-          </a:schemeClr>
-        </a:solidFill>
-        <a:ln w="25400" cap="flat" cmpd="sng" algn="ctr">
-          <a:solidFill>
-            <a:schemeClr val="accent1">
-              <a:hueOff val="0"/>
-              <a:satOff val="0"/>
-              <a:lumOff val="0"/>
-              <a:alphaOff val="0"/>
-            </a:schemeClr>
-          </a:solidFill>
-          <a:prstDash val="solid"/>
-        </a:ln>
-        <a:effectLst/>
-      </dsp:spPr>
-      <dsp:style>
-        <a:lnRef idx="2">
-          <a:scrgbClr r="0" g="0" b="0"/>
-        </a:lnRef>
-        <a:fillRef idx="1">
-          <a:scrgbClr r="0" g="0" b="0"/>
-        </a:fillRef>
-        <a:effectRef idx="0">
-          <a:scrgbClr r="0" g="0" b="0"/>
-        </a:effectRef>
-        <a:fontRef idx="minor"/>
-      </dsp:style>
-      <dsp:txBody>
-        <a:bodyPr spcFirstLastPara="0" vert="horz" wrap="square" lIns="458267" tIns="520700" rIns="458267" bIns="177800" numCol="1" spcCol="1270" anchor="t" anchorCtr="0">
-          <a:noAutofit/>
-        </a:bodyPr>
-        <a:lstStyle/>
-        <a:p>
-          <a:pPr marL="228600" lvl="1" indent="-228600" algn="l" defTabSz="1111250" rtl="0">
-            <a:lnSpc>
-              <a:spcPct val="90000"/>
-            </a:lnSpc>
-            <a:spcBef>
-              <a:spcPct val="0"/>
-            </a:spcBef>
-            <a:spcAft>
-              <a:spcPct val="15000"/>
-            </a:spcAft>
-            <a:buChar char="••"/>
-          </a:pPr>
-          <a:r>
-            <a:rPr lang="zh-TW" altLang="en-US" sz="2500" b="0" i="0" kern="1200" dirty="0" smtClean="0">
-              <a:latin typeface="微軟正黑體" pitchFamily="34" charset="-120"/>
-              <a:ea typeface="微軟正黑體" pitchFamily="34" charset="-120"/>
-            </a:rPr>
-            <a:t>回傳值是空</a:t>
-          </a:r>
-          <a:endParaRPr lang="zh-TW" sz="2500" b="1" kern="1200" dirty="0">
-            <a:latin typeface="微軟正黑體" pitchFamily="34" charset="-120"/>
-            <a:ea typeface="微軟正黑體" pitchFamily="34" charset="-120"/>
-          </a:endParaRPr>
-        </a:p>
-      </dsp:txBody>
-      <dsp:txXfrm>
-        <a:off x="0" y="423750"/>
-        <a:ext cx="5904656" cy="1200937"/>
-      </dsp:txXfrm>
-    </dsp:sp>
-    <dsp:sp modelId="{C19F3680-D56C-412E-85DF-579987FDDF1E}">
-      <dsp:nvSpPr>
-        <dsp:cNvPr id="0" name=""/>
-        <dsp:cNvSpPr/>
-      </dsp:nvSpPr>
-      <dsp:spPr>
-        <a:xfrm>
-          <a:off x="295232" y="54750"/>
-          <a:ext cx="4133259" cy="738000"/>
-        </a:xfrm>
-        <a:prstGeom prst="roundRect">
-          <a:avLst/>
-        </a:prstGeom>
-        <a:solidFill>
-          <a:schemeClr val="lt1">
-            <a:hueOff val="0"/>
-            <a:satOff val="0"/>
-            <a:lumOff val="0"/>
-            <a:alphaOff val="0"/>
-          </a:schemeClr>
-        </a:solidFill>
-        <a:ln w="25400" cap="flat" cmpd="sng" algn="ctr">
-          <a:solidFill>
-            <a:schemeClr val="accent1">
-              <a:shade val="80000"/>
-              <a:hueOff val="0"/>
-              <a:satOff val="0"/>
-              <a:lumOff val="0"/>
-              <a:alphaOff val="0"/>
-            </a:schemeClr>
-          </a:solidFill>
-          <a:prstDash val="solid"/>
-        </a:ln>
-        <a:effectLst/>
-      </dsp:spPr>
-      <dsp:style>
-        <a:lnRef idx="2">
-          <a:scrgbClr r="0" g="0" b="0"/>
-        </a:lnRef>
-        <a:fillRef idx="1">
-          <a:scrgbClr r="0" g="0" b="0"/>
-        </a:fillRef>
-        <a:effectRef idx="0">
-          <a:scrgbClr r="0" g="0" b="0"/>
-        </a:effectRef>
-        <a:fontRef idx="minor">
-          <a:schemeClr val="lt1"/>
-        </a:fontRef>
-      </dsp:style>
-      <dsp:txBody>
-        <a:bodyPr spcFirstLastPara="0" vert="horz" wrap="square" lIns="156227" tIns="0" rIns="156227" bIns="0" numCol="1" spcCol="1270" anchor="ctr" anchorCtr="0">
-          <a:noAutofit/>
-        </a:bodyPr>
-        <a:lstStyle/>
-        <a:p>
-          <a:pPr lvl="0" algn="l" defTabSz="1111250" rtl="0">
-            <a:lnSpc>
-              <a:spcPct val="90000"/>
-            </a:lnSpc>
-            <a:spcBef>
-              <a:spcPct val="0"/>
-            </a:spcBef>
-            <a:spcAft>
-              <a:spcPct val="35000"/>
-            </a:spcAft>
-          </a:pPr>
-          <a:r>
-            <a:rPr lang="zh-TW" altLang="en-US" sz="2500" b="1" kern="1200" dirty="0" smtClean="0">
-              <a:latin typeface="微軟正黑體" pitchFamily="34" charset="-120"/>
-              <a:ea typeface="微軟正黑體" pitchFamily="34" charset="-120"/>
-            </a:rPr>
-            <a:t>適用情境</a:t>
-          </a:r>
-          <a:endParaRPr lang="zh-TW" sz="2500" b="1" kern="1200" dirty="0">
-            <a:latin typeface="微軟正黑體" pitchFamily="34" charset="-120"/>
-            <a:ea typeface="微軟正黑體" pitchFamily="34" charset="-120"/>
-          </a:endParaRPr>
-        </a:p>
-      </dsp:txBody>
-      <dsp:txXfrm>
-        <a:off x="331258" y="90776"/>
-        <a:ext cx="4061207" cy="665948"/>
-      </dsp:txXfrm>
-    </dsp:sp>
-    <dsp:sp modelId="{48D2E058-7F04-471B-ACC8-C57B9E71DB2C}">
-      <dsp:nvSpPr>
-        <dsp:cNvPr id="0" name=""/>
-        <dsp:cNvSpPr/>
-      </dsp:nvSpPr>
-      <dsp:spPr>
-        <a:xfrm>
-          <a:off x="0" y="2128688"/>
-          <a:ext cx="5904656" cy="1200937"/>
-        </a:xfrm>
-        <a:prstGeom prst="rect">
-          <a:avLst/>
-        </a:prstGeom>
-        <a:solidFill>
-          <a:schemeClr val="accent1">
-            <a:alpha val="90000"/>
-            <a:tint val="40000"/>
-            <a:hueOff val="0"/>
-            <a:satOff val="0"/>
-            <a:lumOff val="0"/>
-            <a:alphaOff val="0"/>
-          </a:schemeClr>
-        </a:solidFill>
-        <a:ln w="25400" cap="flat" cmpd="sng" algn="ctr">
-          <a:solidFill>
-            <a:schemeClr val="accent1">
-              <a:hueOff val="0"/>
-              <a:satOff val="0"/>
-              <a:lumOff val="0"/>
-              <a:alphaOff val="0"/>
-            </a:schemeClr>
-          </a:solidFill>
-          <a:prstDash val="solid"/>
-        </a:ln>
-        <a:effectLst/>
-      </dsp:spPr>
-      <dsp:style>
-        <a:lnRef idx="2">
-          <a:scrgbClr r="0" g="0" b="0"/>
-        </a:lnRef>
-        <a:fillRef idx="1">
-          <a:scrgbClr r="0" g="0" b="0"/>
-        </a:fillRef>
-        <a:effectRef idx="0">
-          <a:scrgbClr r="0" g="0" b="0"/>
-        </a:effectRef>
-        <a:fontRef idx="minor"/>
-      </dsp:style>
-      <dsp:txBody>
-        <a:bodyPr spcFirstLastPara="0" vert="horz" wrap="square" lIns="458267" tIns="520700" rIns="458267" bIns="177800" numCol="1" spcCol="1270" anchor="t" anchorCtr="0">
-          <a:noAutofit/>
-        </a:bodyPr>
-        <a:lstStyle/>
-        <a:p>
-          <a:pPr marL="228600" lvl="1" indent="-228600" algn="l" defTabSz="1111250" rtl="0">
-            <a:lnSpc>
-              <a:spcPct val="90000"/>
-            </a:lnSpc>
-            <a:spcBef>
-              <a:spcPct val="0"/>
-            </a:spcBef>
-            <a:spcAft>
-              <a:spcPct val="15000"/>
-            </a:spcAft>
-            <a:buChar char="••"/>
-          </a:pPr>
-          <a:r>
-            <a:rPr lang="zh-TW" altLang="en-US" sz="2500" b="0" i="0" kern="1200" dirty="0" smtClean="0">
-              <a:latin typeface="微軟正黑體" pitchFamily="34" charset="-120"/>
-              <a:ea typeface="微軟正黑體" pitchFamily="34" charset="-120"/>
-            </a:rPr>
-            <a:t>考慮該回傳什麼數值來給使用者</a:t>
-          </a:r>
-          <a:endParaRPr lang="zh-TW" sz="2500" b="0" i="0" kern="1200" dirty="0">
-            <a:latin typeface="微軟正黑體" pitchFamily="34" charset="-120"/>
-            <a:ea typeface="微軟正黑體" pitchFamily="34" charset="-120"/>
-          </a:endParaRPr>
-        </a:p>
-      </dsp:txBody>
-      <dsp:txXfrm>
-        <a:off x="0" y="2128688"/>
-        <a:ext cx="5904656" cy="1200937"/>
-      </dsp:txXfrm>
-    </dsp:sp>
-    <dsp:sp modelId="{121053D0-15CB-4CF7-B28B-C5B3417D9F5C}">
-      <dsp:nvSpPr>
-        <dsp:cNvPr id="0" name=""/>
-        <dsp:cNvSpPr/>
-      </dsp:nvSpPr>
-      <dsp:spPr>
-        <a:xfrm>
-          <a:off x="295232" y="1759688"/>
-          <a:ext cx="4133259" cy="738000"/>
-        </a:xfrm>
-        <a:prstGeom prst="roundRect">
-          <a:avLst/>
-        </a:prstGeom>
-        <a:solidFill>
-          <a:schemeClr val="lt1">
-            <a:hueOff val="0"/>
-            <a:satOff val="0"/>
-            <a:lumOff val="0"/>
-            <a:alphaOff val="0"/>
-          </a:schemeClr>
-        </a:solidFill>
-        <a:ln w="25400" cap="flat" cmpd="sng" algn="ctr">
-          <a:solidFill>
-            <a:schemeClr val="accent1">
-              <a:shade val="80000"/>
-              <a:hueOff val="0"/>
-              <a:satOff val="0"/>
-              <a:lumOff val="0"/>
-              <a:alphaOff val="0"/>
-            </a:schemeClr>
-          </a:solidFill>
-          <a:prstDash val="solid"/>
-        </a:ln>
-        <a:effectLst/>
-      </dsp:spPr>
-      <dsp:style>
-        <a:lnRef idx="2">
-          <a:scrgbClr r="0" g="0" b="0"/>
-        </a:lnRef>
-        <a:fillRef idx="1">
-          <a:scrgbClr r="0" g="0" b="0"/>
-        </a:fillRef>
-        <a:effectRef idx="0">
-          <a:scrgbClr r="0" g="0" b="0"/>
-        </a:effectRef>
-        <a:fontRef idx="minor">
-          <a:schemeClr val="lt1"/>
-        </a:fontRef>
-      </dsp:style>
-      <dsp:txBody>
-        <a:bodyPr spcFirstLastPara="0" vert="horz" wrap="square" lIns="156227" tIns="0" rIns="156227" bIns="0" numCol="1" spcCol="1270" anchor="ctr" anchorCtr="0">
-          <a:noAutofit/>
-        </a:bodyPr>
-        <a:lstStyle/>
-        <a:p>
-          <a:pPr lvl="0" algn="l" defTabSz="1111250" rtl="0">
-            <a:lnSpc>
-              <a:spcPct val="90000"/>
-            </a:lnSpc>
-            <a:spcBef>
-              <a:spcPct val="0"/>
-            </a:spcBef>
-            <a:spcAft>
-              <a:spcPct val="35000"/>
-            </a:spcAft>
-          </a:pPr>
-          <a:r>
-            <a:rPr lang="zh-TW" altLang="en-US" sz="2500" b="1" kern="1200" dirty="0" smtClean="0">
-              <a:latin typeface="微軟正黑體" pitchFamily="34" charset="-120"/>
-              <a:ea typeface="微軟正黑體" pitchFamily="34" charset="-120"/>
-            </a:rPr>
-            <a:t>應對措施</a:t>
-          </a:r>
-          <a:endParaRPr lang="zh-TW" sz="2500" b="1" kern="1200" dirty="0">
-            <a:latin typeface="微軟正黑體" pitchFamily="34" charset="-120"/>
-            <a:ea typeface="微軟正黑體" pitchFamily="34" charset="-120"/>
-          </a:endParaRPr>
-        </a:p>
-      </dsp:txBody>
-      <dsp:txXfrm>
-        <a:off x="331258" y="1795714"/>
-        <a:ext cx="4061207" cy="665948"/>
-      </dsp:txXfrm>
-    </dsp:sp>
-  </dsp:spTree>
-</dsp:drawing>
-</file>
-
-<file path=ppt/diagrams/drawing9.xml><?xml version="1.0" encoding="utf-8"?>
-<dsp:drawing xmlns:dgm="http://schemas.openxmlformats.org/drawingml/2006/diagram" xmlns:dsp="http://schemas.microsoft.com/office/drawing/2008/diagram" xmlns:a="http://schemas.openxmlformats.org/drawingml/2006/main">
-  <dsp:spTree>
-    <dsp:nvGrpSpPr>
-      <dsp:cNvPr id="0" name=""/>
-      <dsp:cNvGrpSpPr/>
-    </dsp:nvGrpSpPr>
-    <dsp:grpSpPr/>
     <dsp:sp modelId="{0B4CD213-59C0-4A94-B054-8B0CFA5DE800}">
       <dsp:nvSpPr>
         <dsp:cNvPr id="0" name=""/>
@@ -19347,6 +16674,953 @@
 </dsp:drawing>
 </file>
 
+<file path=ppt/diagrams/drawing9.xml><?xml version="1.0" encoding="utf-8"?>
+<dsp:drawing xmlns:dgm="http://schemas.openxmlformats.org/drawingml/2006/diagram" xmlns:dsp="http://schemas.microsoft.com/office/drawing/2008/diagram" xmlns:a="http://schemas.openxmlformats.org/drawingml/2006/main">
+  <dsp:spTree>
+    <dsp:nvGrpSpPr>
+      <dsp:cNvPr id="0" name=""/>
+      <dsp:cNvGrpSpPr/>
+    </dsp:nvGrpSpPr>
+    <dsp:grpSpPr/>
+    <dsp:sp modelId="{E4D53833-29AE-4B0B-9AA4-E60C3CB433B2}">
+      <dsp:nvSpPr>
+        <dsp:cNvPr id="0" name=""/>
+        <dsp:cNvSpPr/>
+      </dsp:nvSpPr>
+      <dsp:spPr>
+        <a:xfrm>
+          <a:off x="0" y="790"/>
+          <a:ext cx="8208912" cy="451089"/>
+        </a:xfrm>
+        <a:prstGeom prst="roundRect">
+          <a:avLst/>
+        </a:prstGeom>
+        <a:solidFill>
+          <a:schemeClr val="accent1">
+            <a:hueOff val="0"/>
+            <a:satOff val="0"/>
+            <a:lumOff val="0"/>
+            <a:alphaOff val="0"/>
+          </a:schemeClr>
+        </a:solidFill>
+        <a:ln w="25400" cap="flat" cmpd="sng" algn="ctr">
+          <a:solidFill>
+            <a:schemeClr val="lt1">
+              <a:hueOff val="0"/>
+              <a:satOff val="0"/>
+              <a:lumOff val="0"/>
+              <a:alphaOff val="0"/>
+            </a:schemeClr>
+          </a:solidFill>
+          <a:prstDash val="solid"/>
+        </a:ln>
+        <a:effectLst/>
+      </dsp:spPr>
+      <dsp:style>
+        <a:lnRef idx="2">
+          <a:scrgbClr r="0" g="0" b="0"/>
+        </a:lnRef>
+        <a:fillRef idx="1">
+          <a:scrgbClr r="0" g="0" b="0"/>
+        </a:fillRef>
+        <a:effectRef idx="0">
+          <a:scrgbClr r="0" g="0" b="0"/>
+        </a:effectRef>
+        <a:fontRef idx="minor">
+          <a:schemeClr val="lt1"/>
+        </a:fontRef>
+      </dsp:style>
+      <dsp:txBody>
+        <a:bodyPr spcFirstLastPara="0" vert="horz" wrap="square" lIns="68580" tIns="68580" rIns="68580" bIns="68580" numCol="1" spcCol="1270" anchor="ctr" anchorCtr="0">
+          <a:noAutofit/>
+        </a:bodyPr>
+        <a:lstStyle/>
+        <a:p>
+          <a:pPr lvl="0" algn="l" defTabSz="800100" rtl="0">
+            <a:lnSpc>
+              <a:spcPct val="90000"/>
+            </a:lnSpc>
+            <a:spcBef>
+              <a:spcPct val="0"/>
+            </a:spcBef>
+            <a:spcAft>
+              <a:spcPct val="35000"/>
+            </a:spcAft>
+          </a:pPr>
+          <a:r>
+            <a:rPr lang="zh-TW" altLang="en-US" sz="1800" kern="1200" smtClean="0">
+              <a:latin typeface="微軟正黑體" pitchFamily="34" charset="-120"/>
+              <a:ea typeface="微軟正黑體" pitchFamily="34" charset="-120"/>
+            </a:rPr>
+            <a:t>寫出健壯的 </a:t>
+          </a:r>
+          <a:r>
+            <a:rPr lang="en-US" altLang="zh-TW" sz="1800" kern="1200" smtClean="0">
+              <a:latin typeface="微軟正黑體" pitchFamily="34" charset="-120"/>
+              <a:ea typeface="微軟正黑體" pitchFamily="34" charset="-120"/>
+            </a:rPr>
+            <a:t>PHP </a:t>
+          </a:r>
+          <a:r>
+            <a:rPr lang="zh-TW" altLang="en-US" sz="1800" kern="1200" smtClean="0">
+              <a:latin typeface="微軟正黑體" pitchFamily="34" charset="-120"/>
+              <a:ea typeface="微軟正黑體" pitchFamily="34" charset="-120"/>
+            </a:rPr>
+            <a:t>應用程式</a:t>
+          </a:r>
+          <a:r>
+            <a:rPr lang="en-US" altLang="zh-TW" sz="1800" kern="1200" smtClean="0">
+              <a:latin typeface="微軟正黑體" pitchFamily="34" charset="-120"/>
+              <a:ea typeface="微軟正黑體" pitchFamily="34" charset="-120"/>
+            </a:rPr>
+            <a:t>(1): </a:t>
+          </a:r>
+          <a:r>
+            <a:rPr lang="zh-TW" altLang="en-US" sz="1800" kern="1200" smtClean="0">
+              <a:latin typeface="微軟正黑體" pitchFamily="34" charset="-120"/>
+              <a:ea typeface="微軟正黑體" pitchFamily="34" charset="-120"/>
+            </a:rPr>
+            <a:t>防禦型程式寫法</a:t>
+          </a:r>
+          <a:endParaRPr lang="zh-TW" sz="1800" kern="1200" dirty="0">
+            <a:latin typeface="微軟正黑體" pitchFamily="34" charset="-120"/>
+            <a:ea typeface="微軟正黑體" pitchFamily="34" charset="-120"/>
+          </a:endParaRPr>
+        </a:p>
+      </dsp:txBody>
+      <dsp:txXfrm>
+        <a:off x="22020" y="22810"/>
+        <a:ext cx="8164872" cy="407049"/>
+      </dsp:txXfrm>
+    </dsp:sp>
+    <dsp:sp modelId="{42972249-60EC-4131-888B-636170E6F665}">
+      <dsp:nvSpPr>
+        <dsp:cNvPr id="0" name=""/>
+        <dsp:cNvSpPr/>
+      </dsp:nvSpPr>
+      <dsp:spPr>
+        <a:xfrm>
+          <a:off x="0" y="451879"/>
+          <a:ext cx="8208912" cy="258952"/>
+        </a:xfrm>
+        <a:prstGeom prst="rect">
+          <a:avLst/>
+        </a:prstGeom>
+        <a:noFill/>
+        <a:ln>
+          <a:noFill/>
+        </a:ln>
+        <a:effectLst/>
+      </dsp:spPr>
+      <dsp:style>
+        <a:lnRef idx="0">
+          <a:scrgbClr r="0" g="0" b="0"/>
+        </a:lnRef>
+        <a:fillRef idx="0">
+          <a:scrgbClr r="0" g="0" b="0"/>
+        </a:fillRef>
+        <a:effectRef idx="0">
+          <a:scrgbClr r="0" g="0" b="0"/>
+        </a:effectRef>
+        <a:fontRef idx="minor"/>
+      </dsp:style>
+      <dsp:txBody>
+        <a:bodyPr spcFirstLastPara="0" vert="horz" wrap="square" lIns="260633" tIns="17780" rIns="99568" bIns="17780" numCol="1" spcCol="1270" anchor="t" anchorCtr="0">
+          <a:noAutofit/>
+        </a:bodyPr>
+        <a:lstStyle/>
+        <a:p>
+          <a:pPr marL="114300" lvl="1" indent="-114300" algn="l" defTabSz="622300" rtl="0">
+            <a:lnSpc>
+              <a:spcPct val="90000"/>
+            </a:lnSpc>
+            <a:spcBef>
+              <a:spcPct val="0"/>
+            </a:spcBef>
+            <a:spcAft>
+              <a:spcPct val="20000"/>
+            </a:spcAft>
+            <a:buChar char="••"/>
+          </a:pPr>
+          <a:r>
+            <a:rPr lang="en-US" altLang="zh-TW" sz="1400" u="sng" kern="1200" dirty="0" smtClean="0">
+              <a:latin typeface="微軟正黑體" pitchFamily="34" charset="-120"/>
+              <a:ea typeface="微軟正黑體" pitchFamily="34" charset="-120"/>
+              <a:hlinkClick xmlns:r="http://schemas.openxmlformats.org/officeDocument/2006/relationships" r:id="rId1"/>
+            </a:rPr>
+            <a:t>http://asika.windspeaker.co/post/3502-strong-php-1-defensive-programming</a:t>
+          </a:r>
+          <a:endParaRPr lang="zh-TW" sz="1400" kern="1200" dirty="0">
+            <a:latin typeface="微軟正黑體" pitchFamily="34" charset="-120"/>
+            <a:ea typeface="微軟正黑體" pitchFamily="34" charset="-120"/>
+          </a:endParaRPr>
+        </a:p>
+      </dsp:txBody>
+      <dsp:txXfrm>
+        <a:off x="0" y="451879"/>
+        <a:ext cx="8208912" cy="258952"/>
+      </dsp:txXfrm>
+    </dsp:sp>
+    <dsp:sp modelId="{8F1C25C7-51F6-48F8-B4B0-AEEE915F7AC5}">
+      <dsp:nvSpPr>
+        <dsp:cNvPr id="0" name=""/>
+        <dsp:cNvSpPr/>
+      </dsp:nvSpPr>
+      <dsp:spPr>
+        <a:xfrm>
+          <a:off x="0" y="710832"/>
+          <a:ext cx="8208912" cy="451089"/>
+        </a:xfrm>
+        <a:prstGeom prst="roundRect">
+          <a:avLst/>
+        </a:prstGeom>
+        <a:solidFill>
+          <a:schemeClr val="accent1">
+            <a:hueOff val="0"/>
+            <a:satOff val="0"/>
+            <a:lumOff val="0"/>
+            <a:alphaOff val="0"/>
+          </a:schemeClr>
+        </a:solidFill>
+        <a:ln w="25400" cap="flat" cmpd="sng" algn="ctr">
+          <a:solidFill>
+            <a:schemeClr val="lt1">
+              <a:hueOff val="0"/>
+              <a:satOff val="0"/>
+              <a:lumOff val="0"/>
+              <a:alphaOff val="0"/>
+            </a:schemeClr>
+          </a:solidFill>
+          <a:prstDash val="solid"/>
+        </a:ln>
+        <a:effectLst/>
+      </dsp:spPr>
+      <dsp:style>
+        <a:lnRef idx="2">
+          <a:scrgbClr r="0" g="0" b="0"/>
+        </a:lnRef>
+        <a:fillRef idx="1">
+          <a:scrgbClr r="0" g="0" b="0"/>
+        </a:fillRef>
+        <a:effectRef idx="0">
+          <a:scrgbClr r="0" g="0" b="0"/>
+        </a:effectRef>
+        <a:fontRef idx="minor">
+          <a:schemeClr val="lt1"/>
+        </a:fontRef>
+      </dsp:style>
+      <dsp:txBody>
+        <a:bodyPr spcFirstLastPara="0" vert="horz" wrap="square" lIns="53340" tIns="53340" rIns="53340" bIns="53340" numCol="1" spcCol="1270" anchor="ctr" anchorCtr="0">
+          <a:noAutofit/>
+        </a:bodyPr>
+        <a:lstStyle/>
+        <a:p>
+          <a:pPr lvl="0" algn="l" defTabSz="622300" rtl="0">
+            <a:lnSpc>
+              <a:spcPct val="90000"/>
+            </a:lnSpc>
+            <a:spcBef>
+              <a:spcPct val="0"/>
+            </a:spcBef>
+            <a:spcAft>
+              <a:spcPct val="35000"/>
+            </a:spcAft>
+          </a:pPr>
+          <a:r>
+            <a:rPr lang="en-US" sz="1400" b="0" i="0" kern="1200" dirty="0" err="1" smtClean="0">
+              <a:latin typeface="微軟正黑體" pitchFamily="34" charset="-120"/>
+              <a:ea typeface="微軟正黑體" pitchFamily="34" charset="-120"/>
+            </a:rPr>
+            <a:t>is_numeric</a:t>
+          </a:r>
+          <a:endParaRPr lang="zh-TW" sz="1400" kern="1200" dirty="0">
+            <a:latin typeface="微軟正黑體" pitchFamily="34" charset="-120"/>
+            <a:ea typeface="微軟正黑體" pitchFamily="34" charset="-120"/>
+          </a:endParaRPr>
+        </a:p>
+      </dsp:txBody>
+      <dsp:txXfrm>
+        <a:off x="22020" y="732852"/>
+        <a:ext cx="8164872" cy="407049"/>
+      </dsp:txXfrm>
+    </dsp:sp>
+    <dsp:sp modelId="{975B7BD7-BA18-45C0-8B90-64841DF69D3D}">
+      <dsp:nvSpPr>
+        <dsp:cNvPr id="0" name=""/>
+        <dsp:cNvSpPr/>
+      </dsp:nvSpPr>
+      <dsp:spPr>
+        <a:xfrm>
+          <a:off x="0" y="1161921"/>
+          <a:ext cx="8208912" cy="258952"/>
+        </a:xfrm>
+        <a:prstGeom prst="rect">
+          <a:avLst/>
+        </a:prstGeom>
+        <a:noFill/>
+        <a:ln>
+          <a:noFill/>
+        </a:ln>
+        <a:effectLst/>
+      </dsp:spPr>
+      <dsp:style>
+        <a:lnRef idx="0">
+          <a:scrgbClr r="0" g="0" b="0"/>
+        </a:lnRef>
+        <a:fillRef idx="0">
+          <a:scrgbClr r="0" g="0" b="0"/>
+        </a:fillRef>
+        <a:effectRef idx="0">
+          <a:scrgbClr r="0" g="0" b="0"/>
+        </a:effectRef>
+        <a:fontRef idx="minor"/>
+      </dsp:style>
+      <dsp:txBody>
+        <a:bodyPr spcFirstLastPara="0" vert="horz" wrap="square" lIns="260633" tIns="17780" rIns="99568" bIns="17780" numCol="1" spcCol="1270" anchor="t" anchorCtr="0">
+          <a:noAutofit/>
+        </a:bodyPr>
+        <a:lstStyle/>
+        <a:p>
+          <a:pPr marL="114300" lvl="1" indent="-114300" algn="l" defTabSz="622300" rtl="0">
+            <a:lnSpc>
+              <a:spcPct val="90000"/>
+            </a:lnSpc>
+            <a:spcBef>
+              <a:spcPct val="0"/>
+            </a:spcBef>
+            <a:spcAft>
+              <a:spcPct val="20000"/>
+            </a:spcAft>
+            <a:buChar char="••"/>
+          </a:pPr>
+          <a:r>
+            <a:rPr lang="en-US" altLang="zh-TW" sz="1400" kern="1200" dirty="0" smtClean="0">
+              <a:latin typeface="微軟正黑體" pitchFamily="34" charset="-120"/>
+              <a:ea typeface="微軟正黑體" pitchFamily="34" charset="-120"/>
+              <a:hlinkClick xmlns:r="http://schemas.openxmlformats.org/officeDocument/2006/relationships" r:id="rId2"/>
+            </a:rPr>
+            <a:t>http://php.net/manual/en/function.is-numeric.php</a:t>
+          </a:r>
+          <a:endParaRPr lang="zh-TW" sz="1400" kern="1200" dirty="0">
+            <a:latin typeface="微軟正黑體" pitchFamily="34" charset="-120"/>
+            <a:ea typeface="微軟正黑體" pitchFamily="34" charset="-120"/>
+          </a:endParaRPr>
+        </a:p>
+      </dsp:txBody>
+      <dsp:txXfrm>
+        <a:off x="0" y="1161921"/>
+        <a:ext cx="8208912" cy="258952"/>
+      </dsp:txXfrm>
+    </dsp:sp>
+    <dsp:sp modelId="{C7DFDAAC-9B53-43A9-BA50-C080D1DABFAD}">
+      <dsp:nvSpPr>
+        <dsp:cNvPr id="0" name=""/>
+        <dsp:cNvSpPr/>
+      </dsp:nvSpPr>
+      <dsp:spPr>
+        <a:xfrm>
+          <a:off x="0" y="1420874"/>
+          <a:ext cx="8208912" cy="451089"/>
+        </a:xfrm>
+        <a:prstGeom prst="roundRect">
+          <a:avLst/>
+        </a:prstGeom>
+        <a:solidFill>
+          <a:schemeClr val="accent1">
+            <a:hueOff val="0"/>
+            <a:satOff val="0"/>
+            <a:lumOff val="0"/>
+            <a:alphaOff val="0"/>
+          </a:schemeClr>
+        </a:solidFill>
+        <a:ln w="25400" cap="flat" cmpd="sng" algn="ctr">
+          <a:solidFill>
+            <a:schemeClr val="lt1">
+              <a:hueOff val="0"/>
+              <a:satOff val="0"/>
+              <a:lumOff val="0"/>
+              <a:alphaOff val="0"/>
+            </a:schemeClr>
+          </a:solidFill>
+          <a:prstDash val="solid"/>
+        </a:ln>
+        <a:effectLst/>
+      </dsp:spPr>
+      <dsp:style>
+        <a:lnRef idx="2">
+          <a:scrgbClr r="0" g="0" b="0"/>
+        </a:lnRef>
+        <a:fillRef idx="1">
+          <a:scrgbClr r="0" g="0" b="0"/>
+        </a:fillRef>
+        <a:effectRef idx="0">
+          <a:scrgbClr r="0" g="0" b="0"/>
+        </a:effectRef>
+        <a:fontRef idx="minor">
+          <a:schemeClr val="lt1"/>
+        </a:fontRef>
+      </dsp:style>
+      <dsp:txBody>
+        <a:bodyPr spcFirstLastPara="0" vert="horz" wrap="square" lIns="53340" tIns="53340" rIns="53340" bIns="53340" numCol="1" spcCol="1270" anchor="ctr" anchorCtr="0">
+          <a:noAutofit/>
+        </a:bodyPr>
+        <a:lstStyle/>
+        <a:p>
+          <a:pPr lvl="0" algn="l" defTabSz="622300" rtl="0">
+            <a:lnSpc>
+              <a:spcPct val="90000"/>
+            </a:lnSpc>
+            <a:spcBef>
+              <a:spcPct val="0"/>
+            </a:spcBef>
+            <a:spcAft>
+              <a:spcPct val="35000"/>
+            </a:spcAft>
+          </a:pPr>
+          <a:r>
+            <a:rPr lang="en-US" altLang="zh-TW" sz="1400" kern="1200" dirty="0" err="1" smtClean="0">
+              <a:latin typeface="微軟正黑體" pitchFamily="34" charset="-120"/>
+              <a:ea typeface="微軟正黑體" pitchFamily="34" charset="-120"/>
+            </a:rPr>
+            <a:t>is_string</a:t>
+          </a:r>
+          <a:endParaRPr lang="zh-TW" sz="1400" kern="1200" dirty="0">
+            <a:latin typeface="微軟正黑體" pitchFamily="34" charset="-120"/>
+            <a:ea typeface="微軟正黑體" pitchFamily="34" charset="-120"/>
+          </a:endParaRPr>
+        </a:p>
+      </dsp:txBody>
+      <dsp:txXfrm>
+        <a:off x="22020" y="1442894"/>
+        <a:ext cx="8164872" cy="407049"/>
+      </dsp:txXfrm>
+    </dsp:sp>
+    <dsp:sp modelId="{65FA0EAB-4AEE-4A92-AC82-59CE948C0152}">
+      <dsp:nvSpPr>
+        <dsp:cNvPr id="0" name=""/>
+        <dsp:cNvSpPr/>
+      </dsp:nvSpPr>
+      <dsp:spPr>
+        <a:xfrm>
+          <a:off x="0" y="1871963"/>
+          <a:ext cx="8208912" cy="258952"/>
+        </a:xfrm>
+        <a:prstGeom prst="rect">
+          <a:avLst/>
+        </a:prstGeom>
+        <a:noFill/>
+        <a:ln>
+          <a:noFill/>
+        </a:ln>
+        <a:effectLst/>
+      </dsp:spPr>
+      <dsp:style>
+        <a:lnRef idx="0">
+          <a:scrgbClr r="0" g="0" b="0"/>
+        </a:lnRef>
+        <a:fillRef idx="0">
+          <a:scrgbClr r="0" g="0" b="0"/>
+        </a:fillRef>
+        <a:effectRef idx="0">
+          <a:scrgbClr r="0" g="0" b="0"/>
+        </a:effectRef>
+        <a:fontRef idx="minor"/>
+      </dsp:style>
+      <dsp:txBody>
+        <a:bodyPr spcFirstLastPara="0" vert="horz" wrap="square" lIns="260633" tIns="17780" rIns="99568" bIns="17780" numCol="1" spcCol="1270" anchor="t" anchorCtr="0">
+          <a:noAutofit/>
+        </a:bodyPr>
+        <a:lstStyle/>
+        <a:p>
+          <a:pPr marL="114300" lvl="1" indent="-114300" algn="l" defTabSz="622300" rtl="0">
+            <a:lnSpc>
+              <a:spcPct val="90000"/>
+            </a:lnSpc>
+            <a:spcBef>
+              <a:spcPct val="0"/>
+            </a:spcBef>
+            <a:spcAft>
+              <a:spcPct val="20000"/>
+            </a:spcAft>
+            <a:buChar char="••"/>
+          </a:pPr>
+          <a:r>
+            <a:rPr lang="en-US" altLang="zh-TW" sz="1400" kern="1200" dirty="0" smtClean="0">
+              <a:latin typeface="微軟正黑體" pitchFamily="34" charset="-120"/>
+              <a:ea typeface="微軟正黑體" pitchFamily="34" charset="-120"/>
+              <a:hlinkClick xmlns:r="http://schemas.openxmlformats.org/officeDocument/2006/relationships" r:id="rId3"/>
+            </a:rPr>
+            <a:t>http://php.net/manual/en/function.is-string.php</a:t>
+          </a:r>
+          <a:endParaRPr lang="zh-TW" sz="1400" kern="1200" dirty="0">
+            <a:latin typeface="微軟正黑體" pitchFamily="34" charset="-120"/>
+            <a:ea typeface="微軟正黑體" pitchFamily="34" charset="-120"/>
+          </a:endParaRPr>
+        </a:p>
+      </dsp:txBody>
+      <dsp:txXfrm>
+        <a:off x="0" y="1871963"/>
+        <a:ext cx="8208912" cy="258952"/>
+      </dsp:txXfrm>
+    </dsp:sp>
+    <dsp:sp modelId="{5D062E3F-1CDB-4BB5-8AE4-B420A0E5EDC8}">
+      <dsp:nvSpPr>
+        <dsp:cNvPr id="0" name=""/>
+        <dsp:cNvSpPr/>
+      </dsp:nvSpPr>
+      <dsp:spPr>
+        <a:xfrm>
+          <a:off x="0" y="2130916"/>
+          <a:ext cx="8208912" cy="451089"/>
+        </a:xfrm>
+        <a:prstGeom prst="roundRect">
+          <a:avLst/>
+        </a:prstGeom>
+        <a:solidFill>
+          <a:schemeClr val="accent1">
+            <a:hueOff val="0"/>
+            <a:satOff val="0"/>
+            <a:lumOff val="0"/>
+            <a:alphaOff val="0"/>
+          </a:schemeClr>
+        </a:solidFill>
+        <a:ln w="25400" cap="flat" cmpd="sng" algn="ctr">
+          <a:solidFill>
+            <a:schemeClr val="lt1">
+              <a:hueOff val="0"/>
+              <a:satOff val="0"/>
+              <a:lumOff val="0"/>
+              <a:alphaOff val="0"/>
+            </a:schemeClr>
+          </a:solidFill>
+          <a:prstDash val="solid"/>
+        </a:ln>
+        <a:effectLst/>
+      </dsp:spPr>
+      <dsp:style>
+        <a:lnRef idx="2">
+          <a:scrgbClr r="0" g="0" b="0"/>
+        </a:lnRef>
+        <a:fillRef idx="1">
+          <a:scrgbClr r="0" g="0" b="0"/>
+        </a:fillRef>
+        <a:effectRef idx="0">
+          <a:scrgbClr r="0" g="0" b="0"/>
+        </a:effectRef>
+        <a:fontRef idx="minor">
+          <a:schemeClr val="lt1"/>
+        </a:fontRef>
+      </dsp:style>
+      <dsp:txBody>
+        <a:bodyPr spcFirstLastPara="0" vert="horz" wrap="square" lIns="53340" tIns="53340" rIns="53340" bIns="53340" numCol="1" spcCol="1270" anchor="ctr" anchorCtr="0">
+          <a:noAutofit/>
+        </a:bodyPr>
+        <a:lstStyle/>
+        <a:p>
+          <a:pPr lvl="0" algn="l" defTabSz="622300" rtl="0">
+            <a:lnSpc>
+              <a:spcPct val="90000"/>
+            </a:lnSpc>
+            <a:spcBef>
+              <a:spcPct val="0"/>
+            </a:spcBef>
+            <a:spcAft>
+              <a:spcPct val="35000"/>
+            </a:spcAft>
+          </a:pPr>
+          <a:r>
+            <a:rPr lang="en-US" sz="1400" kern="1200" dirty="0" err="1" smtClean="0">
+              <a:latin typeface="微軟正黑體" pitchFamily="34" charset="-120"/>
+              <a:ea typeface="微軟正黑體" pitchFamily="34" charset="-120"/>
+            </a:rPr>
+            <a:t>is_object</a:t>
+          </a:r>
+          <a:endParaRPr lang="zh-TW" sz="1400" kern="1200" dirty="0">
+            <a:latin typeface="微軟正黑體" pitchFamily="34" charset="-120"/>
+            <a:ea typeface="微軟正黑體" pitchFamily="34" charset="-120"/>
+          </a:endParaRPr>
+        </a:p>
+      </dsp:txBody>
+      <dsp:txXfrm>
+        <a:off x="22020" y="2152936"/>
+        <a:ext cx="8164872" cy="407049"/>
+      </dsp:txXfrm>
+    </dsp:sp>
+    <dsp:sp modelId="{1A98411F-BB4A-4FE7-BF2F-526C103E9669}">
+      <dsp:nvSpPr>
+        <dsp:cNvPr id="0" name=""/>
+        <dsp:cNvSpPr/>
+      </dsp:nvSpPr>
+      <dsp:spPr>
+        <a:xfrm>
+          <a:off x="0" y="2582005"/>
+          <a:ext cx="8208912" cy="258952"/>
+        </a:xfrm>
+        <a:prstGeom prst="rect">
+          <a:avLst/>
+        </a:prstGeom>
+        <a:noFill/>
+        <a:ln>
+          <a:noFill/>
+        </a:ln>
+        <a:effectLst/>
+      </dsp:spPr>
+      <dsp:style>
+        <a:lnRef idx="0">
+          <a:scrgbClr r="0" g="0" b="0"/>
+        </a:lnRef>
+        <a:fillRef idx="0">
+          <a:scrgbClr r="0" g="0" b="0"/>
+        </a:fillRef>
+        <a:effectRef idx="0">
+          <a:scrgbClr r="0" g="0" b="0"/>
+        </a:effectRef>
+        <a:fontRef idx="minor"/>
+      </dsp:style>
+      <dsp:txBody>
+        <a:bodyPr spcFirstLastPara="0" vert="horz" wrap="square" lIns="260633" tIns="17780" rIns="99568" bIns="17780" numCol="1" spcCol="1270" anchor="t" anchorCtr="0">
+          <a:noAutofit/>
+        </a:bodyPr>
+        <a:lstStyle/>
+        <a:p>
+          <a:pPr marL="114300" lvl="1" indent="-114300" algn="l" defTabSz="622300" rtl="0">
+            <a:lnSpc>
+              <a:spcPct val="90000"/>
+            </a:lnSpc>
+            <a:spcBef>
+              <a:spcPct val="0"/>
+            </a:spcBef>
+            <a:spcAft>
+              <a:spcPct val="20000"/>
+            </a:spcAft>
+            <a:buChar char="••"/>
+          </a:pPr>
+          <a:r>
+            <a:rPr lang="en-US" altLang="zh-TW" sz="1400" kern="1200" dirty="0" smtClean="0">
+              <a:latin typeface="微軟正黑體" pitchFamily="34" charset="-120"/>
+              <a:ea typeface="微軟正黑體" pitchFamily="34" charset="-120"/>
+              <a:hlinkClick xmlns:r="http://schemas.openxmlformats.org/officeDocument/2006/relationships" r:id="rId4"/>
+            </a:rPr>
+            <a:t>http://php.net/manual/en/function.is-object.php</a:t>
+          </a:r>
+          <a:endParaRPr lang="zh-TW" sz="1400" kern="1200" dirty="0">
+            <a:latin typeface="微軟正黑體" pitchFamily="34" charset="-120"/>
+            <a:ea typeface="微軟正黑體" pitchFamily="34" charset="-120"/>
+          </a:endParaRPr>
+        </a:p>
+      </dsp:txBody>
+      <dsp:txXfrm>
+        <a:off x="0" y="2582005"/>
+        <a:ext cx="8208912" cy="258952"/>
+      </dsp:txXfrm>
+    </dsp:sp>
+    <dsp:sp modelId="{A53D2157-4E4D-4092-B069-43EFCEA34D39}">
+      <dsp:nvSpPr>
+        <dsp:cNvPr id="0" name=""/>
+        <dsp:cNvSpPr/>
+      </dsp:nvSpPr>
+      <dsp:spPr>
+        <a:xfrm>
+          <a:off x="0" y="2840957"/>
+          <a:ext cx="8208912" cy="451089"/>
+        </a:xfrm>
+        <a:prstGeom prst="roundRect">
+          <a:avLst/>
+        </a:prstGeom>
+        <a:solidFill>
+          <a:schemeClr val="accent1">
+            <a:hueOff val="0"/>
+            <a:satOff val="0"/>
+            <a:lumOff val="0"/>
+            <a:alphaOff val="0"/>
+          </a:schemeClr>
+        </a:solidFill>
+        <a:ln w="25400" cap="flat" cmpd="sng" algn="ctr">
+          <a:solidFill>
+            <a:schemeClr val="lt1">
+              <a:hueOff val="0"/>
+              <a:satOff val="0"/>
+              <a:lumOff val="0"/>
+              <a:alphaOff val="0"/>
+            </a:schemeClr>
+          </a:solidFill>
+          <a:prstDash val="solid"/>
+        </a:ln>
+        <a:effectLst/>
+      </dsp:spPr>
+      <dsp:style>
+        <a:lnRef idx="2">
+          <a:scrgbClr r="0" g="0" b="0"/>
+        </a:lnRef>
+        <a:fillRef idx="1">
+          <a:scrgbClr r="0" g="0" b="0"/>
+        </a:fillRef>
+        <a:effectRef idx="0">
+          <a:scrgbClr r="0" g="0" b="0"/>
+        </a:effectRef>
+        <a:fontRef idx="minor">
+          <a:schemeClr val="lt1"/>
+        </a:fontRef>
+      </dsp:style>
+      <dsp:txBody>
+        <a:bodyPr spcFirstLastPara="0" vert="horz" wrap="square" lIns="53340" tIns="53340" rIns="53340" bIns="53340" numCol="1" spcCol="1270" anchor="ctr" anchorCtr="0">
+          <a:noAutofit/>
+        </a:bodyPr>
+        <a:lstStyle/>
+        <a:p>
+          <a:pPr lvl="0" algn="l" defTabSz="622300" rtl="0">
+            <a:lnSpc>
+              <a:spcPct val="90000"/>
+            </a:lnSpc>
+            <a:spcBef>
+              <a:spcPct val="0"/>
+            </a:spcBef>
+            <a:spcAft>
+              <a:spcPct val="35000"/>
+            </a:spcAft>
+          </a:pPr>
+          <a:r>
+            <a:rPr lang="en-US" altLang="zh-TW" sz="1400" kern="1200" dirty="0" err="1" smtClean="0">
+              <a:latin typeface="微軟正黑體" pitchFamily="34" charset="-120"/>
+              <a:ea typeface="微軟正黑體" pitchFamily="34" charset="-120"/>
+            </a:rPr>
+            <a:t>get_object_vars</a:t>
+          </a:r>
+          <a:endParaRPr lang="zh-TW" sz="1400" kern="1200" dirty="0">
+            <a:latin typeface="微軟正黑體" pitchFamily="34" charset="-120"/>
+            <a:ea typeface="微軟正黑體" pitchFamily="34" charset="-120"/>
+          </a:endParaRPr>
+        </a:p>
+      </dsp:txBody>
+      <dsp:txXfrm>
+        <a:off x="22020" y="2862977"/>
+        <a:ext cx="8164872" cy="407049"/>
+      </dsp:txXfrm>
+    </dsp:sp>
+    <dsp:sp modelId="{CCE9917A-38AE-4D39-86E4-CA05261F6BDB}">
+      <dsp:nvSpPr>
+        <dsp:cNvPr id="0" name=""/>
+        <dsp:cNvSpPr/>
+      </dsp:nvSpPr>
+      <dsp:spPr>
+        <a:xfrm>
+          <a:off x="0" y="3292047"/>
+          <a:ext cx="8208912" cy="258952"/>
+        </a:xfrm>
+        <a:prstGeom prst="rect">
+          <a:avLst/>
+        </a:prstGeom>
+        <a:noFill/>
+        <a:ln>
+          <a:noFill/>
+        </a:ln>
+        <a:effectLst/>
+      </dsp:spPr>
+      <dsp:style>
+        <a:lnRef idx="0">
+          <a:scrgbClr r="0" g="0" b="0"/>
+        </a:lnRef>
+        <a:fillRef idx="0">
+          <a:scrgbClr r="0" g="0" b="0"/>
+        </a:fillRef>
+        <a:effectRef idx="0">
+          <a:scrgbClr r="0" g="0" b="0"/>
+        </a:effectRef>
+        <a:fontRef idx="minor"/>
+      </dsp:style>
+      <dsp:txBody>
+        <a:bodyPr spcFirstLastPara="0" vert="horz" wrap="square" lIns="260633" tIns="17780" rIns="99568" bIns="17780" numCol="1" spcCol="1270" anchor="t" anchorCtr="0">
+          <a:noAutofit/>
+        </a:bodyPr>
+        <a:lstStyle/>
+        <a:p>
+          <a:pPr marL="114300" lvl="1" indent="-114300" algn="l" defTabSz="622300" rtl="0">
+            <a:lnSpc>
+              <a:spcPct val="90000"/>
+            </a:lnSpc>
+            <a:spcBef>
+              <a:spcPct val="0"/>
+            </a:spcBef>
+            <a:spcAft>
+              <a:spcPct val="20000"/>
+            </a:spcAft>
+            <a:buChar char="••"/>
+          </a:pPr>
+          <a:r>
+            <a:rPr lang="en-US" altLang="zh-TW" sz="1400" kern="1200" dirty="0" smtClean="0">
+              <a:latin typeface="微軟正黑體" pitchFamily="34" charset="-120"/>
+              <a:ea typeface="微軟正黑體" pitchFamily="34" charset="-120"/>
+              <a:hlinkClick xmlns:r="http://schemas.openxmlformats.org/officeDocument/2006/relationships" r:id="rId5"/>
+            </a:rPr>
+            <a:t>http://php.net/manual/en/function.get-object-vars.php</a:t>
+          </a:r>
+          <a:endParaRPr lang="zh-TW" sz="1400" kern="1200" dirty="0">
+            <a:latin typeface="微軟正黑體" pitchFamily="34" charset="-120"/>
+            <a:ea typeface="微軟正黑體" pitchFamily="34" charset="-120"/>
+          </a:endParaRPr>
+        </a:p>
+      </dsp:txBody>
+      <dsp:txXfrm>
+        <a:off x="0" y="3292047"/>
+        <a:ext cx="8208912" cy="258952"/>
+      </dsp:txXfrm>
+    </dsp:sp>
+    <dsp:sp modelId="{5C328887-E348-4682-B966-131F1137C794}">
+      <dsp:nvSpPr>
+        <dsp:cNvPr id="0" name=""/>
+        <dsp:cNvSpPr/>
+      </dsp:nvSpPr>
+      <dsp:spPr>
+        <a:xfrm>
+          <a:off x="0" y="3550999"/>
+          <a:ext cx="8208912" cy="451089"/>
+        </a:xfrm>
+        <a:prstGeom prst="roundRect">
+          <a:avLst/>
+        </a:prstGeom>
+        <a:solidFill>
+          <a:schemeClr val="accent1">
+            <a:hueOff val="0"/>
+            <a:satOff val="0"/>
+            <a:lumOff val="0"/>
+            <a:alphaOff val="0"/>
+          </a:schemeClr>
+        </a:solidFill>
+        <a:ln w="25400" cap="flat" cmpd="sng" algn="ctr">
+          <a:solidFill>
+            <a:schemeClr val="lt1">
+              <a:hueOff val="0"/>
+              <a:satOff val="0"/>
+              <a:lumOff val="0"/>
+              <a:alphaOff val="0"/>
+            </a:schemeClr>
+          </a:solidFill>
+          <a:prstDash val="solid"/>
+        </a:ln>
+        <a:effectLst/>
+      </dsp:spPr>
+      <dsp:style>
+        <a:lnRef idx="2">
+          <a:scrgbClr r="0" g="0" b="0"/>
+        </a:lnRef>
+        <a:fillRef idx="1">
+          <a:scrgbClr r="0" g="0" b="0"/>
+        </a:fillRef>
+        <a:effectRef idx="0">
+          <a:scrgbClr r="0" g="0" b="0"/>
+        </a:effectRef>
+        <a:fontRef idx="minor">
+          <a:schemeClr val="lt1"/>
+        </a:fontRef>
+      </dsp:style>
+      <dsp:txBody>
+        <a:bodyPr spcFirstLastPara="0" vert="horz" wrap="square" lIns="53340" tIns="53340" rIns="53340" bIns="53340" numCol="1" spcCol="1270" anchor="ctr" anchorCtr="0">
+          <a:noAutofit/>
+        </a:bodyPr>
+        <a:lstStyle/>
+        <a:p>
+          <a:pPr lvl="0" algn="l" defTabSz="622300" rtl="0">
+            <a:lnSpc>
+              <a:spcPct val="90000"/>
+            </a:lnSpc>
+            <a:spcBef>
+              <a:spcPct val="0"/>
+            </a:spcBef>
+            <a:spcAft>
+              <a:spcPct val="35000"/>
+            </a:spcAft>
+          </a:pPr>
+          <a:r>
+            <a:rPr lang="en-US" sz="1400" b="0" i="0" kern="1200" smtClean="0"/>
+            <a:t>Defensive Programming </a:t>
+          </a:r>
+          <a:r>
+            <a:rPr lang="zh-TW" altLang="en-US" sz="1400" b="0" i="0" kern="1200" smtClean="0"/>
+            <a:t>防禦性程式設計</a:t>
+          </a:r>
+          <a:endParaRPr lang="zh-TW" sz="1400" kern="1200" dirty="0">
+            <a:latin typeface="微軟正黑體" pitchFamily="34" charset="-120"/>
+            <a:ea typeface="微軟正黑體" pitchFamily="34" charset="-120"/>
+          </a:endParaRPr>
+        </a:p>
+      </dsp:txBody>
+      <dsp:txXfrm>
+        <a:off x="22020" y="3573019"/>
+        <a:ext cx="8164872" cy="407049"/>
+      </dsp:txXfrm>
+    </dsp:sp>
+    <dsp:sp modelId="{6D1264EF-B2A6-41DB-8D0F-1F9DE43068E7}">
+      <dsp:nvSpPr>
+        <dsp:cNvPr id="0" name=""/>
+        <dsp:cNvSpPr/>
+      </dsp:nvSpPr>
+      <dsp:spPr>
+        <a:xfrm>
+          <a:off x="0" y="4002089"/>
+          <a:ext cx="8208912" cy="258952"/>
+        </a:xfrm>
+        <a:prstGeom prst="rect">
+          <a:avLst/>
+        </a:prstGeom>
+        <a:noFill/>
+        <a:ln>
+          <a:noFill/>
+        </a:ln>
+        <a:effectLst/>
+      </dsp:spPr>
+      <dsp:style>
+        <a:lnRef idx="0">
+          <a:scrgbClr r="0" g="0" b="0"/>
+        </a:lnRef>
+        <a:fillRef idx="0">
+          <a:scrgbClr r="0" g="0" b="0"/>
+        </a:fillRef>
+        <a:effectRef idx="0">
+          <a:scrgbClr r="0" g="0" b="0"/>
+        </a:effectRef>
+        <a:fontRef idx="minor"/>
+      </dsp:style>
+      <dsp:txBody>
+        <a:bodyPr spcFirstLastPara="0" vert="horz" wrap="square" lIns="260633" tIns="17780" rIns="99568" bIns="17780" numCol="1" spcCol="1270" anchor="t" anchorCtr="0">
+          <a:noAutofit/>
+        </a:bodyPr>
+        <a:lstStyle/>
+        <a:p>
+          <a:pPr marL="114300" lvl="1" indent="-114300" algn="l" defTabSz="622300" rtl="0">
+            <a:lnSpc>
+              <a:spcPct val="90000"/>
+            </a:lnSpc>
+            <a:spcBef>
+              <a:spcPct val="0"/>
+            </a:spcBef>
+            <a:spcAft>
+              <a:spcPct val="20000"/>
+            </a:spcAft>
+            <a:buChar char="••"/>
+          </a:pPr>
+          <a:r>
+            <a:rPr lang="en-US" altLang="zh-TW" sz="1400" kern="1200" dirty="0" smtClean="0">
+              <a:latin typeface="微軟正黑體" pitchFamily="34" charset="-120"/>
+              <a:ea typeface="微軟正黑體" pitchFamily="34" charset="-120"/>
+              <a:hlinkClick xmlns:r="http://schemas.openxmlformats.org/officeDocument/2006/relationships" r:id="rId6"/>
+            </a:rPr>
+            <a:t>https://ihower.tw/blog/archives/7259</a:t>
+          </a:r>
+          <a:endParaRPr lang="zh-TW" sz="1400" kern="1200" dirty="0">
+            <a:latin typeface="微軟正黑體" pitchFamily="34" charset="-120"/>
+            <a:ea typeface="微軟正黑體" pitchFamily="34" charset="-120"/>
+          </a:endParaRPr>
+        </a:p>
+      </dsp:txBody>
+      <dsp:txXfrm>
+        <a:off x="0" y="4002089"/>
+        <a:ext cx="8208912" cy="258952"/>
+      </dsp:txXfrm>
+    </dsp:sp>
+  </dsp:spTree>
+</dsp:drawing>
+</file>
+
 <file path=ppt/diagrams/layout1.xml><?xml version="1.0" encoding="utf-8"?>
 <dgm:layoutDef xmlns:dgm="http://schemas.openxmlformats.org/drawingml/2006/diagram" xmlns:a="http://schemas.openxmlformats.org/drawingml/2006/main" uniqueId="urn:microsoft.com/office/officeart/2005/8/layout/vList6">
   <dgm:title val=""/>
@@ -19548,173 +17822,6 @@
           <dgm:ruleLst/>
         </dgm:layoutNode>
       </dgm:forEach>
-    </dgm:forEach>
-  </dgm:layoutNode>
-</dgm:layoutDef>
-</file>
-
-<file path=ppt/diagrams/layout10.xml><?xml version="1.0" encoding="utf-8"?>
-<dgm:layoutDef xmlns:dgm="http://schemas.openxmlformats.org/drawingml/2006/diagram" xmlns:a="http://schemas.openxmlformats.org/drawingml/2006/main" uniqueId="urn:microsoft.com/office/officeart/2005/8/layout/vList2">
-  <dgm:title val=""/>
-  <dgm:desc val=""/>
-  <dgm:catLst>
-    <dgm:cat type="list" pri="3000"/>
-    <dgm:cat type="convert" pri="1000"/>
-  </dgm:catLst>
-  <dgm:sampData>
-    <dgm:dataModel>
-      <dgm:ptLst>
-        <dgm:pt modelId="0" type="doc"/>
-        <dgm:pt modelId="1">
-          <dgm:prSet phldr="1"/>
-        </dgm:pt>
-        <dgm:pt modelId="11">
-          <dgm:prSet phldr="1"/>
-        </dgm:pt>
-        <dgm:pt modelId="2">
-          <dgm:prSet phldr="1"/>
-        </dgm:pt>
-        <dgm:pt modelId="21">
-          <dgm:prSet phldr="1"/>
-        </dgm:pt>
-      </dgm:ptLst>
-      <dgm:cxnLst>
-        <dgm:cxn modelId="4" srcId="0" destId="1" srcOrd="0" destOrd="0"/>
-        <dgm:cxn modelId="5" srcId="0" destId="2" srcOrd="1" destOrd="0"/>
-        <dgm:cxn modelId="12" srcId="1" destId="11" srcOrd="0" destOrd="0"/>
-        <dgm:cxn modelId="23" srcId="2" destId="21" srcOrd="0" destOrd="0"/>
-      </dgm:cxnLst>
-      <dgm:bg/>
-      <dgm:whole/>
-    </dgm:dataModel>
-  </dgm:sampData>
-  <dgm:styleData>
-    <dgm:dataModel>
-      <dgm:ptLst>
-        <dgm:pt modelId="0" type="doc"/>
-        <dgm:pt modelId="1"/>
-        <dgm:pt modelId="2"/>
-      </dgm:ptLst>
-      <dgm:cxnLst>
-        <dgm:cxn modelId="3" srcId="0" destId="1" srcOrd="0" destOrd="0"/>
-        <dgm:cxn modelId="4" srcId="0" destId="2" srcOrd="1" destOrd="0"/>
-      </dgm:cxnLst>
-      <dgm:bg/>
-      <dgm:whole/>
-    </dgm:dataModel>
-  </dgm:styleData>
-  <dgm:clrData>
-    <dgm:dataModel>
-      <dgm:ptLst>
-        <dgm:pt modelId="0" type="doc"/>
-        <dgm:pt modelId="1"/>
-        <dgm:pt modelId="2"/>
-        <dgm:pt modelId="3"/>
-        <dgm:pt modelId="4"/>
-      </dgm:ptLst>
-      <dgm:cxnLst>
-        <dgm:cxn modelId="5" srcId="0" destId="1" srcOrd="0" destOrd="0"/>
-        <dgm:cxn modelId="6" srcId="0" destId="2" srcOrd="1" destOrd="0"/>
-        <dgm:cxn modelId="7" srcId="0" destId="3" srcOrd="2" destOrd="0"/>
-        <dgm:cxn modelId="8" srcId="0" destId="4" srcOrd="3" destOrd="0"/>
-      </dgm:cxnLst>
-      <dgm:bg/>
-      <dgm:whole/>
-    </dgm:dataModel>
-  </dgm:clrData>
-  <dgm:layoutNode name="linear">
-    <dgm:varLst>
-      <dgm:animLvl val="lvl"/>
-      <dgm:resizeHandles val="exact"/>
-    </dgm:varLst>
-    <dgm:alg type="lin">
-      <dgm:param type="linDir" val="fromT"/>
-      <dgm:param type="vertAlign" val="mid"/>
-    </dgm:alg>
-    <dgm:shape xmlns:r="http://schemas.openxmlformats.org/officeDocument/2006/relationships" r:blip="">
-      <dgm:adjLst/>
-    </dgm:shape>
-    <dgm:presOf/>
-    <dgm:constrLst>
-      <dgm:constr type="w" for="ch" forName="parentText" refType="w"/>
-      <dgm:constr type="h" for="ch" forName="parentText" refType="primFontSz" refFor="ch" refForName="parentText" fact="0.52"/>
-      <dgm:constr type="w" for="ch" forName="childText" refType="w"/>
-      <dgm:constr type="h" for="ch" forName="childText" refType="primFontSz" refFor="ch" refForName="parentText" fact="0.46"/>
-      <dgm:constr type="h" for="ch" forName="parentText" op="equ"/>
-      <dgm:constr type="primFontSz" for="ch" forName="parentText" op="equ" val="65"/>
-      <dgm:constr type="primFontSz" for="ch" forName="childText" refType="primFontSz" refFor="ch" refForName="parentText" op="equ"/>
-      <dgm:constr type="h" for="ch" forName="spacer" refType="primFontSz" refFor="ch" refForName="parentText" fact="0.08"/>
-    </dgm:constrLst>
-    <dgm:ruleLst>
-      <dgm:rule type="primFontSz" for="ch" forName="parentText" val="5" fact="NaN" max="NaN"/>
-    </dgm:ruleLst>
-    <dgm:forEach name="Name0" axis="ch" ptType="node">
-      <dgm:layoutNode name="parentText" styleLbl="node1">
-        <dgm:varLst>
-          <dgm:chMax val="0"/>
-          <dgm:bulletEnabled val="1"/>
-        </dgm:varLst>
-        <dgm:alg type="tx">
-          <dgm:param type="parTxLTRAlign" val="l"/>
-          <dgm:param type="parTxRTLAlign" val="r"/>
-        </dgm:alg>
-        <dgm:shape xmlns:r="http://schemas.openxmlformats.org/officeDocument/2006/relationships" type="roundRect" r:blip="">
-          <dgm:adjLst/>
-        </dgm:shape>
-        <dgm:presOf axis="self"/>
-        <dgm:constrLst>
-          <dgm:constr type="tMarg" refType="primFontSz" fact="0.3"/>
-          <dgm:constr type="bMarg" refType="primFontSz" fact="0.3"/>
-          <dgm:constr type="lMarg" refType="primFontSz" fact="0.3"/>
-          <dgm:constr type="rMarg" refType="primFontSz" fact="0.3"/>
-        </dgm:constrLst>
-        <dgm:ruleLst>
-          <dgm:rule type="h" val="INF" fact="NaN" max="NaN"/>
-        </dgm:ruleLst>
-      </dgm:layoutNode>
-      <dgm:choose name="Name1">
-        <dgm:if name="Name2" axis="ch" ptType="node" func="cnt" op="gte" val="1">
-          <dgm:layoutNode name="childText" styleLbl="revTx">
-            <dgm:varLst>
-              <dgm:bulletEnabled val="1"/>
-            </dgm:varLst>
-            <dgm:alg type="tx">
-              <dgm:param type="stBulletLvl" val="1"/>
-              <dgm:param type="lnSpAfChP" val="20"/>
-            </dgm:alg>
-            <dgm:shape xmlns:r="http://schemas.openxmlformats.org/officeDocument/2006/relationships" type="rect" r:blip="">
-              <dgm:adjLst/>
-            </dgm:shape>
-            <dgm:presOf axis="des" ptType="node"/>
-            <dgm:constrLst>
-              <dgm:constr type="tMarg" refType="primFontSz" fact="0.1"/>
-              <dgm:constr type="bMarg" refType="primFontSz" fact="0.1"/>
-              <dgm:constr type="lMarg" refType="w" fact="0.09"/>
-            </dgm:constrLst>
-            <dgm:ruleLst>
-              <dgm:rule type="h" val="INF" fact="NaN" max="NaN"/>
-            </dgm:ruleLst>
-          </dgm:layoutNode>
-        </dgm:if>
-        <dgm:else name="Name3">
-          <dgm:choose name="Name4">
-            <dgm:if name="Name5" axis="par ch" ptType="doc node" func="cnt" op="gte" val="2">
-              <dgm:forEach name="Name6" axis="followSib" ptType="sibTrans" cnt="1">
-                <dgm:layoutNode name="spacer">
-                  <dgm:alg type="sp"/>
-                  <dgm:shape xmlns:r="http://schemas.openxmlformats.org/officeDocument/2006/relationships" r:blip="">
-                    <dgm:adjLst/>
-                  </dgm:shape>
-                  <dgm:presOf/>
-                  <dgm:constrLst/>
-                  <dgm:ruleLst/>
-                </dgm:layoutNode>
-              </dgm:forEach>
-            </dgm:if>
-            <dgm:else name="Name7"/>
-          </dgm:choose>
-        </dgm:else>
-      </dgm:choose>
     </dgm:forEach>
   </dgm:layoutNode>
 </dgm:layoutDef>
@@ -21087,231 +19194,6 @@
 </file>
 
 <file path=ppt/diagrams/layout8.xml><?xml version="1.0" encoding="utf-8"?>
-<dgm:layoutDef xmlns:dgm="http://schemas.openxmlformats.org/drawingml/2006/diagram" xmlns:a="http://schemas.openxmlformats.org/drawingml/2006/main" uniqueId="urn:microsoft.com/office/officeart/2005/8/layout/list1">
-  <dgm:title val=""/>
-  <dgm:desc val=""/>
-  <dgm:catLst>
-    <dgm:cat type="list" pri="4000"/>
-  </dgm:catLst>
-  <dgm:sampData>
-    <dgm:dataModel>
-      <dgm:ptLst>
-        <dgm:pt modelId="0" type="doc"/>
-        <dgm:pt modelId="1">
-          <dgm:prSet phldr="1"/>
-        </dgm:pt>
-        <dgm:pt modelId="2">
-          <dgm:prSet phldr="1"/>
-        </dgm:pt>
-        <dgm:pt modelId="3">
-          <dgm:prSet phldr="1"/>
-        </dgm:pt>
-      </dgm:ptLst>
-      <dgm:cxnLst>
-        <dgm:cxn modelId="4" srcId="0" destId="1" srcOrd="0" destOrd="0"/>
-        <dgm:cxn modelId="5" srcId="0" destId="2" srcOrd="1" destOrd="0"/>
-        <dgm:cxn modelId="6" srcId="0" destId="3" srcOrd="2" destOrd="0"/>
-      </dgm:cxnLst>
-      <dgm:bg/>
-      <dgm:whole/>
-    </dgm:dataModel>
-  </dgm:sampData>
-  <dgm:styleData>
-    <dgm:dataModel>
-      <dgm:ptLst>
-        <dgm:pt modelId="0" type="doc"/>
-        <dgm:pt modelId="1"/>
-        <dgm:pt modelId="2"/>
-      </dgm:ptLst>
-      <dgm:cxnLst>
-        <dgm:cxn modelId="4" srcId="0" destId="1" srcOrd="0" destOrd="0"/>
-        <dgm:cxn modelId="5" srcId="0" destId="2" srcOrd="1" destOrd="0"/>
-      </dgm:cxnLst>
-      <dgm:bg/>
-      <dgm:whole/>
-    </dgm:dataModel>
-  </dgm:styleData>
-  <dgm:clrData>
-    <dgm:dataModel>
-      <dgm:ptLst>
-        <dgm:pt modelId="0" type="doc"/>
-        <dgm:pt modelId="1"/>
-        <dgm:pt modelId="2"/>
-        <dgm:pt modelId="3"/>
-        <dgm:pt modelId="4"/>
-      </dgm:ptLst>
-      <dgm:cxnLst>
-        <dgm:cxn modelId="5" srcId="0" destId="1" srcOrd="0" destOrd="0"/>
-        <dgm:cxn modelId="6" srcId="0" destId="2" srcOrd="1" destOrd="0"/>
-        <dgm:cxn modelId="7" srcId="0" destId="3" srcOrd="2" destOrd="0"/>
-        <dgm:cxn modelId="8" srcId="0" destId="4" srcOrd="3" destOrd="0"/>
-      </dgm:cxnLst>
-      <dgm:bg/>
-      <dgm:whole/>
-    </dgm:dataModel>
-  </dgm:clrData>
-  <dgm:layoutNode name="linear">
-    <dgm:varLst>
-      <dgm:dir/>
-      <dgm:animLvl val="lvl"/>
-      <dgm:resizeHandles val="exact"/>
-    </dgm:varLst>
-    <dgm:choose name="Name0">
-      <dgm:if name="Name1" func="var" arg="dir" op="equ" val="norm">
-        <dgm:alg type="lin">
-          <dgm:param type="linDir" val="fromT"/>
-          <dgm:param type="vertAlign" val="mid"/>
-          <dgm:param type="horzAlign" val="l"/>
-          <dgm:param type="nodeHorzAlign" val="l"/>
-        </dgm:alg>
-      </dgm:if>
-      <dgm:else name="Name2">
-        <dgm:alg type="lin">
-          <dgm:param type="linDir" val="fromT"/>
-          <dgm:param type="vertAlign" val="mid"/>
-          <dgm:param type="horzAlign" val="r"/>
-          <dgm:param type="nodeHorzAlign" val="r"/>
-        </dgm:alg>
-      </dgm:else>
-    </dgm:choose>
-    <dgm:shape xmlns:r="http://schemas.openxmlformats.org/officeDocument/2006/relationships" r:blip="">
-      <dgm:adjLst/>
-    </dgm:shape>
-    <dgm:presOf/>
-    <dgm:constrLst>
-      <dgm:constr type="w" for="ch" forName="parentLin" refType="w"/>
-      <dgm:constr type="h" for="ch" forName="parentLin" val="INF"/>
-      <dgm:constr type="w" for="des" forName="parentLeftMargin" refType="w" fact="0.05"/>
-      <dgm:constr type="w" for="des" forName="parentText" refType="w" fact="0.7"/>
-      <dgm:constr type="h" for="des" forName="parentText" refType="primFontSz" refFor="des" refForName="parentText" fact="0.82"/>
-      <dgm:constr type="h" for="ch" forName="negativeSpace" refType="primFontSz" refFor="des" refForName="parentText" fact="-0.41"/>
-      <dgm:constr type="h" for="ch" forName="negativeSpace" refType="h" refFor="des" refForName="parentText" op="lte" fact="-0.82"/>
-      <dgm:constr type="h" for="ch" forName="negativeSpace" refType="h" refFor="des" refForName="parentText" op="gte" fact="-0.82"/>
-      <dgm:constr type="w" for="ch" forName="childText" refType="w"/>
-      <dgm:constr type="h" for="ch" forName="childText" refType="primFontSz" refFor="des" refForName="parentText" fact="0.7"/>
-      <dgm:constr type="primFontSz" for="des" forName="parentText" val="65"/>
-      <dgm:constr type="primFontSz" for="ch" forName="childText" refType="primFontSz" refFor="des" refForName="parentText"/>
-      <dgm:constr type="tMarg" for="ch" forName="childText" refType="primFontSz" refFor="des" refForName="parentText" fact="1.64"/>
-      <dgm:constr type="tMarg" for="ch" forName="childText" refType="h" refFor="des" refForName="parentText" op="lte" fact="3.28"/>
-      <dgm:constr type="tMarg" for="ch" forName="childText" refType="h" refFor="des" refForName="parentText" op="gte" fact="3.28"/>
-      <dgm:constr type="lMarg" for="ch" forName="childText" refType="w" fact="0.22"/>
-      <dgm:constr type="rMarg" for="ch" forName="childText" refType="lMarg" refFor="ch" refForName="childText"/>
-      <dgm:constr type="lMarg" for="des" forName="parentText" refType="w" fact="0.075"/>
-      <dgm:constr type="rMarg" for="des" forName="parentText" refType="lMarg" refFor="des" refForName="parentText"/>
-      <dgm:constr type="h" for="ch" forName="spaceBetweenRectangles" refType="primFontSz" refFor="des" refForName="parentText" fact="0.15"/>
-    </dgm:constrLst>
-    <dgm:ruleLst>
-      <dgm:rule type="primFontSz" for="des" forName="parentText" val="5" fact="NaN" max="NaN"/>
-    </dgm:ruleLst>
-    <dgm:forEach name="Name3" axis="ch" ptType="node">
-      <dgm:layoutNode name="parentLin">
-        <dgm:choose name="Name4">
-          <dgm:if name="Name5" func="var" arg="dir" op="equ" val="norm">
-            <dgm:alg type="lin">
-              <dgm:param type="linDir" val="fromL"/>
-              <dgm:param type="horzAlign" val="l"/>
-              <dgm:param type="nodeHorzAlign" val="l"/>
-            </dgm:alg>
-          </dgm:if>
-          <dgm:else name="Name6">
-            <dgm:alg type="lin">
-              <dgm:param type="linDir" val="fromR"/>
-              <dgm:param type="horzAlign" val="r"/>
-              <dgm:param type="nodeHorzAlign" val="r"/>
-            </dgm:alg>
-          </dgm:else>
-        </dgm:choose>
-        <dgm:shape xmlns:r="http://schemas.openxmlformats.org/officeDocument/2006/relationships" r:blip="">
-          <dgm:adjLst/>
-        </dgm:shape>
-        <dgm:presOf/>
-        <dgm:constrLst/>
-        <dgm:ruleLst/>
-        <dgm:layoutNode name="parentLeftMargin">
-          <dgm:alg type="sp"/>
-          <dgm:shape xmlns:r="http://schemas.openxmlformats.org/officeDocument/2006/relationships" type="rect" r:blip="" hideGeom="1">
-            <dgm:adjLst/>
-          </dgm:shape>
-          <dgm:presOf axis="self"/>
-          <dgm:constrLst>
-            <dgm:constr type="h"/>
-          </dgm:constrLst>
-          <dgm:ruleLst/>
-        </dgm:layoutNode>
-        <dgm:layoutNode name="parentText" styleLbl="node1">
-          <dgm:varLst>
-            <dgm:chMax val="0"/>
-            <dgm:bulletEnabled val="1"/>
-          </dgm:varLst>
-          <dgm:choose name="Name7">
-            <dgm:if name="Name8" func="var" arg="dir" op="equ" val="norm">
-              <dgm:alg type="tx">
-                <dgm:param type="parTxLTRAlign" val="l"/>
-                <dgm:param type="parTxRTLAlign" val="l"/>
-              </dgm:alg>
-            </dgm:if>
-            <dgm:else name="Name9">
-              <dgm:alg type="tx">
-                <dgm:param type="parTxLTRAlign" val="r"/>
-                <dgm:param type="parTxRTLAlign" val="r"/>
-              </dgm:alg>
-            </dgm:else>
-          </dgm:choose>
-          <dgm:shape xmlns:r="http://schemas.openxmlformats.org/officeDocument/2006/relationships" type="roundRect" r:blip="">
-            <dgm:adjLst/>
-          </dgm:shape>
-          <dgm:presOf axis="self" ptType="node"/>
-          <dgm:constrLst>
-            <dgm:constr type="tMarg"/>
-            <dgm:constr type="bMarg"/>
-          </dgm:constrLst>
-          <dgm:ruleLst/>
-        </dgm:layoutNode>
-      </dgm:layoutNode>
-      <dgm:layoutNode name="negativeSpace">
-        <dgm:alg type="sp"/>
-        <dgm:shape xmlns:r="http://schemas.openxmlformats.org/officeDocument/2006/relationships" r:blip="">
-          <dgm:adjLst/>
-        </dgm:shape>
-        <dgm:presOf/>
-        <dgm:constrLst/>
-        <dgm:ruleLst/>
-      </dgm:layoutNode>
-      <dgm:layoutNode name="childText" styleLbl="conFgAcc1">
-        <dgm:varLst>
-          <dgm:bulletEnabled val="1"/>
-        </dgm:varLst>
-        <dgm:alg type="tx">
-          <dgm:param type="stBulletLvl" val="1"/>
-        </dgm:alg>
-        <dgm:shape xmlns:r="http://schemas.openxmlformats.org/officeDocument/2006/relationships" type="rect" r:blip="" zOrderOff="-2">
-          <dgm:adjLst/>
-        </dgm:shape>
-        <dgm:presOf axis="des" ptType="node"/>
-        <dgm:constrLst>
-          <dgm:constr type="secFontSz" refType="primFontSz"/>
-        </dgm:constrLst>
-        <dgm:ruleLst>
-          <dgm:rule type="h" val="INF" fact="NaN" max="NaN"/>
-        </dgm:ruleLst>
-      </dgm:layoutNode>
-      <dgm:forEach name="Name10" axis="followSib" ptType="sibTrans" cnt="1">
-        <dgm:layoutNode name="spaceBetweenRectangles">
-          <dgm:alg type="sp"/>
-          <dgm:shape xmlns:r="http://schemas.openxmlformats.org/officeDocument/2006/relationships" r:blip="">
-            <dgm:adjLst/>
-          </dgm:shape>
-          <dgm:presOf/>
-          <dgm:constrLst/>
-          <dgm:ruleLst/>
-        </dgm:layoutNode>
-      </dgm:forEach>
-    </dgm:forEach>
-  </dgm:layoutNode>
-</dgm:layoutDef>
-</file>
-
-<file path=ppt/diagrams/layout9.xml><?xml version="1.0" encoding="utf-8"?>
 <dgm:layoutDef xmlns:dgm="http://schemas.openxmlformats.org/drawingml/2006/diagram" xmlns:a="http://schemas.openxmlformats.org/drawingml/2006/main" uniqueId="urn:microsoft.com/office/officeart/2005/8/layout/hierarchy6">
   <dgm:title val=""/>
   <dgm:desc val=""/>
@@ -21822,1041 +19704,174 @@
 </dgm:layoutDef>
 </file>
 
-<file path=ppt/diagrams/quickStyle1.xml><?xml version="1.0" encoding="utf-8"?>
-<dgm:styleDef xmlns:dgm="http://schemas.openxmlformats.org/drawingml/2006/diagram" xmlns:a="http://schemas.openxmlformats.org/drawingml/2006/main" uniqueId="urn:microsoft.com/office/officeart/2005/8/quickstyle/simple1">
+<file path=ppt/diagrams/layout9.xml><?xml version="1.0" encoding="utf-8"?>
+<dgm:layoutDef xmlns:dgm="http://schemas.openxmlformats.org/drawingml/2006/diagram" xmlns:a="http://schemas.openxmlformats.org/drawingml/2006/main" uniqueId="urn:microsoft.com/office/officeart/2005/8/layout/vList2">
   <dgm:title val=""/>
   <dgm:desc val=""/>
   <dgm:catLst>
-    <dgm:cat type="simple" pri="10100"/>
+    <dgm:cat type="list" pri="3000"/>
+    <dgm:cat type="convert" pri="1000"/>
   </dgm:catLst>
-  <dgm:scene3d>
-    <a:camera prst="orthographicFront"/>
-    <a:lightRig rig="threePt" dir="t"/>
-  </dgm:scene3d>
-  <dgm:styleLbl name="node0">
-    <dgm:scene3d>
-      <a:camera prst="orthographicFront"/>
-      <a:lightRig rig="threePt" dir="t"/>
-    </dgm:scene3d>
-    <dgm:sp3d/>
-    <dgm:txPr/>
-    <dgm:style>
-      <a:lnRef idx="2">
-        <a:scrgbClr r="0" g="0" b="0"/>
-      </a:lnRef>
-      <a:fillRef idx="1">
-        <a:scrgbClr r="0" g="0" b="0"/>
-      </a:fillRef>
-      <a:effectRef idx="0">
-        <a:scrgbClr r="0" g="0" b="0"/>
-      </a:effectRef>
-      <a:fontRef idx="minor">
-        <a:schemeClr val="lt1"/>
-      </a:fontRef>
-    </dgm:style>
-  </dgm:styleLbl>
-  <dgm:styleLbl name="lnNode1">
-    <dgm:scene3d>
-      <a:camera prst="orthographicFront"/>
-      <a:lightRig rig="threePt" dir="t"/>
-    </dgm:scene3d>
-    <dgm:sp3d/>
-    <dgm:txPr/>
-    <dgm:style>
-      <a:lnRef idx="2">
-        <a:scrgbClr r="0" g="0" b="0"/>
-      </a:lnRef>
-      <a:fillRef idx="1">
-        <a:scrgbClr r="0" g="0" b="0"/>
-      </a:fillRef>
-      <a:effectRef idx="0">
-        <a:scrgbClr r="0" g="0" b="0"/>
-      </a:effectRef>
-      <a:fontRef idx="minor">
-        <a:schemeClr val="lt1"/>
-      </a:fontRef>
-    </dgm:style>
-  </dgm:styleLbl>
-  <dgm:styleLbl name="vennNode1">
-    <dgm:scene3d>
-      <a:camera prst="orthographicFront"/>
-      <a:lightRig rig="threePt" dir="t"/>
-    </dgm:scene3d>
-    <dgm:sp3d/>
-    <dgm:txPr/>
-    <dgm:style>
-      <a:lnRef idx="2">
-        <a:scrgbClr r="0" g="0" b="0"/>
-      </a:lnRef>
-      <a:fillRef idx="1">
-        <a:scrgbClr r="0" g="0" b="0"/>
-      </a:fillRef>
-      <a:effectRef idx="0">
-        <a:scrgbClr r="0" g="0" b="0"/>
-      </a:effectRef>
-      <a:fontRef idx="minor">
-        <a:schemeClr val="tx1"/>
-      </a:fontRef>
-    </dgm:style>
-  </dgm:styleLbl>
-  <dgm:styleLbl name="alignNode1">
-    <dgm:scene3d>
-      <a:camera prst="orthographicFront"/>
-      <a:lightRig rig="threePt" dir="t"/>
-    </dgm:scene3d>
-    <dgm:sp3d/>
-    <dgm:txPr/>
-    <dgm:style>
-      <a:lnRef idx="2">
-        <a:scrgbClr r="0" g="0" b="0"/>
-      </a:lnRef>
-      <a:fillRef idx="1">
-        <a:scrgbClr r="0" g="0" b="0"/>
-      </a:fillRef>
-      <a:effectRef idx="0">
-        <a:scrgbClr r="0" g="0" b="0"/>
-      </a:effectRef>
-      <a:fontRef idx="minor">
-        <a:schemeClr val="lt1"/>
-      </a:fontRef>
-    </dgm:style>
-  </dgm:styleLbl>
-  <dgm:styleLbl name="node1">
-    <dgm:scene3d>
-      <a:camera prst="orthographicFront"/>
-      <a:lightRig rig="threePt" dir="t"/>
-    </dgm:scene3d>
-    <dgm:sp3d/>
-    <dgm:txPr/>
-    <dgm:style>
-      <a:lnRef idx="2">
-        <a:scrgbClr r="0" g="0" b="0"/>
-      </a:lnRef>
-      <a:fillRef idx="1">
-        <a:scrgbClr r="0" g="0" b="0"/>
-      </a:fillRef>
-      <a:effectRef idx="0">
-        <a:scrgbClr r="0" g="0" b="0"/>
-      </a:effectRef>
-      <a:fontRef idx="minor">
-        <a:schemeClr val="lt1"/>
-      </a:fontRef>
-    </dgm:style>
-  </dgm:styleLbl>
-  <dgm:styleLbl name="node2">
-    <dgm:scene3d>
-      <a:camera prst="orthographicFront"/>
-      <a:lightRig rig="threePt" dir="t"/>
-    </dgm:scene3d>
-    <dgm:sp3d/>
-    <dgm:txPr/>
-    <dgm:style>
-      <a:lnRef idx="2">
-        <a:scrgbClr r="0" g="0" b="0"/>
-      </a:lnRef>
-      <a:fillRef idx="1">
-        <a:scrgbClr r="0" g="0" b="0"/>
-      </a:fillRef>
-      <a:effectRef idx="0">
-        <a:scrgbClr r="0" g="0" b="0"/>
-      </a:effectRef>
-      <a:fontRef idx="minor">
-        <a:schemeClr val="lt1"/>
-      </a:fontRef>
-    </dgm:style>
-  </dgm:styleLbl>
-  <dgm:styleLbl name="node3">
-    <dgm:scene3d>
-      <a:camera prst="orthographicFront"/>
-      <a:lightRig rig="threePt" dir="t"/>
-    </dgm:scene3d>
-    <dgm:sp3d/>
-    <dgm:txPr/>
-    <dgm:style>
-      <a:lnRef idx="2">
-        <a:scrgbClr r="0" g="0" b="0"/>
-      </a:lnRef>
-      <a:fillRef idx="1">
-        <a:scrgbClr r="0" g="0" b="0"/>
-      </a:fillRef>
-      <a:effectRef idx="0">
-        <a:scrgbClr r="0" g="0" b="0"/>
-      </a:effectRef>
-      <a:fontRef idx="minor">
-        <a:schemeClr val="lt1"/>
-      </a:fontRef>
-    </dgm:style>
-  </dgm:styleLbl>
-  <dgm:styleLbl name="node4">
-    <dgm:scene3d>
-      <a:camera prst="orthographicFront"/>
-      <a:lightRig rig="threePt" dir="t"/>
-    </dgm:scene3d>
-    <dgm:sp3d/>
-    <dgm:txPr/>
-    <dgm:style>
-      <a:lnRef idx="2">
-        <a:scrgbClr r="0" g="0" b="0"/>
-      </a:lnRef>
-      <a:fillRef idx="1">
-        <a:scrgbClr r="0" g="0" b="0"/>
-      </a:fillRef>
-      <a:effectRef idx="0">
-        <a:scrgbClr r="0" g="0" b="0"/>
-      </a:effectRef>
-      <a:fontRef idx="minor">
-        <a:schemeClr val="lt1"/>
-      </a:fontRef>
-    </dgm:style>
-  </dgm:styleLbl>
-  <dgm:styleLbl name="fgImgPlace1">
-    <dgm:scene3d>
-      <a:camera prst="orthographicFront"/>
-      <a:lightRig rig="threePt" dir="t"/>
-    </dgm:scene3d>
-    <dgm:sp3d/>
-    <dgm:txPr/>
-    <dgm:style>
-      <a:lnRef idx="2">
-        <a:scrgbClr r="0" g="0" b="0"/>
-      </a:lnRef>
-      <a:fillRef idx="1">
-        <a:scrgbClr r="0" g="0" b="0"/>
-      </a:fillRef>
-      <a:effectRef idx="0">
-        <a:scrgbClr r="0" g="0" b="0"/>
-      </a:effectRef>
-      <a:fontRef idx="minor"/>
-    </dgm:style>
-  </dgm:styleLbl>
-  <dgm:styleLbl name="alignImgPlace1">
-    <dgm:scene3d>
-      <a:camera prst="orthographicFront"/>
-      <a:lightRig rig="threePt" dir="t"/>
-    </dgm:scene3d>
-    <dgm:sp3d/>
-    <dgm:txPr/>
-    <dgm:style>
-      <a:lnRef idx="2">
-        <a:scrgbClr r="0" g="0" b="0"/>
-      </a:lnRef>
-      <a:fillRef idx="1">
-        <a:scrgbClr r="0" g="0" b="0"/>
-      </a:fillRef>
-      <a:effectRef idx="0">
-        <a:scrgbClr r="0" g="0" b="0"/>
-      </a:effectRef>
-      <a:fontRef idx="minor"/>
-    </dgm:style>
-  </dgm:styleLbl>
-  <dgm:styleLbl name="bgImgPlace1">
-    <dgm:scene3d>
-      <a:camera prst="orthographicFront"/>
-      <a:lightRig rig="threePt" dir="t"/>
-    </dgm:scene3d>
-    <dgm:sp3d/>
-    <dgm:txPr/>
-    <dgm:style>
-      <a:lnRef idx="2">
-        <a:scrgbClr r="0" g="0" b="0"/>
-      </a:lnRef>
-      <a:fillRef idx="1">
-        <a:scrgbClr r="0" g="0" b="0"/>
-      </a:fillRef>
-      <a:effectRef idx="0">
-        <a:scrgbClr r="0" g="0" b="0"/>
-      </a:effectRef>
-      <a:fontRef idx="minor"/>
-    </dgm:style>
-  </dgm:styleLbl>
-  <dgm:styleLbl name="sibTrans2D1">
-    <dgm:scene3d>
-      <a:camera prst="orthographicFront"/>
-      <a:lightRig rig="threePt" dir="t"/>
-    </dgm:scene3d>
-    <dgm:sp3d/>
-    <dgm:txPr/>
-    <dgm:style>
-      <a:lnRef idx="0">
-        <a:scrgbClr r="0" g="0" b="0"/>
-      </a:lnRef>
-      <a:fillRef idx="1">
-        <a:scrgbClr r="0" g="0" b="0"/>
-      </a:fillRef>
-      <a:effectRef idx="0">
-        <a:scrgbClr r="0" g="0" b="0"/>
-      </a:effectRef>
-      <a:fontRef idx="minor">
-        <a:schemeClr val="lt1"/>
-      </a:fontRef>
-    </dgm:style>
-  </dgm:styleLbl>
-  <dgm:styleLbl name="fgSibTrans2D1">
-    <dgm:scene3d>
-      <a:camera prst="orthographicFront"/>
-      <a:lightRig rig="threePt" dir="t"/>
-    </dgm:scene3d>
-    <dgm:sp3d/>
-    <dgm:txPr/>
-    <dgm:style>
-      <a:lnRef idx="0">
-        <a:scrgbClr r="0" g="0" b="0"/>
-      </a:lnRef>
-      <a:fillRef idx="1">
-        <a:scrgbClr r="0" g="0" b="0"/>
-      </a:fillRef>
-      <a:effectRef idx="0">
-        <a:scrgbClr r="0" g="0" b="0"/>
-      </a:effectRef>
-      <a:fontRef idx="minor">
-        <a:schemeClr val="lt1"/>
-      </a:fontRef>
-    </dgm:style>
-  </dgm:styleLbl>
-  <dgm:styleLbl name="bgSibTrans2D1">
-    <dgm:scene3d>
-      <a:camera prst="orthographicFront"/>
-      <a:lightRig rig="threePt" dir="t"/>
-    </dgm:scene3d>
-    <dgm:sp3d/>
-    <dgm:txPr/>
-    <dgm:style>
-      <a:lnRef idx="0">
-        <a:scrgbClr r="0" g="0" b="0"/>
-      </a:lnRef>
-      <a:fillRef idx="1">
-        <a:scrgbClr r="0" g="0" b="0"/>
-      </a:fillRef>
-      <a:effectRef idx="0">
-        <a:scrgbClr r="0" g="0" b="0"/>
-      </a:effectRef>
-      <a:fontRef idx="minor">
-        <a:schemeClr val="lt1"/>
-      </a:fontRef>
-    </dgm:style>
-  </dgm:styleLbl>
-  <dgm:styleLbl name="sibTrans1D1">
-    <dgm:scene3d>
-      <a:camera prst="orthographicFront"/>
-      <a:lightRig rig="threePt" dir="t"/>
-    </dgm:scene3d>
-    <dgm:sp3d/>
-    <dgm:txPr/>
-    <dgm:style>
-      <a:lnRef idx="1">
-        <a:scrgbClr r="0" g="0" b="0"/>
-      </a:lnRef>
-      <a:fillRef idx="0">
-        <a:scrgbClr r="0" g="0" b="0"/>
-      </a:fillRef>
-      <a:effectRef idx="0">
-        <a:scrgbClr r="0" g="0" b="0"/>
-      </a:effectRef>
-      <a:fontRef idx="minor"/>
-    </dgm:style>
-  </dgm:styleLbl>
-  <dgm:styleLbl name="callout">
-    <dgm:scene3d>
-      <a:camera prst="orthographicFront"/>
-      <a:lightRig rig="threePt" dir="t"/>
-    </dgm:scene3d>
-    <dgm:sp3d/>
-    <dgm:txPr/>
-    <dgm:style>
-      <a:lnRef idx="2">
-        <a:scrgbClr r="0" g="0" b="0"/>
-      </a:lnRef>
-      <a:fillRef idx="1">
-        <a:scrgbClr r="0" g="0" b="0"/>
-      </a:fillRef>
-      <a:effectRef idx="0">
-        <a:scrgbClr r="0" g="0" b="0"/>
-      </a:effectRef>
-      <a:fontRef idx="minor"/>
-    </dgm:style>
-  </dgm:styleLbl>
-  <dgm:styleLbl name="asst0">
-    <dgm:scene3d>
-      <a:camera prst="orthographicFront"/>
-      <a:lightRig rig="threePt" dir="t"/>
-    </dgm:scene3d>
-    <dgm:sp3d/>
-    <dgm:txPr/>
-    <dgm:style>
-      <a:lnRef idx="2">
-        <a:scrgbClr r="0" g="0" b="0"/>
-      </a:lnRef>
-      <a:fillRef idx="1">
-        <a:scrgbClr r="0" g="0" b="0"/>
-      </a:fillRef>
-      <a:effectRef idx="0">
-        <a:scrgbClr r="0" g="0" b="0"/>
-      </a:effectRef>
-      <a:fontRef idx="minor">
-        <a:schemeClr val="lt1"/>
-      </a:fontRef>
-    </dgm:style>
-  </dgm:styleLbl>
-  <dgm:styleLbl name="asst1">
-    <dgm:scene3d>
-      <a:camera prst="orthographicFront"/>
-      <a:lightRig rig="threePt" dir="t"/>
-    </dgm:scene3d>
-    <dgm:sp3d/>
-    <dgm:txPr/>
-    <dgm:style>
-      <a:lnRef idx="2">
-        <a:scrgbClr r="0" g="0" b="0"/>
-      </a:lnRef>
-      <a:fillRef idx="1">
-        <a:scrgbClr r="0" g="0" b="0"/>
-      </a:fillRef>
-      <a:effectRef idx="0">
-        <a:scrgbClr r="0" g="0" b="0"/>
-      </a:effectRef>
-      <a:fontRef idx="minor">
-        <a:schemeClr val="lt1"/>
-      </a:fontRef>
-    </dgm:style>
-  </dgm:styleLbl>
-  <dgm:styleLbl name="asst2">
-    <dgm:scene3d>
-      <a:camera prst="orthographicFront"/>
-      <a:lightRig rig="threePt" dir="t"/>
-    </dgm:scene3d>
-    <dgm:sp3d/>
-    <dgm:txPr/>
-    <dgm:style>
-      <a:lnRef idx="2">
-        <a:scrgbClr r="0" g="0" b="0"/>
-      </a:lnRef>
-      <a:fillRef idx="1">
-        <a:scrgbClr r="0" g="0" b="0"/>
-      </a:fillRef>
-      <a:effectRef idx="0">
-        <a:scrgbClr r="0" g="0" b="0"/>
-      </a:effectRef>
-      <a:fontRef idx="minor">
-        <a:schemeClr val="lt1"/>
-      </a:fontRef>
-    </dgm:style>
-  </dgm:styleLbl>
-  <dgm:styleLbl name="asst3">
-    <dgm:scene3d>
-      <a:camera prst="orthographicFront"/>
-      <a:lightRig rig="threePt" dir="t"/>
-    </dgm:scene3d>
-    <dgm:sp3d/>
-    <dgm:txPr/>
-    <dgm:style>
-      <a:lnRef idx="2">
-        <a:scrgbClr r="0" g="0" b="0"/>
-      </a:lnRef>
-      <a:fillRef idx="1">
-        <a:scrgbClr r="0" g="0" b="0"/>
-      </a:fillRef>
-      <a:effectRef idx="0">
-        <a:scrgbClr r="0" g="0" b="0"/>
-      </a:effectRef>
-      <a:fontRef idx="minor">
-        <a:schemeClr val="lt1"/>
-      </a:fontRef>
-    </dgm:style>
-  </dgm:styleLbl>
-  <dgm:styleLbl name="asst4">
-    <dgm:scene3d>
-      <a:camera prst="orthographicFront"/>
-      <a:lightRig rig="threePt" dir="t"/>
-    </dgm:scene3d>
-    <dgm:sp3d/>
-    <dgm:txPr/>
-    <dgm:style>
-      <a:lnRef idx="2">
-        <a:scrgbClr r="0" g="0" b="0"/>
-      </a:lnRef>
-      <a:fillRef idx="1">
-        <a:scrgbClr r="0" g="0" b="0"/>
-      </a:fillRef>
-      <a:effectRef idx="0">
-        <a:scrgbClr r="0" g="0" b="0"/>
-      </a:effectRef>
-      <a:fontRef idx="minor">
-        <a:schemeClr val="lt1"/>
-      </a:fontRef>
-    </dgm:style>
-  </dgm:styleLbl>
-  <dgm:styleLbl name="parChTrans2D1">
-    <dgm:scene3d>
-      <a:camera prst="orthographicFront"/>
-      <a:lightRig rig="threePt" dir="t"/>
-    </dgm:scene3d>
-    <dgm:sp3d/>
-    <dgm:txPr/>
-    <dgm:style>
-      <a:lnRef idx="2">
-        <a:scrgbClr r="0" g="0" b="0"/>
-      </a:lnRef>
-      <a:fillRef idx="1">
-        <a:scrgbClr r="0" g="0" b="0"/>
-      </a:fillRef>
-      <a:effectRef idx="0">
-        <a:scrgbClr r="0" g="0" b="0"/>
-      </a:effectRef>
-      <a:fontRef idx="minor">
-        <a:schemeClr val="lt1"/>
-      </a:fontRef>
-    </dgm:style>
-  </dgm:styleLbl>
-  <dgm:styleLbl name="parChTrans2D2">
-    <dgm:scene3d>
-      <a:camera prst="orthographicFront"/>
-      <a:lightRig rig="threePt" dir="t"/>
-    </dgm:scene3d>
-    <dgm:sp3d/>
-    <dgm:txPr/>
-    <dgm:style>
-      <a:lnRef idx="2">
-        <a:scrgbClr r="0" g="0" b="0"/>
-      </a:lnRef>
-      <a:fillRef idx="1">
-        <a:scrgbClr r="0" g="0" b="0"/>
-      </a:fillRef>
-      <a:effectRef idx="0">
-        <a:scrgbClr r="0" g="0" b="0"/>
-      </a:effectRef>
-      <a:fontRef idx="minor">
-        <a:schemeClr val="lt1"/>
-      </a:fontRef>
-    </dgm:style>
-  </dgm:styleLbl>
-  <dgm:styleLbl name="parChTrans2D3">
-    <dgm:scene3d>
-      <a:camera prst="orthographicFront"/>
-      <a:lightRig rig="threePt" dir="t"/>
-    </dgm:scene3d>
-    <dgm:sp3d/>
-    <dgm:txPr/>
-    <dgm:style>
-      <a:lnRef idx="2">
-        <a:scrgbClr r="0" g="0" b="0"/>
-      </a:lnRef>
-      <a:fillRef idx="1">
-        <a:scrgbClr r="0" g="0" b="0"/>
-      </a:fillRef>
-      <a:effectRef idx="0">
-        <a:scrgbClr r="0" g="0" b="0"/>
-      </a:effectRef>
-      <a:fontRef idx="minor">
-        <a:schemeClr val="lt1"/>
-      </a:fontRef>
-    </dgm:style>
-  </dgm:styleLbl>
-  <dgm:styleLbl name="parChTrans2D4">
-    <dgm:scene3d>
-      <a:camera prst="orthographicFront"/>
-      <a:lightRig rig="threePt" dir="t"/>
-    </dgm:scene3d>
-    <dgm:sp3d/>
-    <dgm:txPr/>
-    <dgm:style>
-      <a:lnRef idx="2">
-        <a:scrgbClr r="0" g="0" b="0"/>
-      </a:lnRef>
-      <a:fillRef idx="1">
-        <a:scrgbClr r="0" g="0" b="0"/>
-      </a:fillRef>
-      <a:effectRef idx="0">
-        <a:scrgbClr r="0" g="0" b="0"/>
-      </a:effectRef>
-      <a:fontRef idx="minor">
-        <a:schemeClr val="lt1"/>
-      </a:fontRef>
-    </dgm:style>
-  </dgm:styleLbl>
-  <dgm:styleLbl name="parChTrans1D1">
-    <dgm:scene3d>
-      <a:camera prst="orthographicFront"/>
-      <a:lightRig rig="threePt" dir="t"/>
-    </dgm:scene3d>
-    <dgm:sp3d/>
-    <dgm:txPr/>
-    <dgm:style>
-      <a:lnRef idx="2">
-        <a:scrgbClr r="0" g="0" b="0"/>
-      </a:lnRef>
-      <a:fillRef idx="0">
-        <a:scrgbClr r="0" g="0" b="0"/>
-      </a:fillRef>
-      <a:effectRef idx="0">
-        <a:scrgbClr r="0" g="0" b="0"/>
-      </a:effectRef>
-      <a:fontRef idx="minor"/>
-    </dgm:style>
-  </dgm:styleLbl>
-  <dgm:styleLbl name="parChTrans1D2">
-    <dgm:scene3d>
-      <a:camera prst="orthographicFront"/>
-      <a:lightRig rig="threePt" dir="t"/>
-    </dgm:scene3d>
-    <dgm:sp3d/>
-    <dgm:txPr/>
-    <dgm:style>
-      <a:lnRef idx="2">
-        <a:scrgbClr r="0" g="0" b="0"/>
-      </a:lnRef>
-      <a:fillRef idx="0">
-        <a:scrgbClr r="0" g="0" b="0"/>
-      </a:fillRef>
-      <a:effectRef idx="0">
-        <a:scrgbClr r="0" g="0" b="0"/>
-      </a:effectRef>
-      <a:fontRef idx="minor"/>
-    </dgm:style>
-  </dgm:styleLbl>
-  <dgm:styleLbl name="parChTrans1D3">
-    <dgm:scene3d>
-      <a:camera prst="orthographicFront"/>
-      <a:lightRig rig="threePt" dir="t"/>
-    </dgm:scene3d>
-    <dgm:sp3d/>
-    <dgm:txPr/>
-    <dgm:style>
-      <a:lnRef idx="2">
-        <a:scrgbClr r="0" g="0" b="0"/>
-      </a:lnRef>
-      <a:fillRef idx="0">
-        <a:scrgbClr r="0" g="0" b="0"/>
-      </a:fillRef>
-      <a:effectRef idx="0">
-        <a:scrgbClr r="0" g="0" b="0"/>
-      </a:effectRef>
-      <a:fontRef idx="minor"/>
-    </dgm:style>
-  </dgm:styleLbl>
-  <dgm:styleLbl name="parChTrans1D4">
-    <dgm:scene3d>
-      <a:camera prst="orthographicFront"/>
-      <a:lightRig rig="threePt" dir="t"/>
-    </dgm:scene3d>
-    <dgm:sp3d/>
-    <dgm:txPr/>
-    <dgm:style>
-      <a:lnRef idx="2">
-        <a:scrgbClr r="0" g="0" b="0"/>
-      </a:lnRef>
-      <a:fillRef idx="0">
-        <a:scrgbClr r="0" g="0" b="0"/>
-      </a:fillRef>
-      <a:effectRef idx="0">
-        <a:scrgbClr r="0" g="0" b="0"/>
-      </a:effectRef>
-      <a:fontRef idx="minor"/>
-    </dgm:style>
-  </dgm:styleLbl>
-  <dgm:styleLbl name="fgAcc1">
-    <dgm:scene3d>
-      <a:camera prst="orthographicFront"/>
-      <a:lightRig rig="threePt" dir="t"/>
-    </dgm:scene3d>
-    <dgm:sp3d/>
-    <dgm:txPr/>
-    <dgm:style>
-      <a:lnRef idx="2">
-        <a:scrgbClr r="0" g="0" b="0"/>
-      </a:lnRef>
-      <a:fillRef idx="1">
-        <a:scrgbClr r="0" g="0" b="0"/>
-      </a:fillRef>
-      <a:effectRef idx="0">
-        <a:scrgbClr r="0" g="0" b="0"/>
-      </a:effectRef>
-      <a:fontRef idx="minor"/>
-    </dgm:style>
-  </dgm:styleLbl>
-  <dgm:styleLbl name="conFgAcc1">
-    <dgm:scene3d>
-      <a:camera prst="orthographicFront"/>
-      <a:lightRig rig="threePt" dir="t"/>
-    </dgm:scene3d>
-    <dgm:sp3d/>
-    <dgm:txPr/>
-    <dgm:style>
-      <a:lnRef idx="2">
-        <a:scrgbClr r="0" g="0" b="0"/>
-      </a:lnRef>
-      <a:fillRef idx="1">
-        <a:scrgbClr r="0" g="0" b="0"/>
-      </a:fillRef>
-      <a:effectRef idx="0">
-        <a:scrgbClr r="0" g="0" b="0"/>
-      </a:effectRef>
-      <a:fontRef idx="minor"/>
-    </dgm:style>
-  </dgm:styleLbl>
-  <dgm:styleLbl name="alignAcc1">
-    <dgm:scene3d>
-      <a:camera prst="orthographicFront"/>
-      <a:lightRig rig="threePt" dir="t"/>
-    </dgm:scene3d>
-    <dgm:sp3d/>
-    <dgm:txPr/>
-    <dgm:style>
-      <a:lnRef idx="2">
-        <a:scrgbClr r="0" g="0" b="0"/>
-      </a:lnRef>
-      <a:fillRef idx="1">
-        <a:scrgbClr r="0" g="0" b="0"/>
-      </a:fillRef>
-      <a:effectRef idx="0">
-        <a:scrgbClr r="0" g="0" b="0"/>
-      </a:effectRef>
-      <a:fontRef idx="minor"/>
-    </dgm:style>
-  </dgm:styleLbl>
-  <dgm:styleLbl name="trAlignAcc1">
-    <dgm:scene3d>
-      <a:camera prst="orthographicFront"/>
-      <a:lightRig rig="threePt" dir="t"/>
-    </dgm:scene3d>
-    <dgm:sp3d/>
-    <dgm:txPr/>
-    <dgm:style>
-      <a:lnRef idx="1">
-        <a:scrgbClr r="0" g="0" b="0"/>
-      </a:lnRef>
-      <a:fillRef idx="1">
-        <a:scrgbClr r="0" g="0" b="0"/>
-      </a:fillRef>
-      <a:effectRef idx="0">
-        <a:scrgbClr r="0" g="0" b="0"/>
-      </a:effectRef>
-      <a:fontRef idx="minor"/>
-    </dgm:style>
-  </dgm:styleLbl>
-  <dgm:styleLbl name="bgAcc1">
-    <dgm:scene3d>
-      <a:camera prst="orthographicFront"/>
-      <a:lightRig rig="threePt" dir="t"/>
-    </dgm:scene3d>
-    <dgm:sp3d/>
-    <dgm:txPr/>
-    <dgm:style>
-      <a:lnRef idx="2">
-        <a:scrgbClr r="0" g="0" b="0"/>
-      </a:lnRef>
-      <a:fillRef idx="1">
-        <a:scrgbClr r="0" g="0" b="0"/>
-      </a:fillRef>
-      <a:effectRef idx="0">
-        <a:scrgbClr r="0" g="0" b="0"/>
-      </a:effectRef>
-      <a:fontRef idx="minor"/>
-    </dgm:style>
-  </dgm:styleLbl>
-  <dgm:styleLbl name="solidFgAcc1">
-    <dgm:scene3d>
-      <a:camera prst="orthographicFront"/>
-      <a:lightRig rig="threePt" dir="t"/>
-    </dgm:scene3d>
-    <dgm:sp3d/>
-    <dgm:txPr/>
-    <dgm:style>
-      <a:lnRef idx="2">
-        <a:scrgbClr r="0" g="0" b="0"/>
-      </a:lnRef>
-      <a:fillRef idx="1">
-        <a:scrgbClr r="0" g="0" b="0"/>
-      </a:fillRef>
-      <a:effectRef idx="0">
-        <a:scrgbClr r="0" g="0" b="0"/>
-      </a:effectRef>
-      <a:fontRef idx="minor"/>
-    </dgm:style>
-  </dgm:styleLbl>
-  <dgm:styleLbl name="solidAlignAcc1">
-    <dgm:scene3d>
-      <a:camera prst="orthographicFront"/>
-      <a:lightRig rig="threePt" dir="t"/>
-    </dgm:scene3d>
-    <dgm:sp3d/>
-    <dgm:txPr/>
-    <dgm:style>
-      <a:lnRef idx="2">
-        <a:scrgbClr r="0" g="0" b="0"/>
-      </a:lnRef>
-      <a:fillRef idx="1">
-        <a:scrgbClr r="0" g="0" b="0"/>
-      </a:fillRef>
-      <a:effectRef idx="0">
-        <a:scrgbClr r="0" g="0" b="0"/>
-      </a:effectRef>
-      <a:fontRef idx="minor"/>
-    </dgm:style>
-  </dgm:styleLbl>
-  <dgm:styleLbl name="solidBgAcc1">
-    <dgm:scene3d>
-      <a:camera prst="orthographicFront"/>
-      <a:lightRig rig="threePt" dir="t"/>
-    </dgm:scene3d>
-    <dgm:sp3d/>
-    <dgm:txPr/>
-    <dgm:style>
-      <a:lnRef idx="2">
-        <a:scrgbClr r="0" g="0" b="0"/>
-      </a:lnRef>
-      <a:fillRef idx="1">
-        <a:scrgbClr r="0" g="0" b="0"/>
-      </a:fillRef>
-      <a:effectRef idx="0">
-        <a:scrgbClr r="0" g="0" b="0"/>
-      </a:effectRef>
-      <a:fontRef idx="minor"/>
-    </dgm:style>
-  </dgm:styleLbl>
-  <dgm:styleLbl name="fgAccFollowNode1">
-    <dgm:scene3d>
-      <a:camera prst="orthographicFront"/>
-      <a:lightRig rig="threePt" dir="t"/>
-    </dgm:scene3d>
-    <dgm:sp3d/>
-    <dgm:txPr/>
-    <dgm:style>
-      <a:lnRef idx="2">
-        <a:scrgbClr r="0" g="0" b="0"/>
-      </a:lnRef>
-      <a:fillRef idx="1">
-        <a:scrgbClr r="0" g="0" b="0"/>
-      </a:fillRef>
-      <a:effectRef idx="0">
-        <a:scrgbClr r="0" g="0" b="0"/>
-      </a:effectRef>
-      <a:fontRef idx="minor"/>
-    </dgm:style>
-  </dgm:styleLbl>
-  <dgm:styleLbl name="alignAccFollowNode1">
-    <dgm:scene3d>
-      <a:camera prst="orthographicFront"/>
-      <a:lightRig rig="threePt" dir="t"/>
-    </dgm:scene3d>
-    <dgm:sp3d/>
-    <dgm:txPr/>
-    <dgm:style>
-      <a:lnRef idx="2">
-        <a:scrgbClr r="0" g="0" b="0"/>
-      </a:lnRef>
-      <a:fillRef idx="1">
-        <a:scrgbClr r="0" g="0" b="0"/>
-      </a:fillRef>
-      <a:effectRef idx="0">
-        <a:scrgbClr r="0" g="0" b="0"/>
-      </a:effectRef>
-      <a:fontRef idx="minor"/>
-    </dgm:style>
-  </dgm:styleLbl>
-  <dgm:styleLbl name="bgAccFollowNode1">
-    <dgm:scene3d>
-      <a:camera prst="orthographicFront"/>
-      <a:lightRig rig="threePt" dir="t"/>
-    </dgm:scene3d>
-    <dgm:sp3d/>
-    <dgm:txPr/>
-    <dgm:style>
-      <a:lnRef idx="2">
-        <a:scrgbClr r="0" g="0" b="0"/>
-      </a:lnRef>
-      <a:fillRef idx="1">
-        <a:scrgbClr r="0" g="0" b="0"/>
-      </a:fillRef>
-      <a:effectRef idx="0">
-        <a:scrgbClr r="0" g="0" b="0"/>
-      </a:effectRef>
-      <a:fontRef idx="minor"/>
-    </dgm:style>
-  </dgm:styleLbl>
-  <dgm:styleLbl name="fgAcc0">
-    <dgm:scene3d>
-      <a:camera prst="orthographicFront"/>
-      <a:lightRig rig="threePt" dir="t"/>
-    </dgm:scene3d>
-    <dgm:sp3d/>
-    <dgm:txPr/>
-    <dgm:style>
-      <a:lnRef idx="2">
-        <a:scrgbClr r="0" g="0" b="0"/>
-      </a:lnRef>
-      <a:fillRef idx="1">
-        <a:scrgbClr r="0" g="0" b="0"/>
-      </a:fillRef>
-      <a:effectRef idx="0">
-        <a:scrgbClr r="0" g="0" b="0"/>
-      </a:effectRef>
-      <a:fontRef idx="minor"/>
-    </dgm:style>
-  </dgm:styleLbl>
-  <dgm:styleLbl name="fgAcc2">
-    <dgm:scene3d>
-      <a:camera prst="orthographicFront"/>
-      <a:lightRig rig="threePt" dir="t"/>
-    </dgm:scene3d>
-    <dgm:sp3d/>
-    <dgm:txPr/>
-    <dgm:style>
-      <a:lnRef idx="2">
-        <a:scrgbClr r="0" g="0" b="0"/>
-      </a:lnRef>
-      <a:fillRef idx="1">
-        <a:scrgbClr r="0" g="0" b="0"/>
-      </a:fillRef>
-      <a:effectRef idx="0">
-        <a:scrgbClr r="0" g="0" b="0"/>
-      </a:effectRef>
-      <a:fontRef idx="minor"/>
-    </dgm:style>
-  </dgm:styleLbl>
-  <dgm:styleLbl name="fgAcc3">
-    <dgm:scene3d>
-      <a:camera prst="orthographicFront"/>
-      <a:lightRig rig="threePt" dir="t"/>
-    </dgm:scene3d>
-    <dgm:sp3d/>
-    <dgm:txPr/>
-    <dgm:style>
-      <a:lnRef idx="2">
-        <a:scrgbClr r="0" g="0" b="0"/>
-      </a:lnRef>
-      <a:fillRef idx="1">
-        <a:scrgbClr r="0" g="0" b="0"/>
-      </a:fillRef>
-      <a:effectRef idx="0">
-        <a:scrgbClr r="0" g="0" b="0"/>
-      </a:effectRef>
-      <a:fontRef idx="minor"/>
-    </dgm:style>
-  </dgm:styleLbl>
-  <dgm:styleLbl name="fgAcc4">
-    <dgm:scene3d>
-      <a:camera prst="orthographicFront"/>
-      <a:lightRig rig="threePt" dir="t"/>
-    </dgm:scene3d>
-    <dgm:sp3d/>
-    <dgm:txPr/>
-    <dgm:style>
-      <a:lnRef idx="2">
-        <a:scrgbClr r="0" g="0" b="0"/>
-      </a:lnRef>
-      <a:fillRef idx="1">
-        <a:scrgbClr r="0" g="0" b="0"/>
-      </a:fillRef>
-      <a:effectRef idx="0">
-        <a:scrgbClr r="0" g="0" b="0"/>
-      </a:effectRef>
-      <a:fontRef idx="minor"/>
-    </dgm:style>
-  </dgm:styleLbl>
-  <dgm:styleLbl name="bgShp">
-    <dgm:scene3d>
-      <a:camera prst="orthographicFront"/>
-      <a:lightRig rig="threePt" dir="t"/>
-    </dgm:scene3d>
-    <dgm:sp3d/>
-    <dgm:txPr/>
-    <dgm:style>
-      <a:lnRef idx="0">
-        <a:scrgbClr r="0" g="0" b="0"/>
-      </a:lnRef>
-      <a:fillRef idx="1">
-        <a:scrgbClr r="0" g="0" b="0"/>
-      </a:fillRef>
-      <a:effectRef idx="0">
-        <a:scrgbClr r="0" g="0" b="0"/>
-      </a:effectRef>
-      <a:fontRef idx="minor"/>
-    </dgm:style>
-  </dgm:styleLbl>
-  <dgm:styleLbl name="dkBgShp">
-    <dgm:scene3d>
-      <a:camera prst="orthographicFront"/>
-      <a:lightRig rig="threePt" dir="t"/>
-    </dgm:scene3d>
-    <dgm:sp3d/>
-    <dgm:txPr/>
-    <dgm:style>
-      <a:lnRef idx="0">
-        <a:scrgbClr r="0" g="0" b="0"/>
-      </a:lnRef>
-      <a:fillRef idx="1">
-        <a:scrgbClr r="0" g="0" b="0"/>
-      </a:fillRef>
-      <a:effectRef idx="0">
-        <a:scrgbClr r="0" g="0" b="0"/>
-      </a:effectRef>
-      <a:fontRef idx="minor"/>
-    </dgm:style>
-  </dgm:styleLbl>
-  <dgm:styleLbl name="trBgShp">
-    <dgm:scene3d>
-      <a:camera prst="orthographicFront"/>
-      <a:lightRig rig="threePt" dir="t"/>
-    </dgm:scene3d>
-    <dgm:sp3d/>
-    <dgm:txPr/>
-    <dgm:style>
-      <a:lnRef idx="0">
-        <a:scrgbClr r="0" g="0" b="0"/>
-      </a:lnRef>
-      <a:fillRef idx="1">
-        <a:scrgbClr r="0" g="0" b="0"/>
-      </a:fillRef>
-      <a:effectRef idx="0">
-        <a:scrgbClr r="0" g="0" b="0"/>
-      </a:effectRef>
-      <a:fontRef idx="minor"/>
-    </dgm:style>
-  </dgm:styleLbl>
-  <dgm:styleLbl name="fgShp">
-    <dgm:scene3d>
-      <a:camera prst="orthographicFront"/>
-      <a:lightRig rig="threePt" dir="t"/>
-    </dgm:scene3d>
-    <dgm:sp3d/>
-    <dgm:txPr/>
-    <dgm:style>
-      <a:lnRef idx="2">
-        <a:scrgbClr r="0" g="0" b="0"/>
-      </a:lnRef>
-      <a:fillRef idx="1">
-        <a:scrgbClr r="0" g="0" b="0"/>
-      </a:fillRef>
-      <a:effectRef idx="0">
-        <a:scrgbClr r="0" g="0" b="0"/>
-      </a:effectRef>
-      <a:fontRef idx="minor"/>
-    </dgm:style>
-  </dgm:styleLbl>
-  <dgm:styleLbl name="revTx">
-    <dgm:scene3d>
-      <a:camera prst="orthographicFront"/>
-      <a:lightRig rig="threePt" dir="t"/>
-    </dgm:scene3d>
-    <dgm:sp3d/>
-    <dgm:txPr/>
-    <dgm:style>
-      <a:lnRef idx="0">
-        <a:scrgbClr r="0" g="0" b="0"/>
-      </a:lnRef>
-      <a:fillRef idx="0">
-        <a:scrgbClr r="0" g="0" b="0"/>
-      </a:fillRef>
-      <a:effectRef idx="0">
-        <a:scrgbClr r="0" g="0" b="0"/>
-      </a:effectRef>
-      <a:fontRef idx="minor"/>
-    </dgm:style>
-  </dgm:styleLbl>
-</dgm:styleDef>
+  <dgm:sampData>
+    <dgm:dataModel>
+      <dgm:ptLst>
+        <dgm:pt modelId="0" type="doc"/>
+        <dgm:pt modelId="1">
+          <dgm:prSet phldr="1"/>
+        </dgm:pt>
+        <dgm:pt modelId="11">
+          <dgm:prSet phldr="1"/>
+        </dgm:pt>
+        <dgm:pt modelId="2">
+          <dgm:prSet phldr="1"/>
+        </dgm:pt>
+        <dgm:pt modelId="21">
+          <dgm:prSet phldr="1"/>
+        </dgm:pt>
+      </dgm:ptLst>
+      <dgm:cxnLst>
+        <dgm:cxn modelId="4" srcId="0" destId="1" srcOrd="0" destOrd="0"/>
+        <dgm:cxn modelId="5" srcId="0" destId="2" srcOrd="1" destOrd="0"/>
+        <dgm:cxn modelId="12" srcId="1" destId="11" srcOrd="0" destOrd="0"/>
+        <dgm:cxn modelId="23" srcId="2" destId="21" srcOrd="0" destOrd="0"/>
+      </dgm:cxnLst>
+      <dgm:bg/>
+      <dgm:whole/>
+    </dgm:dataModel>
+  </dgm:sampData>
+  <dgm:styleData>
+    <dgm:dataModel>
+      <dgm:ptLst>
+        <dgm:pt modelId="0" type="doc"/>
+        <dgm:pt modelId="1"/>
+        <dgm:pt modelId="2"/>
+      </dgm:ptLst>
+      <dgm:cxnLst>
+        <dgm:cxn modelId="3" srcId="0" destId="1" srcOrd="0" destOrd="0"/>
+        <dgm:cxn modelId="4" srcId="0" destId="2" srcOrd="1" destOrd="0"/>
+      </dgm:cxnLst>
+      <dgm:bg/>
+      <dgm:whole/>
+    </dgm:dataModel>
+  </dgm:styleData>
+  <dgm:clrData>
+    <dgm:dataModel>
+      <dgm:ptLst>
+        <dgm:pt modelId="0" type="doc"/>
+        <dgm:pt modelId="1"/>
+        <dgm:pt modelId="2"/>
+        <dgm:pt modelId="3"/>
+        <dgm:pt modelId="4"/>
+      </dgm:ptLst>
+      <dgm:cxnLst>
+        <dgm:cxn modelId="5" srcId="0" destId="1" srcOrd="0" destOrd="0"/>
+        <dgm:cxn modelId="6" srcId="0" destId="2" srcOrd="1" destOrd="0"/>
+        <dgm:cxn modelId="7" srcId="0" destId="3" srcOrd="2" destOrd="0"/>
+        <dgm:cxn modelId="8" srcId="0" destId="4" srcOrd="3" destOrd="0"/>
+      </dgm:cxnLst>
+      <dgm:bg/>
+      <dgm:whole/>
+    </dgm:dataModel>
+  </dgm:clrData>
+  <dgm:layoutNode name="linear">
+    <dgm:varLst>
+      <dgm:animLvl val="lvl"/>
+      <dgm:resizeHandles val="exact"/>
+    </dgm:varLst>
+    <dgm:alg type="lin">
+      <dgm:param type="linDir" val="fromT"/>
+      <dgm:param type="vertAlign" val="mid"/>
+    </dgm:alg>
+    <dgm:shape xmlns:r="http://schemas.openxmlformats.org/officeDocument/2006/relationships" r:blip="">
+      <dgm:adjLst/>
+    </dgm:shape>
+    <dgm:presOf/>
+    <dgm:constrLst>
+      <dgm:constr type="w" for="ch" forName="parentText" refType="w"/>
+      <dgm:constr type="h" for="ch" forName="parentText" refType="primFontSz" refFor="ch" refForName="parentText" fact="0.52"/>
+      <dgm:constr type="w" for="ch" forName="childText" refType="w"/>
+      <dgm:constr type="h" for="ch" forName="childText" refType="primFontSz" refFor="ch" refForName="parentText" fact="0.46"/>
+      <dgm:constr type="h" for="ch" forName="parentText" op="equ"/>
+      <dgm:constr type="primFontSz" for="ch" forName="parentText" op="equ" val="65"/>
+      <dgm:constr type="primFontSz" for="ch" forName="childText" refType="primFontSz" refFor="ch" refForName="parentText" op="equ"/>
+      <dgm:constr type="h" for="ch" forName="spacer" refType="primFontSz" refFor="ch" refForName="parentText" fact="0.08"/>
+    </dgm:constrLst>
+    <dgm:ruleLst>
+      <dgm:rule type="primFontSz" for="ch" forName="parentText" val="5" fact="NaN" max="NaN"/>
+    </dgm:ruleLst>
+    <dgm:forEach name="Name0" axis="ch" ptType="node">
+      <dgm:layoutNode name="parentText" styleLbl="node1">
+        <dgm:varLst>
+          <dgm:chMax val="0"/>
+          <dgm:bulletEnabled val="1"/>
+        </dgm:varLst>
+        <dgm:alg type="tx">
+          <dgm:param type="parTxLTRAlign" val="l"/>
+          <dgm:param type="parTxRTLAlign" val="r"/>
+        </dgm:alg>
+        <dgm:shape xmlns:r="http://schemas.openxmlformats.org/officeDocument/2006/relationships" type="roundRect" r:blip="">
+          <dgm:adjLst/>
+        </dgm:shape>
+        <dgm:presOf axis="self"/>
+        <dgm:constrLst>
+          <dgm:constr type="tMarg" refType="primFontSz" fact="0.3"/>
+          <dgm:constr type="bMarg" refType="primFontSz" fact="0.3"/>
+          <dgm:constr type="lMarg" refType="primFontSz" fact="0.3"/>
+          <dgm:constr type="rMarg" refType="primFontSz" fact="0.3"/>
+        </dgm:constrLst>
+        <dgm:ruleLst>
+          <dgm:rule type="h" val="INF" fact="NaN" max="NaN"/>
+        </dgm:ruleLst>
+      </dgm:layoutNode>
+      <dgm:choose name="Name1">
+        <dgm:if name="Name2" axis="ch" ptType="node" func="cnt" op="gte" val="1">
+          <dgm:layoutNode name="childText" styleLbl="revTx">
+            <dgm:varLst>
+              <dgm:bulletEnabled val="1"/>
+            </dgm:varLst>
+            <dgm:alg type="tx">
+              <dgm:param type="stBulletLvl" val="1"/>
+              <dgm:param type="lnSpAfChP" val="20"/>
+            </dgm:alg>
+            <dgm:shape xmlns:r="http://schemas.openxmlformats.org/officeDocument/2006/relationships" type="rect" r:blip="">
+              <dgm:adjLst/>
+            </dgm:shape>
+            <dgm:presOf axis="des" ptType="node"/>
+            <dgm:constrLst>
+              <dgm:constr type="tMarg" refType="primFontSz" fact="0.1"/>
+              <dgm:constr type="bMarg" refType="primFontSz" fact="0.1"/>
+              <dgm:constr type="lMarg" refType="w" fact="0.09"/>
+            </dgm:constrLst>
+            <dgm:ruleLst>
+              <dgm:rule type="h" val="INF" fact="NaN" max="NaN"/>
+            </dgm:ruleLst>
+          </dgm:layoutNode>
+        </dgm:if>
+        <dgm:else name="Name3">
+          <dgm:choose name="Name4">
+            <dgm:if name="Name5" axis="par ch" ptType="doc node" func="cnt" op="gte" val="2">
+              <dgm:forEach name="Name6" axis="followSib" ptType="sibTrans" cnt="1">
+                <dgm:layoutNode name="spacer">
+                  <dgm:alg type="sp"/>
+                  <dgm:shape xmlns:r="http://schemas.openxmlformats.org/officeDocument/2006/relationships" r:blip="">
+                    <dgm:adjLst/>
+                  </dgm:shape>
+                  <dgm:presOf/>
+                  <dgm:constrLst/>
+                  <dgm:ruleLst/>
+                </dgm:layoutNode>
+              </dgm:forEach>
+            </dgm:if>
+            <dgm:else name="Name7"/>
+          </dgm:choose>
+        </dgm:else>
+      </dgm:choose>
+    </dgm:forEach>
+  </dgm:layoutNode>
+</dgm:layoutDef>
 </file>
 
-<file path=ppt/diagrams/quickStyle10.xml><?xml version="1.0" encoding="utf-8"?>
+<file path=ppt/diagrams/quickStyle1.xml><?xml version="1.0" encoding="utf-8"?>
 <dgm:styleDef xmlns:dgm="http://schemas.openxmlformats.org/drawingml/2006/diagram" xmlns:a="http://schemas.openxmlformats.org/drawingml/2006/main" uniqueId="urn:microsoft.com/office/officeart/2005/8/quickstyle/simple1">
   <dgm:title val=""/>
   <dgm:desc val=""/>
@@ -32556,6 +29571,28 @@
           <a:bodyPr/>
           <a:lstStyle/>
           <a:p>
+            <a:r>
+              <a:rPr lang="en-US" altLang="zh-TW" dirty="0" smtClean="0"/>
+              <a:t>PHP</a:t>
+            </a:r>
+            <a:r>
+              <a:rPr lang="zh-TW" altLang="en-US" dirty="0" smtClean="0"/>
+              <a:t>因為無法事先宣告變數型別，所以更需要使用防禦型寫法</a:t>
+            </a:r>
+            <a:endParaRPr lang="en-US" altLang="zh-TW" dirty="0" smtClean="0"/>
+          </a:p>
+          <a:p>
+            <a:r>
+              <a:rPr lang="zh-TW" altLang="en-US" dirty="0" smtClean="0"/>
+              <a:t>主要是用來預防使用者輸入錯誤類型的值</a:t>
+            </a:r>
+            <a:endParaRPr lang="en-US" altLang="zh-TW" dirty="0" smtClean="0"/>
+          </a:p>
+          <a:p>
+            <a:r>
+              <a:rPr lang="zh-TW" altLang="en-US" dirty="0" smtClean="0"/>
+              <a:t>導致運算結果錯誤，或者在資料庫存入錯誤的值</a:t>
+            </a:r>
             <a:endParaRPr lang="zh-TW" altLang="en-US" dirty="0"/>
           </a:p>
         </p:txBody>
@@ -32577,7 +29614,7 @@
           <a:p>
             <a:fld id="{B7946409-C583-4C0D-8B7A-9E04B99935DE}" type="slidenum">
               <a:rPr lang="zh-TW" altLang="en-US" smtClean="0"/>
-              <a:t>13</a:t>
+              <a:t>2</a:t>
             </a:fld>
             <a:endParaRPr lang="zh-TW" altLang="en-US"/>
           </a:p>
@@ -32586,7 +29623,7 @@
     </p:spTree>
     <p:extLst>
       <p:ext uri="{BB962C8B-B14F-4D97-AF65-F5344CB8AC3E}">
-        <p14:creationId xmlns:p14="http://schemas.microsoft.com/office/powerpoint/2010/main" val="1131491020"/>
+        <p14:creationId xmlns:p14="http://schemas.microsoft.com/office/powerpoint/2010/main" val="3552075670"/>
       </p:ext>
     </p:extLst>
   </p:cSld>
@@ -32661,7 +29698,91 @@
           <a:p>
             <a:fld id="{B7946409-C583-4C0D-8B7A-9E04B99935DE}" type="slidenum">
               <a:rPr lang="zh-TW" altLang="en-US" smtClean="0"/>
-              <a:t>21</a:t>
+              <a:t>13</a:t>
+            </a:fld>
+            <a:endParaRPr lang="zh-TW" altLang="en-US"/>
+          </a:p>
+        </p:txBody>
+      </p:sp>
+    </p:spTree>
+    <p:extLst>
+      <p:ext uri="{BB962C8B-B14F-4D97-AF65-F5344CB8AC3E}">
+        <p14:creationId xmlns:p14="http://schemas.microsoft.com/office/powerpoint/2010/main" val="1131491020"/>
+      </p:ext>
+    </p:extLst>
+  </p:cSld>
+  <p:clrMapOvr>
+    <a:masterClrMapping/>
+  </p:clrMapOvr>
+</p:notes>
+</file>
+
+<file path=ppt/notesSlides/notesSlide3.xml><?xml version="1.0" encoding="utf-8"?>
+<p:notes xmlns:a="http://schemas.openxmlformats.org/drawingml/2006/main" xmlns:r="http://schemas.openxmlformats.org/officeDocument/2006/relationships" xmlns:p="http://schemas.openxmlformats.org/presentationml/2006/main">
+  <p:cSld>
+    <p:spTree>
+      <p:nvGrpSpPr>
+        <p:cNvPr id="1" name=""/>
+        <p:cNvGrpSpPr/>
+        <p:nvPr/>
+      </p:nvGrpSpPr>
+      <p:grpSpPr>
+        <a:xfrm>
+          <a:off x="0" y="0"/>
+          <a:ext cx="0" cy="0"/>
+          <a:chOff x="0" y="0"/>
+          <a:chExt cx="0" cy="0"/>
+        </a:xfrm>
+      </p:grpSpPr>
+      <p:sp>
+        <p:nvSpPr>
+          <p:cNvPr id="2" name="投影片圖像版面配置區 1"/>
+          <p:cNvSpPr>
+            <a:spLocks noGrp="1" noRot="1" noChangeAspect="1"/>
+          </p:cNvSpPr>
+          <p:nvPr>
+            <p:ph type="sldImg"/>
+          </p:nvPr>
+        </p:nvSpPr>
+        <p:spPr/>
+      </p:sp>
+      <p:sp>
+        <p:nvSpPr>
+          <p:cNvPr id="3" name="備忘稿版面配置區 2"/>
+          <p:cNvSpPr>
+            <a:spLocks noGrp="1"/>
+          </p:cNvSpPr>
+          <p:nvPr>
+            <p:ph type="body" idx="1"/>
+          </p:nvPr>
+        </p:nvSpPr>
+        <p:spPr/>
+        <p:txBody>
+          <a:bodyPr/>
+          <a:lstStyle/>
+          <a:p>
+            <a:endParaRPr lang="zh-TW" altLang="en-US" dirty="0"/>
+          </a:p>
+        </p:txBody>
+      </p:sp>
+      <p:sp>
+        <p:nvSpPr>
+          <p:cNvPr id="4" name="投影片編號版面配置區 3"/>
+          <p:cNvSpPr>
+            <a:spLocks noGrp="1"/>
+          </p:cNvSpPr>
+          <p:nvPr>
+            <p:ph type="sldNum" sz="quarter" idx="10"/>
+          </p:nvPr>
+        </p:nvSpPr>
+        <p:spPr/>
+        <p:txBody>
+          <a:bodyPr/>
+          <a:lstStyle/>
+          <a:p>
+            <a:fld id="{B7946409-C583-4C0D-8B7A-9E04B99935DE}" type="slidenum">
+              <a:rPr lang="zh-TW" altLang="en-US" smtClean="0"/>
+              <a:t>20</a:t>
             </a:fld>
             <a:endParaRPr lang="zh-TW" altLang="en-US"/>
           </a:p>
@@ -32680,7 +29801,7 @@
 </p:notes>
 </file>
 
-<file path=ppt/notesSlides/notesSlide3.xml><?xml version="1.0" encoding="utf-8"?>
+<file path=ppt/notesSlides/notesSlide4.xml><?xml version="1.0" encoding="utf-8"?>
 <p:notes xmlns:a="http://schemas.openxmlformats.org/drawingml/2006/main" xmlns:r="http://schemas.openxmlformats.org/officeDocument/2006/relationships" xmlns:p="http://schemas.openxmlformats.org/presentationml/2006/main">
   <p:cSld>
     <p:spTree>
@@ -32774,19 +29895,7 @@
                 <a:ea typeface="+mn-ea"/>
                 <a:cs typeface="+mn-cs"/>
               </a:rPr>
-              <a:t>減少</a:t>
-            </a:r>
-            <a:r>
-              <a:rPr lang="zh-TW" altLang="en-US" sz="1200" b="0" i="0" kern="1200" smtClean="0">
-                <a:solidFill>
-                  <a:schemeClr val="tx1"/>
-                </a:solidFill>
-                <a:effectLst/>
-                <a:latin typeface="+mn-lt"/>
-                <a:ea typeface="+mn-ea"/>
-                <a:cs typeface="+mn-cs"/>
-              </a:rPr>
-              <a:t>除錯的</a:t>
+              <a:t>減少除錯的</a:t>
             </a:r>
             <a:r>
               <a:rPr lang="zh-TW" altLang="en-US" sz="1200" b="0" i="0" kern="1200" dirty="0" smtClean="0">
@@ -32831,7 +29940,7 @@
           <a:p>
             <a:fld id="{B7946409-C583-4C0D-8B7A-9E04B99935DE}" type="slidenum">
               <a:rPr lang="zh-TW" altLang="en-US" smtClean="0"/>
-              <a:t>22</a:t>
+              <a:t>21</a:t>
             </a:fld>
             <a:endParaRPr lang="zh-TW" altLang="en-US"/>
           </a:p>
@@ -32850,7 +29959,7 @@
 </p:notes>
 </file>
 
-<file path=ppt/notesSlides/notesSlide4.xml><?xml version="1.0" encoding="utf-8"?>
+<file path=ppt/notesSlides/notesSlide5.xml><?xml version="1.0" encoding="utf-8"?>
 <p:notes xmlns:a="http://schemas.openxmlformats.org/drawingml/2006/main" xmlns:r="http://schemas.openxmlformats.org/officeDocument/2006/relationships" xmlns:p="http://schemas.openxmlformats.org/presentationml/2006/main">
   <p:cSld>
     <p:spTree>
@@ -32915,7 +30024,7 @@
           <a:p>
             <a:fld id="{B7946409-C583-4C0D-8B7A-9E04B99935DE}" type="slidenum">
               <a:rPr lang="zh-TW" altLang="en-US" smtClean="0"/>
-              <a:t>23</a:t>
+              <a:t>22</a:t>
             </a:fld>
             <a:endParaRPr lang="zh-TW" altLang="en-US"/>
           </a:p>
@@ -36664,7 +33773,7 @@
           <p:nvPr>
             <p:extLst>
               <p:ext uri="{D42A27DB-BD31-4B8C-83A1-F6EECF244321}">
-                <p14:modId xmlns:p14="http://schemas.microsoft.com/office/powerpoint/2010/main" val="3587282632"/>
+                <p14:modId xmlns:p14="http://schemas.microsoft.com/office/powerpoint/2010/main" val="2580239049"/>
               </p:ext>
             </p:extLst>
           </p:nvPr>
@@ -36932,109 +34041,6 @@
       </p:grpSpPr>
       <p:sp>
         <p:nvSpPr>
-          <p:cNvPr id="4" name="文字方塊 3"/>
-          <p:cNvSpPr txBox="1"/>
-          <p:nvPr/>
-        </p:nvSpPr>
-        <p:spPr>
-          <a:xfrm>
-            <a:off x="601152" y="411379"/>
-            <a:ext cx="3394783" cy="523220"/>
-          </a:xfrm>
-          <a:prstGeom prst="rect">
-            <a:avLst/>
-          </a:prstGeom>
-          <a:noFill/>
-        </p:spPr>
-        <p:txBody>
-          <a:bodyPr wrap="square" rtlCol="0">
-            <a:spAutoFit/>
-          </a:bodyPr>
-          <a:lstStyle/>
-          <a:p>
-            <a:r>
-              <a:rPr lang="zh-TW" altLang="en-US" sz="2800" b="1" dirty="0">
-                <a:solidFill>
-                  <a:schemeClr val="tx2">
-                    <a:lumMod val="75000"/>
-                  </a:schemeClr>
-                </a:solidFill>
-                <a:effectLst>
-                  <a:outerShdw blurRad="50800" dist="38100" dir="2700000" algn="tl" rotWithShape="0">
-                    <a:prstClr val="black">
-                      <a:alpha val="40000"/>
-                    </a:prstClr>
-                  </a:outerShdw>
-                </a:effectLst>
-                <a:latin typeface="微軟正黑體" pitchFamily="34" charset="-120"/>
-                <a:ea typeface="微軟正黑體" pitchFamily="34" charset="-120"/>
-              </a:rPr>
-              <a:t>黑洞</a:t>
-            </a:r>
-          </a:p>
-        </p:txBody>
-      </p:sp>
-      <p:graphicFrame>
-        <p:nvGraphicFramePr>
-          <p:cNvPr id="5" name="資料庫圖表 4"/>
-          <p:cNvGraphicFramePr/>
-          <p:nvPr>
-            <p:extLst>
-              <p:ext uri="{D42A27DB-BD31-4B8C-83A1-F6EECF244321}">
-                <p14:modId xmlns:p14="http://schemas.microsoft.com/office/powerpoint/2010/main" val="353267400"/>
-              </p:ext>
-            </p:extLst>
-          </p:nvPr>
-        </p:nvGraphicFramePr>
-        <p:xfrm>
-          <a:off x="1475656" y="1556792"/>
-          <a:ext cx="5904656" cy="3384376"/>
-        </p:xfrm>
-        <a:graphic>
-          <a:graphicData uri="http://schemas.openxmlformats.org/drawingml/2006/diagram">
-            <dgm:relIds xmlns:dgm="http://schemas.openxmlformats.org/drawingml/2006/diagram" xmlns:r="http://schemas.openxmlformats.org/officeDocument/2006/relationships" r:dm="rId2" r:lo="rId3" r:qs="rId4" r:cs="rId5"/>
-          </a:graphicData>
-        </a:graphic>
-      </p:graphicFrame>
-    </p:spTree>
-    <p:extLst>
-      <p:ext uri="{BB962C8B-B14F-4D97-AF65-F5344CB8AC3E}">
-        <p14:creationId xmlns:p14="http://schemas.microsoft.com/office/powerpoint/2010/main" val="630688590"/>
-      </p:ext>
-    </p:extLst>
-  </p:cSld>
-  <p:clrMapOvr>
-    <a:masterClrMapping/>
-  </p:clrMapOvr>
-  <p:timing>
-    <p:tnLst>
-      <p:par>
-        <p:cTn id="1" dur="indefinite" restart="never" nodeType="tmRoot"/>
-      </p:par>
-    </p:tnLst>
-  </p:timing>
-</p:sld>
-</file>
-
-<file path=ppt/slides/slide15.xml><?xml version="1.0" encoding="utf-8"?>
-<p:sld xmlns:a="http://schemas.openxmlformats.org/drawingml/2006/main" xmlns:r="http://schemas.openxmlformats.org/officeDocument/2006/relationships" xmlns:p="http://schemas.openxmlformats.org/presentationml/2006/main">
-  <p:cSld>
-    <p:spTree>
-      <p:nvGrpSpPr>
-        <p:cNvPr id="1" name=""/>
-        <p:cNvGrpSpPr/>
-        <p:nvPr/>
-      </p:nvGrpSpPr>
-      <p:grpSpPr>
-        <a:xfrm>
-          <a:off x="0" y="0"/>
-          <a:ext cx="0" cy="0"/>
-          <a:chOff x="0" y="0"/>
-          <a:chExt cx="0" cy="0"/>
-        </a:xfrm>
-      </p:grpSpPr>
-      <p:sp>
-        <p:nvSpPr>
           <p:cNvPr id="4" name="標題 1"/>
           <p:cNvSpPr txBox="1">
             <a:spLocks/>
@@ -37167,7 +34173,7 @@
 </p:sld>
 </file>
 
-<file path=ppt/slides/slide16.xml><?xml version="1.0" encoding="utf-8"?>
+<file path=ppt/slides/slide15.xml><?xml version="1.0" encoding="utf-8"?>
 <p:sld xmlns:a="http://schemas.openxmlformats.org/drawingml/2006/main" xmlns:r="http://schemas.openxmlformats.org/officeDocument/2006/relationships" xmlns:p="http://schemas.openxmlformats.org/presentationml/2006/main">
   <p:cSld>
     <p:spTree>
@@ -37534,7 +34540,7 @@
 </p:sld>
 </file>
 
-<file path=ppt/slides/slide17.xml><?xml version="1.0" encoding="utf-8"?>
+<file path=ppt/slides/slide16.xml><?xml version="1.0" encoding="utf-8"?>
 <p:sld xmlns:a="http://schemas.openxmlformats.org/drawingml/2006/main" xmlns:r="http://schemas.openxmlformats.org/officeDocument/2006/relationships" xmlns:p="http://schemas.openxmlformats.org/presentationml/2006/main">
   <p:cSld>
     <p:spTree>
@@ -37928,7 +34934,7 @@
 </p:sld>
 </file>
 
-<file path=ppt/slides/slide18.xml><?xml version="1.0" encoding="utf-8"?>
+<file path=ppt/slides/slide17.xml><?xml version="1.0" encoding="utf-8"?>
 <p:sld xmlns:a="http://schemas.openxmlformats.org/drawingml/2006/main" xmlns:r="http://schemas.openxmlformats.org/officeDocument/2006/relationships" xmlns:p="http://schemas.openxmlformats.org/presentationml/2006/main">
   <p:cSld>
     <p:spTree>
@@ -38344,7 +35350,7 @@
 </p:sld>
 </file>
 
-<file path=ppt/slides/slide19.xml><?xml version="1.0" encoding="utf-8"?>
+<file path=ppt/slides/slide18.xml><?xml version="1.0" encoding="utf-8"?>
 <p:sld xmlns:a="http://schemas.openxmlformats.org/drawingml/2006/main" xmlns:r="http://schemas.openxmlformats.org/officeDocument/2006/relationships" xmlns:p="http://schemas.openxmlformats.org/presentationml/2006/main">
   <p:cSld>
     <p:spTree>
@@ -38774,115 +35780,7 @@
 </p:sld>
 </file>
 
-<file path=ppt/slides/slide2.xml><?xml version="1.0" encoding="utf-8"?>
-<p:sld xmlns:a="http://schemas.openxmlformats.org/drawingml/2006/main" xmlns:r="http://schemas.openxmlformats.org/officeDocument/2006/relationships" xmlns:p="http://schemas.openxmlformats.org/presentationml/2006/main">
-  <p:cSld>
-    <p:spTree>
-      <p:nvGrpSpPr>
-        <p:cNvPr id="1" name=""/>
-        <p:cNvGrpSpPr/>
-        <p:nvPr/>
-      </p:nvGrpSpPr>
-      <p:grpSpPr>
-        <a:xfrm>
-          <a:off x="0" y="0"/>
-          <a:ext cx="0" cy="0"/>
-          <a:chOff x="0" y="0"/>
-          <a:chExt cx="0" cy="0"/>
-        </a:xfrm>
-      </p:grpSpPr>
-      <p:sp>
-        <p:nvSpPr>
-          <p:cNvPr id="4" name="標題 1"/>
-          <p:cNvSpPr txBox="1">
-            <a:spLocks/>
-          </p:cNvSpPr>
-          <p:nvPr/>
-        </p:nvSpPr>
-        <p:spPr>
-          <a:xfrm>
-            <a:off x="685800" y="1905000"/>
-            <a:ext cx="7543800" cy="2593975"/>
-          </a:xfrm>
-          <a:prstGeom prst="rect">
-            <a:avLst/>
-          </a:prstGeom>
-        </p:spPr>
-        <p:txBody>
-          <a:bodyPr vert="horz" lIns="91440" tIns="45720" rIns="91440" bIns="45720" rtlCol="0" anchor="ctr">
-            <a:noAutofit/>
-          </a:bodyPr>
-          <a:lstStyle>
-            <a:lvl1pPr algn="l" defTabSz="914400" rtl="0" eaLnBrk="1" latinLnBrk="0" hangingPunct="1">
-              <a:spcBef>
-                <a:spcPct val="0"/>
-              </a:spcBef>
-              <a:buNone/>
-              <a:defRPr sz="4600" kern="1200" cap="none" spc="-100" baseline="0">
-                <a:ln>
-                  <a:noFill/>
-                </a:ln>
-                <a:solidFill>
-                  <a:schemeClr val="tx2"/>
-                </a:solidFill>
-                <a:effectLst/>
-                <a:latin typeface="+mj-lt"/>
-                <a:ea typeface="+mj-ea"/>
-                <a:cs typeface="+mj-cs"/>
-              </a:defRPr>
-            </a:lvl1pPr>
-          </a:lstStyle>
-          <a:p>
-            <a:pPr algn="ctr"/>
-            <a:r>
-              <a:rPr lang="zh-TW" altLang="en-US" dirty="0" smtClean="0">
-                <a:effectLst>
-                  <a:outerShdw blurRad="50800" dist="38100" dir="2700000" algn="tl" rotWithShape="0">
-                    <a:prstClr val="black">
-                      <a:alpha val="40000"/>
-                    </a:prstClr>
-                  </a:outerShdw>
-                </a:effectLst>
-                <a:latin typeface="微軟正黑體" pitchFamily="34" charset="-120"/>
-                <a:ea typeface="微軟正黑體" pitchFamily="34" charset="-120"/>
-              </a:rPr>
-              <a:t>介紹</a:t>
-            </a:r>
-            <a:endParaRPr lang="en-US" altLang="zh-TW" dirty="0" smtClean="0">
-              <a:effectLst>
-                <a:outerShdw blurRad="50800" dist="38100" dir="2700000" algn="tl" rotWithShape="0">
-                  <a:prstClr val="black">
-                    <a:alpha val="40000"/>
-                  </a:prstClr>
-                </a:outerShdw>
-              </a:effectLst>
-              <a:latin typeface="微軟正黑體" pitchFamily="34" charset="-120"/>
-              <a:ea typeface="微軟正黑體" pitchFamily="34" charset="-120"/>
-            </a:endParaRPr>
-          </a:p>
-        </p:txBody>
-      </p:sp>
-    </p:spTree>
-    <p:extLst>
-      <p:ext uri="{BB962C8B-B14F-4D97-AF65-F5344CB8AC3E}">
-        <p14:creationId xmlns:p14="http://schemas.microsoft.com/office/powerpoint/2010/main" val="1536406050"/>
-      </p:ext>
-    </p:extLst>
-  </p:cSld>
-  <p:clrMapOvr>
-    <a:masterClrMapping/>
-  </p:clrMapOvr>
-  <p:timing>
-    <p:tnLst>
-      <p:par>
-        <p:cTn id="1" dur="indefinite" restart="never" nodeType="tmRoot"/>
-      </p:par>
-    </p:tnLst>
-  </p:timing>
-</p:sld>
-</file>
-
-<file path=ppt/slides/slide20.xml><?xml version="1.0" encoding="utf-8"?>
+<file path=ppt/slides/slide19.xml><?xml version="1.0" encoding="utf-8"?>
 <p:sld xmlns:a="http://schemas.openxmlformats.org/drawingml/2006/main" xmlns:r="http://schemas.openxmlformats.org/officeDocument/2006/relationships" xmlns:p="http://schemas.openxmlformats.org/presentationml/2006/main">
   <p:cSld>
     <p:spTree>
@@ -39369,7 +36267,115 @@
 </p:sld>
 </file>
 
-<file path=ppt/slides/slide21.xml><?xml version="1.0" encoding="utf-8"?>
+<file path=ppt/slides/slide2.xml><?xml version="1.0" encoding="utf-8"?>
+<p:sld xmlns:a="http://schemas.openxmlformats.org/drawingml/2006/main" xmlns:r="http://schemas.openxmlformats.org/officeDocument/2006/relationships" xmlns:p="http://schemas.openxmlformats.org/presentationml/2006/main">
+  <p:cSld>
+    <p:spTree>
+      <p:nvGrpSpPr>
+        <p:cNvPr id="1" name=""/>
+        <p:cNvGrpSpPr/>
+        <p:nvPr/>
+      </p:nvGrpSpPr>
+      <p:grpSpPr>
+        <a:xfrm>
+          <a:off x="0" y="0"/>
+          <a:ext cx="0" cy="0"/>
+          <a:chOff x="0" y="0"/>
+          <a:chExt cx="0" cy="0"/>
+        </a:xfrm>
+      </p:grpSpPr>
+      <p:sp>
+        <p:nvSpPr>
+          <p:cNvPr id="4" name="標題 1"/>
+          <p:cNvSpPr txBox="1">
+            <a:spLocks/>
+          </p:cNvSpPr>
+          <p:nvPr/>
+        </p:nvSpPr>
+        <p:spPr>
+          <a:xfrm>
+            <a:off x="685800" y="1905000"/>
+            <a:ext cx="7543800" cy="2593975"/>
+          </a:xfrm>
+          <a:prstGeom prst="rect">
+            <a:avLst/>
+          </a:prstGeom>
+        </p:spPr>
+        <p:txBody>
+          <a:bodyPr vert="horz" lIns="91440" tIns="45720" rIns="91440" bIns="45720" rtlCol="0" anchor="ctr">
+            <a:noAutofit/>
+          </a:bodyPr>
+          <a:lstStyle>
+            <a:lvl1pPr algn="l" defTabSz="914400" rtl="0" eaLnBrk="1" latinLnBrk="0" hangingPunct="1">
+              <a:spcBef>
+                <a:spcPct val="0"/>
+              </a:spcBef>
+              <a:buNone/>
+              <a:defRPr sz="4600" kern="1200" cap="none" spc="-100" baseline="0">
+                <a:ln>
+                  <a:noFill/>
+                </a:ln>
+                <a:solidFill>
+                  <a:schemeClr val="tx2"/>
+                </a:solidFill>
+                <a:effectLst/>
+                <a:latin typeface="+mj-lt"/>
+                <a:ea typeface="+mj-ea"/>
+                <a:cs typeface="+mj-cs"/>
+              </a:defRPr>
+            </a:lvl1pPr>
+          </a:lstStyle>
+          <a:p>
+            <a:pPr algn="ctr"/>
+            <a:r>
+              <a:rPr lang="zh-TW" altLang="en-US" dirty="0" smtClean="0">
+                <a:effectLst>
+                  <a:outerShdw blurRad="50800" dist="38100" dir="2700000" algn="tl" rotWithShape="0">
+                    <a:prstClr val="black">
+                      <a:alpha val="40000"/>
+                    </a:prstClr>
+                  </a:outerShdw>
+                </a:effectLst>
+                <a:latin typeface="微軟正黑體" pitchFamily="34" charset="-120"/>
+                <a:ea typeface="微軟正黑體" pitchFamily="34" charset="-120"/>
+              </a:rPr>
+              <a:t>介紹</a:t>
+            </a:r>
+            <a:endParaRPr lang="en-US" altLang="zh-TW" dirty="0" smtClean="0">
+              <a:effectLst>
+                <a:outerShdw blurRad="50800" dist="38100" dir="2700000" algn="tl" rotWithShape="0">
+                  <a:prstClr val="black">
+                    <a:alpha val="40000"/>
+                  </a:prstClr>
+                </a:outerShdw>
+              </a:effectLst>
+              <a:latin typeface="微軟正黑體" pitchFamily="34" charset="-120"/>
+              <a:ea typeface="微軟正黑體" pitchFamily="34" charset="-120"/>
+            </a:endParaRPr>
+          </a:p>
+        </p:txBody>
+      </p:sp>
+    </p:spTree>
+    <p:extLst>
+      <p:ext uri="{BB962C8B-B14F-4D97-AF65-F5344CB8AC3E}">
+        <p14:creationId xmlns:p14="http://schemas.microsoft.com/office/powerpoint/2010/main" val="1536406050"/>
+      </p:ext>
+    </p:extLst>
+  </p:cSld>
+  <p:clrMapOvr>
+    <a:masterClrMapping/>
+  </p:clrMapOvr>
+  <p:timing>
+    <p:tnLst>
+      <p:par>
+        <p:cTn id="1" dur="indefinite" restart="never" nodeType="tmRoot"/>
+      </p:par>
+    </p:tnLst>
+  </p:timing>
+</p:sld>
+</file>
+
+<file path=ppt/slides/slide20.xml><?xml version="1.0" encoding="utf-8"?>
 <p:sld xmlns:a="http://schemas.openxmlformats.org/drawingml/2006/main" xmlns:r="http://schemas.openxmlformats.org/officeDocument/2006/relationships" xmlns:p="http://schemas.openxmlformats.org/presentationml/2006/main">
   <p:cSld>
     <p:spTree>
@@ -39428,7 +36434,7 @@
 </p:sld>
 </file>
 
-<file path=ppt/slides/slide22.xml><?xml version="1.0" encoding="utf-8"?>
+<file path=ppt/slides/slide21.xml><?xml version="1.0" encoding="utf-8"?>
 <p:sld xmlns:a="http://schemas.openxmlformats.org/drawingml/2006/main" xmlns:r="http://schemas.openxmlformats.org/officeDocument/2006/relationships" xmlns:p="http://schemas.openxmlformats.org/presentationml/2006/main">
   <p:cSld>
     <p:spTree>
@@ -39536,7 +36542,7 @@
 </p:sld>
 </file>
 
-<file path=ppt/slides/slide23.xml><?xml version="1.0" encoding="utf-8"?>
+<file path=ppt/slides/slide22.xml><?xml version="1.0" encoding="utf-8"?>
 <p:sld xmlns:a="http://schemas.openxmlformats.org/drawingml/2006/main" xmlns:r="http://schemas.openxmlformats.org/officeDocument/2006/relationships" xmlns:p="http://schemas.openxmlformats.org/presentationml/2006/main">
   <p:cSld>
     <p:spTree>
@@ -39684,7 +36690,7 @@
 </p:sld>
 </file>
 
-<file path=ppt/slides/slide24.xml><?xml version="1.0" encoding="utf-8"?>
+<file path=ppt/slides/slide23.xml><?xml version="1.0" encoding="utf-8"?>
 <p:sld xmlns:a="http://schemas.openxmlformats.org/drawingml/2006/main" xmlns:r="http://schemas.openxmlformats.org/officeDocument/2006/relationships" xmlns:p="http://schemas.openxmlformats.org/presentationml/2006/main">
   <p:cSld>
     <p:spTree>
@@ -40358,7 +37364,7 @@
           <p:nvPr>
             <p:extLst>
               <p:ext uri="{D42A27DB-BD31-4B8C-83A1-F6EECF244321}">
-                <p14:modId xmlns:p14="http://schemas.microsoft.com/office/powerpoint/2010/main" val="4142241594"/>
+                <p14:modId xmlns:p14="http://schemas.microsoft.com/office/powerpoint/2010/main" val="1030119993"/>
               </p:ext>
             </p:extLst>
           </p:nvPr>
@@ -40480,7 +37486,7 @@
           <p:nvPr>
             <p:extLst>
               <p:ext uri="{D42A27DB-BD31-4B8C-83A1-F6EECF244321}">
-                <p14:modId xmlns:p14="http://schemas.microsoft.com/office/powerpoint/2010/main" val="790140121"/>
+                <p14:modId xmlns:p14="http://schemas.microsoft.com/office/powerpoint/2010/main" val="1333866727"/>
               </p:ext>
             </p:extLst>
           </p:nvPr>
@@ -40744,7 +37750,7 @@
         <p:spPr>
           <a:xfrm flipH="1">
             <a:off x="3896275" y="2040323"/>
-            <a:ext cx="630071" cy="576064"/>
+            <a:ext cx="508882" cy="576064"/>
           </a:xfrm>
           <a:prstGeom prst="straightConnector1">
             <a:avLst/>
@@ -40782,8 +37788,8 @@
         </p:nvCxnSpPr>
         <p:spPr>
           <a:xfrm>
-            <a:off x="4526346" y="2040323"/>
-            <a:ext cx="756084" cy="526136"/>
+            <a:off x="4405157" y="2040323"/>
+            <a:ext cx="877273" cy="526136"/>
           </a:xfrm>
           <a:prstGeom prst="straightConnector1">
             <a:avLst/>
@@ -40818,8 +37824,8 @@
         </p:nvSpPr>
         <p:spPr>
           <a:xfrm>
-            <a:off x="3374218" y="1517103"/>
-            <a:ext cx="2304256" cy="523220"/>
+            <a:off x="3131840" y="1517103"/>
+            <a:ext cx="2546634" cy="523220"/>
           </a:xfrm>
           <a:prstGeom prst="rect">
             <a:avLst/>
@@ -40865,7 +37871,7 @@
                 <a:latin typeface="微軟正黑體" pitchFamily="34" charset="-120"/>
                 <a:ea typeface="微軟正黑體" pitchFamily="34" charset="-120"/>
               </a:rPr>
-              <a:t>class</a:t>
+              <a:t>object</a:t>
             </a:r>
             <a:endParaRPr lang="zh-TW" altLang="en-US" sz="2800" dirty="0">
               <a:latin typeface="微軟正黑體" pitchFamily="34" charset="-120"/>
